--- a/Apresentacao NodeJS.pptx
+++ b/Apresentacao NodeJS.pptx
@@ -14,11 +14,11 @@
     <p:sldId id="337" r:id="rId5"/>
     <p:sldId id="338" r:id="rId6"/>
     <p:sldId id="291" r:id="rId7"/>
-    <p:sldId id="289" r:id="rId8"/>
+    <p:sldId id="260" r:id="rId8"/>
     <p:sldId id="261" r:id="rId9"/>
     <p:sldId id="267" r:id="rId10"/>
-    <p:sldId id="260" r:id="rId11"/>
-    <p:sldId id="352" r:id="rId12"/>
+    <p:sldId id="352" r:id="rId11"/>
+    <p:sldId id="355" r:id="rId12"/>
     <p:sldId id="263" r:id="rId13"/>
     <p:sldId id="353" r:id="rId14"/>
     <p:sldId id="292" r:id="rId15"/>
@@ -26,12 +26,12 @@
     <p:sldId id="296" r:id="rId17"/>
     <p:sldId id="313" r:id="rId18"/>
     <p:sldId id="314" r:id="rId19"/>
-    <p:sldId id="310" r:id="rId20"/>
-    <p:sldId id="268" r:id="rId21"/>
+    <p:sldId id="268" r:id="rId20"/>
+    <p:sldId id="310" r:id="rId21"/>
     <p:sldId id="262" r:id="rId22"/>
     <p:sldId id="293" r:id="rId23"/>
-    <p:sldId id="315" r:id="rId24"/>
-    <p:sldId id="326" r:id="rId25"/>
+    <p:sldId id="326" r:id="rId24"/>
+    <p:sldId id="315" r:id="rId25"/>
     <p:sldId id="259" r:id="rId26"/>
     <p:sldId id="339" r:id="rId27"/>
     <p:sldId id="340" r:id="rId28"/>
@@ -274,7 +274,7 @@
   </p:defaultTextStyle>
   <p:extLst>
     <p:ext uri="{EFAFB233-063F-42B5-8137-9DF3F51BA10A}">
-      <p15:sldGuideLst xmlns="" xmlns:p15="http://schemas.microsoft.com/office/powerpoint/2012/main">
+      <p15:sldGuideLst xmlns:p15="http://schemas.microsoft.com/office/powerpoint/2012/main" xmlns="">
         <p15:guide id="1" orient="horz" pos="1620">
           <p15:clr>
             <a:srgbClr val="A4A3A4"/>
@@ -453,7 +453,7 @@
     </p:spTree>
     <p:extLst>
       <p:ext uri="{BB962C8B-B14F-4D97-AF65-F5344CB8AC3E}">
-        <p14:creationId xmlns:p14="http://schemas.microsoft.com/office/powerpoint/2010/main" val="2923176333"/>
+        <p14:creationId xmlns:p14="http://schemas.microsoft.com/office/powerpoint/2010/main" xmlns="" val="2923176333"/>
       </p:ext>
     </p:extLst>
   </p:cSld>
@@ -649,7 +649,7 @@
     </p:spTree>
     <p:extLst>
       <p:ext uri="{BB962C8B-B14F-4D97-AF65-F5344CB8AC3E}">
-        <p14:creationId xmlns:p14="http://schemas.microsoft.com/office/powerpoint/2010/main" val="4210450614"/>
+        <p14:creationId xmlns:p14="http://schemas.microsoft.com/office/powerpoint/2010/main" xmlns="" val="4210450614"/>
       </p:ext>
     </p:extLst>
   </p:cSld>
@@ -660,6 +660,112 @@
 </file>
 
 <file path=ppt/notesSlides/notesSlide10.xml><?xml version="1.0" encoding="utf-8"?>
+<p:notes xmlns:a="http://schemas.openxmlformats.org/drawingml/2006/main" xmlns:r="http://schemas.openxmlformats.org/officeDocument/2006/relationships" xmlns:p="http://schemas.openxmlformats.org/presentationml/2006/main" showMasterSp="0" showMasterPhAnim="0">
+  <p:cSld>
+    <p:spTree>
+      <p:nvGrpSpPr>
+        <p:cNvPr id="1" name="Shape 142"/>
+        <p:cNvGrpSpPr/>
+        <p:nvPr/>
+      </p:nvGrpSpPr>
+      <p:grpSpPr>
+        <a:xfrm>
+          <a:off x="0" y="0"/>
+          <a:ext cx="0" cy="0"/>
+          <a:chOff x="0" y="0"/>
+          <a:chExt cx="0" cy="0"/>
+        </a:xfrm>
+      </p:grpSpPr>
+      <p:sp>
+        <p:nvSpPr>
+          <p:cNvPr id="143" name="Shape 143"/>
+          <p:cNvSpPr>
+            <a:spLocks noGrp="1" noRot="1" noChangeAspect="1"/>
+          </p:cNvSpPr>
+          <p:nvPr>
+            <p:ph type="sldImg" idx="2"/>
+          </p:nvPr>
+        </p:nvSpPr>
+        <p:spPr>
+          <a:xfrm>
+            <a:off x="381000" y="685800"/>
+            <a:ext cx="6096000" cy="3429000"/>
+          </a:xfrm>
+          <a:custGeom>
+            <a:avLst/>
+            <a:gdLst/>
+            <a:ahLst/>
+            <a:cxnLst/>
+            <a:rect l="0" t="0" r="0" b="0"/>
+            <a:pathLst>
+              <a:path w="120000" h="120000" extrusionOk="0">
+                <a:moveTo>
+                  <a:pt x="0" y="0"/>
+                </a:moveTo>
+                <a:lnTo>
+                  <a:pt x="120000" y="0"/>
+                </a:lnTo>
+                <a:lnTo>
+                  <a:pt x="120000" y="120000"/>
+                </a:lnTo>
+                <a:lnTo>
+                  <a:pt x="0" y="120000"/>
+                </a:lnTo>
+                <a:close/>
+              </a:path>
+            </a:pathLst>
+          </a:custGeom>
+        </p:spPr>
+      </p:sp>
+      <p:sp>
+        <p:nvSpPr>
+          <p:cNvPr id="144" name="Shape 144"/>
+          <p:cNvSpPr txBox="1">
+            <a:spLocks noGrp="1"/>
+          </p:cNvSpPr>
+          <p:nvPr>
+            <p:ph type="body" idx="1"/>
+          </p:nvPr>
+        </p:nvSpPr>
+        <p:spPr>
+          <a:xfrm>
+            <a:off x="685800" y="4343400"/>
+            <a:ext cx="5486399" cy="4114800"/>
+          </a:xfrm>
+          <a:prstGeom prst="rect">
+            <a:avLst/>
+          </a:prstGeom>
+        </p:spPr>
+        <p:txBody>
+          <a:bodyPr lIns="91425" tIns="91425" rIns="91425" bIns="91425" anchor="t" anchorCtr="0">
+            <a:noAutofit/>
+          </a:bodyPr>
+          <a:lstStyle/>
+          <a:p>
+            <a:pPr lvl="0">
+              <a:spcBef>
+                <a:spcPts val="0"/>
+              </a:spcBef>
+              <a:buNone/>
+            </a:pPr>
+            <a:endParaRPr/>
+          </a:p>
+        </p:txBody>
+      </p:sp>
+    </p:spTree>
+    <p:extLst>
+      <p:ext uri="{BB962C8B-B14F-4D97-AF65-F5344CB8AC3E}">
+        <p14:creationId xmlns:p14="http://schemas.microsoft.com/office/powerpoint/2010/main" xmlns="" val="85359425"/>
+      </p:ext>
+    </p:extLst>
+  </p:cSld>
+  <p:clrMapOvr>
+    <a:masterClrMapping/>
+  </p:clrMapOvr>
+</p:notes>
+</file>
+
+<file path=ppt/notesSlides/notesSlide11.xml><?xml version="1.0" encoding="utf-8"?>
 <p:notes xmlns:a="http://schemas.openxmlformats.org/drawingml/2006/main" xmlns:r="http://schemas.openxmlformats.org/officeDocument/2006/relationships" xmlns:p="http://schemas.openxmlformats.org/presentationml/2006/main" showMasterSp="0" showMasterPhAnim="0">
   <p:cSld>
     <p:spTree>
@@ -755,113 +861,7 @@
     </p:spTree>
     <p:extLst>
       <p:ext uri="{BB962C8B-B14F-4D97-AF65-F5344CB8AC3E}">
-        <p14:creationId xmlns:p14="http://schemas.microsoft.com/office/powerpoint/2010/main" val="3749086367"/>
-      </p:ext>
-    </p:extLst>
-  </p:cSld>
-  <p:clrMapOvr>
-    <a:masterClrMapping/>
-  </p:clrMapOvr>
-</p:notes>
-</file>
-
-<file path=ppt/notesSlides/notesSlide11.xml><?xml version="1.0" encoding="utf-8"?>
-<p:notes xmlns:a="http://schemas.openxmlformats.org/drawingml/2006/main" xmlns:r="http://schemas.openxmlformats.org/officeDocument/2006/relationships" xmlns:p="http://schemas.openxmlformats.org/presentationml/2006/main" showMasterSp="0" showMasterPhAnim="0">
-  <p:cSld>
-    <p:spTree>
-      <p:nvGrpSpPr>
-        <p:cNvPr id="1" name="Shape 142"/>
-        <p:cNvGrpSpPr/>
-        <p:nvPr/>
-      </p:nvGrpSpPr>
-      <p:grpSpPr>
-        <a:xfrm>
-          <a:off x="0" y="0"/>
-          <a:ext cx="0" cy="0"/>
-          <a:chOff x="0" y="0"/>
-          <a:chExt cx="0" cy="0"/>
-        </a:xfrm>
-      </p:grpSpPr>
-      <p:sp>
-        <p:nvSpPr>
-          <p:cNvPr id="143" name="Shape 143"/>
-          <p:cNvSpPr>
-            <a:spLocks noGrp="1" noRot="1" noChangeAspect="1"/>
-          </p:cNvSpPr>
-          <p:nvPr>
-            <p:ph type="sldImg" idx="2"/>
-          </p:nvPr>
-        </p:nvSpPr>
-        <p:spPr>
-          <a:xfrm>
-            <a:off x="381000" y="685800"/>
-            <a:ext cx="6096000" cy="3429000"/>
-          </a:xfrm>
-          <a:custGeom>
-            <a:avLst/>
-            <a:gdLst/>
-            <a:ahLst/>
-            <a:cxnLst/>
-            <a:rect l="0" t="0" r="0" b="0"/>
-            <a:pathLst>
-              <a:path w="120000" h="120000" extrusionOk="0">
-                <a:moveTo>
-                  <a:pt x="0" y="0"/>
-                </a:moveTo>
-                <a:lnTo>
-                  <a:pt x="120000" y="0"/>
-                </a:lnTo>
-                <a:lnTo>
-                  <a:pt x="120000" y="120000"/>
-                </a:lnTo>
-                <a:lnTo>
-                  <a:pt x="0" y="120000"/>
-                </a:lnTo>
-                <a:close/>
-              </a:path>
-            </a:pathLst>
-          </a:custGeom>
-        </p:spPr>
-      </p:sp>
-      <p:sp>
-        <p:nvSpPr>
-          <p:cNvPr id="144" name="Shape 144"/>
-          <p:cNvSpPr txBox="1">
-            <a:spLocks noGrp="1"/>
-          </p:cNvSpPr>
-          <p:nvPr>
-            <p:ph type="body" idx="1"/>
-          </p:nvPr>
-        </p:nvSpPr>
-        <p:spPr>
-          <a:xfrm>
-            <a:off x="685800" y="4343400"/>
-            <a:ext cx="5486399" cy="4114800"/>
-          </a:xfrm>
-          <a:prstGeom prst="rect">
-            <a:avLst/>
-          </a:prstGeom>
-        </p:spPr>
-        <p:txBody>
-          <a:bodyPr lIns="91425" tIns="91425" rIns="91425" bIns="91425" anchor="t" anchorCtr="0">
-            <a:noAutofit/>
-          </a:bodyPr>
-          <a:lstStyle/>
-          <a:p>
-            <a:pPr lvl="0">
-              <a:spcBef>
-                <a:spcPts val="0"/>
-              </a:spcBef>
-              <a:buNone/>
-            </a:pPr>
-            <a:endParaRPr/>
-          </a:p>
-        </p:txBody>
-      </p:sp>
-    </p:spTree>
-    <p:extLst>
-      <p:ext uri="{BB962C8B-B14F-4D97-AF65-F5344CB8AC3E}">
-        <p14:creationId xmlns:p14="http://schemas.microsoft.com/office/powerpoint/2010/main" val="85359425"/>
+        <p14:creationId xmlns:p14="http://schemas.microsoft.com/office/powerpoint/2010/main" xmlns="" val="3749086367"/>
       </p:ext>
     </p:extLst>
   </p:cSld>
@@ -967,7 +967,7 @@
     </p:spTree>
     <p:extLst>
       <p:ext uri="{BB962C8B-B14F-4D97-AF65-F5344CB8AC3E}">
-        <p14:creationId xmlns:p14="http://schemas.microsoft.com/office/powerpoint/2010/main" val="533510610"/>
+        <p14:creationId xmlns:p14="http://schemas.microsoft.com/office/powerpoint/2010/main" xmlns="" val="533510610"/>
       </p:ext>
     </p:extLst>
   </p:cSld>
@@ -1073,7 +1073,7 @@
     </p:spTree>
     <p:extLst>
       <p:ext uri="{BB962C8B-B14F-4D97-AF65-F5344CB8AC3E}">
-        <p14:creationId xmlns:p14="http://schemas.microsoft.com/office/powerpoint/2010/main" val="533510610"/>
+        <p14:creationId xmlns:p14="http://schemas.microsoft.com/office/powerpoint/2010/main" xmlns="" val="533510610"/>
       </p:ext>
     </p:extLst>
   </p:cSld>
@@ -1307,7 +1307,7 @@
     </p:spTree>
     <p:extLst>
       <p:ext uri="{BB962C8B-B14F-4D97-AF65-F5344CB8AC3E}">
-        <p14:creationId xmlns:p14="http://schemas.microsoft.com/office/powerpoint/2010/main" val="4236103716"/>
+        <p14:creationId xmlns:p14="http://schemas.microsoft.com/office/powerpoint/2010/main" xmlns="" val="4236103716"/>
       </p:ext>
     </p:extLst>
   </p:cSld>
@@ -1413,7 +1413,7 @@
     </p:spTree>
     <p:extLst>
       <p:ext uri="{BB962C8B-B14F-4D97-AF65-F5344CB8AC3E}">
-        <p14:creationId xmlns:p14="http://schemas.microsoft.com/office/powerpoint/2010/main" val="2046015954"/>
+        <p14:creationId xmlns:p14="http://schemas.microsoft.com/office/powerpoint/2010/main" xmlns="" val="2046015954"/>
       </p:ext>
     </p:extLst>
   </p:cSld>
@@ -1519,7 +1519,7 @@
     </p:spTree>
     <p:extLst>
       <p:ext uri="{BB962C8B-B14F-4D97-AF65-F5344CB8AC3E}">
-        <p14:creationId xmlns:p14="http://schemas.microsoft.com/office/powerpoint/2010/main" val="2836070132"/>
+        <p14:creationId xmlns:p14="http://schemas.microsoft.com/office/powerpoint/2010/main" xmlns="" val="2836070132"/>
       </p:ext>
     </p:extLst>
   </p:cSld>
@@ -1637,7 +1637,7 @@
     </p:spTree>
     <p:extLst>
       <p:ext uri="{BB962C8B-B14F-4D97-AF65-F5344CB8AC3E}">
-        <p14:creationId xmlns:p14="http://schemas.microsoft.com/office/powerpoint/2010/main" val="4236103716"/>
+        <p14:creationId xmlns:p14="http://schemas.microsoft.com/office/powerpoint/2010/main" xmlns="" val="4236103716"/>
       </p:ext>
     </p:extLst>
   </p:cSld>
@@ -1743,7 +1743,7 @@
     </p:spTree>
     <p:extLst>
       <p:ext uri="{BB962C8B-B14F-4D97-AF65-F5344CB8AC3E}">
-        <p14:creationId xmlns:p14="http://schemas.microsoft.com/office/powerpoint/2010/main" val="533510610"/>
+        <p14:creationId xmlns:p14="http://schemas.microsoft.com/office/powerpoint/2010/main" xmlns="" val="533510610"/>
       </p:ext>
     </p:extLst>
   </p:cSld>
@@ -1849,7 +1849,7 @@
     </p:spTree>
     <p:extLst>
       <p:ext uri="{BB962C8B-B14F-4D97-AF65-F5344CB8AC3E}">
-        <p14:creationId xmlns:p14="http://schemas.microsoft.com/office/powerpoint/2010/main" val="3691485674"/>
+        <p14:creationId xmlns:p14="http://schemas.microsoft.com/office/powerpoint/2010/main" xmlns="" val="3691485674"/>
       </p:ext>
     </p:extLst>
   </p:cSld>
@@ -1948,14 +1948,14 @@
               </a:spcBef>
               <a:buNone/>
             </a:pPr>
-            <a:endParaRPr/>
+            <a:endParaRPr dirty="0"/>
           </a:p>
         </p:txBody>
       </p:sp>
     </p:spTree>
     <p:extLst>
       <p:ext uri="{BB962C8B-B14F-4D97-AF65-F5344CB8AC3E}">
-        <p14:creationId xmlns:p14="http://schemas.microsoft.com/office/powerpoint/2010/main" val="259980384"/>
+        <p14:creationId xmlns:p14="http://schemas.microsoft.com/office/powerpoint/2010/main" xmlns="" val="259980384"/>
       </p:ext>
     </p:extLst>
   </p:cSld>
@@ -2061,7 +2061,7 @@
     </p:spTree>
     <p:extLst>
       <p:ext uri="{BB962C8B-B14F-4D97-AF65-F5344CB8AC3E}">
-        <p14:creationId xmlns:p14="http://schemas.microsoft.com/office/powerpoint/2010/main" val="4279533323"/>
+        <p14:creationId xmlns:p14="http://schemas.microsoft.com/office/powerpoint/2010/main" xmlns="" val="4279533323"/>
       </p:ext>
     </p:extLst>
   </p:cSld>
@@ -2072,6 +2072,112 @@
 </file>
 
 <file path=ppt/notesSlides/notesSlide21.xml><?xml version="1.0" encoding="utf-8"?>
+<p:notes xmlns:a="http://schemas.openxmlformats.org/drawingml/2006/main" xmlns:r="http://schemas.openxmlformats.org/officeDocument/2006/relationships" xmlns:p="http://schemas.openxmlformats.org/presentationml/2006/main" showMasterSp="0" showMasterPhAnim="0">
+  <p:cSld>
+    <p:spTree>
+      <p:nvGrpSpPr>
+        <p:cNvPr id="1" name="Shape 156"/>
+        <p:cNvGrpSpPr/>
+        <p:nvPr/>
+      </p:nvGrpSpPr>
+      <p:grpSpPr>
+        <a:xfrm>
+          <a:off x="0" y="0"/>
+          <a:ext cx="0" cy="0"/>
+          <a:chOff x="0" y="0"/>
+          <a:chExt cx="0" cy="0"/>
+        </a:xfrm>
+      </p:grpSpPr>
+      <p:sp>
+        <p:nvSpPr>
+          <p:cNvPr id="157" name="Shape 157"/>
+          <p:cNvSpPr>
+            <a:spLocks noGrp="1" noRot="1" noChangeAspect="1"/>
+          </p:cNvSpPr>
+          <p:nvPr>
+            <p:ph type="sldImg" idx="2"/>
+          </p:nvPr>
+        </p:nvSpPr>
+        <p:spPr>
+          <a:xfrm>
+            <a:off x="381000" y="685800"/>
+            <a:ext cx="6096000" cy="3429000"/>
+          </a:xfrm>
+          <a:custGeom>
+            <a:avLst/>
+            <a:gdLst/>
+            <a:ahLst/>
+            <a:cxnLst/>
+            <a:rect l="0" t="0" r="0" b="0"/>
+            <a:pathLst>
+              <a:path w="120000" h="120000" extrusionOk="0">
+                <a:moveTo>
+                  <a:pt x="0" y="0"/>
+                </a:moveTo>
+                <a:lnTo>
+                  <a:pt x="120000" y="0"/>
+                </a:lnTo>
+                <a:lnTo>
+                  <a:pt x="120000" y="120000"/>
+                </a:lnTo>
+                <a:lnTo>
+                  <a:pt x="0" y="120000"/>
+                </a:lnTo>
+                <a:close/>
+              </a:path>
+            </a:pathLst>
+          </a:custGeom>
+        </p:spPr>
+      </p:sp>
+      <p:sp>
+        <p:nvSpPr>
+          <p:cNvPr id="158" name="Shape 158"/>
+          <p:cNvSpPr txBox="1">
+            <a:spLocks noGrp="1"/>
+          </p:cNvSpPr>
+          <p:nvPr>
+            <p:ph type="body" idx="1"/>
+          </p:nvPr>
+        </p:nvSpPr>
+        <p:spPr>
+          <a:xfrm>
+            <a:off x="685800" y="4343400"/>
+            <a:ext cx="5486399" cy="4114800"/>
+          </a:xfrm>
+          <a:prstGeom prst="rect">
+            <a:avLst/>
+          </a:prstGeom>
+        </p:spPr>
+        <p:txBody>
+          <a:bodyPr lIns="91425" tIns="91425" rIns="91425" bIns="91425" anchor="t" anchorCtr="0">
+            <a:noAutofit/>
+          </a:bodyPr>
+          <a:lstStyle/>
+          <a:p>
+            <a:pPr lvl="0">
+              <a:spcBef>
+                <a:spcPts val="0"/>
+              </a:spcBef>
+              <a:buNone/>
+            </a:pPr>
+            <a:endParaRPr/>
+          </a:p>
+        </p:txBody>
+      </p:sp>
+    </p:spTree>
+    <p:extLst>
+      <p:ext uri="{BB962C8B-B14F-4D97-AF65-F5344CB8AC3E}">
+        <p14:creationId xmlns:p14="http://schemas.microsoft.com/office/powerpoint/2010/main" xmlns="" val="4066122590"/>
+      </p:ext>
+    </p:extLst>
+  </p:cSld>
+  <p:clrMapOvr>
+    <a:masterClrMapping/>
+  </p:clrMapOvr>
+</p:notes>
+</file>
+
+<file path=ppt/notesSlides/notesSlide22.xml><?xml version="1.0" encoding="utf-8"?>
 <p:notes xmlns:a="http://schemas.openxmlformats.org/drawingml/2006/main" xmlns:r="http://schemas.openxmlformats.org/officeDocument/2006/relationships" xmlns:p="http://schemas.openxmlformats.org/presentationml/2006/main" showMasterSp="0" showMasterPhAnim="0">
   <p:cSld>
     <p:spTree>
@@ -2167,113 +2273,7 @@
     </p:spTree>
     <p:extLst>
       <p:ext uri="{BB962C8B-B14F-4D97-AF65-F5344CB8AC3E}">
-        <p14:creationId xmlns:p14="http://schemas.microsoft.com/office/powerpoint/2010/main" val="4279533323"/>
-      </p:ext>
-    </p:extLst>
-  </p:cSld>
-  <p:clrMapOvr>
-    <a:masterClrMapping/>
-  </p:clrMapOvr>
-</p:notes>
-</file>
-
-<file path=ppt/notesSlides/notesSlide22.xml><?xml version="1.0" encoding="utf-8"?>
-<p:notes xmlns:a="http://schemas.openxmlformats.org/drawingml/2006/main" xmlns:r="http://schemas.openxmlformats.org/officeDocument/2006/relationships" xmlns:p="http://schemas.openxmlformats.org/presentationml/2006/main" showMasterSp="0" showMasterPhAnim="0">
-  <p:cSld>
-    <p:spTree>
-      <p:nvGrpSpPr>
-        <p:cNvPr id="1" name="Shape 156"/>
-        <p:cNvGrpSpPr/>
-        <p:nvPr/>
-      </p:nvGrpSpPr>
-      <p:grpSpPr>
-        <a:xfrm>
-          <a:off x="0" y="0"/>
-          <a:ext cx="0" cy="0"/>
-          <a:chOff x="0" y="0"/>
-          <a:chExt cx="0" cy="0"/>
-        </a:xfrm>
-      </p:grpSpPr>
-      <p:sp>
-        <p:nvSpPr>
-          <p:cNvPr id="157" name="Shape 157"/>
-          <p:cNvSpPr>
-            <a:spLocks noGrp="1" noRot="1" noChangeAspect="1"/>
-          </p:cNvSpPr>
-          <p:nvPr>
-            <p:ph type="sldImg" idx="2"/>
-          </p:nvPr>
-        </p:nvSpPr>
-        <p:spPr>
-          <a:xfrm>
-            <a:off x="381000" y="685800"/>
-            <a:ext cx="6096000" cy="3429000"/>
-          </a:xfrm>
-          <a:custGeom>
-            <a:avLst/>
-            <a:gdLst/>
-            <a:ahLst/>
-            <a:cxnLst/>
-            <a:rect l="0" t="0" r="0" b="0"/>
-            <a:pathLst>
-              <a:path w="120000" h="120000" extrusionOk="0">
-                <a:moveTo>
-                  <a:pt x="0" y="0"/>
-                </a:moveTo>
-                <a:lnTo>
-                  <a:pt x="120000" y="0"/>
-                </a:lnTo>
-                <a:lnTo>
-                  <a:pt x="120000" y="120000"/>
-                </a:lnTo>
-                <a:lnTo>
-                  <a:pt x="0" y="120000"/>
-                </a:lnTo>
-                <a:close/>
-              </a:path>
-            </a:pathLst>
-          </a:custGeom>
-        </p:spPr>
-      </p:sp>
-      <p:sp>
-        <p:nvSpPr>
-          <p:cNvPr id="158" name="Shape 158"/>
-          <p:cNvSpPr txBox="1">
-            <a:spLocks noGrp="1"/>
-          </p:cNvSpPr>
-          <p:nvPr>
-            <p:ph type="body" idx="1"/>
-          </p:nvPr>
-        </p:nvSpPr>
-        <p:spPr>
-          <a:xfrm>
-            <a:off x="685800" y="4343400"/>
-            <a:ext cx="5486399" cy="4114800"/>
-          </a:xfrm>
-          <a:prstGeom prst="rect">
-            <a:avLst/>
-          </a:prstGeom>
-        </p:spPr>
-        <p:txBody>
-          <a:bodyPr lIns="91425" tIns="91425" rIns="91425" bIns="91425" anchor="t" anchorCtr="0">
-            <a:noAutofit/>
-          </a:bodyPr>
-          <a:lstStyle/>
-          <a:p>
-            <a:pPr lvl="0">
-              <a:spcBef>
-                <a:spcPts val="0"/>
-              </a:spcBef>
-              <a:buNone/>
-            </a:pPr>
-            <a:endParaRPr/>
-          </a:p>
-        </p:txBody>
-      </p:sp>
-    </p:spTree>
-    <p:extLst>
-      <p:ext uri="{BB962C8B-B14F-4D97-AF65-F5344CB8AC3E}">
-        <p14:creationId xmlns:p14="http://schemas.microsoft.com/office/powerpoint/2010/main" val="4066122590"/>
+        <p14:creationId xmlns:p14="http://schemas.microsoft.com/office/powerpoint/2010/main" xmlns="" val="4279533323"/>
       </p:ext>
     </p:extLst>
   </p:cSld>
@@ -2379,7 +2379,7 @@
     </p:spTree>
     <p:extLst>
       <p:ext uri="{BB962C8B-B14F-4D97-AF65-F5344CB8AC3E}">
-        <p14:creationId xmlns:p14="http://schemas.microsoft.com/office/powerpoint/2010/main" val="2836070132"/>
+        <p14:creationId xmlns:p14="http://schemas.microsoft.com/office/powerpoint/2010/main" xmlns="" val="2836070132"/>
       </p:ext>
     </p:extLst>
   </p:cSld>
@@ -2485,7 +2485,7 @@
     </p:spTree>
     <p:extLst>
       <p:ext uri="{BB962C8B-B14F-4D97-AF65-F5344CB8AC3E}">
-        <p14:creationId xmlns:p14="http://schemas.microsoft.com/office/powerpoint/2010/main" val="3691485674"/>
+        <p14:creationId xmlns:p14="http://schemas.microsoft.com/office/powerpoint/2010/main" xmlns="" val="3691485674"/>
       </p:ext>
     </p:extLst>
   </p:cSld>
@@ -2591,7 +2591,7 @@
     </p:spTree>
     <p:extLst>
       <p:ext uri="{BB962C8B-B14F-4D97-AF65-F5344CB8AC3E}">
-        <p14:creationId xmlns:p14="http://schemas.microsoft.com/office/powerpoint/2010/main" val="4279533323"/>
+        <p14:creationId xmlns:p14="http://schemas.microsoft.com/office/powerpoint/2010/main" xmlns="" val="4279533323"/>
       </p:ext>
     </p:extLst>
   </p:cSld>
@@ -2697,7 +2697,7 @@
     </p:spTree>
     <p:extLst>
       <p:ext uri="{BB962C8B-B14F-4D97-AF65-F5344CB8AC3E}">
-        <p14:creationId xmlns:p14="http://schemas.microsoft.com/office/powerpoint/2010/main" val="2046724879"/>
+        <p14:creationId xmlns:p14="http://schemas.microsoft.com/office/powerpoint/2010/main" xmlns="" val="2046724879"/>
       </p:ext>
     </p:extLst>
   </p:cSld>
@@ -2803,7 +2803,7 @@
     </p:spTree>
     <p:extLst>
       <p:ext uri="{BB962C8B-B14F-4D97-AF65-F5344CB8AC3E}">
-        <p14:creationId xmlns:p14="http://schemas.microsoft.com/office/powerpoint/2010/main" val="4279533323"/>
+        <p14:creationId xmlns:p14="http://schemas.microsoft.com/office/powerpoint/2010/main" xmlns="" val="4279533323"/>
       </p:ext>
     </p:extLst>
   </p:cSld>
@@ -2909,7 +2909,7 @@
     </p:spTree>
     <p:extLst>
       <p:ext uri="{BB962C8B-B14F-4D97-AF65-F5344CB8AC3E}">
-        <p14:creationId xmlns:p14="http://schemas.microsoft.com/office/powerpoint/2010/main" val="4066122590"/>
+        <p14:creationId xmlns:p14="http://schemas.microsoft.com/office/powerpoint/2010/main" xmlns="" val="4066122590"/>
       </p:ext>
     </p:extLst>
   </p:cSld>
@@ -3015,7 +3015,7 @@
     </p:spTree>
     <p:extLst>
       <p:ext uri="{BB962C8B-B14F-4D97-AF65-F5344CB8AC3E}">
-        <p14:creationId xmlns:p14="http://schemas.microsoft.com/office/powerpoint/2010/main" val="3691485674"/>
+        <p14:creationId xmlns:p14="http://schemas.microsoft.com/office/powerpoint/2010/main" xmlns="" val="3691485674"/>
       </p:ext>
     </p:extLst>
   </p:cSld>
@@ -3121,7 +3121,7 @@
     </p:spTree>
     <p:extLst>
       <p:ext uri="{BB962C8B-B14F-4D97-AF65-F5344CB8AC3E}">
-        <p14:creationId xmlns:p14="http://schemas.microsoft.com/office/powerpoint/2010/main" val="2138475801"/>
+        <p14:creationId xmlns:p14="http://schemas.microsoft.com/office/powerpoint/2010/main" xmlns="" val="2138475801"/>
       </p:ext>
     </p:extLst>
   </p:cSld>
@@ -3227,7 +3227,7 @@
     </p:spTree>
     <p:extLst>
       <p:ext uri="{BB962C8B-B14F-4D97-AF65-F5344CB8AC3E}">
-        <p14:creationId xmlns:p14="http://schemas.microsoft.com/office/powerpoint/2010/main" val="325484558"/>
+        <p14:creationId xmlns:p14="http://schemas.microsoft.com/office/powerpoint/2010/main" xmlns="" val="325484558"/>
       </p:ext>
     </p:extLst>
   </p:cSld>
@@ -3333,7 +3333,7 @@
     </p:spTree>
     <p:extLst>
       <p:ext uri="{BB962C8B-B14F-4D97-AF65-F5344CB8AC3E}">
-        <p14:creationId xmlns:p14="http://schemas.microsoft.com/office/powerpoint/2010/main" val="2046015954"/>
+        <p14:creationId xmlns:p14="http://schemas.microsoft.com/office/powerpoint/2010/main" xmlns="" val="2046015954"/>
       </p:ext>
     </p:extLst>
   </p:cSld>
@@ -3439,7 +3439,7 @@
     </p:spTree>
     <p:extLst>
       <p:ext uri="{BB962C8B-B14F-4D97-AF65-F5344CB8AC3E}">
-        <p14:creationId xmlns:p14="http://schemas.microsoft.com/office/powerpoint/2010/main" val="2836070132"/>
+        <p14:creationId xmlns:p14="http://schemas.microsoft.com/office/powerpoint/2010/main" xmlns="" val="2836070132"/>
       </p:ext>
     </p:extLst>
   </p:cSld>
@@ -3545,7 +3545,7 @@
     </p:spTree>
     <p:extLst>
       <p:ext uri="{BB962C8B-B14F-4D97-AF65-F5344CB8AC3E}">
-        <p14:creationId xmlns:p14="http://schemas.microsoft.com/office/powerpoint/2010/main" val="1076512938"/>
+        <p14:creationId xmlns:p14="http://schemas.microsoft.com/office/powerpoint/2010/main" xmlns="" val="1076512938"/>
       </p:ext>
     </p:extLst>
   </p:cSld>
@@ -3651,7 +3651,7 @@
     </p:spTree>
     <p:extLst>
       <p:ext uri="{BB962C8B-B14F-4D97-AF65-F5344CB8AC3E}">
-        <p14:creationId xmlns:p14="http://schemas.microsoft.com/office/powerpoint/2010/main" val="4180436366"/>
+        <p14:creationId xmlns:p14="http://schemas.microsoft.com/office/powerpoint/2010/main" xmlns="" val="4180436366"/>
       </p:ext>
     </p:extLst>
   </p:cSld>
@@ -3757,7 +3757,7 @@
     </p:spTree>
     <p:extLst>
       <p:ext uri="{BB962C8B-B14F-4D97-AF65-F5344CB8AC3E}">
-        <p14:creationId xmlns:p14="http://schemas.microsoft.com/office/powerpoint/2010/main" val="2046015954"/>
+        <p14:creationId xmlns:p14="http://schemas.microsoft.com/office/powerpoint/2010/main" xmlns="" val="2046015954"/>
       </p:ext>
     </p:extLst>
   </p:cSld>
@@ -3863,7 +3863,7 @@
     </p:spTree>
     <p:extLst>
       <p:ext uri="{BB962C8B-B14F-4D97-AF65-F5344CB8AC3E}">
-        <p14:creationId xmlns:p14="http://schemas.microsoft.com/office/powerpoint/2010/main" val="4066122590"/>
+        <p14:creationId xmlns:p14="http://schemas.microsoft.com/office/powerpoint/2010/main" xmlns="" val="4066122590"/>
       </p:ext>
     </p:extLst>
   </p:cSld>
@@ -3969,7 +3969,7 @@
     </p:spTree>
     <p:extLst>
       <p:ext uri="{BB962C8B-B14F-4D97-AF65-F5344CB8AC3E}">
-        <p14:creationId xmlns:p14="http://schemas.microsoft.com/office/powerpoint/2010/main" val="4180436366"/>
+        <p14:creationId xmlns:p14="http://schemas.microsoft.com/office/powerpoint/2010/main" xmlns="" val="4180436366"/>
       </p:ext>
     </p:extLst>
   </p:cSld>
@@ -4075,7 +4075,7 @@
     </p:spTree>
     <p:extLst>
       <p:ext uri="{BB962C8B-B14F-4D97-AF65-F5344CB8AC3E}">
-        <p14:creationId xmlns:p14="http://schemas.microsoft.com/office/powerpoint/2010/main" val="1280202019"/>
+        <p14:creationId xmlns:p14="http://schemas.microsoft.com/office/powerpoint/2010/main" xmlns="" val="1280202019"/>
       </p:ext>
     </p:extLst>
   </p:cSld>
@@ -4181,7 +4181,7 @@
     </p:spTree>
     <p:extLst>
       <p:ext uri="{BB962C8B-B14F-4D97-AF65-F5344CB8AC3E}">
-        <p14:creationId xmlns:p14="http://schemas.microsoft.com/office/powerpoint/2010/main" val="325484558"/>
+        <p14:creationId xmlns:p14="http://schemas.microsoft.com/office/powerpoint/2010/main" xmlns="" val="325484558"/>
       </p:ext>
     </p:extLst>
   </p:cSld>
@@ -4287,7 +4287,7 @@
     </p:spTree>
     <p:extLst>
       <p:ext uri="{BB962C8B-B14F-4D97-AF65-F5344CB8AC3E}">
-        <p14:creationId xmlns:p14="http://schemas.microsoft.com/office/powerpoint/2010/main" val="3862892665"/>
+        <p14:creationId xmlns:p14="http://schemas.microsoft.com/office/powerpoint/2010/main" xmlns="" val="3862892665"/>
       </p:ext>
     </p:extLst>
   </p:cSld>
@@ -4393,7 +4393,7 @@
     </p:spTree>
     <p:extLst>
       <p:ext uri="{BB962C8B-B14F-4D97-AF65-F5344CB8AC3E}">
-        <p14:creationId xmlns:p14="http://schemas.microsoft.com/office/powerpoint/2010/main" val="1076512938"/>
+        <p14:creationId xmlns:p14="http://schemas.microsoft.com/office/powerpoint/2010/main" xmlns="" val="1076512938"/>
       </p:ext>
     </p:extLst>
   </p:cSld>
@@ -4499,7 +4499,7 @@
     </p:spTree>
     <p:extLst>
       <p:ext uri="{BB962C8B-B14F-4D97-AF65-F5344CB8AC3E}">
-        <p14:creationId xmlns:p14="http://schemas.microsoft.com/office/powerpoint/2010/main" val="4180436366"/>
+        <p14:creationId xmlns:p14="http://schemas.microsoft.com/office/powerpoint/2010/main" xmlns="" val="4180436366"/>
       </p:ext>
     </p:extLst>
   </p:cSld>
@@ -4605,7 +4605,7 @@
     </p:spTree>
     <p:extLst>
       <p:ext uri="{BB962C8B-B14F-4D97-AF65-F5344CB8AC3E}">
-        <p14:creationId xmlns:p14="http://schemas.microsoft.com/office/powerpoint/2010/main" val="533510610"/>
+        <p14:creationId xmlns:p14="http://schemas.microsoft.com/office/powerpoint/2010/main" xmlns="" val="533510610"/>
       </p:ext>
     </p:extLst>
   </p:cSld>
@@ -4711,7 +4711,7 @@
     </p:spTree>
     <p:extLst>
       <p:ext uri="{BB962C8B-B14F-4D97-AF65-F5344CB8AC3E}">
-        <p14:creationId xmlns:p14="http://schemas.microsoft.com/office/powerpoint/2010/main" val="3959887818"/>
+        <p14:creationId xmlns:p14="http://schemas.microsoft.com/office/powerpoint/2010/main" xmlns="" val="3959887818"/>
       </p:ext>
     </p:extLst>
   </p:cSld>
@@ -4722,19 +4722,11 @@
 </file>
 
 <file path=ppt/notesSlides/notesSlide7.xml><?xml version="1.0" encoding="utf-8"?>
-<p:notes xmlns:a="http://schemas.openxmlformats.org/drawingml/2006/main" xmlns:r="http://schemas.openxmlformats.org/officeDocument/2006/relationships" xmlns:p="http://schemas.openxmlformats.org/presentationml/2006/main">
+<p:notes xmlns:a="http://schemas.openxmlformats.org/drawingml/2006/main" xmlns:r="http://schemas.openxmlformats.org/officeDocument/2006/relationships" xmlns:p="http://schemas.openxmlformats.org/presentationml/2006/main" showMasterSp="0" showMasterPhAnim="0">
   <p:cSld>
-    <p:bg>
-      <p:bgPr>
-        <a:solidFill>
-          <a:srgbClr val="FFFFFF"/>
-        </a:solidFill>
-        <a:effectLst/>
-      </p:bgPr>
-    </p:bg>
     <p:spTree>
       <p:nvGrpSpPr>
-        <p:cNvPr id="1" name=""/>
+        <p:cNvPr id="1" name="Shape 84"/>
         <p:cNvGrpSpPr/>
         <p:nvPr/>
       </p:nvGrpSpPr>
@@ -4748,140 +4740,84 @@
       </p:grpSpPr>
       <p:sp>
         <p:nvSpPr>
-          <p:cNvPr id="7" name="Rectangle 6"/>
+          <p:cNvPr id="85" name="Shape 85"/>
           <p:cNvSpPr>
-            <a:spLocks noGrp="1" noChangeArrowheads="1"/>
+            <a:spLocks noGrp="1" noRot="1" noChangeAspect="1"/>
           </p:cNvSpPr>
           <p:nvPr>
-            <p:ph type="sldNum"/>
+            <p:ph type="sldImg" idx="2"/>
           </p:nvPr>
         </p:nvSpPr>
         <p:spPr>
           <a:xfrm>
-            <a:off x="4278313" y="10156825"/>
-            <a:ext cx="3279775" cy="533400"/>
+            <a:off x="381000" y="685800"/>
+            <a:ext cx="6096000" cy="3429000"/>
           </a:xfrm>
-          <a:prstGeom prst="rect">
+          <a:custGeom>
             <a:avLst/>
-          </a:prstGeom>
-          <a:ln/>
-        </p:spPr>
-        <p:txBody>
-          <a:bodyPr/>
-          <a:lstStyle/>
-          <a:p>
-            <a:fld id="{076320CF-0813-4466-8209-D52F9B35317A}" type="slidenum">
-              <a:rPr lang="en-US" altLang="pt-BR"/>
-              <a:pPr/>
-              <a:t>7</a:t>
-            </a:fld>
-            <a:endParaRPr lang="en-US" altLang="pt-BR"/>
-          </a:p>
-        </p:txBody>
-      </p:sp>
-      <p:sp>
-        <p:nvSpPr>
-          <p:cNvPr id="27649" name="Rectangle 1"/>
-          <p:cNvSpPr txBox="1">
-            <a:spLocks noGrp="1" noRot="1" noChangeAspect="1" noChangeArrowheads="1"/>
-          </p:cNvSpPr>
-          <p:nvPr>
-            <p:ph type="sldImg"/>
-          </p:nvPr>
-        </p:nvSpPr>
-        <p:spPr bwMode="auto">
-          <a:xfrm>
-            <a:off x="217488" y="812800"/>
-            <a:ext cx="7123112" cy="4008438"/>
-          </a:xfrm>
-          <a:prstGeom prst="rect">
-            <a:avLst/>
-          </a:prstGeom>
-          <a:solidFill>
-            <a:srgbClr val="FFFFFF"/>
-          </a:solidFill>
-          <a:ln>
-            <a:solidFill>
-              <a:srgbClr val="000000"/>
-            </a:solidFill>
-            <a:miter lim="800000"/>
-            <a:headEnd/>
-            <a:tailEnd/>
-          </a:ln>
-          <a:extLst>
-            <a:ext uri="{AF507438-7753-43E0-B8FC-AC1667EBCBE1}">
-              <a14:hiddenEffects xmlns:a14="http://schemas.microsoft.com/office/drawing/2010/main">
-                <a:effectLst>
-                  <a:outerShdw dist="35921" dir="2700000" algn="ctr" rotWithShape="0">
-                    <a:srgbClr val="808080"/>
-                  </a:outerShdw>
-                </a:effectLst>
-              </a14:hiddenEffects>
-            </a:ext>
-          </a:extLst>
+            <a:gdLst/>
+            <a:ahLst/>
+            <a:cxnLst/>
+            <a:rect l="0" t="0" r="0" b="0"/>
+            <a:pathLst>
+              <a:path w="120000" h="120000" extrusionOk="0">
+                <a:moveTo>
+                  <a:pt x="0" y="0"/>
+                </a:moveTo>
+                <a:lnTo>
+                  <a:pt x="120000" y="0"/>
+                </a:lnTo>
+                <a:lnTo>
+                  <a:pt x="120000" y="120000"/>
+                </a:lnTo>
+                <a:lnTo>
+                  <a:pt x="0" y="120000"/>
+                </a:lnTo>
+                <a:close/>
+              </a:path>
+            </a:pathLst>
+          </a:custGeom>
         </p:spPr>
       </p:sp>
       <p:sp>
         <p:nvSpPr>
-          <p:cNvPr id="27650" name="Rectangle 2"/>
+          <p:cNvPr id="86" name="Shape 86"/>
           <p:cNvSpPr txBox="1">
-            <a:spLocks noGrp="1" noChangeArrowheads="1"/>
+            <a:spLocks noGrp="1"/>
           </p:cNvSpPr>
           <p:nvPr>
             <p:ph type="body" idx="1"/>
           </p:nvPr>
         </p:nvSpPr>
-        <p:spPr bwMode="auto">
+        <p:spPr>
           <a:xfrm>
-            <a:off x="755650" y="5078413"/>
-            <a:ext cx="6048375" cy="4721225"/>
+            <a:off x="685800" y="4343400"/>
+            <a:ext cx="5486399" cy="4114800"/>
           </a:xfrm>
           <a:prstGeom prst="rect">
             <a:avLst/>
           </a:prstGeom>
-          <a:noFill/>
-          <a:ln/>
-          <a:extLst>
-            <a:ext uri="{909E8E84-426E-40DD-AFC4-6F175D3DCCD1}">
-              <a14:hiddenFill xmlns:a14="http://schemas.microsoft.com/office/drawing/2010/main">
-                <a:solidFill>
-                  <a:srgbClr val="FFFFFF"/>
-                </a:solidFill>
-              </a14:hiddenFill>
-            </a:ext>
-            <a:ext uri="{91240B29-F687-4F45-9708-019B960494DF}">
-              <a14:hiddenLine xmlns:a14="http://schemas.microsoft.com/office/drawing/2010/main" w="9525">
-                <a:solidFill>
-                  <a:srgbClr val="000000"/>
-                </a:solidFill>
-                <a:round/>
-                <a:headEnd/>
-                <a:tailEnd/>
-              </a14:hiddenLine>
-            </a:ext>
-            <a:ext uri="{AF507438-7753-43E0-B8FC-AC1667EBCBE1}">
-              <a14:hiddenEffects xmlns:a14="http://schemas.microsoft.com/office/drawing/2010/main">
-                <a:effectLst>
-                  <a:outerShdw dist="35921" dir="2700000" algn="ctr" rotWithShape="0">
-                    <a:srgbClr val="808080"/>
-                  </a:outerShdw>
-                </a:effectLst>
-              </a14:hiddenEffects>
-            </a:ext>
-          </a:extLst>
         </p:spPr>
         <p:txBody>
-          <a:bodyPr wrap="none" anchor="ctr"/>
+          <a:bodyPr lIns="91425" tIns="91425" rIns="91425" bIns="91425" anchor="t" anchorCtr="0">
+            <a:noAutofit/>
+          </a:bodyPr>
           <a:lstStyle/>
           <a:p>
-            <a:endParaRPr lang="pt-BR" altLang="pt-BR" dirty="0"/>
+            <a:pPr lvl="0">
+              <a:spcBef>
+                <a:spcPts val="0"/>
+              </a:spcBef>
+              <a:buNone/>
+            </a:pPr>
+            <a:endParaRPr/>
           </a:p>
         </p:txBody>
       </p:sp>
     </p:spTree>
     <p:extLst>
       <p:ext uri="{BB962C8B-B14F-4D97-AF65-F5344CB8AC3E}">
-        <p14:creationId xmlns:p14="http://schemas.microsoft.com/office/powerpoint/2010/main" val="3251521079"/>
+        <p14:creationId xmlns:p14="http://schemas.microsoft.com/office/powerpoint/2010/main" xmlns="" val="3749086367"/>
       </p:ext>
     </p:extLst>
   </p:cSld>
@@ -4987,7 +4923,7 @@
     </p:spTree>
     <p:extLst>
       <p:ext uri="{BB962C8B-B14F-4D97-AF65-F5344CB8AC3E}">
-        <p14:creationId xmlns:p14="http://schemas.microsoft.com/office/powerpoint/2010/main" val="3862892665"/>
+        <p14:creationId xmlns:p14="http://schemas.microsoft.com/office/powerpoint/2010/main" xmlns="" val="3862892665"/>
       </p:ext>
     </p:extLst>
   </p:cSld>
@@ -5093,7 +5029,7 @@
     </p:spTree>
     <p:extLst>
       <p:ext uri="{BB962C8B-B14F-4D97-AF65-F5344CB8AC3E}">
-        <p14:creationId xmlns:p14="http://schemas.microsoft.com/office/powerpoint/2010/main" val="85359425"/>
+        <p14:creationId xmlns:p14="http://schemas.microsoft.com/office/powerpoint/2010/main" xmlns="" val="85359425"/>
       </p:ext>
     </p:extLst>
   </p:cSld>
@@ -7965,7 +7901,7 @@
     </p:spTree>
     <p:extLst>
       <p:ext uri="{BB962C8B-B14F-4D97-AF65-F5344CB8AC3E}">
-        <p14:creationId xmlns:p14="http://schemas.microsoft.com/office/powerpoint/2010/main" val="3032861546"/>
+        <p14:creationId xmlns:p14="http://schemas.microsoft.com/office/powerpoint/2010/main" xmlns="" val="3032861546"/>
       </p:ext>
     </p:extLst>
   </p:cSld>
@@ -8958,7 +8894,7 @@
           <a:blip r:embed="rId3">
             <a:extLst>
               <a:ext uri="{28A0092B-C50C-407E-A947-70E740481C1C}">
-                <a14:useLocalDpi xmlns:a14="http://schemas.microsoft.com/office/drawing/2010/main" val="0"/>
+                <a14:useLocalDpi xmlns:a14="http://schemas.microsoft.com/office/drawing/2010/main" xmlns="" val="0"/>
               </a:ext>
             </a:extLst>
           </a:blip>
@@ -8978,7 +8914,7 @@
           <a:noFill/>
           <a:extLst>
             <a:ext uri="{909E8E84-426E-40DD-AFC4-6F175D3DCCD1}">
-              <a14:hiddenFill xmlns:a14="http://schemas.microsoft.com/office/drawing/2010/main">
+              <a14:hiddenFill xmlns:a14="http://schemas.microsoft.com/office/drawing/2010/main" xmlns="">
                 <a:solidFill>
                   <a:srgbClr val="FFFFFF"/>
                 </a:solidFill>
@@ -9003,6 +8939,341 @@
 </file>
 
 <file path=ppt/slides/slide10.xml><?xml version="1.0" encoding="utf-8"?>
+<p:sld xmlns:a="http://schemas.openxmlformats.org/drawingml/2006/main" xmlns:r="http://schemas.openxmlformats.org/officeDocument/2006/relationships" xmlns:p="http://schemas.openxmlformats.org/presentationml/2006/main">
+  <p:cSld>
+    <p:spTree>
+      <p:nvGrpSpPr>
+        <p:cNvPr id="1" name="Shape 145"/>
+        <p:cNvGrpSpPr/>
+        <p:nvPr/>
+      </p:nvGrpSpPr>
+      <p:grpSpPr>
+        <a:xfrm>
+          <a:off x="0" y="0"/>
+          <a:ext cx="0" cy="0"/>
+          <a:chOff x="0" y="0"/>
+          <a:chExt cx="0" cy="0"/>
+        </a:xfrm>
+      </p:grpSpPr>
+      <p:sp>
+        <p:nvSpPr>
+          <p:cNvPr id="2" name="Título 1"/>
+          <p:cNvSpPr>
+            <a:spLocks noGrp="1"/>
+          </p:cNvSpPr>
+          <p:nvPr>
+            <p:ph type="title"/>
+          </p:nvPr>
+        </p:nvSpPr>
+        <p:spPr/>
+        <p:txBody>
+          <a:bodyPr/>
+          <a:lstStyle/>
+          <a:p>
+            <a:r>
+              <a:rPr lang="pt-BR" dirty="0" smtClean="0">
+                <a:solidFill>
+                  <a:srgbClr val="00B050"/>
+                </a:solidFill>
+              </a:rPr>
+              <a:t>O Que é?</a:t>
+            </a:r>
+            <a:endParaRPr lang="pt-BR" dirty="0">
+              <a:solidFill>
+                <a:srgbClr val="00B050"/>
+              </a:solidFill>
+            </a:endParaRPr>
+          </a:p>
+        </p:txBody>
+      </p:sp>
+      <p:sp>
+        <p:nvSpPr>
+          <p:cNvPr id="4" name="Espaço Reservado para Texto 3"/>
+          <p:cNvSpPr>
+            <a:spLocks noGrp="1"/>
+          </p:cNvSpPr>
+          <p:nvPr>
+            <p:ph type="body" idx="1"/>
+          </p:nvPr>
+        </p:nvSpPr>
+        <p:spPr>
+          <a:xfrm>
+            <a:off x="755576" y="1563638"/>
+            <a:ext cx="7416824" cy="3303600"/>
+          </a:xfrm>
+        </p:spPr>
+        <p:txBody>
+          <a:bodyPr/>
+          <a:lstStyle/>
+          <a:p>
+            <a:r>
+              <a:rPr lang="en-IN" altLang="en-US" sz="3200" dirty="0">
+                <a:latin typeface="Sniglet" panose="020B0604020202020204" charset="0"/>
+                <a:ea typeface="Bangers"/>
+                <a:cs typeface="Bangers"/>
+                <a:sym typeface="Bangers"/>
+              </a:rPr>
+              <a:t> </a:t>
+            </a:r>
+            <a:r>
+              <a:rPr lang="en-IN" altLang="en-US" sz="3200" dirty="0" err="1" smtClean="0">
+                <a:latin typeface="Sniglet" panose="020B0604020202020204" charset="0"/>
+                <a:ea typeface="Bangers"/>
+                <a:cs typeface="Bangers"/>
+                <a:sym typeface="Bangers"/>
+              </a:rPr>
+              <a:t>Plataforma</a:t>
+            </a:r>
+            <a:r>
+              <a:rPr lang="en-IN" altLang="en-US" sz="3200" dirty="0" smtClean="0">
+                <a:latin typeface="Sniglet" panose="020B0604020202020204" charset="0"/>
+                <a:ea typeface="Bangers"/>
+                <a:cs typeface="Bangers"/>
+                <a:sym typeface="Bangers"/>
+              </a:rPr>
+              <a:t> </a:t>
+            </a:r>
+            <a:r>
+              <a:rPr lang="en-IN" altLang="en-US" sz="3200" dirty="0">
+                <a:latin typeface="Sniglet" panose="020B0604020202020204" charset="0"/>
+                <a:ea typeface="Bangers"/>
+                <a:cs typeface="Bangers"/>
+                <a:sym typeface="Bangers"/>
+              </a:rPr>
+              <a:t>de </a:t>
+            </a:r>
+            <a:r>
+              <a:rPr lang="en-IN" altLang="en-US" sz="3200" dirty="0" err="1">
+                <a:latin typeface="Sniglet" panose="020B0604020202020204" charset="0"/>
+                <a:ea typeface="Bangers"/>
+                <a:cs typeface="Bangers"/>
+                <a:sym typeface="Bangers"/>
+              </a:rPr>
+              <a:t>Desenvolvimento</a:t>
+            </a:r>
+            <a:r>
+              <a:rPr lang="en-IN" altLang="en-US" sz="3200" dirty="0">
+                <a:latin typeface="Sniglet" panose="020B0604020202020204" charset="0"/>
+                <a:ea typeface="Bangers"/>
+                <a:cs typeface="Bangers"/>
+                <a:sym typeface="Bangers"/>
+              </a:rPr>
+              <a:t> </a:t>
+            </a:r>
+            <a:r>
+              <a:rPr lang="en-IN" altLang="en-US" sz="3200" dirty="0" err="1">
+                <a:latin typeface="Sniglet" panose="020B0604020202020204" charset="0"/>
+                <a:ea typeface="Bangers"/>
+                <a:cs typeface="Bangers"/>
+                <a:sym typeface="Bangers"/>
+              </a:rPr>
+              <a:t>Javascript</a:t>
+            </a:r>
+            <a:r>
+              <a:rPr lang="en-IN" altLang="en-US" sz="3200" dirty="0">
+                <a:latin typeface="Sniglet" panose="020B0604020202020204" charset="0"/>
+                <a:ea typeface="Bangers"/>
+                <a:cs typeface="Bangers"/>
+                <a:sym typeface="Bangers"/>
+              </a:rPr>
+              <a:t> </a:t>
+            </a:r>
+            <a:r>
+              <a:rPr lang="en-IN" altLang="en-US" sz="3200" dirty="0" err="1">
+                <a:latin typeface="Sniglet" panose="020B0604020202020204" charset="0"/>
+                <a:ea typeface="Bangers"/>
+                <a:cs typeface="Bangers"/>
+                <a:sym typeface="Bangers"/>
+              </a:rPr>
+              <a:t>para</a:t>
+            </a:r>
+            <a:r>
+              <a:rPr lang="en-IN" altLang="en-US" sz="3200" dirty="0">
+                <a:latin typeface="Sniglet" panose="020B0604020202020204" charset="0"/>
+                <a:ea typeface="Bangers"/>
+                <a:cs typeface="Bangers"/>
+                <a:sym typeface="Bangers"/>
+              </a:rPr>
+              <a:t> </a:t>
+            </a:r>
+            <a:r>
+              <a:rPr lang="en-IN" altLang="en-US" sz="3200" dirty="0" err="1">
+                <a:latin typeface="Sniglet" panose="020B0604020202020204" charset="0"/>
+                <a:ea typeface="Bangers"/>
+                <a:cs typeface="Bangers"/>
+                <a:sym typeface="Bangers"/>
+              </a:rPr>
+              <a:t>aplicações</a:t>
+            </a:r>
+            <a:r>
+              <a:rPr lang="en-IN" altLang="en-US" sz="3200" dirty="0">
+                <a:latin typeface="Sniglet" panose="020B0604020202020204" charset="0"/>
+                <a:ea typeface="Bangers"/>
+                <a:cs typeface="Bangers"/>
+                <a:sym typeface="Bangers"/>
+              </a:rPr>
+              <a:t> </a:t>
+            </a:r>
+            <a:r>
+              <a:rPr lang="en-IN" altLang="en-US" sz="3200" dirty="0" err="1">
+                <a:latin typeface="Sniglet" panose="020B0604020202020204" charset="0"/>
+                <a:ea typeface="Bangers"/>
+                <a:cs typeface="Bangers"/>
+                <a:sym typeface="Bangers"/>
+              </a:rPr>
+              <a:t>em</a:t>
+            </a:r>
+            <a:r>
+              <a:rPr lang="en-IN" altLang="en-US" sz="3200" dirty="0">
+                <a:latin typeface="Sniglet" panose="020B0604020202020204" charset="0"/>
+                <a:ea typeface="Bangers"/>
+                <a:cs typeface="Bangers"/>
+                <a:sym typeface="Bangers"/>
+              </a:rPr>
+              <a:t> </a:t>
+            </a:r>
+            <a:r>
+              <a:rPr lang="en-IN" altLang="en-US" sz="3200" dirty="0" err="1" smtClean="0">
+                <a:latin typeface="Sniglet" panose="020B0604020202020204" charset="0"/>
+                <a:ea typeface="Bangers"/>
+                <a:cs typeface="Bangers"/>
+                <a:sym typeface="Bangers"/>
+              </a:rPr>
+              <a:t>rede</a:t>
+            </a:r>
+            <a:endParaRPr lang="en-IN" altLang="en-US" sz="3200" dirty="0" smtClean="0">
+              <a:latin typeface="Sniglet" panose="020B0604020202020204" charset="0"/>
+              <a:ea typeface="Bangers"/>
+              <a:cs typeface="Bangers"/>
+              <a:sym typeface="Bangers"/>
+            </a:endParaRPr>
+          </a:p>
+          <a:p>
+            <a:r>
+              <a:rPr lang="en-IN" altLang="en-US" sz="3200" dirty="0">
+                <a:latin typeface="Sniglet" panose="020B0604020202020204" charset="0"/>
+                <a:ea typeface="Bangers"/>
+                <a:cs typeface="Bangers"/>
+                <a:sym typeface="Bangers"/>
+              </a:rPr>
+              <a:t> </a:t>
+            </a:r>
+            <a:r>
+              <a:rPr lang="en-IN" altLang="en-US" sz="3200" dirty="0" smtClean="0">
+                <a:latin typeface="Sniglet" panose="020B0604020202020204" charset="0"/>
+                <a:ea typeface="Bangers"/>
+                <a:cs typeface="Bangers"/>
+                <a:sym typeface="Bangers"/>
+              </a:rPr>
+              <a:t>Ideal </a:t>
+            </a:r>
+            <a:r>
+              <a:rPr lang="en-IN" altLang="en-US" sz="3200" dirty="0" err="1" smtClean="0">
+                <a:latin typeface="Sniglet" panose="020B0604020202020204" charset="0"/>
+                <a:ea typeface="Bangers"/>
+                <a:cs typeface="Bangers"/>
+                <a:sym typeface="Bangers"/>
+              </a:rPr>
+              <a:t>para</a:t>
+            </a:r>
+            <a:r>
+              <a:rPr lang="en-IN" altLang="en-US" sz="3200" dirty="0" smtClean="0">
+                <a:latin typeface="Sniglet" panose="020B0604020202020204" charset="0"/>
+                <a:ea typeface="Bangers"/>
+                <a:cs typeface="Bangers"/>
+                <a:sym typeface="Bangers"/>
+              </a:rPr>
+              <a:t> </a:t>
+            </a:r>
+            <a:r>
+              <a:rPr lang="en-IN" altLang="en-US" sz="3200" dirty="0" err="1" smtClean="0">
+                <a:latin typeface="Sniglet" panose="020B0604020202020204" charset="0"/>
+                <a:ea typeface="Bangers"/>
+                <a:cs typeface="Bangers"/>
+                <a:sym typeface="Bangers"/>
+              </a:rPr>
+              <a:t>muitas</a:t>
+            </a:r>
+            <a:r>
+              <a:rPr lang="en-IN" altLang="en-US" sz="3200" dirty="0" smtClean="0">
+                <a:latin typeface="Sniglet" panose="020B0604020202020204" charset="0"/>
+                <a:ea typeface="Bangers"/>
+                <a:cs typeface="Bangers"/>
+                <a:sym typeface="Bangers"/>
+              </a:rPr>
+              <a:t> </a:t>
+            </a:r>
+            <a:r>
+              <a:rPr lang="en-IN" altLang="en-US" sz="3200" dirty="0" err="1" smtClean="0">
+                <a:latin typeface="Sniglet" panose="020B0604020202020204" charset="0"/>
+                <a:ea typeface="Bangers"/>
+                <a:cs typeface="Bangers"/>
+                <a:sym typeface="Bangers"/>
+              </a:rPr>
+              <a:t>conexões</a:t>
+            </a:r>
+            <a:r>
+              <a:rPr lang="en-IN" altLang="en-US" sz="3200" dirty="0" smtClean="0">
+                <a:latin typeface="Sniglet" panose="020B0604020202020204" charset="0"/>
+                <a:ea typeface="Bangers"/>
+                <a:cs typeface="Bangers"/>
+                <a:sym typeface="Bangers"/>
+              </a:rPr>
+              <a:t> </a:t>
+            </a:r>
+            <a:r>
+              <a:rPr lang="en-IN" altLang="en-US" sz="3200" dirty="0" err="1" smtClean="0">
+                <a:latin typeface="Sniglet" panose="020B0604020202020204" charset="0"/>
+                <a:ea typeface="Bangers"/>
+                <a:cs typeface="Bangers"/>
+                <a:sym typeface="Bangers"/>
+              </a:rPr>
+              <a:t>simultâneas</a:t>
+            </a:r>
+            <a:endParaRPr lang="en-IN" altLang="en-US" sz="3200" dirty="0" smtClean="0">
+              <a:latin typeface="Sniglet" panose="020B0604020202020204" charset="0"/>
+              <a:ea typeface="Bangers"/>
+              <a:cs typeface="Bangers"/>
+              <a:sym typeface="Bangers"/>
+            </a:endParaRPr>
+          </a:p>
+          <a:p>
+            <a:pPr>
+              <a:buNone/>
+            </a:pPr>
+            <a:endParaRPr lang="en-IN" altLang="en-US" sz="3200" dirty="0">
+              <a:latin typeface="Sniglet" panose="020B0604020202020204" charset="0"/>
+              <a:ea typeface="Bangers"/>
+              <a:cs typeface="Bangers"/>
+              <a:sym typeface="Bangers"/>
+            </a:endParaRPr>
+          </a:p>
+          <a:p>
+            <a:endParaRPr lang="pt-BR" dirty="0"/>
+          </a:p>
+        </p:txBody>
+      </p:sp>
+    </p:spTree>
+    <p:extLst>
+      <p:ext uri="{BB962C8B-B14F-4D97-AF65-F5344CB8AC3E}">
+        <p14:creationId xmlns:p14="http://schemas.microsoft.com/office/powerpoint/2010/main" xmlns="" val="3842037970"/>
+      </p:ext>
+    </p:extLst>
+  </p:cSld>
+  <p:clrMapOvr>
+    <a:masterClrMapping/>
+  </p:clrMapOvr>
+  <p:timing>
+    <p:tnLst>
+      <p:par>
+        <p:cTn id="1" dur="indefinite" restart="never" nodeType="tmRoot"/>
+      </p:par>
+    </p:tnLst>
+  </p:timing>
+</p:sld>
+</file>
+
+<file path=ppt/slides/slide11.xml><?xml version="1.0" encoding="utf-8"?>
 <p:sld xmlns:a="http://schemas.openxmlformats.org/drawingml/2006/main" xmlns:r="http://schemas.openxmlformats.org/officeDocument/2006/relationships" xmlns:p="http://schemas.openxmlformats.org/presentationml/2006/main">
   <p:cSld>
     <p:bg>
@@ -9268,341 +9539,6 @@
         </p:txBody>
       </p:sp>
     </p:spTree>
-  </p:cSld>
-  <p:clrMapOvr>
-    <a:masterClrMapping/>
-  </p:clrMapOvr>
-  <p:timing>
-    <p:tnLst>
-      <p:par>
-        <p:cTn id="1" dur="indefinite" restart="never" nodeType="tmRoot"/>
-      </p:par>
-    </p:tnLst>
-  </p:timing>
-</p:sld>
-</file>
-
-<file path=ppt/slides/slide11.xml><?xml version="1.0" encoding="utf-8"?>
-<p:sld xmlns:a="http://schemas.openxmlformats.org/drawingml/2006/main" xmlns:r="http://schemas.openxmlformats.org/officeDocument/2006/relationships" xmlns:p="http://schemas.openxmlformats.org/presentationml/2006/main">
-  <p:cSld>
-    <p:spTree>
-      <p:nvGrpSpPr>
-        <p:cNvPr id="1" name="Shape 145"/>
-        <p:cNvGrpSpPr/>
-        <p:nvPr/>
-      </p:nvGrpSpPr>
-      <p:grpSpPr>
-        <a:xfrm>
-          <a:off x="0" y="0"/>
-          <a:ext cx="0" cy="0"/>
-          <a:chOff x="0" y="0"/>
-          <a:chExt cx="0" cy="0"/>
-        </a:xfrm>
-      </p:grpSpPr>
-      <p:sp>
-        <p:nvSpPr>
-          <p:cNvPr id="2" name="Título 1"/>
-          <p:cNvSpPr>
-            <a:spLocks noGrp="1"/>
-          </p:cNvSpPr>
-          <p:nvPr>
-            <p:ph type="title"/>
-          </p:nvPr>
-        </p:nvSpPr>
-        <p:spPr/>
-        <p:txBody>
-          <a:bodyPr/>
-          <a:lstStyle/>
-          <a:p>
-            <a:r>
-              <a:rPr lang="pt-BR" dirty="0" smtClean="0">
-                <a:solidFill>
-                  <a:srgbClr val="00B050"/>
-                </a:solidFill>
-              </a:rPr>
-              <a:t>O Que é?</a:t>
-            </a:r>
-            <a:endParaRPr lang="pt-BR" dirty="0">
-              <a:solidFill>
-                <a:srgbClr val="00B050"/>
-              </a:solidFill>
-            </a:endParaRPr>
-          </a:p>
-        </p:txBody>
-      </p:sp>
-      <p:sp>
-        <p:nvSpPr>
-          <p:cNvPr id="4" name="Espaço Reservado para Texto 3"/>
-          <p:cNvSpPr>
-            <a:spLocks noGrp="1"/>
-          </p:cNvSpPr>
-          <p:nvPr>
-            <p:ph type="body" idx="1"/>
-          </p:nvPr>
-        </p:nvSpPr>
-        <p:spPr>
-          <a:xfrm>
-            <a:off x="755576" y="1563638"/>
-            <a:ext cx="7416824" cy="3303600"/>
-          </a:xfrm>
-        </p:spPr>
-        <p:txBody>
-          <a:bodyPr/>
-          <a:lstStyle/>
-          <a:p>
-            <a:r>
-              <a:rPr lang="en-IN" altLang="en-US" sz="3200" dirty="0">
-                <a:latin typeface="Sniglet" panose="020B0604020202020204" charset="0"/>
-                <a:ea typeface="Bangers"/>
-                <a:cs typeface="Bangers"/>
-                <a:sym typeface="Bangers"/>
-              </a:rPr>
-              <a:t> </a:t>
-            </a:r>
-            <a:r>
-              <a:rPr lang="en-IN" altLang="en-US" sz="3200" dirty="0" err="1" smtClean="0">
-                <a:latin typeface="Sniglet" panose="020B0604020202020204" charset="0"/>
-                <a:ea typeface="Bangers"/>
-                <a:cs typeface="Bangers"/>
-                <a:sym typeface="Bangers"/>
-              </a:rPr>
-              <a:t>Plataforma</a:t>
-            </a:r>
-            <a:r>
-              <a:rPr lang="en-IN" altLang="en-US" sz="3200" dirty="0" smtClean="0">
-                <a:latin typeface="Sniglet" panose="020B0604020202020204" charset="0"/>
-                <a:ea typeface="Bangers"/>
-                <a:cs typeface="Bangers"/>
-                <a:sym typeface="Bangers"/>
-              </a:rPr>
-              <a:t> </a:t>
-            </a:r>
-            <a:r>
-              <a:rPr lang="en-IN" altLang="en-US" sz="3200" dirty="0">
-                <a:latin typeface="Sniglet" panose="020B0604020202020204" charset="0"/>
-                <a:ea typeface="Bangers"/>
-                <a:cs typeface="Bangers"/>
-                <a:sym typeface="Bangers"/>
-              </a:rPr>
-              <a:t>de </a:t>
-            </a:r>
-            <a:r>
-              <a:rPr lang="en-IN" altLang="en-US" sz="3200" dirty="0" err="1">
-                <a:latin typeface="Sniglet" panose="020B0604020202020204" charset="0"/>
-                <a:ea typeface="Bangers"/>
-                <a:cs typeface="Bangers"/>
-                <a:sym typeface="Bangers"/>
-              </a:rPr>
-              <a:t>Desenvolvimento</a:t>
-            </a:r>
-            <a:r>
-              <a:rPr lang="en-IN" altLang="en-US" sz="3200" dirty="0">
-                <a:latin typeface="Sniglet" panose="020B0604020202020204" charset="0"/>
-                <a:ea typeface="Bangers"/>
-                <a:cs typeface="Bangers"/>
-                <a:sym typeface="Bangers"/>
-              </a:rPr>
-              <a:t> </a:t>
-            </a:r>
-            <a:r>
-              <a:rPr lang="en-IN" altLang="en-US" sz="3200" dirty="0" err="1">
-                <a:latin typeface="Sniglet" panose="020B0604020202020204" charset="0"/>
-                <a:ea typeface="Bangers"/>
-                <a:cs typeface="Bangers"/>
-                <a:sym typeface="Bangers"/>
-              </a:rPr>
-              <a:t>Javascript</a:t>
-            </a:r>
-            <a:r>
-              <a:rPr lang="en-IN" altLang="en-US" sz="3200" dirty="0">
-                <a:latin typeface="Sniglet" panose="020B0604020202020204" charset="0"/>
-                <a:ea typeface="Bangers"/>
-                <a:cs typeface="Bangers"/>
-                <a:sym typeface="Bangers"/>
-              </a:rPr>
-              <a:t> </a:t>
-            </a:r>
-            <a:r>
-              <a:rPr lang="en-IN" altLang="en-US" sz="3200" dirty="0" err="1">
-                <a:latin typeface="Sniglet" panose="020B0604020202020204" charset="0"/>
-                <a:ea typeface="Bangers"/>
-                <a:cs typeface="Bangers"/>
-                <a:sym typeface="Bangers"/>
-              </a:rPr>
-              <a:t>para</a:t>
-            </a:r>
-            <a:r>
-              <a:rPr lang="en-IN" altLang="en-US" sz="3200" dirty="0">
-                <a:latin typeface="Sniglet" panose="020B0604020202020204" charset="0"/>
-                <a:ea typeface="Bangers"/>
-                <a:cs typeface="Bangers"/>
-                <a:sym typeface="Bangers"/>
-              </a:rPr>
-              <a:t> </a:t>
-            </a:r>
-            <a:r>
-              <a:rPr lang="en-IN" altLang="en-US" sz="3200" dirty="0" err="1">
-                <a:latin typeface="Sniglet" panose="020B0604020202020204" charset="0"/>
-                <a:ea typeface="Bangers"/>
-                <a:cs typeface="Bangers"/>
-                <a:sym typeface="Bangers"/>
-              </a:rPr>
-              <a:t>aplicações</a:t>
-            </a:r>
-            <a:r>
-              <a:rPr lang="en-IN" altLang="en-US" sz="3200" dirty="0">
-                <a:latin typeface="Sniglet" panose="020B0604020202020204" charset="0"/>
-                <a:ea typeface="Bangers"/>
-                <a:cs typeface="Bangers"/>
-                <a:sym typeface="Bangers"/>
-              </a:rPr>
-              <a:t> </a:t>
-            </a:r>
-            <a:r>
-              <a:rPr lang="en-IN" altLang="en-US" sz="3200" dirty="0" err="1">
-                <a:latin typeface="Sniglet" panose="020B0604020202020204" charset="0"/>
-                <a:ea typeface="Bangers"/>
-                <a:cs typeface="Bangers"/>
-                <a:sym typeface="Bangers"/>
-              </a:rPr>
-              <a:t>em</a:t>
-            </a:r>
-            <a:r>
-              <a:rPr lang="en-IN" altLang="en-US" sz="3200" dirty="0">
-                <a:latin typeface="Sniglet" panose="020B0604020202020204" charset="0"/>
-                <a:ea typeface="Bangers"/>
-                <a:cs typeface="Bangers"/>
-                <a:sym typeface="Bangers"/>
-              </a:rPr>
-              <a:t> </a:t>
-            </a:r>
-            <a:r>
-              <a:rPr lang="en-IN" altLang="en-US" sz="3200" dirty="0" err="1" smtClean="0">
-                <a:latin typeface="Sniglet" panose="020B0604020202020204" charset="0"/>
-                <a:ea typeface="Bangers"/>
-                <a:cs typeface="Bangers"/>
-                <a:sym typeface="Bangers"/>
-              </a:rPr>
-              <a:t>rede</a:t>
-            </a:r>
-            <a:endParaRPr lang="en-IN" altLang="en-US" sz="3200" dirty="0" smtClean="0">
-              <a:latin typeface="Sniglet" panose="020B0604020202020204" charset="0"/>
-              <a:ea typeface="Bangers"/>
-              <a:cs typeface="Bangers"/>
-              <a:sym typeface="Bangers"/>
-            </a:endParaRPr>
-          </a:p>
-          <a:p>
-            <a:r>
-              <a:rPr lang="en-IN" altLang="en-US" sz="3200" dirty="0">
-                <a:latin typeface="Sniglet" panose="020B0604020202020204" charset="0"/>
-                <a:ea typeface="Bangers"/>
-                <a:cs typeface="Bangers"/>
-                <a:sym typeface="Bangers"/>
-              </a:rPr>
-              <a:t> </a:t>
-            </a:r>
-            <a:r>
-              <a:rPr lang="en-IN" altLang="en-US" sz="3200" dirty="0" smtClean="0">
-                <a:latin typeface="Sniglet" panose="020B0604020202020204" charset="0"/>
-                <a:ea typeface="Bangers"/>
-                <a:cs typeface="Bangers"/>
-                <a:sym typeface="Bangers"/>
-              </a:rPr>
-              <a:t>Ideal </a:t>
-            </a:r>
-            <a:r>
-              <a:rPr lang="en-IN" altLang="en-US" sz="3200" dirty="0" err="1" smtClean="0">
-                <a:latin typeface="Sniglet" panose="020B0604020202020204" charset="0"/>
-                <a:ea typeface="Bangers"/>
-                <a:cs typeface="Bangers"/>
-                <a:sym typeface="Bangers"/>
-              </a:rPr>
-              <a:t>para</a:t>
-            </a:r>
-            <a:r>
-              <a:rPr lang="en-IN" altLang="en-US" sz="3200" dirty="0" smtClean="0">
-                <a:latin typeface="Sniglet" panose="020B0604020202020204" charset="0"/>
-                <a:ea typeface="Bangers"/>
-                <a:cs typeface="Bangers"/>
-                <a:sym typeface="Bangers"/>
-              </a:rPr>
-              <a:t> </a:t>
-            </a:r>
-            <a:r>
-              <a:rPr lang="en-IN" altLang="en-US" sz="3200" dirty="0" err="1" smtClean="0">
-                <a:latin typeface="Sniglet" panose="020B0604020202020204" charset="0"/>
-                <a:ea typeface="Bangers"/>
-                <a:cs typeface="Bangers"/>
-                <a:sym typeface="Bangers"/>
-              </a:rPr>
-              <a:t>muitas</a:t>
-            </a:r>
-            <a:r>
-              <a:rPr lang="en-IN" altLang="en-US" sz="3200" dirty="0" smtClean="0">
-                <a:latin typeface="Sniglet" panose="020B0604020202020204" charset="0"/>
-                <a:ea typeface="Bangers"/>
-                <a:cs typeface="Bangers"/>
-                <a:sym typeface="Bangers"/>
-              </a:rPr>
-              <a:t> </a:t>
-            </a:r>
-            <a:r>
-              <a:rPr lang="en-IN" altLang="en-US" sz="3200" dirty="0" err="1" smtClean="0">
-                <a:latin typeface="Sniglet" panose="020B0604020202020204" charset="0"/>
-                <a:ea typeface="Bangers"/>
-                <a:cs typeface="Bangers"/>
-                <a:sym typeface="Bangers"/>
-              </a:rPr>
-              <a:t>conexões</a:t>
-            </a:r>
-            <a:r>
-              <a:rPr lang="en-IN" altLang="en-US" sz="3200" dirty="0" smtClean="0">
-                <a:latin typeface="Sniglet" panose="020B0604020202020204" charset="0"/>
-                <a:ea typeface="Bangers"/>
-                <a:cs typeface="Bangers"/>
-                <a:sym typeface="Bangers"/>
-              </a:rPr>
-              <a:t> </a:t>
-            </a:r>
-            <a:r>
-              <a:rPr lang="en-IN" altLang="en-US" sz="3200" dirty="0" err="1" smtClean="0">
-                <a:latin typeface="Sniglet" panose="020B0604020202020204" charset="0"/>
-                <a:ea typeface="Bangers"/>
-                <a:cs typeface="Bangers"/>
-                <a:sym typeface="Bangers"/>
-              </a:rPr>
-              <a:t>simultâneas</a:t>
-            </a:r>
-            <a:endParaRPr lang="en-IN" altLang="en-US" sz="3200" dirty="0" smtClean="0">
-              <a:latin typeface="Sniglet" panose="020B0604020202020204" charset="0"/>
-              <a:ea typeface="Bangers"/>
-              <a:cs typeface="Bangers"/>
-              <a:sym typeface="Bangers"/>
-            </a:endParaRPr>
-          </a:p>
-          <a:p>
-            <a:pPr>
-              <a:buNone/>
-            </a:pPr>
-            <a:endParaRPr lang="en-IN" altLang="en-US" sz="3200" dirty="0">
-              <a:latin typeface="Sniglet" panose="020B0604020202020204" charset="0"/>
-              <a:ea typeface="Bangers"/>
-              <a:cs typeface="Bangers"/>
-              <a:sym typeface="Bangers"/>
-            </a:endParaRPr>
-          </a:p>
-          <a:p>
-            <a:endParaRPr lang="pt-BR" dirty="0"/>
-          </a:p>
-        </p:txBody>
-      </p:sp>
-    </p:spTree>
-    <p:extLst>
-      <p:ext uri="{BB962C8B-B14F-4D97-AF65-F5344CB8AC3E}">
-        <p14:creationId xmlns:p14="http://schemas.microsoft.com/office/powerpoint/2010/main" val="3842037970"/>
-      </p:ext>
-    </p:extLst>
   </p:cSld>
   <p:clrMapOvr>
     <a:masterClrMapping/>
@@ -9884,7 +9820,7 @@
           <a:blip r:embed="rId3">
             <a:extLst>
               <a:ext uri="{28A0092B-C50C-407E-A947-70E740481C1C}">
-                <a14:useLocalDpi xmlns:a14="http://schemas.microsoft.com/office/drawing/2010/main" val="0"/>
+                <a14:useLocalDpi xmlns:a14="http://schemas.microsoft.com/office/drawing/2010/main" xmlns="" val="0"/>
               </a:ext>
             </a:extLst>
           </a:blip>
@@ -9904,7 +9840,7 @@
           <a:noFill/>
           <a:extLst>
             <a:ext uri="{909E8E84-426E-40DD-AFC4-6F175D3DCCD1}">
-              <a14:hiddenFill xmlns:a14="http://schemas.microsoft.com/office/drawing/2010/main">
+              <a14:hiddenFill xmlns:a14="http://schemas.microsoft.com/office/drawing/2010/main" xmlns="">
                 <a:solidFill>
                   <a:srgbClr val="FFFFFF"/>
                 </a:solidFill>
@@ -9925,7 +9861,7 @@
           <a:blip r:embed="rId4">
             <a:extLst>
               <a:ext uri="{28A0092B-C50C-407E-A947-70E740481C1C}">
-                <a14:useLocalDpi xmlns:a14="http://schemas.microsoft.com/office/drawing/2010/main" val="0"/>
+                <a14:useLocalDpi xmlns:a14="http://schemas.microsoft.com/office/drawing/2010/main" xmlns="" val="0"/>
               </a:ext>
             </a:extLst>
           </a:blip>
@@ -9945,7 +9881,7 @@
           <a:noFill/>
           <a:extLst>
             <a:ext uri="{909E8E84-426E-40DD-AFC4-6F175D3DCCD1}">
-              <a14:hiddenFill xmlns:a14="http://schemas.microsoft.com/office/drawing/2010/main">
+              <a14:hiddenFill xmlns:a14="http://schemas.microsoft.com/office/drawing/2010/main" xmlns="">
                 <a:solidFill>
                   <a:srgbClr val="FFFFFF"/>
                 </a:solidFill>
@@ -9966,7 +9902,7 @@
           <a:blip r:embed="rId5">
             <a:extLst>
               <a:ext uri="{28A0092B-C50C-407E-A947-70E740481C1C}">
-                <a14:useLocalDpi xmlns:a14="http://schemas.microsoft.com/office/drawing/2010/main" val="0"/>
+                <a14:useLocalDpi xmlns:a14="http://schemas.microsoft.com/office/drawing/2010/main" xmlns="" val="0"/>
               </a:ext>
             </a:extLst>
           </a:blip>
@@ -9986,7 +9922,7 @@
           <a:noFill/>
           <a:extLst>
             <a:ext uri="{909E8E84-426E-40DD-AFC4-6F175D3DCCD1}">
-              <a14:hiddenFill xmlns:a14="http://schemas.microsoft.com/office/drawing/2010/main">
+              <a14:hiddenFill xmlns:a14="http://schemas.microsoft.com/office/drawing/2010/main" xmlns="">
                 <a:solidFill>
                   <a:srgbClr val="FFFFFF"/>
                 </a:solidFill>
@@ -10007,7 +9943,7 @@
           <a:blip r:embed="rId6">
             <a:extLst>
               <a:ext uri="{28A0092B-C50C-407E-A947-70E740481C1C}">
-                <a14:useLocalDpi xmlns:a14="http://schemas.microsoft.com/office/drawing/2010/main" val="0"/>
+                <a14:useLocalDpi xmlns:a14="http://schemas.microsoft.com/office/drawing/2010/main" xmlns="" val="0"/>
               </a:ext>
             </a:extLst>
           </a:blip>
@@ -10027,7 +9963,7 @@
           <a:noFill/>
           <a:extLst>
             <a:ext uri="{909E8E84-426E-40DD-AFC4-6F175D3DCCD1}">
-              <a14:hiddenFill xmlns:a14="http://schemas.microsoft.com/office/drawing/2010/main">
+              <a14:hiddenFill xmlns:a14="http://schemas.microsoft.com/office/drawing/2010/main" xmlns="">
                 <a:solidFill>
                   <a:srgbClr val="FFFFFF"/>
                 </a:solidFill>
@@ -10048,7 +9984,7 @@
           <a:blip r:embed="rId7">
             <a:extLst>
               <a:ext uri="{28A0092B-C50C-407E-A947-70E740481C1C}">
-                <a14:useLocalDpi xmlns:a14="http://schemas.microsoft.com/office/drawing/2010/main" val="0"/>
+                <a14:useLocalDpi xmlns:a14="http://schemas.microsoft.com/office/drawing/2010/main" xmlns="" val="0"/>
               </a:ext>
             </a:extLst>
           </a:blip>
@@ -10068,7 +10004,7 @@
           <a:noFill/>
           <a:extLst>
             <a:ext uri="{909E8E84-426E-40DD-AFC4-6F175D3DCCD1}">
-              <a14:hiddenFill xmlns:a14="http://schemas.microsoft.com/office/drawing/2010/main">
+              <a14:hiddenFill xmlns:a14="http://schemas.microsoft.com/office/drawing/2010/main" xmlns="">
                 <a:solidFill>
                   <a:srgbClr val="FFFFFF"/>
                 </a:solidFill>
@@ -10080,7 +10016,7 @@
     </p:spTree>
     <p:extLst>
       <p:ext uri="{BB962C8B-B14F-4D97-AF65-F5344CB8AC3E}">
-        <p14:creationId xmlns:p14="http://schemas.microsoft.com/office/powerpoint/2010/main" val="2570298480"/>
+        <p14:creationId xmlns:p14="http://schemas.microsoft.com/office/powerpoint/2010/main" xmlns="" val="2570298480"/>
       </p:ext>
     </p:extLst>
   </p:cSld>
@@ -10150,10 +10086,18 @@
               <a:buNone/>
             </a:pPr>
             <a:r>
-              <a:rPr lang="en" dirty="0" smtClean="0"/>
+              <a:rPr lang="en" dirty="0" smtClean="0">
+                <a:solidFill>
+                  <a:srgbClr val="00B050"/>
+                </a:solidFill>
+              </a:rPr>
               <a:t>NodeJS = </a:t>
             </a:r>
-            <a:endParaRPr lang="en" dirty="0"/>
+            <a:endParaRPr lang="en" dirty="0">
+              <a:solidFill>
+                <a:srgbClr val="00B050"/>
+              </a:solidFill>
+            </a:endParaRPr>
           </a:p>
         </p:txBody>
       </p:sp>
@@ -10531,7 +10475,7 @@
     </p:spTree>
     <p:extLst>
       <p:ext uri="{BB962C8B-B14F-4D97-AF65-F5344CB8AC3E}">
-        <p14:creationId xmlns:p14="http://schemas.microsoft.com/office/powerpoint/2010/main" val="3441499724"/>
+        <p14:creationId xmlns:p14="http://schemas.microsoft.com/office/powerpoint/2010/main" xmlns="" val="3441499724"/>
       </p:ext>
     </p:extLst>
   </p:cSld>
@@ -10905,11 +10849,7 @@
             </a:pPr>
             <a:r>
               <a:rPr lang="en-US" altLang="en-US" sz="2000" dirty="0" smtClean="0"/>
-              <a:t> </a:t>
-            </a:r>
-            <a:r>
-              <a:rPr lang="en-US" altLang="en-US" sz="2000" dirty="0" smtClean="0"/>
-              <a:t>I/O </a:t>
+              <a:t> I/O </a:t>
             </a:r>
             <a:r>
               <a:rPr lang="en-US" altLang="en-US" sz="2000" dirty="0" err="1" smtClean="0"/>
@@ -12125,7 +12065,7 @@
     </p:spTree>
     <p:extLst>
       <p:ext uri="{BB962C8B-B14F-4D97-AF65-F5344CB8AC3E}">
-        <p14:creationId xmlns:p14="http://schemas.microsoft.com/office/powerpoint/2010/main" val="3441499724"/>
+        <p14:creationId xmlns:p14="http://schemas.microsoft.com/office/powerpoint/2010/main" xmlns="" val="3441499724"/>
       </p:ext>
     </p:extLst>
   </p:cSld>
@@ -12336,9 +12276,17 @@
 <file path=ppt/slides/slide19.xml><?xml version="1.0" encoding="utf-8"?>
 <p:sld xmlns:a="http://schemas.openxmlformats.org/drawingml/2006/main" xmlns:r="http://schemas.openxmlformats.org/officeDocument/2006/relationships" xmlns:p="http://schemas.openxmlformats.org/presentationml/2006/main">
   <p:cSld>
+    <p:bg>
+      <p:bgPr>
+        <a:solidFill>
+          <a:srgbClr val="A6CD02"/>
+        </a:solidFill>
+        <a:effectLst/>
+      </p:bgPr>
+    </p:bg>
     <p:spTree>
       <p:nvGrpSpPr>
-        <p:cNvPr id="1" name=""/>
+        <p:cNvPr id="1" name="Shape 153"/>
         <p:cNvGrpSpPr/>
         <p:nvPr/>
       </p:nvGrpSpPr>
@@ -12352,187 +12300,400 @@
       </p:grpSpPr>
       <p:sp>
         <p:nvSpPr>
-          <p:cNvPr id="5" name="Título 4"/>
+          <p:cNvPr id="6" name="Rectangle 3"/>
           <p:cNvSpPr>
-            <a:spLocks noGrp="1"/>
+            <a:spLocks noGrp="1" noChangeArrowheads="1"/>
           </p:cNvSpPr>
           <p:nvPr>
             <p:ph type="title"/>
           </p:nvPr>
         </p:nvSpPr>
-        <p:spPr/>
-        <p:txBody>
-          <a:bodyPr/>
-          <a:lstStyle/>
-          <a:p>
-            <a:pPr algn="ctr"/>
-            <a:r>
-              <a:rPr lang="pt-BR" dirty="0" smtClean="0">
-                <a:solidFill>
-                  <a:srgbClr val="00B050"/>
-                </a:solidFill>
-              </a:rPr>
-              <a:t>Comandos</a:t>
-            </a:r>
-            <a:endParaRPr lang="pt-BR" dirty="0">
-              <a:solidFill>
-                <a:srgbClr val="00B050"/>
-              </a:solidFill>
-            </a:endParaRPr>
-          </a:p>
-        </p:txBody>
-      </p:sp>
-      <p:sp>
-        <p:nvSpPr>
-          <p:cNvPr id="30722" name="Rectangle 2"/>
-          <p:cNvSpPr>
-            <a:spLocks noGrp="1" noChangeArrowheads="1"/>
-          </p:cNvSpPr>
-          <p:nvPr>
-            <p:ph type="body" idx="1"/>
-          </p:nvPr>
-        </p:nvSpPr>
         <p:spPr>
-          <a:xfrm>
-            <a:off x="971600" y="1419622"/>
-            <a:ext cx="7710900" cy="3303600"/>
+          <a:xfrm rot="161729">
+            <a:off x="976260" y="876905"/>
+            <a:ext cx="7029878" cy="760138"/>
           </a:xfrm>
         </p:spPr>
         <p:txBody>
           <a:bodyPr/>
           <a:lstStyle/>
           <a:p>
-            <a:pPr marL="0" indent="0">
-              <a:buFontTx/>
+            <a:r>
+              <a:rPr lang="en-US" altLang="en-US" sz="4000" dirty="0" err="1" smtClean="0">
+                <a:solidFill>
+                  <a:srgbClr val="00B050"/>
+                </a:solidFill>
+              </a:rPr>
+              <a:t>Usando</a:t>
+            </a:r>
+            <a:r>
+              <a:rPr lang="en-US" altLang="en-US" sz="4000" dirty="0" smtClean="0">
+                <a:solidFill>
+                  <a:srgbClr val="00B050"/>
+                </a:solidFill>
+              </a:rPr>
+              <a:t> um </a:t>
+            </a:r>
+            <a:r>
+              <a:rPr lang="en-US" altLang="en-US" sz="4000" dirty="0" err="1" smtClean="0">
+                <a:solidFill>
+                  <a:srgbClr val="00B050"/>
+                </a:solidFill>
+              </a:rPr>
+              <a:t>módulo</a:t>
+            </a:r>
+            <a:endParaRPr lang="en-US" altLang="en-US" sz="4000" dirty="0" smtClean="0">
+              <a:solidFill>
+                <a:srgbClr val="00B050"/>
+              </a:solidFill>
+            </a:endParaRPr>
+          </a:p>
+        </p:txBody>
+      </p:sp>
+      <p:sp>
+        <p:nvSpPr>
+          <p:cNvPr id="7" name="Rectangle 2"/>
+          <p:cNvSpPr txBox="1">
+            <a:spLocks noChangeArrowheads="1"/>
+          </p:cNvSpPr>
+          <p:nvPr/>
+        </p:nvSpPr>
+        <p:spPr>
+          <a:xfrm>
+            <a:off x="827584" y="1583483"/>
+            <a:ext cx="8007374" cy="3303600"/>
+          </a:xfrm>
+          <a:prstGeom prst="rect">
+            <a:avLst/>
+          </a:prstGeom>
+        </p:spPr>
+        <p:txBody>
+          <a:bodyPr/>
+          <a:lstStyle>
+            <a:defPPr marR="0" lvl="0" algn="l" rtl="0">
+              <a:lnSpc>
+                <a:spcPct val="100000"/>
+              </a:lnSpc>
+              <a:spcBef>
+                <a:spcPts val="0"/>
+              </a:spcBef>
+              <a:spcAft>
+                <a:spcPts val="0"/>
+              </a:spcAft>
+            </a:defPPr>
+            <a:lvl1pPr marR="0" lvl="0" algn="l" rtl="0">
+              <a:lnSpc>
+                <a:spcPct val="100000"/>
+              </a:lnSpc>
+              <a:spcBef>
+                <a:spcPts val="0"/>
+              </a:spcBef>
+              <a:spcAft>
+                <a:spcPts val="0"/>
+              </a:spcAft>
               <a:buNone/>
-            </a:pPr>
-            <a:r>
-              <a:rPr lang="en-US" altLang="en-US" sz="2400" dirty="0" err="1" smtClean="0"/>
-              <a:t>Iniciar</a:t>
-            </a:r>
-            <a:r>
-              <a:rPr lang="en-US" altLang="en-US" sz="2400" dirty="0" smtClean="0"/>
+              <a:defRPr sz="1400" b="0" i="0" u="none" strike="noStrike" cap="none">
+                <a:solidFill>
+                  <a:srgbClr val="000000"/>
+                </a:solidFill>
+                <a:latin typeface="Arial"/>
+                <a:ea typeface="Arial"/>
+                <a:cs typeface="Arial"/>
+                <a:sym typeface="Arial"/>
+              </a:defRPr>
+            </a:lvl1pPr>
+            <a:lvl2pPr marR="0" lvl="1" algn="l" rtl="0">
+              <a:lnSpc>
+                <a:spcPct val="100000"/>
+              </a:lnSpc>
+              <a:spcBef>
+                <a:spcPts val="0"/>
+              </a:spcBef>
+              <a:spcAft>
+                <a:spcPts val="0"/>
+              </a:spcAft>
+              <a:buNone/>
+              <a:defRPr sz="1400" b="0" i="0" u="none" strike="noStrike" cap="none">
+                <a:solidFill>
+                  <a:srgbClr val="000000"/>
+                </a:solidFill>
+                <a:latin typeface="Arial"/>
+                <a:ea typeface="Arial"/>
+                <a:cs typeface="Arial"/>
+                <a:sym typeface="Arial"/>
+              </a:defRPr>
+            </a:lvl2pPr>
+            <a:lvl3pPr marR="0" lvl="2" algn="l" rtl="0">
+              <a:lnSpc>
+                <a:spcPct val="100000"/>
+              </a:lnSpc>
+              <a:spcBef>
+                <a:spcPts val="0"/>
+              </a:spcBef>
+              <a:spcAft>
+                <a:spcPts val="0"/>
+              </a:spcAft>
+              <a:buNone/>
+              <a:defRPr sz="1400" b="0" i="0" u="none" strike="noStrike" cap="none">
+                <a:solidFill>
+                  <a:srgbClr val="000000"/>
+                </a:solidFill>
+                <a:latin typeface="Arial"/>
+                <a:ea typeface="Arial"/>
+                <a:cs typeface="Arial"/>
+                <a:sym typeface="Arial"/>
+              </a:defRPr>
+            </a:lvl3pPr>
+            <a:lvl4pPr marR="0" lvl="3" algn="l" rtl="0">
+              <a:lnSpc>
+                <a:spcPct val="100000"/>
+              </a:lnSpc>
+              <a:spcBef>
+                <a:spcPts val="0"/>
+              </a:spcBef>
+              <a:spcAft>
+                <a:spcPts val="0"/>
+              </a:spcAft>
+              <a:buNone/>
+              <a:defRPr sz="1400" b="0" i="0" u="none" strike="noStrike" cap="none">
+                <a:solidFill>
+                  <a:srgbClr val="000000"/>
+                </a:solidFill>
+                <a:latin typeface="Arial"/>
+                <a:ea typeface="Arial"/>
+                <a:cs typeface="Arial"/>
+                <a:sym typeface="Arial"/>
+              </a:defRPr>
+            </a:lvl4pPr>
+            <a:lvl5pPr marR="0" lvl="4" algn="l" rtl="0">
+              <a:lnSpc>
+                <a:spcPct val="100000"/>
+              </a:lnSpc>
+              <a:spcBef>
+                <a:spcPts val="0"/>
+              </a:spcBef>
+              <a:spcAft>
+                <a:spcPts val="0"/>
+              </a:spcAft>
+              <a:buNone/>
+              <a:defRPr sz="1400" b="0" i="0" u="none" strike="noStrike" cap="none">
+                <a:solidFill>
+                  <a:srgbClr val="000000"/>
+                </a:solidFill>
+                <a:latin typeface="Arial"/>
+                <a:ea typeface="Arial"/>
+                <a:cs typeface="Arial"/>
+                <a:sym typeface="Arial"/>
+              </a:defRPr>
+            </a:lvl5pPr>
+            <a:lvl6pPr marR="0" lvl="5" algn="l" rtl="0">
+              <a:lnSpc>
+                <a:spcPct val="100000"/>
+              </a:lnSpc>
+              <a:spcBef>
+                <a:spcPts val="0"/>
+              </a:spcBef>
+              <a:spcAft>
+                <a:spcPts val="0"/>
+              </a:spcAft>
+              <a:buNone/>
+              <a:defRPr sz="1400" b="0" i="0" u="none" strike="noStrike" cap="none">
+                <a:solidFill>
+                  <a:srgbClr val="000000"/>
+                </a:solidFill>
+                <a:latin typeface="Arial"/>
+                <a:ea typeface="Arial"/>
+                <a:cs typeface="Arial"/>
+                <a:sym typeface="Arial"/>
+              </a:defRPr>
+            </a:lvl6pPr>
+            <a:lvl7pPr marR="0" lvl="6" algn="l" rtl="0">
+              <a:lnSpc>
+                <a:spcPct val="100000"/>
+              </a:lnSpc>
+              <a:spcBef>
+                <a:spcPts val="0"/>
+              </a:spcBef>
+              <a:spcAft>
+                <a:spcPts val="0"/>
+              </a:spcAft>
+              <a:buNone/>
+              <a:defRPr sz="1400" b="0" i="0" u="none" strike="noStrike" cap="none">
+                <a:solidFill>
+                  <a:srgbClr val="000000"/>
+                </a:solidFill>
+                <a:latin typeface="Arial"/>
+                <a:ea typeface="Arial"/>
+                <a:cs typeface="Arial"/>
+                <a:sym typeface="Arial"/>
+              </a:defRPr>
+            </a:lvl7pPr>
+            <a:lvl8pPr marR="0" lvl="7" algn="l" rtl="0">
+              <a:lnSpc>
+                <a:spcPct val="100000"/>
+              </a:lnSpc>
+              <a:spcBef>
+                <a:spcPts val="0"/>
+              </a:spcBef>
+              <a:spcAft>
+                <a:spcPts val="0"/>
+              </a:spcAft>
+              <a:buNone/>
+              <a:defRPr sz="1400" b="0" i="0" u="none" strike="noStrike" cap="none">
+                <a:solidFill>
+                  <a:srgbClr val="000000"/>
+                </a:solidFill>
+                <a:latin typeface="Arial"/>
+                <a:ea typeface="Arial"/>
+                <a:cs typeface="Arial"/>
+                <a:sym typeface="Arial"/>
+              </a:defRPr>
+            </a:lvl8pPr>
+            <a:lvl9pPr marR="0" lvl="8" algn="l" rtl="0">
+              <a:lnSpc>
+                <a:spcPct val="100000"/>
+              </a:lnSpc>
+              <a:spcBef>
+                <a:spcPts val="0"/>
+              </a:spcBef>
+              <a:spcAft>
+                <a:spcPts val="0"/>
+              </a:spcAft>
+              <a:buNone/>
+              <a:defRPr sz="1400" b="0" i="0" u="none" strike="noStrike" cap="none">
+                <a:solidFill>
+                  <a:srgbClr val="000000"/>
+                </a:solidFill>
+                <a:latin typeface="Arial"/>
+                <a:ea typeface="Arial"/>
+                <a:cs typeface="Arial"/>
+                <a:sym typeface="Arial"/>
+              </a:defRPr>
+            </a:lvl9pPr>
+          </a:lstStyle>
+          <a:p>
+            <a:r>
+              <a:rPr lang="en-IN" altLang="en-US" sz="2800" dirty="0" err="1" smtClean="0">
+                <a:latin typeface="Sniglet" charset="0"/>
+              </a:rPr>
+              <a:t>var</a:t>
+            </a:r>
+            <a:r>
+              <a:rPr lang="en-IN" altLang="en-US" sz="2800" dirty="0" smtClean="0">
+                <a:latin typeface="Sniglet" charset="0"/>
+              </a:rPr>
+              <a:t> http = require(‘http’);</a:t>
+            </a:r>
+          </a:p>
+          <a:p>
+            <a:r>
+              <a:rPr lang="en-IN" altLang="en-US" sz="2800" dirty="0" err="1" smtClean="0">
+                <a:latin typeface="Sniglet" charset="0"/>
+              </a:rPr>
+              <a:t>var</a:t>
+            </a:r>
+            <a:r>
+              <a:rPr lang="en-IN" altLang="en-US" sz="2800" dirty="0" smtClean="0">
+                <a:latin typeface="Sniglet" charset="0"/>
+              </a:rPr>
               <a:t> </a:t>
             </a:r>
             <a:r>
-              <a:rPr lang="en-US" altLang="en-US" sz="2400" dirty="0" err="1" smtClean="0"/>
-              <a:t>projeto</a:t>
-            </a:r>
-            <a:endParaRPr lang="en-US" altLang="en-US" sz="2400" dirty="0" smtClean="0"/>
-          </a:p>
-          <a:p>
-            <a:pPr marL="0" indent="0">
-              <a:buFontTx/>
-              <a:buNone/>
-            </a:pPr>
-            <a:r>
-              <a:rPr lang="en-US" altLang="en-US" sz="2400" dirty="0" smtClean="0"/>
-              <a:t>$</a:t>
-            </a:r>
-            <a:r>
-              <a:rPr lang="en-US" altLang="en-US" sz="2400" dirty="0" err="1" smtClean="0"/>
-              <a:t>npm</a:t>
-            </a:r>
-            <a:r>
-              <a:rPr lang="en-US" altLang="en-US" sz="2400" dirty="0" smtClean="0"/>
-              <a:t> init</a:t>
-            </a:r>
-          </a:p>
-          <a:p>
-            <a:pPr marL="0" indent="0">
-              <a:buFontTx/>
-              <a:buNone/>
-            </a:pPr>
-            <a:endParaRPr lang="en-US" altLang="en-US" sz="2400" dirty="0" smtClean="0"/>
-          </a:p>
-          <a:p>
-            <a:pPr marL="0" indent="0">
-              <a:buFontTx/>
-              <a:buNone/>
-            </a:pPr>
-            <a:r>
-              <a:rPr lang="en-US" altLang="en-US" sz="2400" dirty="0" err="1" smtClean="0"/>
-              <a:t>Instalar</a:t>
-            </a:r>
-            <a:r>
-              <a:rPr lang="en-US" altLang="en-US" sz="2400" dirty="0" smtClean="0"/>
+              <a:rPr lang="en-IN" altLang="en-US" sz="2800" dirty="0" err="1" smtClean="0">
+                <a:latin typeface="Sniglet" charset="0"/>
+              </a:rPr>
+              <a:t>fs</a:t>
+            </a:r>
+            <a:r>
+              <a:rPr lang="en-IN" altLang="en-US" sz="2800" dirty="0" smtClean="0">
+                <a:latin typeface="Sniglet" charset="0"/>
+              </a:rPr>
+              <a:t> = require(‘</a:t>
+            </a:r>
+            <a:r>
+              <a:rPr lang="en-IN" altLang="en-US" sz="2800" dirty="0" err="1" smtClean="0">
+                <a:latin typeface="Sniglet" charset="0"/>
+              </a:rPr>
+              <a:t>fs</a:t>
+            </a:r>
+            <a:r>
+              <a:rPr lang="en-IN" altLang="en-US" sz="2800" dirty="0" smtClean="0">
+                <a:latin typeface="Sniglet" charset="0"/>
+              </a:rPr>
+              <a:t>’);</a:t>
+            </a:r>
+          </a:p>
+          <a:p>
+            <a:r>
+              <a:rPr lang="en-IN" altLang="en-US" sz="2800" dirty="0" err="1" smtClean="0">
+                <a:latin typeface="Sniglet" charset="0"/>
+              </a:rPr>
+              <a:t>var</a:t>
+            </a:r>
+            <a:r>
+              <a:rPr lang="en-IN" altLang="en-US" sz="2800" dirty="0" smtClean="0">
+                <a:latin typeface="Sniglet" charset="0"/>
+              </a:rPr>
+              <a:t> express = require(‘express’);</a:t>
+            </a:r>
+          </a:p>
+          <a:p>
+            <a:endParaRPr lang="en-IN" altLang="en-US" sz="2800" dirty="0">
+              <a:latin typeface="Sniglet" charset="0"/>
+            </a:endParaRPr>
+          </a:p>
+          <a:p>
+            <a:r>
+              <a:rPr lang="en-US" altLang="en-US" sz="2800" dirty="0" err="1">
+                <a:latin typeface="Sniglet" charset="0"/>
+              </a:rPr>
+              <a:t>var</a:t>
+            </a:r>
+            <a:r>
+              <a:rPr lang="en-US" altLang="en-US" sz="2800" dirty="0">
+                <a:latin typeface="Sniglet" charset="0"/>
+              </a:rPr>
               <a:t> </a:t>
             </a:r>
             <a:r>
-              <a:rPr lang="en-US" altLang="en-US" sz="2400" dirty="0" err="1" smtClean="0"/>
-              <a:t>dependência</a:t>
-            </a:r>
-            <a:r>
-              <a:rPr lang="en-US" altLang="en-US" sz="2400" dirty="0" smtClean="0"/>
-              <a:t>/</a:t>
-            </a:r>
-            <a:r>
-              <a:rPr lang="en-US" altLang="en-US" sz="2400" dirty="0" err="1" smtClean="0"/>
-              <a:t>módulo</a:t>
-            </a:r>
-            <a:endParaRPr lang="en-US" altLang="en-US" sz="2400" dirty="0" smtClean="0"/>
-          </a:p>
-          <a:p>
-            <a:pPr marL="0" indent="0">
-              <a:buFontTx/>
-              <a:buNone/>
-            </a:pPr>
-            <a:r>
-              <a:rPr lang="en-US" altLang="en-US" sz="2400" dirty="0" smtClean="0"/>
-              <a:t>$</a:t>
-            </a:r>
-            <a:r>
-              <a:rPr lang="en-US" altLang="en-US" sz="2400" dirty="0" err="1" smtClean="0"/>
-              <a:t>npm</a:t>
-            </a:r>
-            <a:r>
-              <a:rPr lang="en-US" altLang="en-US" sz="2400" dirty="0" smtClean="0"/>
-              <a:t> install &lt;module name&gt; (--save, -g)</a:t>
-            </a:r>
-          </a:p>
-          <a:p>
-            <a:pPr marL="0" indent="0">
-              <a:buFontTx/>
-              <a:buNone/>
-            </a:pPr>
-            <a:endParaRPr lang="en-US" altLang="en-US" sz="2400" dirty="0" smtClean="0"/>
-          </a:p>
-          <a:p>
-            <a:pPr marL="0" indent="0">
-              <a:buFontTx/>
-              <a:buNone/>
-            </a:pPr>
-            <a:r>
-              <a:rPr lang="en-US" altLang="en-US" sz="2400" dirty="0" err="1" smtClean="0"/>
-              <a:t>Iniciar</a:t>
-            </a:r>
-            <a:r>
-              <a:rPr lang="en-US" altLang="en-US" sz="2400" dirty="0" smtClean="0"/>
-              <a:t> </a:t>
-            </a:r>
-            <a:r>
-              <a:rPr lang="en-US" altLang="en-US" sz="2400" dirty="0" err="1" smtClean="0"/>
-              <a:t>arquivo</a:t>
-            </a:r>
-            <a:r>
-              <a:rPr lang="en-US" altLang="en-US" sz="2400" dirty="0" smtClean="0"/>
-              <a:t> </a:t>
-            </a:r>
-            <a:r>
-              <a:rPr lang="en-US" altLang="en-US" sz="2400" dirty="0" err="1" smtClean="0"/>
-              <a:t>js</a:t>
-            </a:r>
-            <a:endParaRPr lang="en-US" altLang="en-US" sz="2400" dirty="0" smtClean="0"/>
-          </a:p>
-          <a:p>
-            <a:pPr marL="0" indent="0">
-              <a:buFontTx/>
-              <a:buNone/>
-            </a:pPr>
-            <a:r>
-              <a:rPr lang="en-US" altLang="en-US" sz="2400" dirty="0" smtClean="0"/>
-              <a:t>$node arquivo.js</a:t>
-            </a:r>
+              <a:rPr lang="en-US" altLang="en-US" sz="2800" dirty="0" err="1">
+                <a:latin typeface="Sniglet" charset="0"/>
+              </a:rPr>
+              <a:t>nomeDoModulo</a:t>
+            </a:r>
+            <a:r>
+              <a:rPr lang="en-US" altLang="en-US" sz="2800" dirty="0">
+                <a:latin typeface="Sniglet" charset="0"/>
+              </a:rPr>
+              <a:t> = require("./</a:t>
+            </a:r>
+            <a:r>
+              <a:rPr lang="en-US" altLang="en-US" sz="2800" dirty="0" err="1">
+                <a:latin typeface="Sniglet" charset="0"/>
+              </a:rPr>
+              <a:t>teste</a:t>
+            </a:r>
+            <a:r>
+              <a:rPr lang="en-US" altLang="en-US" sz="2800" dirty="0">
+                <a:latin typeface="Sniglet" charset="0"/>
+              </a:rPr>
+              <a:t>/teste2/</a:t>
+            </a:r>
+            <a:r>
+              <a:rPr lang="en-US" altLang="en-US" sz="2800" dirty="0" err="1">
+                <a:latin typeface="Sniglet" charset="0"/>
+              </a:rPr>
+              <a:t>nomeDoModulo</a:t>
+            </a:r>
+            <a:r>
+              <a:rPr lang="en-US" altLang="en-US" sz="2800" dirty="0">
+                <a:latin typeface="Sniglet" charset="0"/>
+              </a:rPr>
+              <a:t>");</a:t>
+            </a:r>
+            <a:endParaRPr lang="en-US" altLang="en-US" sz="2800" dirty="0" smtClean="0">
+              <a:latin typeface="Sniglet" charset="0"/>
+            </a:endParaRPr>
           </a:p>
         </p:txBody>
       </p:sp>
@@ -13193,7 +13354,7 @@
           <a:blip r:embed="rId3">
             <a:extLst>
               <a:ext uri="{28A0092B-C50C-407E-A947-70E740481C1C}">
-                <a14:useLocalDpi xmlns:a14="http://schemas.microsoft.com/office/drawing/2010/main" val="0"/>
+                <a14:useLocalDpi xmlns:a14="http://schemas.microsoft.com/office/drawing/2010/main" xmlns="" val="0"/>
               </a:ext>
             </a:extLst>
           </a:blip>
@@ -13236,7 +13397,7 @@
           <a:blip r:embed="rId4">
             <a:extLst>
               <a:ext uri="{28A0092B-C50C-407E-A947-70E740481C1C}">
-                <a14:useLocalDpi xmlns:a14="http://schemas.microsoft.com/office/drawing/2010/main" val="0"/>
+                <a14:useLocalDpi xmlns:a14="http://schemas.microsoft.com/office/drawing/2010/main" xmlns="" val="0"/>
               </a:ext>
             </a:extLst>
           </a:blip>
@@ -13256,7 +13417,7 @@
           <a:noFill/>
           <a:extLst>
             <a:ext uri="{909E8E84-426E-40DD-AFC4-6F175D3DCCD1}">
-              <a14:hiddenFill xmlns:a14="http://schemas.microsoft.com/office/drawing/2010/main">
+              <a14:hiddenFill xmlns:a14="http://schemas.microsoft.com/office/drawing/2010/main" xmlns="">
                 <a:solidFill>
                   <a:srgbClr val="FFFFFF"/>
                 </a:solidFill>
@@ -13277,7 +13438,7 @@
           <a:blip r:embed="rId5">
             <a:extLst>
               <a:ext uri="{28A0092B-C50C-407E-A947-70E740481C1C}">
-                <a14:useLocalDpi xmlns:a14="http://schemas.microsoft.com/office/drawing/2010/main" val="0"/>
+                <a14:useLocalDpi xmlns:a14="http://schemas.microsoft.com/office/drawing/2010/main" xmlns="" val="0"/>
               </a:ext>
             </a:extLst>
           </a:blip>
@@ -13297,7 +13458,7 @@
           <a:noFill/>
           <a:extLst>
             <a:ext uri="{909E8E84-426E-40DD-AFC4-6F175D3DCCD1}">
-              <a14:hiddenFill xmlns:a14="http://schemas.microsoft.com/office/drawing/2010/main">
+              <a14:hiddenFill xmlns:a14="http://schemas.microsoft.com/office/drawing/2010/main" xmlns="">
                 <a:solidFill>
                   <a:srgbClr val="FFFFFF"/>
                 </a:solidFill>
@@ -13309,7 +13470,7 @@
     </p:spTree>
     <p:extLst>
       <p:ext uri="{BB962C8B-B14F-4D97-AF65-F5344CB8AC3E}">
-        <p14:creationId xmlns:p14="http://schemas.microsoft.com/office/powerpoint/2010/main" val="3993797770"/>
+        <p14:creationId xmlns:p14="http://schemas.microsoft.com/office/powerpoint/2010/main" xmlns="" val="3993797770"/>
       </p:ext>
     </p:extLst>
   </p:cSld>
@@ -13329,17 +13490,9 @@
 <file path=ppt/slides/slide20.xml><?xml version="1.0" encoding="utf-8"?>
 <p:sld xmlns:a="http://schemas.openxmlformats.org/drawingml/2006/main" xmlns:r="http://schemas.openxmlformats.org/officeDocument/2006/relationships" xmlns:p="http://schemas.openxmlformats.org/presentationml/2006/main">
   <p:cSld>
-    <p:bg>
-      <p:bgPr>
-        <a:solidFill>
-          <a:srgbClr val="A6CD02"/>
-        </a:solidFill>
-        <a:effectLst/>
-      </p:bgPr>
-    </p:bg>
     <p:spTree>
       <p:nvGrpSpPr>
-        <p:cNvPr id="1" name="Shape 153"/>
+        <p:cNvPr id="1" name=""/>
         <p:cNvGrpSpPr/>
         <p:nvPr/>
       </p:nvGrpSpPr>
@@ -13353,406 +13506,187 @@
       </p:grpSpPr>
       <p:sp>
         <p:nvSpPr>
-          <p:cNvPr id="6" name="Rectangle 3"/>
+          <p:cNvPr id="5" name="Título 4"/>
           <p:cNvSpPr>
-            <a:spLocks noGrp="1" noChangeArrowheads="1"/>
+            <a:spLocks noGrp="1"/>
           </p:cNvSpPr>
           <p:nvPr>
             <p:ph type="title"/>
           </p:nvPr>
         </p:nvSpPr>
+        <p:spPr/>
+        <p:txBody>
+          <a:bodyPr/>
+          <a:lstStyle/>
+          <a:p>
+            <a:pPr algn="ctr"/>
+            <a:r>
+              <a:rPr lang="pt-BR" dirty="0" smtClean="0">
+                <a:solidFill>
+                  <a:srgbClr val="00B050"/>
+                </a:solidFill>
+              </a:rPr>
+              <a:t>Comandos</a:t>
+            </a:r>
+            <a:endParaRPr lang="pt-BR" dirty="0">
+              <a:solidFill>
+                <a:srgbClr val="00B050"/>
+              </a:solidFill>
+            </a:endParaRPr>
+          </a:p>
+        </p:txBody>
+      </p:sp>
+      <p:sp>
+        <p:nvSpPr>
+          <p:cNvPr id="30722" name="Rectangle 2"/>
+          <p:cNvSpPr>
+            <a:spLocks noGrp="1" noChangeArrowheads="1"/>
+          </p:cNvSpPr>
+          <p:nvPr>
+            <p:ph type="body" idx="1"/>
+          </p:nvPr>
+        </p:nvSpPr>
         <p:spPr>
-          <a:xfrm rot="161729">
-            <a:off x="976260" y="876905"/>
-            <a:ext cx="7029878" cy="760138"/>
+          <a:xfrm>
+            <a:off x="971600" y="1419622"/>
+            <a:ext cx="7710900" cy="3303600"/>
           </a:xfrm>
         </p:spPr>
         <p:txBody>
           <a:bodyPr/>
           <a:lstStyle/>
           <a:p>
-            <a:r>
-              <a:rPr lang="en-US" altLang="en-US" sz="4000" dirty="0" err="1" smtClean="0">
-                <a:solidFill>
-                  <a:srgbClr val="00B050"/>
-                </a:solidFill>
-              </a:rPr>
-              <a:t>Usando</a:t>
-            </a:r>
-            <a:r>
-              <a:rPr lang="en-US" altLang="en-US" sz="4000" dirty="0" smtClean="0">
-                <a:solidFill>
-                  <a:srgbClr val="00B050"/>
-                </a:solidFill>
-              </a:rPr>
-              <a:t> um </a:t>
-            </a:r>
-            <a:r>
-              <a:rPr lang="en-US" altLang="en-US" sz="4000" dirty="0" err="1" smtClean="0">
-                <a:solidFill>
-                  <a:srgbClr val="00B050"/>
-                </a:solidFill>
-              </a:rPr>
+            <a:pPr marL="0" indent="0">
+              <a:buFontTx/>
+              <a:buNone/>
+            </a:pPr>
+            <a:r>
+              <a:rPr lang="en-US" altLang="en-US" sz="2400" dirty="0" err="1" smtClean="0"/>
+              <a:t>Iniciar</a:t>
+            </a:r>
+            <a:r>
+              <a:rPr lang="en-US" altLang="en-US" sz="2400" dirty="0" smtClean="0"/>
+              <a:t> </a:t>
+            </a:r>
+            <a:r>
+              <a:rPr lang="en-US" altLang="en-US" sz="2400" dirty="0" err="1" smtClean="0"/>
+              <a:t>projeto</a:t>
+            </a:r>
+            <a:endParaRPr lang="en-US" altLang="en-US" sz="2400" dirty="0" smtClean="0"/>
+          </a:p>
+          <a:p>
+            <a:pPr marL="0" indent="0">
+              <a:buFontTx/>
+              <a:buNone/>
+            </a:pPr>
+            <a:r>
+              <a:rPr lang="en-US" altLang="en-US" sz="2400" dirty="0" smtClean="0"/>
+              <a:t>$</a:t>
+            </a:r>
+            <a:r>
+              <a:rPr lang="en-US" altLang="en-US" sz="2400" dirty="0" err="1" smtClean="0"/>
+              <a:t>npm</a:t>
+            </a:r>
+            <a:r>
+              <a:rPr lang="en-US" altLang="en-US" sz="2400" dirty="0" smtClean="0"/>
+              <a:t> init</a:t>
+            </a:r>
+          </a:p>
+          <a:p>
+            <a:pPr marL="0" indent="0">
+              <a:buFontTx/>
+              <a:buNone/>
+            </a:pPr>
+            <a:endParaRPr lang="en-US" altLang="en-US" sz="2400" dirty="0" smtClean="0"/>
+          </a:p>
+          <a:p>
+            <a:pPr marL="0" indent="0">
+              <a:buFontTx/>
+              <a:buNone/>
+            </a:pPr>
+            <a:r>
+              <a:rPr lang="en-US" altLang="en-US" sz="2400" dirty="0" err="1" smtClean="0"/>
+              <a:t>Instalar</a:t>
+            </a:r>
+            <a:r>
+              <a:rPr lang="en-US" altLang="en-US" sz="2400" dirty="0" smtClean="0"/>
+              <a:t> </a:t>
+            </a:r>
+            <a:r>
+              <a:rPr lang="en-US" altLang="en-US" sz="2400" dirty="0" err="1" smtClean="0"/>
+              <a:t>dependência</a:t>
+            </a:r>
+            <a:r>
+              <a:rPr lang="en-US" altLang="en-US" sz="2400" dirty="0" smtClean="0"/>
+              <a:t>/</a:t>
+            </a:r>
+            <a:r>
+              <a:rPr lang="en-US" altLang="en-US" sz="2400" dirty="0" err="1" smtClean="0"/>
               <a:t>módulo</a:t>
             </a:r>
-            <a:endParaRPr lang="en-US" altLang="en-US" sz="4000" dirty="0" smtClean="0">
-              <a:solidFill>
-                <a:srgbClr val="00B050"/>
-              </a:solidFill>
-            </a:endParaRPr>
-          </a:p>
-        </p:txBody>
-      </p:sp>
-      <p:sp>
-        <p:nvSpPr>
-          <p:cNvPr id="7" name="Rectangle 2"/>
-          <p:cNvSpPr txBox="1">
-            <a:spLocks noChangeArrowheads="1"/>
-          </p:cNvSpPr>
-          <p:nvPr/>
-        </p:nvSpPr>
-        <p:spPr>
-          <a:xfrm>
-            <a:off x="827584" y="1583483"/>
-            <a:ext cx="8007374" cy="3303600"/>
-          </a:xfrm>
-          <a:prstGeom prst="rect">
-            <a:avLst/>
-          </a:prstGeom>
-        </p:spPr>
-        <p:txBody>
-          <a:bodyPr/>
-          <a:lstStyle>
-            <a:defPPr marR="0" lvl="0" algn="l" rtl="0">
-              <a:lnSpc>
-                <a:spcPct val="100000"/>
-              </a:lnSpc>
-              <a:spcBef>
-                <a:spcPts val="0"/>
-              </a:spcBef>
-              <a:spcAft>
-                <a:spcPts val="0"/>
-              </a:spcAft>
-            </a:defPPr>
-            <a:lvl1pPr marR="0" lvl="0" algn="l" rtl="0">
-              <a:lnSpc>
-                <a:spcPct val="100000"/>
-              </a:lnSpc>
-              <a:spcBef>
-                <a:spcPts val="0"/>
-              </a:spcBef>
-              <a:spcAft>
-                <a:spcPts val="0"/>
-              </a:spcAft>
+            <a:endParaRPr lang="en-US" altLang="en-US" sz="2400" dirty="0" smtClean="0"/>
+          </a:p>
+          <a:p>
+            <a:pPr marL="0" indent="0">
+              <a:buFontTx/>
               <a:buNone/>
-              <a:defRPr sz="1400" b="0" i="0" u="none" strike="noStrike" cap="none">
-                <a:solidFill>
-                  <a:srgbClr val="000000"/>
-                </a:solidFill>
-                <a:latin typeface="Arial"/>
-                <a:ea typeface="Arial"/>
-                <a:cs typeface="Arial"/>
-                <a:sym typeface="Arial"/>
-              </a:defRPr>
-            </a:lvl1pPr>
-            <a:lvl2pPr marR="0" lvl="1" algn="l" rtl="0">
-              <a:lnSpc>
-                <a:spcPct val="100000"/>
-              </a:lnSpc>
-              <a:spcBef>
-                <a:spcPts val="0"/>
-              </a:spcBef>
-              <a:spcAft>
-                <a:spcPts val="0"/>
-              </a:spcAft>
+            </a:pPr>
+            <a:r>
+              <a:rPr lang="en-US" altLang="en-US" sz="2400" dirty="0" smtClean="0"/>
+              <a:t>$</a:t>
+            </a:r>
+            <a:r>
+              <a:rPr lang="en-US" altLang="en-US" sz="2400" dirty="0" err="1" smtClean="0"/>
+              <a:t>npm</a:t>
+            </a:r>
+            <a:r>
+              <a:rPr lang="en-US" altLang="en-US" sz="2400" dirty="0" smtClean="0"/>
+              <a:t> install &lt;module name&gt; (--save, -g)</a:t>
+            </a:r>
+          </a:p>
+          <a:p>
+            <a:pPr marL="0" indent="0">
+              <a:buFontTx/>
               <a:buNone/>
-              <a:defRPr sz="1400" b="0" i="0" u="none" strike="noStrike" cap="none">
-                <a:solidFill>
-                  <a:srgbClr val="000000"/>
-                </a:solidFill>
-                <a:latin typeface="Arial"/>
-                <a:ea typeface="Arial"/>
-                <a:cs typeface="Arial"/>
-                <a:sym typeface="Arial"/>
-              </a:defRPr>
-            </a:lvl2pPr>
-            <a:lvl3pPr marR="0" lvl="2" algn="l" rtl="0">
-              <a:lnSpc>
-                <a:spcPct val="100000"/>
-              </a:lnSpc>
-              <a:spcBef>
-                <a:spcPts val="0"/>
-              </a:spcBef>
-              <a:spcAft>
-                <a:spcPts val="0"/>
-              </a:spcAft>
+            </a:pPr>
+            <a:endParaRPr lang="en-US" altLang="en-US" sz="2400" dirty="0" smtClean="0"/>
+          </a:p>
+          <a:p>
+            <a:pPr marL="0" indent="0">
+              <a:buFontTx/>
               <a:buNone/>
-              <a:defRPr sz="1400" b="0" i="0" u="none" strike="noStrike" cap="none">
-                <a:solidFill>
-                  <a:srgbClr val="000000"/>
-                </a:solidFill>
-                <a:latin typeface="Arial"/>
-                <a:ea typeface="Arial"/>
-                <a:cs typeface="Arial"/>
-                <a:sym typeface="Arial"/>
-              </a:defRPr>
-            </a:lvl3pPr>
-            <a:lvl4pPr marR="0" lvl="3" algn="l" rtl="0">
-              <a:lnSpc>
-                <a:spcPct val="100000"/>
-              </a:lnSpc>
-              <a:spcBef>
-                <a:spcPts val="0"/>
-              </a:spcBef>
-              <a:spcAft>
-                <a:spcPts val="0"/>
-              </a:spcAft>
+            </a:pPr>
+            <a:r>
+              <a:rPr lang="en-US" altLang="en-US" sz="2400" dirty="0" err="1" smtClean="0"/>
+              <a:t>Iniciar</a:t>
+            </a:r>
+            <a:r>
+              <a:rPr lang="en-US" altLang="en-US" sz="2400" dirty="0" smtClean="0"/>
+              <a:t> </a:t>
+            </a:r>
+            <a:r>
+              <a:rPr lang="en-US" altLang="en-US" sz="2400" dirty="0" err="1" smtClean="0"/>
+              <a:t>arquivo</a:t>
+            </a:r>
+            <a:r>
+              <a:rPr lang="en-US" altLang="en-US" sz="2400" dirty="0" smtClean="0"/>
+              <a:t> </a:t>
+            </a:r>
+            <a:r>
+              <a:rPr lang="en-US" altLang="en-US" sz="2400" dirty="0" err="1" smtClean="0"/>
+              <a:t>js</a:t>
+            </a:r>
+            <a:endParaRPr lang="en-US" altLang="en-US" sz="2400" dirty="0" smtClean="0"/>
+          </a:p>
+          <a:p>
+            <a:pPr marL="0" indent="0">
+              <a:buFontTx/>
               <a:buNone/>
-              <a:defRPr sz="1400" b="0" i="0" u="none" strike="noStrike" cap="none">
-                <a:solidFill>
-                  <a:srgbClr val="000000"/>
-                </a:solidFill>
-                <a:latin typeface="Arial"/>
-                <a:ea typeface="Arial"/>
-                <a:cs typeface="Arial"/>
-                <a:sym typeface="Arial"/>
-              </a:defRPr>
-            </a:lvl4pPr>
-            <a:lvl5pPr marR="0" lvl="4" algn="l" rtl="0">
-              <a:lnSpc>
-                <a:spcPct val="100000"/>
-              </a:lnSpc>
-              <a:spcBef>
-                <a:spcPts val="0"/>
-              </a:spcBef>
-              <a:spcAft>
-                <a:spcPts val="0"/>
-              </a:spcAft>
-              <a:buNone/>
-              <a:defRPr sz="1400" b="0" i="0" u="none" strike="noStrike" cap="none">
-                <a:solidFill>
-                  <a:srgbClr val="000000"/>
-                </a:solidFill>
-                <a:latin typeface="Arial"/>
-                <a:ea typeface="Arial"/>
-                <a:cs typeface="Arial"/>
-                <a:sym typeface="Arial"/>
-              </a:defRPr>
-            </a:lvl5pPr>
-            <a:lvl6pPr marR="0" lvl="5" algn="l" rtl="0">
-              <a:lnSpc>
-                <a:spcPct val="100000"/>
-              </a:lnSpc>
-              <a:spcBef>
-                <a:spcPts val="0"/>
-              </a:spcBef>
-              <a:spcAft>
-                <a:spcPts val="0"/>
-              </a:spcAft>
-              <a:buNone/>
-              <a:defRPr sz="1400" b="0" i="0" u="none" strike="noStrike" cap="none">
-                <a:solidFill>
-                  <a:srgbClr val="000000"/>
-                </a:solidFill>
-                <a:latin typeface="Arial"/>
-                <a:ea typeface="Arial"/>
-                <a:cs typeface="Arial"/>
-                <a:sym typeface="Arial"/>
-              </a:defRPr>
-            </a:lvl6pPr>
-            <a:lvl7pPr marR="0" lvl="6" algn="l" rtl="0">
-              <a:lnSpc>
-                <a:spcPct val="100000"/>
-              </a:lnSpc>
-              <a:spcBef>
-                <a:spcPts val="0"/>
-              </a:spcBef>
-              <a:spcAft>
-                <a:spcPts val="0"/>
-              </a:spcAft>
-              <a:buNone/>
-              <a:defRPr sz="1400" b="0" i="0" u="none" strike="noStrike" cap="none">
-                <a:solidFill>
-                  <a:srgbClr val="000000"/>
-                </a:solidFill>
-                <a:latin typeface="Arial"/>
-                <a:ea typeface="Arial"/>
-                <a:cs typeface="Arial"/>
-                <a:sym typeface="Arial"/>
-              </a:defRPr>
-            </a:lvl7pPr>
-            <a:lvl8pPr marR="0" lvl="7" algn="l" rtl="0">
-              <a:lnSpc>
-                <a:spcPct val="100000"/>
-              </a:lnSpc>
-              <a:spcBef>
-                <a:spcPts val="0"/>
-              </a:spcBef>
-              <a:spcAft>
-                <a:spcPts val="0"/>
-              </a:spcAft>
-              <a:buNone/>
-              <a:defRPr sz="1400" b="0" i="0" u="none" strike="noStrike" cap="none">
-                <a:solidFill>
-                  <a:srgbClr val="000000"/>
-                </a:solidFill>
-                <a:latin typeface="Arial"/>
-                <a:ea typeface="Arial"/>
-                <a:cs typeface="Arial"/>
-                <a:sym typeface="Arial"/>
-              </a:defRPr>
-            </a:lvl8pPr>
-            <a:lvl9pPr marR="0" lvl="8" algn="l" rtl="0">
-              <a:lnSpc>
-                <a:spcPct val="100000"/>
-              </a:lnSpc>
-              <a:spcBef>
-                <a:spcPts val="0"/>
-              </a:spcBef>
-              <a:spcAft>
-                <a:spcPts val="0"/>
-              </a:spcAft>
-              <a:buNone/>
-              <a:defRPr sz="1400" b="0" i="0" u="none" strike="noStrike" cap="none">
-                <a:solidFill>
-                  <a:srgbClr val="000000"/>
-                </a:solidFill>
-                <a:latin typeface="Arial"/>
-                <a:ea typeface="Arial"/>
-                <a:cs typeface="Arial"/>
-                <a:sym typeface="Arial"/>
-              </a:defRPr>
-            </a:lvl9pPr>
-          </a:lstStyle>
-          <a:p>
-            <a:r>
-              <a:rPr lang="en-IN" altLang="en-US" sz="2800" dirty="0" err="1" smtClean="0">
-                <a:latin typeface="Sniglet" charset="0"/>
-              </a:rPr>
-              <a:t>var</a:t>
-            </a:r>
-            <a:r>
-              <a:rPr lang="en-IN" altLang="en-US" sz="2800" dirty="0" smtClean="0">
-                <a:latin typeface="Sniglet" charset="0"/>
-              </a:rPr>
-              <a:t> http = require(‘http’);</a:t>
-            </a:r>
-          </a:p>
-          <a:p>
-            <a:r>
-              <a:rPr lang="en-IN" altLang="en-US" sz="2800" dirty="0" err="1" smtClean="0">
-                <a:latin typeface="Sniglet" charset="0"/>
-              </a:rPr>
-              <a:t>var</a:t>
-            </a:r>
-            <a:r>
-              <a:rPr lang="en-IN" altLang="en-US" sz="2800" dirty="0" smtClean="0">
-                <a:latin typeface="Sniglet" charset="0"/>
-              </a:rPr>
-              <a:t> </a:t>
-            </a:r>
-            <a:r>
-              <a:rPr lang="en-IN" altLang="en-US" sz="2800" dirty="0" err="1" smtClean="0">
-                <a:latin typeface="Sniglet" charset="0"/>
-              </a:rPr>
-              <a:t>fs</a:t>
-            </a:r>
-            <a:r>
-              <a:rPr lang="en-IN" altLang="en-US" sz="2800" dirty="0" smtClean="0">
-                <a:latin typeface="Sniglet" charset="0"/>
-              </a:rPr>
-              <a:t> = require(‘</a:t>
-            </a:r>
-            <a:r>
-              <a:rPr lang="en-IN" altLang="en-US" sz="2800" dirty="0" err="1" smtClean="0">
-                <a:latin typeface="Sniglet" charset="0"/>
-              </a:rPr>
-              <a:t>fs</a:t>
-            </a:r>
-            <a:r>
-              <a:rPr lang="en-IN" altLang="en-US" sz="2800" dirty="0" smtClean="0">
-                <a:latin typeface="Sniglet" charset="0"/>
-              </a:rPr>
-              <a:t>’);</a:t>
-            </a:r>
-          </a:p>
-          <a:p>
-            <a:r>
-              <a:rPr lang="en-IN" altLang="en-US" sz="2800" dirty="0" err="1" smtClean="0">
-                <a:latin typeface="Sniglet" charset="0"/>
-              </a:rPr>
-              <a:t>var</a:t>
-            </a:r>
-            <a:r>
-              <a:rPr lang="en-IN" altLang="en-US" sz="2800" dirty="0" smtClean="0">
-                <a:latin typeface="Sniglet" charset="0"/>
-              </a:rPr>
-              <a:t> express = require(‘express</a:t>
-            </a:r>
-            <a:r>
-              <a:rPr lang="en-IN" altLang="en-US" sz="2800" dirty="0" smtClean="0">
-                <a:latin typeface="Sniglet" charset="0"/>
-              </a:rPr>
-              <a:t>’);</a:t>
-            </a:r>
-          </a:p>
-          <a:p>
-            <a:endParaRPr lang="en-IN" altLang="en-US" sz="2800" dirty="0">
-              <a:latin typeface="Sniglet" charset="0"/>
-            </a:endParaRPr>
-          </a:p>
-          <a:p>
-            <a:r>
-              <a:rPr lang="en-US" altLang="en-US" sz="2800" dirty="0" err="1">
-                <a:latin typeface="Sniglet" charset="0"/>
-              </a:rPr>
-              <a:t>var</a:t>
-            </a:r>
-            <a:r>
-              <a:rPr lang="en-US" altLang="en-US" sz="2800" dirty="0">
-                <a:latin typeface="Sniglet" charset="0"/>
-              </a:rPr>
-              <a:t> </a:t>
-            </a:r>
-            <a:r>
-              <a:rPr lang="en-US" altLang="en-US" sz="2800" dirty="0" err="1">
-                <a:latin typeface="Sniglet" charset="0"/>
-              </a:rPr>
-              <a:t>nomeDoModulo</a:t>
-            </a:r>
-            <a:r>
-              <a:rPr lang="en-US" altLang="en-US" sz="2800" dirty="0">
-                <a:latin typeface="Sniglet" charset="0"/>
-              </a:rPr>
-              <a:t> = require("./</a:t>
-            </a:r>
-            <a:r>
-              <a:rPr lang="en-US" altLang="en-US" sz="2800" dirty="0" err="1">
-                <a:latin typeface="Sniglet" charset="0"/>
-              </a:rPr>
-              <a:t>teste</a:t>
-            </a:r>
-            <a:r>
-              <a:rPr lang="en-US" altLang="en-US" sz="2800" dirty="0">
-                <a:latin typeface="Sniglet" charset="0"/>
-              </a:rPr>
-              <a:t>/teste2/</a:t>
-            </a:r>
-            <a:r>
-              <a:rPr lang="en-US" altLang="en-US" sz="2800" dirty="0" err="1">
-                <a:latin typeface="Sniglet" charset="0"/>
-              </a:rPr>
-              <a:t>nomeDoModulo</a:t>
-            </a:r>
-            <a:r>
-              <a:rPr lang="en-US" altLang="en-US" sz="2800" dirty="0">
-                <a:latin typeface="Sniglet" charset="0"/>
-              </a:rPr>
-              <a:t>");</a:t>
-            </a:r>
-            <a:endParaRPr lang="en-US" altLang="en-US" sz="2800" dirty="0" smtClean="0">
-              <a:latin typeface="Sniglet" charset="0"/>
-            </a:endParaRPr>
+            </a:pPr>
+            <a:r>
+              <a:rPr lang="en-US" altLang="en-US" sz="2400" dirty="0" smtClean="0"/>
+              <a:t>$node arquivo.js</a:t>
+            </a:r>
           </a:p>
         </p:txBody>
       </p:sp>
@@ -13808,7 +13742,7 @@
           <a:blip r:embed="rId3">
             <a:extLst>
               <a:ext uri="{28A0092B-C50C-407E-A947-70E740481C1C}">
-                <a14:useLocalDpi xmlns:a14="http://schemas.microsoft.com/office/drawing/2010/main" val="0"/>
+                <a14:useLocalDpi xmlns:a14="http://schemas.microsoft.com/office/drawing/2010/main" xmlns="" val="0"/>
               </a:ext>
             </a:extLst>
           </a:blip>
@@ -13828,7 +13762,7 @@
           <a:noFill/>
           <a:extLst>
             <a:ext uri="{909E8E84-426E-40DD-AFC4-6F175D3DCCD1}">
-              <a14:hiddenFill xmlns:a14="http://schemas.microsoft.com/office/drawing/2010/main">
+              <a14:hiddenFill xmlns:a14="http://schemas.microsoft.com/office/drawing/2010/main" xmlns="">
                 <a:solidFill>
                   <a:srgbClr val="FFFFFF"/>
                 </a:solidFill>
@@ -13948,14 +13882,7 @@
                 <a:latin typeface="Courier New" pitchFamily="49" charset="0"/>
                 <a:cs typeface="Courier New" pitchFamily="49" charset="0"/>
               </a:rPr>
-              <a:t> </a:t>
-            </a:r>
-            <a:r>
-              <a:rPr lang="pt-BR" sz="1800" dirty="0" smtClean="0">
-                <a:latin typeface="Courier New" pitchFamily="49" charset="0"/>
-                <a:cs typeface="Courier New" pitchFamily="49" charset="0"/>
-              </a:rPr>
-              <a:t>console.log(“</a:t>
+              <a:t> console.log(“</a:t>
             </a:r>
             <a:r>
               <a:rPr lang="pt-BR" sz="1800" dirty="0" err="1" smtClean="0">
@@ -14035,37 +13962,16 @@
                 <a:latin typeface="Courier New" pitchFamily="49" charset="0"/>
                 <a:cs typeface="Courier New" pitchFamily="49" charset="0"/>
               </a:rPr>
-              <a:t> </a:t>
-            </a:r>
+              <a:t>  console.log(“World”);</a:t>
+            </a:r>
+          </a:p>
+          <a:p>
             <a:r>
               <a:rPr lang="pt-BR" sz="1800" dirty="0" smtClean="0">
                 <a:latin typeface="Courier New" pitchFamily="49" charset="0"/>
                 <a:cs typeface="Courier New" pitchFamily="49" charset="0"/>
               </a:rPr>
-              <a:t> console.log</a:t>
-            </a:r>
-            <a:r>
-              <a:rPr lang="pt-BR" sz="1800" dirty="0" smtClean="0">
-                <a:latin typeface="Courier New" pitchFamily="49" charset="0"/>
-                <a:cs typeface="Courier New" pitchFamily="49" charset="0"/>
-              </a:rPr>
-              <a:t>(“World”);</a:t>
-            </a:r>
-          </a:p>
-          <a:p>
-            <a:r>
-              <a:rPr lang="pt-BR" sz="1800" dirty="0" smtClean="0">
-                <a:latin typeface="Courier New" pitchFamily="49" charset="0"/>
-                <a:cs typeface="Courier New" pitchFamily="49" charset="0"/>
-              </a:rPr>
-              <a:t>},</a:t>
-            </a:r>
-            <a:r>
-              <a:rPr lang="pt-BR" sz="1800" dirty="0" smtClean="0">
-                <a:latin typeface="Courier New" pitchFamily="49" charset="0"/>
-                <a:cs typeface="Courier New" pitchFamily="49" charset="0"/>
-              </a:rPr>
-              <a:t>1000);</a:t>
+              <a:t>},1000);</a:t>
             </a:r>
           </a:p>
           <a:p>
@@ -14080,14 +13986,7 @@
                 <a:latin typeface="Courier New" pitchFamily="49" charset="0"/>
                 <a:cs typeface="Courier New" pitchFamily="49" charset="0"/>
               </a:rPr>
-              <a:t>console.log</a:t>
-            </a:r>
-            <a:r>
-              <a:rPr lang="pt-BR" sz="1800" dirty="0" smtClean="0">
-                <a:latin typeface="Courier New" pitchFamily="49" charset="0"/>
-                <a:cs typeface="Courier New" pitchFamily="49" charset="0"/>
-              </a:rPr>
-              <a:t>(“</a:t>
+              <a:t>console.log(“</a:t>
             </a:r>
             <a:r>
               <a:rPr lang="pt-BR" sz="1800" dirty="0" err="1" smtClean="0">
@@ -14230,102 +14129,6 @@
     <p:bg>
       <p:bgPr>
         <a:solidFill>
-          <a:srgbClr val="824BB0"/>
-        </a:solidFill>
-        <a:effectLst/>
-      </p:bgPr>
-    </p:bg>
-    <p:spTree>
-      <p:nvGrpSpPr>
-        <p:cNvPr id="1" name="Shape 98"/>
-        <p:cNvGrpSpPr/>
-        <p:nvPr/>
-      </p:nvGrpSpPr>
-      <p:grpSpPr>
-        <a:xfrm>
-          <a:off x="0" y="0"/>
-          <a:ext cx="0" cy="0"/>
-          <a:chOff x="0" y="0"/>
-          <a:chExt cx="0" cy="0"/>
-        </a:xfrm>
-      </p:grpSpPr>
-      <p:sp>
-        <p:nvSpPr>
-          <p:cNvPr id="25" name="CaixaDeTexto 24"/>
-          <p:cNvSpPr txBox="1"/>
-          <p:nvPr/>
-        </p:nvSpPr>
-        <p:spPr>
-          <a:xfrm>
-            <a:off x="755576" y="679797"/>
-            <a:ext cx="8208912" cy="461665"/>
-          </a:xfrm>
-          <a:prstGeom prst="rect">
-            <a:avLst/>
-          </a:prstGeom>
-          <a:noFill/>
-        </p:spPr>
-        <p:txBody>
-          <a:bodyPr wrap="square" rtlCol="0">
-            <a:spAutoFit/>
-          </a:bodyPr>
-          <a:lstStyle/>
-          <a:p>
-            <a:pPr algn="ctr"/>
-            <a:endParaRPr lang="pt-BR" sz="2400" dirty="0">
-              <a:solidFill>
-                <a:schemeClr val="bg1"/>
-              </a:solidFill>
-              <a:latin typeface="Bangers" charset="0"/>
-            </a:endParaRPr>
-          </a:p>
-        </p:txBody>
-      </p:sp>
-      <p:pic>
-        <p:nvPicPr>
-          <p:cNvPr id="4" name="Imagem 3" descr="BTm1H.png"/>
-          <p:cNvPicPr>
-            <a:picLocks noChangeAspect="1"/>
-          </p:cNvPicPr>
-          <p:nvPr/>
-        </p:nvPicPr>
-        <p:blipFill>
-          <a:blip r:embed="rId3"/>
-          <a:stretch>
-            <a:fillRect/>
-          </a:stretch>
-        </p:blipFill>
-        <p:spPr>
-          <a:xfrm>
-            <a:off x="0" y="0"/>
-            <a:ext cx="9144000" cy="5143501"/>
-          </a:xfrm>
-          <a:prstGeom prst="rect">
-            <a:avLst/>
-          </a:prstGeom>
-        </p:spPr>
-      </p:pic>
-    </p:spTree>
-  </p:cSld>
-  <p:clrMapOvr>
-    <a:masterClrMapping/>
-  </p:clrMapOvr>
-  <p:timing>
-    <p:tnLst>
-      <p:par>
-        <p:cTn id="1" dur="indefinite" restart="never" nodeType="tmRoot"/>
-      </p:par>
-    </p:tnLst>
-  </p:timing>
-</p:sld>
-</file>
-
-<file path=ppt/slides/slide24.xml><?xml version="1.0" encoding="utf-8"?>
-<p:sld xmlns:a="http://schemas.openxmlformats.org/drawingml/2006/main" xmlns:r="http://schemas.openxmlformats.org/officeDocument/2006/relationships" xmlns:p="http://schemas.openxmlformats.org/presentationml/2006/main">
-  <p:cSld>
-    <p:bg>
-      <p:bgPr>
-        <a:solidFill>
           <a:srgbClr val="FFA300"/>
         </a:solidFill>
         <a:effectLst/>
@@ -14392,6 +14195,102 @@
 </p:sld>
 </file>
 
+<file path=ppt/slides/slide24.xml><?xml version="1.0" encoding="utf-8"?>
+<p:sld xmlns:a="http://schemas.openxmlformats.org/drawingml/2006/main" xmlns:r="http://schemas.openxmlformats.org/officeDocument/2006/relationships" xmlns:p="http://schemas.openxmlformats.org/presentationml/2006/main">
+  <p:cSld>
+    <p:bg>
+      <p:bgPr>
+        <a:solidFill>
+          <a:srgbClr val="824BB0"/>
+        </a:solidFill>
+        <a:effectLst/>
+      </p:bgPr>
+    </p:bg>
+    <p:spTree>
+      <p:nvGrpSpPr>
+        <p:cNvPr id="1" name="Shape 98"/>
+        <p:cNvGrpSpPr/>
+        <p:nvPr/>
+      </p:nvGrpSpPr>
+      <p:grpSpPr>
+        <a:xfrm>
+          <a:off x="0" y="0"/>
+          <a:ext cx="0" cy="0"/>
+          <a:chOff x="0" y="0"/>
+          <a:chExt cx="0" cy="0"/>
+        </a:xfrm>
+      </p:grpSpPr>
+      <p:sp>
+        <p:nvSpPr>
+          <p:cNvPr id="25" name="CaixaDeTexto 24"/>
+          <p:cNvSpPr txBox="1"/>
+          <p:nvPr/>
+        </p:nvSpPr>
+        <p:spPr>
+          <a:xfrm>
+            <a:off x="755576" y="679797"/>
+            <a:ext cx="8208912" cy="461665"/>
+          </a:xfrm>
+          <a:prstGeom prst="rect">
+            <a:avLst/>
+          </a:prstGeom>
+          <a:noFill/>
+        </p:spPr>
+        <p:txBody>
+          <a:bodyPr wrap="square" rtlCol="0">
+            <a:spAutoFit/>
+          </a:bodyPr>
+          <a:lstStyle/>
+          <a:p>
+            <a:pPr algn="ctr"/>
+            <a:endParaRPr lang="pt-BR" sz="2400" dirty="0">
+              <a:solidFill>
+                <a:schemeClr val="bg1"/>
+              </a:solidFill>
+              <a:latin typeface="Bangers" charset="0"/>
+            </a:endParaRPr>
+          </a:p>
+        </p:txBody>
+      </p:sp>
+      <p:pic>
+        <p:nvPicPr>
+          <p:cNvPr id="4" name="Imagem 3" descr="BTm1H.png"/>
+          <p:cNvPicPr>
+            <a:picLocks noChangeAspect="1"/>
+          </p:cNvPicPr>
+          <p:nvPr/>
+        </p:nvPicPr>
+        <p:blipFill>
+          <a:blip r:embed="rId3"/>
+          <a:stretch>
+            <a:fillRect/>
+          </a:stretch>
+        </p:blipFill>
+        <p:spPr>
+          <a:xfrm>
+            <a:off x="0" y="0"/>
+            <a:ext cx="9144000" cy="5143501"/>
+          </a:xfrm>
+          <a:prstGeom prst="rect">
+            <a:avLst/>
+          </a:prstGeom>
+        </p:spPr>
+      </p:pic>
+    </p:spTree>
+  </p:cSld>
+  <p:clrMapOvr>
+    <a:masterClrMapping/>
+  </p:clrMapOvr>
+  <p:timing>
+    <p:tnLst>
+      <p:par>
+        <p:cTn id="1" dur="indefinite" restart="never" nodeType="tmRoot"/>
+      </p:par>
+    </p:tnLst>
+  </p:timing>
+</p:sld>
+</file>
+
 <file path=ppt/slides/slide25.xml><?xml version="1.0" encoding="utf-8"?>
 <p:sld xmlns:a="http://schemas.openxmlformats.org/drawingml/2006/main" xmlns:r="http://schemas.openxmlformats.org/officeDocument/2006/relationships" xmlns:p="http://schemas.openxmlformats.org/presentationml/2006/main">
   <p:cSld>
@@ -14525,15 +14424,7 @@
                   <a:srgbClr val="00B050"/>
                 </a:solidFill>
               </a:rPr>
-              <a:t>COdigo </a:t>
-            </a:r>
-            <a:r>
-              <a:rPr lang="en" dirty="0" smtClean="0">
-                <a:solidFill>
-                  <a:srgbClr val="00B050"/>
-                </a:solidFill>
-              </a:rPr>
-              <a:t>Sincrono</a:t>
+              <a:t>COdigo Sincrono</a:t>
             </a:r>
             <a:endParaRPr lang="en" dirty="0">
               <a:solidFill>
@@ -14637,14 +14528,7 @@
                 <a:latin typeface="Courier New" pitchFamily="49" charset="0"/>
                 <a:cs typeface="Courier New" pitchFamily="49" charset="0"/>
               </a:rPr>
-              <a:t> </a:t>
-            </a:r>
-            <a:r>
-              <a:rPr lang="pt-BR" sz="2000" dirty="0" smtClean="0">
-                <a:latin typeface="Courier New" pitchFamily="49" charset="0"/>
-                <a:cs typeface="Courier New" pitchFamily="49" charset="0"/>
-              </a:rPr>
-              <a:t>   </a:t>
+              <a:t>    </a:t>
             </a:r>
             <a:r>
               <a:rPr lang="pt-BR" sz="2000" dirty="0" err="1" smtClean="0">
@@ -14798,7 +14682,7 @@
     </p:spTree>
     <p:extLst>
       <p:ext uri="{BB962C8B-B14F-4D97-AF65-F5344CB8AC3E}">
-        <p14:creationId xmlns:p14="http://schemas.microsoft.com/office/powerpoint/2010/main" val="373779667"/>
+        <p14:creationId xmlns:p14="http://schemas.microsoft.com/office/powerpoint/2010/main" xmlns="" val="373779667"/>
       </p:ext>
     </p:extLst>
   </p:cSld>
@@ -14925,7 +14809,7 @@
     </p:spTree>
     <p:extLst>
       <p:ext uri="{BB962C8B-B14F-4D97-AF65-F5344CB8AC3E}">
-        <p14:creationId xmlns:p14="http://schemas.microsoft.com/office/powerpoint/2010/main" val="3007378860"/>
+        <p14:creationId xmlns:p14="http://schemas.microsoft.com/office/powerpoint/2010/main" xmlns="" val="3007378860"/>
       </p:ext>
     </p:extLst>
   </p:cSld>
@@ -15198,15 +15082,7 @@
                   <a:srgbClr val="00B050"/>
                 </a:solidFill>
               </a:rPr>
-              <a:t>InteraçOes </a:t>
-            </a:r>
-            <a:r>
-              <a:rPr lang="en" dirty="0" smtClean="0">
-                <a:solidFill>
-                  <a:srgbClr val="00B050"/>
-                </a:solidFill>
-              </a:rPr>
-              <a:t>não bloqueantes</a:t>
+              <a:t>InteraçOes não bloqueantes</a:t>
             </a:r>
             <a:endParaRPr lang="en" dirty="0">
               <a:solidFill>
@@ -16284,7 +16160,7 @@
           <a:blip r:embed="rId4">
             <a:extLst>
               <a:ext uri="{28A0092B-C50C-407E-A947-70E740481C1C}">
-                <a14:useLocalDpi xmlns:a14="http://schemas.microsoft.com/office/drawing/2010/main" val="0"/>
+                <a14:useLocalDpi xmlns:a14="http://schemas.microsoft.com/office/drawing/2010/main" xmlns="" val="0"/>
               </a:ext>
             </a:extLst>
           </a:blip>
@@ -16304,7 +16180,7 @@
           <a:noFill/>
           <a:extLst>
             <a:ext uri="{909E8E84-426E-40DD-AFC4-6F175D3DCCD1}">
-              <a14:hiddenFill xmlns:a14="http://schemas.microsoft.com/office/drawing/2010/main">
+              <a14:hiddenFill xmlns:a14="http://schemas.microsoft.com/office/drawing/2010/main" xmlns="">
                 <a:solidFill>
                   <a:srgbClr val="FFFFFF"/>
                 </a:solidFill>
@@ -16325,7 +16201,7 @@
           <a:blip r:embed="rId5">
             <a:extLst>
               <a:ext uri="{28A0092B-C50C-407E-A947-70E740481C1C}">
-                <a14:useLocalDpi xmlns:a14="http://schemas.microsoft.com/office/drawing/2010/main" val="0"/>
+                <a14:useLocalDpi xmlns:a14="http://schemas.microsoft.com/office/drawing/2010/main" xmlns="" val="0"/>
               </a:ext>
             </a:extLst>
           </a:blip>
@@ -16345,7 +16221,7 @@
           <a:noFill/>
           <a:extLst>
             <a:ext uri="{909E8E84-426E-40DD-AFC4-6F175D3DCCD1}">
-              <a14:hiddenFill xmlns:a14="http://schemas.microsoft.com/office/drawing/2010/main">
+              <a14:hiddenFill xmlns:a14="http://schemas.microsoft.com/office/drawing/2010/main" xmlns="">
                 <a:solidFill>
                   <a:srgbClr val="FFFFFF"/>
                 </a:solidFill>
@@ -17570,7 +17446,7 @@
     </p:spTree>
     <p:extLst>
       <p:ext uri="{BB962C8B-B14F-4D97-AF65-F5344CB8AC3E}">
-        <p14:creationId xmlns:p14="http://schemas.microsoft.com/office/powerpoint/2010/main" val="937290710"/>
+        <p14:creationId xmlns:p14="http://schemas.microsoft.com/office/powerpoint/2010/main" xmlns="" val="937290710"/>
       </p:ext>
     </p:extLst>
   </p:cSld>
@@ -18092,7 +17968,7 @@
           <a:blip r:embed="rId2">
             <a:extLst>
               <a:ext uri="{28A0092B-C50C-407E-A947-70E740481C1C}">
-                <a14:useLocalDpi xmlns:a14="http://schemas.microsoft.com/office/drawing/2010/main" val="0"/>
+                <a14:useLocalDpi xmlns:a14="http://schemas.microsoft.com/office/drawing/2010/main" xmlns="" val="0"/>
               </a:ext>
             </a:extLst>
           </a:blip>
@@ -18103,7 +17979,7 @@
         </p:blipFill>
         <p:spPr bwMode="auto">
           <a:xfrm>
-            <a:off x="2339752" y="-33927"/>
+            <a:off x="2411760" y="-236562"/>
             <a:ext cx="4896544" cy="4896544"/>
           </a:xfrm>
           <a:prstGeom prst="rect">
@@ -18112,7 +17988,7 @@
           <a:noFill/>
           <a:extLst>
             <a:ext uri="{909E8E84-426E-40DD-AFC4-6F175D3DCCD1}">
-              <a14:hiddenFill xmlns:a14="http://schemas.microsoft.com/office/drawing/2010/main">
+              <a14:hiddenFill xmlns:a14="http://schemas.microsoft.com/office/drawing/2010/main" xmlns="">
                 <a:solidFill>
                   <a:srgbClr val="FFFFFF"/>
                 </a:solidFill>
@@ -18129,7 +18005,7 @@
         </p:nvSpPr>
         <p:spPr>
           <a:xfrm>
-            <a:off x="3707904" y="1707654"/>
+            <a:off x="3851920" y="1563638"/>
             <a:ext cx="2160240" cy="1569660"/>
           </a:xfrm>
           <a:prstGeom prst="rect">
@@ -18718,7 +18594,7 @@
     </p:spTree>
     <p:extLst>
       <p:ext uri="{BB962C8B-B14F-4D97-AF65-F5344CB8AC3E}">
-        <p14:creationId xmlns:p14="http://schemas.microsoft.com/office/powerpoint/2010/main" val="3253353910"/>
+        <p14:creationId xmlns:p14="http://schemas.microsoft.com/office/powerpoint/2010/main" xmlns="" val="3253353910"/>
       </p:ext>
     </p:extLst>
   </p:cSld>
@@ -19175,7 +19051,7 @@
     </p:spTree>
     <p:extLst>
       <p:ext uri="{BB962C8B-B14F-4D97-AF65-F5344CB8AC3E}">
-        <p14:creationId xmlns:p14="http://schemas.microsoft.com/office/powerpoint/2010/main" val="2420849089"/>
+        <p14:creationId xmlns:p14="http://schemas.microsoft.com/office/powerpoint/2010/main" xmlns="" val="2420849089"/>
       </p:ext>
     </p:extLst>
   </p:cSld>
@@ -19340,7 +19216,7 @@
     </p:spTree>
     <p:extLst>
       <p:ext uri="{BB962C8B-B14F-4D97-AF65-F5344CB8AC3E}">
-        <p14:creationId xmlns:p14="http://schemas.microsoft.com/office/powerpoint/2010/main" val="3454188566"/>
+        <p14:creationId xmlns:p14="http://schemas.microsoft.com/office/powerpoint/2010/main" xmlns="" val="3454188566"/>
       </p:ext>
     </p:extLst>
   </p:cSld>
@@ -19712,7 +19588,7 @@
     </p:spTree>
     <p:extLst>
       <p:ext uri="{BB962C8B-B14F-4D97-AF65-F5344CB8AC3E}">
-        <p14:creationId xmlns:p14="http://schemas.microsoft.com/office/powerpoint/2010/main" val="111335435"/>
+        <p14:creationId xmlns:p14="http://schemas.microsoft.com/office/powerpoint/2010/main" xmlns="" val="111335435"/>
       </p:ext>
     </p:extLst>
   </p:cSld>
@@ -19892,7 +19768,7 @@
     </p:spTree>
     <p:extLst>
       <p:ext uri="{BB962C8B-B14F-4D97-AF65-F5344CB8AC3E}">
-        <p14:creationId xmlns:p14="http://schemas.microsoft.com/office/powerpoint/2010/main" val="2241416555"/>
+        <p14:creationId xmlns:p14="http://schemas.microsoft.com/office/powerpoint/2010/main" xmlns="" val="2241416555"/>
       </p:ext>
     </p:extLst>
   </p:cSld>
@@ -20349,7 +20225,7 @@
     </p:spTree>
     <p:extLst>
       <p:ext uri="{BB962C8B-B14F-4D97-AF65-F5344CB8AC3E}">
-        <p14:creationId xmlns:p14="http://schemas.microsoft.com/office/powerpoint/2010/main" val="513543015"/>
+        <p14:creationId xmlns:p14="http://schemas.microsoft.com/office/powerpoint/2010/main" xmlns="" val="513543015"/>
       </p:ext>
     </p:extLst>
   </p:cSld>
@@ -20428,11 +20304,7 @@
           <a:p>
             <a:r>
               <a:rPr lang="en-US" dirty="0" smtClean="0"/>
-              <a:t>Socket.io </a:t>
-            </a:r>
-            <a:r>
-              <a:rPr lang="en-US" dirty="0" smtClean="0"/>
-              <a:t>– Serve </a:t>
+              <a:t>Socket.io – Serve </a:t>
             </a:r>
             <a:r>
               <a:rPr lang="en-US" dirty="0" err="1" smtClean="0"/>
@@ -20880,7 +20752,7 @@
     </p:spTree>
     <p:extLst>
       <p:ext uri="{BB962C8B-B14F-4D97-AF65-F5344CB8AC3E}">
-        <p14:creationId xmlns:p14="http://schemas.microsoft.com/office/powerpoint/2010/main" val="307076932"/>
+        <p14:creationId xmlns:p14="http://schemas.microsoft.com/office/powerpoint/2010/main" xmlns="" val="307076932"/>
       </p:ext>
     </p:extLst>
   </p:cSld>
@@ -21024,7 +20896,7 @@
     </p:spTree>
     <p:extLst>
       <p:ext uri="{BB962C8B-B14F-4D97-AF65-F5344CB8AC3E}">
-        <p14:creationId xmlns:p14="http://schemas.microsoft.com/office/powerpoint/2010/main" val="3015482286"/>
+        <p14:creationId xmlns:p14="http://schemas.microsoft.com/office/powerpoint/2010/main" xmlns="" val="3015482286"/>
       </p:ext>
     </p:extLst>
   </p:cSld>
@@ -22494,7 +22366,7 @@
     </p:spTree>
     <p:extLst>
       <p:ext uri="{BB962C8B-B14F-4D97-AF65-F5344CB8AC3E}">
-        <p14:creationId xmlns:p14="http://schemas.microsoft.com/office/powerpoint/2010/main" val="1925826240"/>
+        <p14:creationId xmlns:p14="http://schemas.microsoft.com/office/powerpoint/2010/main" xmlns="" val="1925826240"/>
       </p:ext>
     </p:extLst>
   </p:cSld>
@@ -22578,7 +22450,7 @@
           <a:blip r:embed="rId3">
             <a:extLst>
               <a:ext uri="{28A0092B-C50C-407E-A947-70E740481C1C}">
-                <a14:useLocalDpi xmlns:a14="http://schemas.microsoft.com/office/drawing/2010/main" val="0"/>
+                <a14:useLocalDpi xmlns:a14="http://schemas.microsoft.com/office/drawing/2010/main" xmlns="" val="0"/>
               </a:ext>
             </a:extLst>
           </a:blip>
@@ -22588,8 +22460,8 @@
         </p:blipFill>
         <p:spPr>
           <a:xfrm>
-            <a:off x="251520" y="339502"/>
-            <a:ext cx="8674111" cy="4320480"/>
+            <a:off x="395536" y="411510"/>
+            <a:ext cx="8458087" cy="4212881"/>
           </a:xfrm>
           <a:prstGeom prst="rect">
             <a:avLst/>
@@ -22599,7 +22471,7 @@
     </p:spTree>
     <p:extLst>
       <p:ext uri="{BB962C8B-B14F-4D97-AF65-F5344CB8AC3E}">
-        <p14:creationId xmlns:p14="http://schemas.microsoft.com/office/powerpoint/2010/main" val="1276436569"/>
+        <p14:creationId xmlns:p14="http://schemas.microsoft.com/office/powerpoint/2010/main" xmlns="" val="1276436569"/>
       </p:ext>
     </p:extLst>
   </p:cSld>
@@ -22708,7 +22580,7 @@
           <a:blip r:embed="rId3">
             <a:extLst>
               <a:ext uri="{28A0092B-C50C-407E-A947-70E740481C1C}">
-                <a14:useLocalDpi xmlns:a14="http://schemas.microsoft.com/office/drawing/2010/main" val="0"/>
+                <a14:useLocalDpi xmlns:a14="http://schemas.microsoft.com/office/drawing/2010/main" xmlns="" val="0"/>
               </a:ext>
             </a:extLst>
           </a:blip>
@@ -22728,84 +22600,48 @@
       </p:pic>
       <p:sp>
         <p:nvSpPr>
-          <p:cNvPr id="4" name="Retângulo 3"/>
-          <p:cNvSpPr/>
+          <p:cNvPr id="10" name="CaixaDeTexto 9"/>
+          <p:cNvSpPr txBox="1"/>
           <p:nvPr/>
         </p:nvSpPr>
         <p:spPr>
           <a:xfrm>
-            <a:off x="5436096" y="2931790"/>
-            <a:ext cx="1008112" cy="864096"/>
+            <a:off x="5508104" y="2931790"/>
+            <a:ext cx="1152128" cy="369332"/>
           </a:xfrm>
           <a:prstGeom prst="rect">
             <a:avLst/>
           </a:prstGeom>
           <a:noFill/>
-          <a:ln>
-            <a:solidFill>
-              <a:srgbClr val="FFFF00"/>
-            </a:solidFill>
-          </a:ln>
         </p:spPr>
-        <p:style>
-          <a:lnRef idx="2">
-            <a:schemeClr val="accent1">
-              <a:shade val="50000"/>
-            </a:schemeClr>
-          </a:lnRef>
-          <a:fillRef idx="1">
-            <a:schemeClr val="accent1"/>
-          </a:fillRef>
-          <a:effectRef idx="0">
-            <a:schemeClr val="accent1"/>
-          </a:effectRef>
-          <a:fontRef idx="minor">
-            <a:schemeClr val="lt1"/>
-          </a:fontRef>
-        </p:style>
         <p:txBody>
-          <a:bodyPr rtlCol="0" anchor="ctr"/>
+          <a:bodyPr wrap="square" rtlCol="0">
+            <a:spAutoFit/>
+          </a:bodyPr>
           <a:lstStyle/>
           <a:p>
-            <a:pPr algn="ctr"/>
-            <a:endParaRPr lang="pt-BR"/>
+            <a:r>
+              <a:rPr lang="pt-BR" sz="1800" b="1" dirty="0" smtClean="0">
+                <a:solidFill>
+                  <a:schemeClr val="bg1"/>
+                </a:solidFill>
+                <a:latin typeface="Sniglet" charset="0"/>
+              </a:rPr>
+              <a:t>{  JSON   }</a:t>
+            </a:r>
+            <a:endParaRPr lang="pt-BR" sz="1800" b="1" dirty="0">
+              <a:solidFill>
+                <a:schemeClr val="bg1"/>
+              </a:solidFill>
+              <a:latin typeface="Sniglet" charset="0"/>
+            </a:endParaRPr>
           </a:p>
         </p:txBody>
       </p:sp>
-      <p:pic>
-        <p:nvPicPr>
-          <p:cNvPr id="5" name="Imagem 4"/>
-          <p:cNvPicPr>
-            <a:picLocks noChangeAspect="1"/>
-          </p:cNvPicPr>
-          <p:nvPr/>
-        </p:nvPicPr>
-        <p:blipFill>
-          <a:blip r:embed="rId4">
-            <a:extLst>
-              <a:ext uri="{28A0092B-C50C-407E-A947-70E740481C1C}">
-                <a14:useLocalDpi xmlns:a14="http://schemas.microsoft.com/office/drawing/2010/main" val="0"/>
-              </a:ext>
-            </a:extLst>
-          </a:blip>
-          <a:stretch>
-            <a:fillRect/>
-          </a:stretch>
-        </p:blipFill>
-        <p:spPr>
-          <a:xfrm>
-            <a:off x="5243890" y="2763679"/>
-            <a:ext cx="1344334" cy="1200318"/>
-          </a:xfrm>
-          <a:prstGeom prst="rect">
-            <a:avLst/>
-          </a:prstGeom>
-        </p:spPr>
-      </p:pic>
     </p:spTree>
     <p:extLst>
       <p:ext uri="{BB962C8B-B14F-4D97-AF65-F5344CB8AC3E}">
-        <p14:creationId xmlns:p14="http://schemas.microsoft.com/office/powerpoint/2010/main" val="2640682985"/>
+        <p14:creationId xmlns:p14="http://schemas.microsoft.com/office/powerpoint/2010/main" xmlns="" val="2640682985"/>
       </p:ext>
     </p:extLst>
   </p:cSld>
@@ -22825,9 +22661,17 @@
 <file path=ppt/slides/slide7.xml><?xml version="1.0" encoding="utf-8"?>
 <p:sld xmlns:a="http://schemas.openxmlformats.org/drawingml/2006/main" xmlns:r="http://schemas.openxmlformats.org/officeDocument/2006/relationships" xmlns:p="http://schemas.openxmlformats.org/presentationml/2006/main">
   <p:cSld>
+    <p:bg>
+      <p:bgPr>
+        <a:solidFill>
+          <a:srgbClr val="FFA300"/>
+        </a:solidFill>
+        <a:effectLst/>
+      </p:bgPr>
+    </p:bg>
     <p:spTree>
       <p:nvGrpSpPr>
-        <p:cNvPr id="1" name=""/>
+        <p:cNvPr id="1" name="Shape 87"/>
         <p:cNvGrpSpPr/>
         <p:nvPr/>
       </p:nvGrpSpPr>
@@ -22841,7 +22685,7 @@
       </p:grpSpPr>
       <p:pic>
         <p:nvPicPr>
-          <p:cNvPr id="9218" name="Picture 2"/>
+          <p:cNvPr id="4" name="Picture 2"/>
           <p:cNvPicPr>
             <a:picLocks noChangeAspect="1" noChangeArrowheads="1"/>
           </p:cNvPicPr>
@@ -22851,7 +22695,7 @@
           <a:blip r:embed="rId3">
             <a:extLst>
               <a:ext uri="{28A0092B-C50C-407E-A947-70E740481C1C}">
-                <a14:useLocalDpi xmlns:a14="http://schemas.microsoft.com/office/drawing/2010/main" val="0"/>
+                <a14:useLocalDpi xmlns:a14="http://schemas.microsoft.com/office/drawing/2010/main" xmlns="" val="0"/>
               </a:ext>
             </a:extLst>
           </a:blip>
@@ -22862,7 +22706,7 @@
         </p:blipFill>
         <p:spPr bwMode="auto">
           <a:xfrm>
-            <a:off x="1691680" y="1275606"/>
+            <a:off x="1691680" y="987574"/>
             <a:ext cx="5688632" cy="3612057"/>
           </a:xfrm>
           <a:prstGeom prst="rect">
@@ -22875,7 +22719,7 @@
           <a:effectLst/>
           <a:extLst>
             <a:ext uri="{909E8E84-426E-40DD-AFC4-6F175D3DCCD1}">
-              <a14:hiddenFill xmlns:a14="http://schemas.microsoft.com/office/drawing/2010/main">
+              <a14:hiddenFill xmlns:a14="http://schemas.microsoft.com/office/drawing/2010/main" xmlns="">
                 <a:blipFill dpi="0" rotWithShape="0">
                   <a:blip/>
                   <a:srcRect/>
@@ -22886,7 +22730,7 @@
               </a14:hiddenFill>
             </a:ext>
             <a:ext uri="{91240B29-F687-4F45-9708-019B960494DF}">
-              <a14:hiddenLine xmlns:a14="http://schemas.microsoft.com/office/drawing/2010/main" w="9525">
+              <a14:hiddenLine xmlns:a14="http://schemas.microsoft.com/office/drawing/2010/main" xmlns="" w="9525">
                 <a:solidFill>
                   <a:srgbClr val="000000"/>
                 </a:solidFill>
@@ -22896,7 +22740,7 @@
               </a14:hiddenLine>
             </a:ext>
             <a:ext uri="{AF507438-7753-43E0-B8FC-AC1667EBCBE1}">
-              <a14:hiddenEffects xmlns:a14="http://schemas.microsoft.com/office/drawing/2010/main">
+              <a14:hiddenEffects xmlns:a14="http://schemas.microsoft.com/office/drawing/2010/main" xmlns="">
                 <a:effectLst>
                   <a:outerShdw dist="35921" dir="2700000" algn="ctr" rotWithShape="0">
                     <a:srgbClr val="808080"/>
@@ -22909,7 +22753,7 @@
       </p:pic>
       <p:sp>
         <p:nvSpPr>
-          <p:cNvPr id="4" name="Título 1"/>
+          <p:cNvPr id="5" name="Título 1"/>
           <p:cNvSpPr txBox="1">
             <a:spLocks/>
           </p:cNvSpPr>
@@ -22917,7 +22761,7 @@
         </p:nvSpPr>
         <p:spPr>
           <a:xfrm>
-            <a:off x="3203848" y="411510"/>
+            <a:off x="3275856" y="195486"/>
             <a:ext cx="2863689" cy="760138"/>
           </a:xfrm>
           <a:prstGeom prst="rect">
@@ -22964,7 +22808,7 @@
             <a:r>
               <a:rPr lang="pt-BR" sz="4000" dirty="0" err="1" smtClean="0">
                 <a:solidFill>
-                  <a:schemeClr val="tx1"/>
+                  <a:schemeClr val="bg1"/>
                 </a:solidFill>
                 <a:latin typeface="Bangers" charset="0"/>
               </a:rPr>
@@ -22972,7 +22816,7 @@
             </a:r>
             <a:endParaRPr lang="pt-BR" sz="4000" dirty="0">
               <a:solidFill>
-                <a:schemeClr val="tx1"/>
+                <a:schemeClr val="bg1"/>
               </a:solidFill>
               <a:latin typeface="Bangers" charset="0"/>
             </a:endParaRPr>
@@ -22980,40 +22824,14 @@
         </p:txBody>
       </p:sp>
     </p:spTree>
-    <p:extLst>
-      <p:ext uri="{BB962C8B-B14F-4D97-AF65-F5344CB8AC3E}">
-        <p14:creationId xmlns:p14="http://schemas.microsoft.com/office/powerpoint/2010/main" val="3753103299"/>
-      </p:ext>
-    </p:extLst>
   </p:cSld>
   <p:clrMapOvr>
     <a:masterClrMapping/>
   </p:clrMapOvr>
-  <p:transition spd="med"/>
   <p:timing>
     <p:tnLst>
       <p:par>
-        <p:cTn id="1" dur="indefinite" restart="never" nodeType="tmRoot">
-          <p:childTnLst>
-            <p:seq concurrent="1" nextAc="seek">
-              <p:cTn id="2" dur="0" nodeType="mainSeq"/>
-              <p:prevCondLst>
-                <p:cond evt="onPrev" delay="0">
-                  <p:tgtEl>
-                    <p:sldTgt/>
-                  </p:tgtEl>
-                </p:cond>
-              </p:prevCondLst>
-              <p:nextCondLst>
-                <p:cond evt="onNext" delay="0">
-                  <p:tgtEl>
-                    <p:sldTgt/>
-                  </p:tgtEl>
-                </p:cond>
-              </p:nextCondLst>
-            </p:seq>
-          </p:childTnLst>
-        </p:cTn>
+        <p:cTn id="1" dur="indefinite" restart="never" nodeType="tmRoot"/>
       </p:par>
     </p:tnLst>
   </p:timing>
@@ -23085,7 +22903,7 @@
           <a:blip r:embed="rId3">
             <a:extLst>
               <a:ext uri="{28A0092B-C50C-407E-A947-70E740481C1C}">
-                <a14:useLocalDpi xmlns:a14="http://schemas.microsoft.com/office/drawing/2010/main" val="0"/>
+                <a14:useLocalDpi xmlns:a14="http://schemas.microsoft.com/office/drawing/2010/main" xmlns="" val="0"/>
               </a:ext>
             </a:extLst>
           </a:blip>
@@ -23115,7 +22933,7 @@
           <a:blip r:embed="rId4">
             <a:extLst>
               <a:ext uri="{28A0092B-C50C-407E-A947-70E740481C1C}">
-                <a14:useLocalDpi xmlns:a14="http://schemas.microsoft.com/office/drawing/2010/main" val="0"/>
+                <a14:useLocalDpi xmlns:a14="http://schemas.microsoft.com/office/drawing/2010/main" xmlns="" val="0"/>
               </a:ext>
             </a:extLst>
           </a:blip>
@@ -23135,7 +22953,7 @@
           <a:noFill/>
           <a:extLst>
             <a:ext uri="{909E8E84-426E-40DD-AFC4-6F175D3DCCD1}">
-              <a14:hiddenFill xmlns:a14="http://schemas.microsoft.com/office/drawing/2010/main">
+              <a14:hiddenFill xmlns:a14="http://schemas.microsoft.com/office/drawing/2010/main" xmlns="">
                 <a:solidFill>
                   <a:srgbClr val="FFFFFF"/>
                 </a:solidFill>

--- a/Apresentacao NodeJS.pptx
+++ b/Apresentacao NodeJS.pptx
@@ -5,7 +5,7 @@
     <p:sldMasterId id="2147483657" r:id="rId1"/>
   </p:sldMasterIdLst>
   <p:notesMasterIdLst>
-    <p:notesMasterId r:id="rId51"/>
+    <p:notesMasterId r:id="rId52"/>
   </p:notesMasterIdLst>
   <p:sldIdLst>
     <p:sldId id="256" r:id="rId2"/>
@@ -29,45 +29,46 @@
     <p:sldId id="268" r:id="rId20"/>
     <p:sldId id="310" r:id="rId21"/>
     <p:sldId id="262" r:id="rId22"/>
-    <p:sldId id="293" r:id="rId23"/>
-    <p:sldId id="326" r:id="rId24"/>
-    <p:sldId id="315" r:id="rId25"/>
-    <p:sldId id="259" r:id="rId26"/>
-    <p:sldId id="339" r:id="rId27"/>
-    <p:sldId id="340" r:id="rId28"/>
-    <p:sldId id="276" r:id="rId29"/>
-    <p:sldId id="325" r:id="rId30"/>
-    <p:sldId id="269" r:id="rId31"/>
-    <p:sldId id="307" r:id="rId32"/>
-    <p:sldId id="343" r:id="rId33"/>
-    <p:sldId id="319" r:id="rId34"/>
-    <p:sldId id="303" r:id="rId35"/>
-    <p:sldId id="322" r:id="rId36"/>
-    <p:sldId id="323" r:id="rId37"/>
-    <p:sldId id="278" r:id="rId38"/>
-    <p:sldId id="345" r:id="rId39"/>
-    <p:sldId id="320" r:id="rId40"/>
-    <p:sldId id="330" r:id="rId41"/>
-    <p:sldId id="342" r:id="rId42"/>
-    <p:sldId id="351" r:id="rId43"/>
-    <p:sldId id="270" r:id="rId44"/>
-    <p:sldId id="354" r:id="rId45"/>
-    <p:sldId id="311" r:id="rId46"/>
-    <p:sldId id="272" r:id="rId47"/>
-    <p:sldId id="336" r:id="rId48"/>
-    <p:sldId id="349" r:id="rId49"/>
-    <p:sldId id="347" r:id="rId50"/>
+    <p:sldId id="356" r:id="rId23"/>
+    <p:sldId id="293" r:id="rId24"/>
+    <p:sldId id="326" r:id="rId25"/>
+    <p:sldId id="315" r:id="rId26"/>
+    <p:sldId id="259" r:id="rId27"/>
+    <p:sldId id="339" r:id="rId28"/>
+    <p:sldId id="340" r:id="rId29"/>
+    <p:sldId id="276" r:id="rId30"/>
+    <p:sldId id="325" r:id="rId31"/>
+    <p:sldId id="269" r:id="rId32"/>
+    <p:sldId id="307" r:id="rId33"/>
+    <p:sldId id="343" r:id="rId34"/>
+    <p:sldId id="319" r:id="rId35"/>
+    <p:sldId id="303" r:id="rId36"/>
+    <p:sldId id="322" r:id="rId37"/>
+    <p:sldId id="323" r:id="rId38"/>
+    <p:sldId id="278" r:id="rId39"/>
+    <p:sldId id="345" r:id="rId40"/>
+    <p:sldId id="320" r:id="rId41"/>
+    <p:sldId id="330" r:id="rId42"/>
+    <p:sldId id="342" r:id="rId43"/>
+    <p:sldId id="351" r:id="rId44"/>
+    <p:sldId id="270" r:id="rId45"/>
+    <p:sldId id="354" r:id="rId46"/>
+    <p:sldId id="311" r:id="rId47"/>
+    <p:sldId id="272" r:id="rId48"/>
+    <p:sldId id="336" r:id="rId49"/>
+    <p:sldId id="349" r:id="rId50"/>
+    <p:sldId id="347" r:id="rId51"/>
   </p:sldIdLst>
   <p:sldSz cx="9144000" cy="5143500" type="screen16x9"/>
   <p:notesSz cx="6858000" cy="9144000"/>
   <p:embeddedFontLst>
     <p:embeddedFont>
       <p:font typeface="Bangers" charset="0"/>
-      <p:regular r:id="rId52"/>
+      <p:regular r:id="rId53"/>
     </p:embeddedFont>
     <p:embeddedFont>
       <p:font typeface="Sniglet" charset="0"/>
-      <p:regular r:id="rId53"/>
+      <p:regular r:id="rId54"/>
     </p:embeddedFont>
   </p:embeddedFontLst>
   <p:defaultTextStyle>
@@ -274,7 +275,7 @@
   </p:defaultTextStyle>
   <p:extLst>
     <p:ext uri="{EFAFB233-063F-42B5-8137-9DF3F51BA10A}">
-      <p15:sldGuideLst xmlns:p15="http://schemas.microsoft.com/office/powerpoint/2012/main" xmlns="">
+      <p15:sldGuideLst xmlns="" xmlns:p15="http://schemas.microsoft.com/office/powerpoint/2012/main">
         <p15:guide id="1" orient="horz" pos="1620">
           <p15:clr>
             <a:srgbClr val="A4A3A4"/>
@@ -453,7 +454,7 @@
     </p:spTree>
     <p:extLst>
       <p:ext uri="{BB962C8B-B14F-4D97-AF65-F5344CB8AC3E}">
-        <p14:creationId xmlns:p14="http://schemas.microsoft.com/office/powerpoint/2010/main" xmlns="" val="2923176333"/>
+        <p14:creationId xmlns:p14="http://schemas.microsoft.com/office/powerpoint/2010/main" val="2923176333"/>
       </p:ext>
     </p:extLst>
   </p:cSld>
@@ -642,14 +643,14 @@
               </a:spcBef>
               <a:buNone/>
             </a:pPr>
-            <a:endParaRPr/>
+            <a:endParaRPr dirty="0"/>
           </a:p>
         </p:txBody>
       </p:sp>
     </p:spTree>
     <p:extLst>
       <p:ext uri="{BB962C8B-B14F-4D97-AF65-F5344CB8AC3E}">
-        <p14:creationId xmlns:p14="http://schemas.microsoft.com/office/powerpoint/2010/main" xmlns="" val="4210450614"/>
+        <p14:creationId xmlns:p14="http://schemas.microsoft.com/office/powerpoint/2010/main" val="4210450614"/>
       </p:ext>
     </p:extLst>
   </p:cSld>
@@ -755,7 +756,7 @@
     </p:spTree>
     <p:extLst>
       <p:ext uri="{BB962C8B-B14F-4D97-AF65-F5344CB8AC3E}">
-        <p14:creationId xmlns:p14="http://schemas.microsoft.com/office/powerpoint/2010/main" xmlns="" val="85359425"/>
+        <p14:creationId xmlns:p14="http://schemas.microsoft.com/office/powerpoint/2010/main" val="85359425"/>
       </p:ext>
     </p:extLst>
   </p:cSld>
@@ -861,7 +862,7 @@
     </p:spTree>
     <p:extLst>
       <p:ext uri="{BB962C8B-B14F-4D97-AF65-F5344CB8AC3E}">
-        <p14:creationId xmlns:p14="http://schemas.microsoft.com/office/powerpoint/2010/main" xmlns="" val="3749086367"/>
+        <p14:creationId xmlns:p14="http://schemas.microsoft.com/office/powerpoint/2010/main" val="3749086367"/>
       </p:ext>
     </p:extLst>
   </p:cSld>
@@ -967,7 +968,7 @@
     </p:spTree>
     <p:extLst>
       <p:ext uri="{BB962C8B-B14F-4D97-AF65-F5344CB8AC3E}">
-        <p14:creationId xmlns:p14="http://schemas.microsoft.com/office/powerpoint/2010/main" xmlns="" val="533510610"/>
+        <p14:creationId xmlns:p14="http://schemas.microsoft.com/office/powerpoint/2010/main" val="533510610"/>
       </p:ext>
     </p:extLst>
   </p:cSld>
@@ -1073,7 +1074,7 @@
     </p:spTree>
     <p:extLst>
       <p:ext uri="{BB962C8B-B14F-4D97-AF65-F5344CB8AC3E}">
-        <p14:creationId xmlns:p14="http://schemas.microsoft.com/office/powerpoint/2010/main" xmlns="" val="533510610"/>
+        <p14:creationId xmlns:p14="http://schemas.microsoft.com/office/powerpoint/2010/main" val="533510610"/>
       </p:ext>
     </p:extLst>
   </p:cSld>
@@ -1307,7 +1308,7 @@
     </p:spTree>
     <p:extLst>
       <p:ext uri="{BB962C8B-B14F-4D97-AF65-F5344CB8AC3E}">
-        <p14:creationId xmlns:p14="http://schemas.microsoft.com/office/powerpoint/2010/main" xmlns="" val="4236103716"/>
+        <p14:creationId xmlns:p14="http://schemas.microsoft.com/office/powerpoint/2010/main" val="4236103716"/>
       </p:ext>
     </p:extLst>
   </p:cSld>
@@ -1413,7 +1414,7 @@
     </p:spTree>
     <p:extLst>
       <p:ext uri="{BB962C8B-B14F-4D97-AF65-F5344CB8AC3E}">
-        <p14:creationId xmlns:p14="http://schemas.microsoft.com/office/powerpoint/2010/main" xmlns="" val="2046015954"/>
+        <p14:creationId xmlns:p14="http://schemas.microsoft.com/office/powerpoint/2010/main" val="2046015954"/>
       </p:ext>
     </p:extLst>
   </p:cSld>
@@ -1519,7 +1520,7 @@
     </p:spTree>
     <p:extLst>
       <p:ext uri="{BB962C8B-B14F-4D97-AF65-F5344CB8AC3E}">
-        <p14:creationId xmlns:p14="http://schemas.microsoft.com/office/powerpoint/2010/main" xmlns="" val="2836070132"/>
+        <p14:creationId xmlns:p14="http://schemas.microsoft.com/office/powerpoint/2010/main" val="2836070132"/>
       </p:ext>
     </p:extLst>
   </p:cSld>
@@ -1637,7 +1638,7 @@
     </p:spTree>
     <p:extLst>
       <p:ext uri="{BB962C8B-B14F-4D97-AF65-F5344CB8AC3E}">
-        <p14:creationId xmlns:p14="http://schemas.microsoft.com/office/powerpoint/2010/main" xmlns="" val="4236103716"/>
+        <p14:creationId xmlns:p14="http://schemas.microsoft.com/office/powerpoint/2010/main" val="4236103716"/>
       </p:ext>
     </p:extLst>
   </p:cSld>
@@ -1743,7 +1744,7 @@
     </p:spTree>
     <p:extLst>
       <p:ext uri="{BB962C8B-B14F-4D97-AF65-F5344CB8AC3E}">
-        <p14:creationId xmlns:p14="http://schemas.microsoft.com/office/powerpoint/2010/main" xmlns="" val="533510610"/>
+        <p14:creationId xmlns:p14="http://schemas.microsoft.com/office/powerpoint/2010/main" val="533510610"/>
       </p:ext>
     </p:extLst>
   </p:cSld>
@@ -1849,7 +1850,7 @@
     </p:spTree>
     <p:extLst>
       <p:ext uri="{BB962C8B-B14F-4D97-AF65-F5344CB8AC3E}">
-        <p14:creationId xmlns:p14="http://schemas.microsoft.com/office/powerpoint/2010/main" xmlns="" val="3691485674"/>
+        <p14:creationId xmlns:p14="http://schemas.microsoft.com/office/powerpoint/2010/main" val="3691485674"/>
       </p:ext>
     </p:extLst>
   </p:cSld>
@@ -1955,7 +1956,7 @@
     </p:spTree>
     <p:extLst>
       <p:ext uri="{BB962C8B-B14F-4D97-AF65-F5344CB8AC3E}">
-        <p14:creationId xmlns:p14="http://schemas.microsoft.com/office/powerpoint/2010/main" xmlns="" val="259980384"/>
+        <p14:creationId xmlns:p14="http://schemas.microsoft.com/office/powerpoint/2010/main" val="259980384"/>
       </p:ext>
     </p:extLst>
   </p:cSld>
@@ -1966,6 +1967,67 @@
 </file>
 
 <file path=ppt/notesSlides/notesSlide20.xml><?xml version="1.0" encoding="utf-8"?>
+<p:notes xmlns:a="http://schemas.openxmlformats.org/drawingml/2006/main" xmlns:r="http://schemas.openxmlformats.org/officeDocument/2006/relationships" xmlns:p="http://schemas.openxmlformats.org/presentationml/2006/main">
+  <p:cSld>
+    <p:spTree>
+      <p:nvGrpSpPr>
+        <p:cNvPr id="1" name=""/>
+        <p:cNvGrpSpPr/>
+        <p:nvPr/>
+      </p:nvGrpSpPr>
+      <p:grpSpPr>
+        <a:xfrm>
+          <a:off x="0" y="0"/>
+          <a:ext cx="0" cy="0"/>
+          <a:chOff x="0" y="0"/>
+          <a:chExt cx="0" cy="0"/>
+        </a:xfrm>
+      </p:grpSpPr>
+      <p:sp>
+        <p:nvSpPr>
+          <p:cNvPr id="2" name="Espaço Reservado para Imagem de Slide 1"/>
+          <p:cNvSpPr>
+            <a:spLocks noGrp="1" noRot="1" noChangeAspect="1"/>
+          </p:cNvSpPr>
+          <p:nvPr>
+            <p:ph type="sldImg"/>
+          </p:nvPr>
+        </p:nvSpPr>
+        <p:spPr/>
+      </p:sp>
+      <p:sp>
+        <p:nvSpPr>
+          <p:cNvPr id="3" name="Espaço Reservado para Anotações 2"/>
+          <p:cNvSpPr>
+            <a:spLocks noGrp="1"/>
+          </p:cNvSpPr>
+          <p:nvPr>
+            <p:ph type="body" idx="1"/>
+          </p:nvPr>
+        </p:nvSpPr>
+        <p:spPr/>
+        <p:txBody>
+          <a:bodyPr/>
+          <a:lstStyle/>
+          <a:p>
+            <a:endParaRPr lang="pt-BR"/>
+          </a:p>
+        </p:txBody>
+      </p:sp>
+    </p:spTree>
+    <p:extLst>
+      <p:ext uri="{BB962C8B-B14F-4D97-AF65-F5344CB8AC3E}">
+        <p14:creationId xmlns:p14="http://schemas.microsoft.com/office/powerpoint/2010/main" val="885991297"/>
+      </p:ext>
+    </p:extLst>
+  </p:cSld>
+  <p:clrMapOvr>
+    <a:masterClrMapping/>
+  </p:clrMapOvr>
+</p:notes>
+</file>
+
+<file path=ppt/notesSlides/notesSlide21.xml><?xml version="1.0" encoding="utf-8"?>
 <p:notes xmlns:a="http://schemas.openxmlformats.org/drawingml/2006/main" xmlns:r="http://schemas.openxmlformats.org/officeDocument/2006/relationships" xmlns:p="http://schemas.openxmlformats.org/presentationml/2006/main" showMasterSp="0" showMasterPhAnim="0">
   <p:cSld>
     <p:spTree>
@@ -2061,7 +2123,7 @@
     </p:spTree>
     <p:extLst>
       <p:ext uri="{BB962C8B-B14F-4D97-AF65-F5344CB8AC3E}">
-        <p14:creationId xmlns:p14="http://schemas.microsoft.com/office/powerpoint/2010/main" xmlns="" val="4279533323"/>
+        <p14:creationId xmlns:p14="http://schemas.microsoft.com/office/powerpoint/2010/main" val="4279533323"/>
       </p:ext>
     </p:extLst>
   </p:cSld>
@@ -2071,7 +2133,139 @@
 </p:notes>
 </file>
 
-<file path=ppt/notesSlides/notesSlide21.xml><?xml version="1.0" encoding="utf-8"?>
+<file path=ppt/notesSlides/notesSlide22.xml><?xml version="1.0" encoding="utf-8"?>
+<p:notes xmlns:a="http://schemas.openxmlformats.org/drawingml/2006/main" xmlns:r="http://schemas.openxmlformats.org/officeDocument/2006/relationships" xmlns:p="http://schemas.openxmlformats.org/presentationml/2006/main">
+  <p:cSld>
+    <p:spTree>
+      <p:nvGrpSpPr>
+        <p:cNvPr id="1" name=""/>
+        <p:cNvGrpSpPr/>
+        <p:nvPr/>
+      </p:nvGrpSpPr>
+      <p:grpSpPr>
+        <a:xfrm>
+          <a:off x="0" y="0"/>
+          <a:ext cx="0" cy="0"/>
+          <a:chOff x="0" y="0"/>
+          <a:chExt cx="0" cy="0"/>
+        </a:xfrm>
+      </p:grpSpPr>
+      <p:sp>
+        <p:nvSpPr>
+          <p:cNvPr id="2" name="Espaço Reservado para Imagem de Slide 1"/>
+          <p:cNvSpPr>
+            <a:spLocks noGrp="1" noRot="1" noChangeAspect="1"/>
+          </p:cNvSpPr>
+          <p:nvPr>
+            <p:ph type="sldImg"/>
+          </p:nvPr>
+        </p:nvSpPr>
+        <p:spPr>
+          <a:xfrm>
+            <a:off x="381000" y="685800"/>
+            <a:ext cx="6096000" cy="3429000"/>
+          </a:xfrm>
+        </p:spPr>
+      </p:sp>
+      <p:sp>
+        <p:nvSpPr>
+          <p:cNvPr id="3" name="Espaço Reservado para Anotações 2"/>
+          <p:cNvSpPr>
+            <a:spLocks noGrp="1"/>
+          </p:cNvSpPr>
+          <p:nvPr>
+            <p:ph type="body" idx="1"/>
+          </p:nvPr>
+        </p:nvSpPr>
+        <p:spPr/>
+        <p:txBody>
+          <a:bodyPr/>
+          <a:lstStyle/>
+          <a:p>
+            <a:endParaRPr lang="pt-BR"/>
+          </a:p>
+        </p:txBody>
+      </p:sp>
+    </p:spTree>
+    <p:extLst>
+      <p:ext uri="{BB962C8B-B14F-4D97-AF65-F5344CB8AC3E}">
+        <p14:creationId xmlns:p14="http://schemas.microsoft.com/office/powerpoint/2010/main" val="3809280425"/>
+      </p:ext>
+    </p:extLst>
+  </p:cSld>
+  <p:clrMapOvr>
+    <a:masterClrMapping/>
+  </p:clrMapOvr>
+</p:notes>
+</file>
+
+<file path=ppt/notesSlides/notesSlide23.xml><?xml version="1.0" encoding="utf-8"?>
+<p:notes xmlns:a="http://schemas.openxmlformats.org/drawingml/2006/main" xmlns:r="http://schemas.openxmlformats.org/officeDocument/2006/relationships" xmlns:p="http://schemas.openxmlformats.org/presentationml/2006/main">
+  <p:cSld>
+    <p:spTree>
+      <p:nvGrpSpPr>
+        <p:cNvPr id="1" name=""/>
+        <p:cNvGrpSpPr/>
+        <p:nvPr/>
+      </p:nvGrpSpPr>
+      <p:grpSpPr>
+        <a:xfrm>
+          <a:off x="0" y="0"/>
+          <a:ext cx="0" cy="0"/>
+          <a:chOff x="0" y="0"/>
+          <a:chExt cx="0" cy="0"/>
+        </a:xfrm>
+      </p:grpSpPr>
+      <p:sp>
+        <p:nvSpPr>
+          <p:cNvPr id="2" name="Espaço Reservado para Imagem de Slide 1"/>
+          <p:cNvSpPr>
+            <a:spLocks noGrp="1" noRot="1" noChangeAspect="1"/>
+          </p:cNvSpPr>
+          <p:nvPr>
+            <p:ph type="sldImg"/>
+          </p:nvPr>
+        </p:nvSpPr>
+        <p:spPr>
+          <a:xfrm>
+            <a:off x="381000" y="685800"/>
+            <a:ext cx="6096000" cy="3429000"/>
+          </a:xfrm>
+        </p:spPr>
+      </p:sp>
+      <p:sp>
+        <p:nvSpPr>
+          <p:cNvPr id="3" name="Espaço Reservado para Anotações 2"/>
+          <p:cNvSpPr>
+            <a:spLocks noGrp="1"/>
+          </p:cNvSpPr>
+          <p:nvPr>
+            <p:ph type="body" idx="1"/>
+          </p:nvPr>
+        </p:nvSpPr>
+        <p:spPr/>
+        <p:txBody>
+          <a:bodyPr/>
+          <a:lstStyle/>
+          <a:p>
+            <a:endParaRPr lang="pt-BR"/>
+          </a:p>
+        </p:txBody>
+      </p:sp>
+    </p:spTree>
+    <p:extLst>
+      <p:ext uri="{BB962C8B-B14F-4D97-AF65-F5344CB8AC3E}">
+        <p14:creationId xmlns:p14="http://schemas.microsoft.com/office/powerpoint/2010/main" val="3809280425"/>
+      </p:ext>
+    </p:extLst>
+  </p:cSld>
+  <p:clrMapOvr>
+    <a:masterClrMapping/>
+  </p:clrMapOvr>
+</p:notes>
+</file>
+
+<file path=ppt/notesSlides/notesSlide24.xml><?xml version="1.0" encoding="utf-8"?>
 <p:notes xmlns:a="http://schemas.openxmlformats.org/drawingml/2006/main" xmlns:r="http://schemas.openxmlformats.org/officeDocument/2006/relationships" xmlns:p="http://schemas.openxmlformats.org/presentationml/2006/main" showMasterSp="0" showMasterPhAnim="0">
   <p:cSld>
     <p:spTree>
@@ -2167,325 +2361,7 @@
     </p:spTree>
     <p:extLst>
       <p:ext uri="{BB962C8B-B14F-4D97-AF65-F5344CB8AC3E}">
-        <p14:creationId xmlns:p14="http://schemas.microsoft.com/office/powerpoint/2010/main" xmlns="" val="4066122590"/>
-      </p:ext>
-    </p:extLst>
-  </p:cSld>
-  <p:clrMapOvr>
-    <a:masterClrMapping/>
-  </p:clrMapOvr>
-</p:notes>
-</file>
-
-<file path=ppt/notesSlides/notesSlide22.xml><?xml version="1.0" encoding="utf-8"?>
-<p:notes xmlns:a="http://schemas.openxmlformats.org/drawingml/2006/main" xmlns:r="http://schemas.openxmlformats.org/officeDocument/2006/relationships" xmlns:p="http://schemas.openxmlformats.org/presentationml/2006/main" showMasterSp="0" showMasterPhAnim="0">
-  <p:cSld>
-    <p:spTree>
-      <p:nvGrpSpPr>
-        <p:cNvPr id="1" name="Shape 95"/>
-        <p:cNvGrpSpPr/>
-        <p:nvPr/>
-      </p:nvGrpSpPr>
-      <p:grpSpPr>
-        <a:xfrm>
-          <a:off x="0" y="0"/>
-          <a:ext cx="0" cy="0"/>
-          <a:chOff x="0" y="0"/>
-          <a:chExt cx="0" cy="0"/>
-        </a:xfrm>
-      </p:grpSpPr>
-      <p:sp>
-        <p:nvSpPr>
-          <p:cNvPr id="96" name="Shape 96"/>
-          <p:cNvSpPr>
-            <a:spLocks noGrp="1" noRot="1" noChangeAspect="1"/>
-          </p:cNvSpPr>
-          <p:nvPr>
-            <p:ph type="sldImg" idx="2"/>
-          </p:nvPr>
-        </p:nvSpPr>
-        <p:spPr>
-          <a:xfrm>
-            <a:off x="381000" y="685800"/>
-            <a:ext cx="6096000" cy="3429000"/>
-          </a:xfrm>
-          <a:custGeom>
-            <a:avLst/>
-            <a:gdLst/>
-            <a:ahLst/>
-            <a:cxnLst/>
-            <a:rect l="0" t="0" r="0" b="0"/>
-            <a:pathLst>
-              <a:path w="120000" h="120000" extrusionOk="0">
-                <a:moveTo>
-                  <a:pt x="0" y="0"/>
-                </a:moveTo>
-                <a:lnTo>
-                  <a:pt x="120000" y="0"/>
-                </a:lnTo>
-                <a:lnTo>
-                  <a:pt x="120000" y="120000"/>
-                </a:lnTo>
-                <a:lnTo>
-                  <a:pt x="0" y="120000"/>
-                </a:lnTo>
-                <a:close/>
-              </a:path>
-            </a:pathLst>
-          </a:custGeom>
-        </p:spPr>
-      </p:sp>
-      <p:sp>
-        <p:nvSpPr>
-          <p:cNvPr id="97" name="Shape 97"/>
-          <p:cNvSpPr txBox="1">
-            <a:spLocks noGrp="1"/>
-          </p:cNvSpPr>
-          <p:nvPr>
-            <p:ph type="body" idx="1"/>
-          </p:nvPr>
-        </p:nvSpPr>
-        <p:spPr>
-          <a:xfrm>
-            <a:off x="685800" y="4343400"/>
-            <a:ext cx="5486399" cy="4114800"/>
-          </a:xfrm>
-          <a:prstGeom prst="rect">
-            <a:avLst/>
-          </a:prstGeom>
-        </p:spPr>
-        <p:txBody>
-          <a:bodyPr lIns="91425" tIns="91425" rIns="91425" bIns="91425" anchor="t" anchorCtr="0">
-            <a:noAutofit/>
-          </a:bodyPr>
-          <a:lstStyle/>
-          <a:p>
-            <a:pPr lvl="0">
-              <a:spcBef>
-                <a:spcPts val="0"/>
-              </a:spcBef>
-              <a:buNone/>
-            </a:pPr>
-            <a:endParaRPr/>
-          </a:p>
-        </p:txBody>
-      </p:sp>
-    </p:spTree>
-    <p:extLst>
-      <p:ext uri="{BB962C8B-B14F-4D97-AF65-F5344CB8AC3E}">
-        <p14:creationId xmlns:p14="http://schemas.microsoft.com/office/powerpoint/2010/main" xmlns="" val="4279533323"/>
-      </p:ext>
-    </p:extLst>
-  </p:cSld>
-  <p:clrMapOvr>
-    <a:masterClrMapping/>
-  </p:clrMapOvr>
-</p:notes>
-</file>
-
-<file path=ppt/notesSlides/notesSlide23.xml><?xml version="1.0" encoding="utf-8"?>
-<p:notes xmlns:a="http://schemas.openxmlformats.org/drawingml/2006/main" xmlns:r="http://schemas.openxmlformats.org/officeDocument/2006/relationships" xmlns:p="http://schemas.openxmlformats.org/presentationml/2006/main" showMasterSp="0" showMasterPhAnim="0">
-  <p:cSld>
-    <p:spTree>
-      <p:nvGrpSpPr>
-        <p:cNvPr id="1" name="Shape 78"/>
-        <p:cNvGrpSpPr/>
-        <p:nvPr/>
-      </p:nvGrpSpPr>
-      <p:grpSpPr>
-        <a:xfrm>
-          <a:off x="0" y="0"/>
-          <a:ext cx="0" cy="0"/>
-          <a:chOff x="0" y="0"/>
-          <a:chExt cx="0" cy="0"/>
-        </a:xfrm>
-      </p:grpSpPr>
-      <p:sp>
-        <p:nvSpPr>
-          <p:cNvPr id="79" name="Shape 79"/>
-          <p:cNvSpPr>
-            <a:spLocks noGrp="1" noRot="1" noChangeAspect="1"/>
-          </p:cNvSpPr>
-          <p:nvPr>
-            <p:ph type="sldImg" idx="2"/>
-          </p:nvPr>
-        </p:nvSpPr>
-        <p:spPr>
-          <a:xfrm>
-            <a:off x="381000" y="685800"/>
-            <a:ext cx="6096000" cy="3429000"/>
-          </a:xfrm>
-          <a:custGeom>
-            <a:avLst/>
-            <a:gdLst/>
-            <a:ahLst/>
-            <a:cxnLst/>
-            <a:rect l="0" t="0" r="0" b="0"/>
-            <a:pathLst>
-              <a:path w="120000" h="120000" extrusionOk="0">
-                <a:moveTo>
-                  <a:pt x="0" y="0"/>
-                </a:moveTo>
-                <a:lnTo>
-                  <a:pt x="120000" y="0"/>
-                </a:lnTo>
-                <a:lnTo>
-                  <a:pt x="120000" y="120000"/>
-                </a:lnTo>
-                <a:lnTo>
-                  <a:pt x="0" y="120000"/>
-                </a:lnTo>
-                <a:close/>
-              </a:path>
-            </a:pathLst>
-          </a:custGeom>
-        </p:spPr>
-      </p:sp>
-      <p:sp>
-        <p:nvSpPr>
-          <p:cNvPr id="80" name="Shape 80"/>
-          <p:cNvSpPr txBox="1">
-            <a:spLocks noGrp="1"/>
-          </p:cNvSpPr>
-          <p:nvPr>
-            <p:ph type="body" idx="1"/>
-          </p:nvPr>
-        </p:nvSpPr>
-        <p:spPr>
-          <a:xfrm>
-            <a:off x="685800" y="4343400"/>
-            <a:ext cx="5486399" cy="4114800"/>
-          </a:xfrm>
-          <a:prstGeom prst="rect">
-            <a:avLst/>
-          </a:prstGeom>
-        </p:spPr>
-        <p:txBody>
-          <a:bodyPr lIns="91425" tIns="91425" rIns="91425" bIns="91425" anchor="t" anchorCtr="0">
-            <a:noAutofit/>
-          </a:bodyPr>
-          <a:lstStyle/>
-          <a:p>
-            <a:pPr lvl="0">
-              <a:spcBef>
-                <a:spcPts val="0"/>
-              </a:spcBef>
-              <a:buNone/>
-            </a:pPr>
-            <a:endParaRPr/>
-          </a:p>
-        </p:txBody>
-      </p:sp>
-    </p:spTree>
-    <p:extLst>
-      <p:ext uri="{BB962C8B-B14F-4D97-AF65-F5344CB8AC3E}">
-        <p14:creationId xmlns:p14="http://schemas.microsoft.com/office/powerpoint/2010/main" xmlns="" val="2836070132"/>
-      </p:ext>
-    </p:extLst>
-  </p:cSld>
-  <p:clrMapOvr>
-    <a:masterClrMapping/>
-  </p:clrMapOvr>
-</p:notes>
-</file>
-
-<file path=ppt/notesSlides/notesSlide24.xml><?xml version="1.0" encoding="utf-8"?>
-<p:notes xmlns:a="http://schemas.openxmlformats.org/drawingml/2006/main" xmlns:r="http://schemas.openxmlformats.org/officeDocument/2006/relationships" xmlns:p="http://schemas.openxmlformats.org/presentationml/2006/main" showMasterSp="0" showMasterPhAnim="0">
-  <p:cSld>
-    <p:spTree>
-      <p:nvGrpSpPr>
-        <p:cNvPr id="1" name="Shape 150"/>
-        <p:cNvGrpSpPr/>
-        <p:nvPr/>
-      </p:nvGrpSpPr>
-      <p:grpSpPr>
-        <a:xfrm>
-          <a:off x="0" y="0"/>
-          <a:ext cx="0" cy="0"/>
-          <a:chOff x="0" y="0"/>
-          <a:chExt cx="0" cy="0"/>
-        </a:xfrm>
-      </p:grpSpPr>
-      <p:sp>
-        <p:nvSpPr>
-          <p:cNvPr id="151" name="Shape 151"/>
-          <p:cNvSpPr>
-            <a:spLocks noGrp="1" noRot="1" noChangeAspect="1"/>
-          </p:cNvSpPr>
-          <p:nvPr>
-            <p:ph type="sldImg" idx="2"/>
-          </p:nvPr>
-        </p:nvSpPr>
-        <p:spPr>
-          <a:xfrm>
-            <a:off x="381000" y="685800"/>
-            <a:ext cx="6096000" cy="3429000"/>
-          </a:xfrm>
-          <a:custGeom>
-            <a:avLst/>
-            <a:gdLst/>
-            <a:ahLst/>
-            <a:cxnLst/>
-            <a:rect l="0" t="0" r="0" b="0"/>
-            <a:pathLst>
-              <a:path w="120000" h="120000" extrusionOk="0">
-                <a:moveTo>
-                  <a:pt x="0" y="0"/>
-                </a:moveTo>
-                <a:lnTo>
-                  <a:pt x="120000" y="0"/>
-                </a:lnTo>
-                <a:lnTo>
-                  <a:pt x="120000" y="120000"/>
-                </a:lnTo>
-                <a:lnTo>
-                  <a:pt x="0" y="120000"/>
-                </a:lnTo>
-                <a:close/>
-              </a:path>
-            </a:pathLst>
-          </a:custGeom>
-        </p:spPr>
-      </p:sp>
-      <p:sp>
-        <p:nvSpPr>
-          <p:cNvPr id="152" name="Shape 152"/>
-          <p:cNvSpPr txBox="1">
-            <a:spLocks noGrp="1"/>
-          </p:cNvSpPr>
-          <p:nvPr>
-            <p:ph type="body" idx="1"/>
-          </p:nvPr>
-        </p:nvSpPr>
-        <p:spPr>
-          <a:xfrm>
-            <a:off x="685800" y="4343400"/>
-            <a:ext cx="5486399" cy="4114800"/>
-          </a:xfrm>
-          <a:prstGeom prst="rect">
-            <a:avLst/>
-          </a:prstGeom>
-        </p:spPr>
-        <p:txBody>
-          <a:bodyPr lIns="91425" tIns="91425" rIns="91425" bIns="91425" anchor="t" anchorCtr="0">
-            <a:noAutofit/>
-          </a:bodyPr>
-          <a:lstStyle/>
-          <a:p>
-            <a:pPr lvl="0">
-              <a:spcBef>
-                <a:spcPts val="0"/>
-              </a:spcBef>
-              <a:buNone/>
-            </a:pPr>
-            <a:endParaRPr dirty="0"/>
-          </a:p>
-        </p:txBody>
-      </p:sp>
-    </p:spTree>
-    <p:extLst>
-      <p:ext uri="{BB962C8B-B14F-4D97-AF65-F5344CB8AC3E}">
-        <p14:creationId xmlns:p14="http://schemas.microsoft.com/office/powerpoint/2010/main" xmlns="" val="3691485674"/>
+        <p14:creationId xmlns:p14="http://schemas.microsoft.com/office/powerpoint/2010/main" val="4066122590"/>
       </p:ext>
     </p:extLst>
   </p:cSld>
@@ -2591,7 +2467,7 @@
     </p:spTree>
     <p:extLst>
       <p:ext uri="{BB962C8B-B14F-4D97-AF65-F5344CB8AC3E}">
-        <p14:creationId xmlns:p14="http://schemas.microsoft.com/office/powerpoint/2010/main" xmlns="" val="4279533323"/>
+        <p14:creationId xmlns:p14="http://schemas.microsoft.com/office/powerpoint/2010/main" val="4279533323"/>
       </p:ext>
     </p:extLst>
   </p:cSld>
@@ -2602,6 +2478,324 @@
 </file>
 
 <file path=ppt/notesSlides/notesSlide26.xml><?xml version="1.0" encoding="utf-8"?>
+<p:notes xmlns:a="http://schemas.openxmlformats.org/drawingml/2006/main" xmlns:r="http://schemas.openxmlformats.org/officeDocument/2006/relationships" xmlns:p="http://schemas.openxmlformats.org/presentationml/2006/main" showMasterSp="0" showMasterPhAnim="0">
+  <p:cSld>
+    <p:spTree>
+      <p:nvGrpSpPr>
+        <p:cNvPr id="1" name="Shape 78"/>
+        <p:cNvGrpSpPr/>
+        <p:nvPr/>
+      </p:nvGrpSpPr>
+      <p:grpSpPr>
+        <a:xfrm>
+          <a:off x="0" y="0"/>
+          <a:ext cx="0" cy="0"/>
+          <a:chOff x="0" y="0"/>
+          <a:chExt cx="0" cy="0"/>
+        </a:xfrm>
+      </p:grpSpPr>
+      <p:sp>
+        <p:nvSpPr>
+          <p:cNvPr id="79" name="Shape 79"/>
+          <p:cNvSpPr>
+            <a:spLocks noGrp="1" noRot="1" noChangeAspect="1"/>
+          </p:cNvSpPr>
+          <p:nvPr>
+            <p:ph type="sldImg" idx="2"/>
+          </p:nvPr>
+        </p:nvSpPr>
+        <p:spPr>
+          <a:xfrm>
+            <a:off x="381000" y="685800"/>
+            <a:ext cx="6096000" cy="3429000"/>
+          </a:xfrm>
+          <a:custGeom>
+            <a:avLst/>
+            <a:gdLst/>
+            <a:ahLst/>
+            <a:cxnLst/>
+            <a:rect l="0" t="0" r="0" b="0"/>
+            <a:pathLst>
+              <a:path w="120000" h="120000" extrusionOk="0">
+                <a:moveTo>
+                  <a:pt x="0" y="0"/>
+                </a:moveTo>
+                <a:lnTo>
+                  <a:pt x="120000" y="0"/>
+                </a:lnTo>
+                <a:lnTo>
+                  <a:pt x="120000" y="120000"/>
+                </a:lnTo>
+                <a:lnTo>
+                  <a:pt x="0" y="120000"/>
+                </a:lnTo>
+                <a:close/>
+              </a:path>
+            </a:pathLst>
+          </a:custGeom>
+        </p:spPr>
+      </p:sp>
+      <p:sp>
+        <p:nvSpPr>
+          <p:cNvPr id="80" name="Shape 80"/>
+          <p:cNvSpPr txBox="1">
+            <a:spLocks noGrp="1"/>
+          </p:cNvSpPr>
+          <p:nvPr>
+            <p:ph type="body" idx="1"/>
+          </p:nvPr>
+        </p:nvSpPr>
+        <p:spPr>
+          <a:xfrm>
+            <a:off x="685800" y="4343400"/>
+            <a:ext cx="5486399" cy="4114800"/>
+          </a:xfrm>
+          <a:prstGeom prst="rect">
+            <a:avLst/>
+          </a:prstGeom>
+        </p:spPr>
+        <p:txBody>
+          <a:bodyPr lIns="91425" tIns="91425" rIns="91425" bIns="91425" anchor="t" anchorCtr="0">
+            <a:noAutofit/>
+          </a:bodyPr>
+          <a:lstStyle/>
+          <a:p>
+            <a:pPr lvl="0">
+              <a:spcBef>
+                <a:spcPts val="0"/>
+              </a:spcBef>
+              <a:buNone/>
+            </a:pPr>
+            <a:endParaRPr/>
+          </a:p>
+        </p:txBody>
+      </p:sp>
+    </p:spTree>
+    <p:extLst>
+      <p:ext uri="{BB962C8B-B14F-4D97-AF65-F5344CB8AC3E}">
+        <p14:creationId xmlns:p14="http://schemas.microsoft.com/office/powerpoint/2010/main" val="2836070132"/>
+      </p:ext>
+    </p:extLst>
+  </p:cSld>
+  <p:clrMapOvr>
+    <a:masterClrMapping/>
+  </p:clrMapOvr>
+</p:notes>
+</file>
+
+<file path=ppt/notesSlides/notesSlide27.xml><?xml version="1.0" encoding="utf-8"?>
+<p:notes xmlns:a="http://schemas.openxmlformats.org/drawingml/2006/main" xmlns:r="http://schemas.openxmlformats.org/officeDocument/2006/relationships" xmlns:p="http://schemas.openxmlformats.org/presentationml/2006/main" showMasterSp="0" showMasterPhAnim="0">
+  <p:cSld>
+    <p:spTree>
+      <p:nvGrpSpPr>
+        <p:cNvPr id="1" name="Shape 150"/>
+        <p:cNvGrpSpPr/>
+        <p:nvPr/>
+      </p:nvGrpSpPr>
+      <p:grpSpPr>
+        <a:xfrm>
+          <a:off x="0" y="0"/>
+          <a:ext cx="0" cy="0"/>
+          <a:chOff x="0" y="0"/>
+          <a:chExt cx="0" cy="0"/>
+        </a:xfrm>
+      </p:grpSpPr>
+      <p:sp>
+        <p:nvSpPr>
+          <p:cNvPr id="151" name="Shape 151"/>
+          <p:cNvSpPr>
+            <a:spLocks noGrp="1" noRot="1" noChangeAspect="1"/>
+          </p:cNvSpPr>
+          <p:nvPr>
+            <p:ph type="sldImg" idx="2"/>
+          </p:nvPr>
+        </p:nvSpPr>
+        <p:spPr>
+          <a:xfrm>
+            <a:off x="381000" y="685800"/>
+            <a:ext cx="6096000" cy="3429000"/>
+          </a:xfrm>
+          <a:custGeom>
+            <a:avLst/>
+            <a:gdLst/>
+            <a:ahLst/>
+            <a:cxnLst/>
+            <a:rect l="0" t="0" r="0" b="0"/>
+            <a:pathLst>
+              <a:path w="120000" h="120000" extrusionOk="0">
+                <a:moveTo>
+                  <a:pt x="0" y="0"/>
+                </a:moveTo>
+                <a:lnTo>
+                  <a:pt x="120000" y="0"/>
+                </a:lnTo>
+                <a:lnTo>
+                  <a:pt x="120000" y="120000"/>
+                </a:lnTo>
+                <a:lnTo>
+                  <a:pt x="0" y="120000"/>
+                </a:lnTo>
+                <a:close/>
+              </a:path>
+            </a:pathLst>
+          </a:custGeom>
+        </p:spPr>
+      </p:sp>
+      <p:sp>
+        <p:nvSpPr>
+          <p:cNvPr id="152" name="Shape 152"/>
+          <p:cNvSpPr txBox="1">
+            <a:spLocks noGrp="1"/>
+          </p:cNvSpPr>
+          <p:nvPr>
+            <p:ph type="body" idx="1"/>
+          </p:nvPr>
+        </p:nvSpPr>
+        <p:spPr>
+          <a:xfrm>
+            <a:off x="685800" y="4343400"/>
+            <a:ext cx="5486399" cy="4114800"/>
+          </a:xfrm>
+          <a:prstGeom prst="rect">
+            <a:avLst/>
+          </a:prstGeom>
+        </p:spPr>
+        <p:txBody>
+          <a:bodyPr lIns="91425" tIns="91425" rIns="91425" bIns="91425" anchor="t" anchorCtr="0">
+            <a:noAutofit/>
+          </a:bodyPr>
+          <a:lstStyle/>
+          <a:p>
+            <a:pPr lvl="0">
+              <a:spcBef>
+                <a:spcPts val="0"/>
+              </a:spcBef>
+              <a:buNone/>
+            </a:pPr>
+            <a:endParaRPr dirty="0"/>
+          </a:p>
+        </p:txBody>
+      </p:sp>
+    </p:spTree>
+    <p:extLst>
+      <p:ext uri="{BB962C8B-B14F-4D97-AF65-F5344CB8AC3E}">
+        <p14:creationId xmlns:p14="http://schemas.microsoft.com/office/powerpoint/2010/main" val="3691485674"/>
+      </p:ext>
+    </p:extLst>
+  </p:cSld>
+  <p:clrMapOvr>
+    <a:masterClrMapping/>
+  </p:clrMapOvr>
+</p:notes>
+</file>
+
+<file path=ppt/notesSlides/notesSlide28.xml><?xml version="1.0" encoding="utf-8"?>
+<p:notes xmlns:a="http://schemas.openxmlformats.org/drawingml/2006/main" xmlns:r="http://schemas.openxmlformats.org/officeDocument/2006/relationships" xmlns:p="http://schemas.openxmlformats.org/presentationml/2006/main" showMasterSp="0" showMasterPhAnim="0">
+  <p:cSld>
+    <p:spTree>
+      <p:nvGrpSpPr>
+        <p:cNvPr id="1" name="Shape 95"/>
+        <p:cNvGrpSpPr/>
+        <p:nvPr/>
+      </p:nvGrpSpPr>
+      <p:grpSpPr>
+        <a:xfrm>
+          <a:off x="0" y="0"/>
+          <a:ext cx="0" cy="0"/>
+          <a:chOff x="0" y="0"/>
+          <a:chExt cx="0" cy="0"/>
+        </a:xfrm>
+      </p:grpSpPr>
+      <p:sp>
+        <p:nvSpPr>
+          <p:cNvPr id="96" name="Shape 96"/>
+          <p:cNvSpPr>
+            <a:spLocks noGrp="1" noRot="1" noChangeAspect="1"/>
+          </p:cNvSpPr>
+          <p:nvPr>
+            <p:ph type="sldImg" idx="2"/>
+          </p:nvPr>
+        </p:nvSpPr>
+        <p:spPr>
+          <a:xfrm>
+            <a:off x="381000" y="685800"/>
+            <a:ext cx="6096000" cy="3429000"/>
+          </a:xfrm>
+          <a:custGeom>
+            <a:avLst/>
+            <a:gdLst/>
+            <a:ahLst/>
+            <a:cxnLst/>
+            <a:rect l="0" t="0" r="0" b="0"/>
+            <a:pathLst>
+              <a:path w="120000" h="120000" extrusionOk="0">
+                <a:moveTo>
+                  <a:pt x="0" y="0"/>
+                </a:moveTo>
+                <a:lnTo>
+                  <a:pt x="120000" y="0"/>
+                </a:lnTo>
+                <a:lnTo>
+                  <a:pt x="120000" y="120000"/>
+                </a:lnTo>
+                <a:lnTo>
+                  <a:pt x="0" y="120000"/>
+                </a:lnTo>
+                <a:close/>
+              </a:path>
+            </a:pathLst>
+          </a:custGeom>
+        </p:spPr>
+      </p:sp>
+      <p:sp>
+        <p:nvSpPr>
+          <p:cNvPr id="97" name="Shape 97"/>
+          <p:cNvSpPr txBox="1">
+            <a:spLocks noGrp="1"/>
+          </p:cNvSpPr>
+          <p:nvPr>
+            <p:ph type="body" idx="1"/>
+          </p:nvPr>
+        </p:nvSpPr>
+        <p:spPr>
+          <a:xfrm>
+            <a:off x="685800" y="4343400"/>
+            <a:ext cx="5486399" cy="4114800"/>
+          </a:xfrm>
+          <a:prstGeom prst="rect">
+            <a:avLst/>
+          </a:prstGeom>
+        </p:spPr>
+        <p:txBody>
+          <a:bodyPr lIns="91425" tIns="91425" rIns="91425" bIns="91425" anchor="t" anchorCtr="0">
+            <a:noAutofit/>
+          </a:bodyPr>
+          <a:lstStyle/>
+          <a:p>
+            <a:pPr lvl="0">
+              <a:spcBef>
+                <a:spcPts val="0"/>
+              </a:spcBef>
+              <a:buNone/>
+            </a:pPr>
+            <a:endParaRPr/>
+          </a:p>
+        </p:txBody>
+      </p:sp>
+    </p:spTree>
+    <p:extLst>
+      <p:ext uri="{BB962C8B-B14F-4D97-AF65-F5344CB8AC3E}">
+        <p14:creationId xmlns:p14="http://schemas.microsoft.com/office/powerpoint/2010/main" val="4279533323"/>
+      </p:ext>
+    </p:extLst>
+  </p:cSld>
+  <p:clrMapOvr>
+    <a:masterClrMapping/>
+  </p:clrMapOvr>
+</p:notes>
+</file>
+
+<file path=ppt/notesSlides/notesSlide29.xml><?xml version="1.0" encoding="utf-8"?>
 <p:notes xmlns:a="http://schemas.openxmlformats.org/drawingml/2006/main" xmlns:r="http://schemas.openxmlformats.org/officeDocument/2006/relationships" xmlns:p="http://schemas.openxmlformats.org/presentationml/2006/main" showMasterSp="0" showMasterPhAnim="0">
   <p:cSld>
     <p:spTree>
@@ -2697,325 +2891,7 @@
     </p:spTree>
     <p:extLst>
       <p:ext uri="{BB962C8B-B14F-4D97-AF65-F5344CB8AC3E}">
-        <p14:creationId xmlns:p14="http://schemas.microsoft.com/office/powerpoint/2010/main" xmlns="" val="2046724879"/>
-      </p:ext>
-    </p:extLst>
-  </p:cSld>
-  <p:clrMapOvr>
-    <a:masterClrMapping/>
-  </p:clrMapOvr>
-</p:notes>
-</file>
-
-<file path=ppt/notesSlides/notesSlide27.xml><?xml version="1.0" encoding="utf-8"?>
-<p:notes xmlns:a="http://schemas.openxmlformats.org/drawingml/2006/main" xmlns:r="http://schemas.openxmlformats.org/officeDocument/2006/relationships" xmlns:p="http://schemas.openxmlformats.org/presentationml/2006/main" showMasterSp="0" showMasterPhAnim="0">
-  <p:cSld>
-    <p:spTree>
-      <p:nvGrpSpPr>
-        <p:cNvPr id="1" name="Shape 95"/>
-        <p:cNvGrpSpPr/>
-        <p:nvPr/>
-      </p:nvGrpSpPr>
-      <p:grpSpPr>
-        <a:xfrm>
-          <a:off x="0" y="0"/>
-          <a:ext cx="0" cy="0"/>
-          <a:chOff x="0" y="0"/>
-          <a:chExt cx="0" cy="0"/>
-        </a:xfrm>
-      </p:grpSpPr>
-      <p:sp>
-        <p:nvSpPr>
-          <p:cNvPr id="96" name="Shape 96"/>
-          <p:cNvSpPr>
-            <a:spLocks noGrp="1" noRot="1" noChangeAspect="1"/>
-          </p:cNvSpPr>
-          <p:nvPr>
-            <p:ph type="sldImg" idx="2"/>
-          </p:nvPr>
-        </p:nvSpPr>
-        <p:spPr>
-          <a:xfrm>
-            <a:off x="381000" y="685800"/>
-            <a:ext cx="6096000" cy="3429000"/>
-          </a:xfrm>
-          <a:custGeom>
-            <a:avLst/>
-            <a:gdLst/>
-            <a:ahLst/>
-            <a:cxnLst/>
-            <a:rect l="0" t="0" r="0" b="0"/>
-            <a:pathLst>
-              <a:path w="120000" h="120000" extrusionOk="0">
-                <a:moveTo>
-                  <a:pt x="0" y="0"/>
-                </a:moveTo>
-                <a:lnTo>
-                  <a:pt x="120000" y="0"/>
-                </a:lnTo>
-                <a:lnTo>
-                  <a:pt x="120000" y="120000"/>
-                </a:lnTo>
-                <a:lnTo>
-                  <a:pt x="0" y="120000"/>
-                </a:lnTo>
-                <a:close/>
-              </a:path>
-            </a:pathLst>
-          </a:custGeom>
-        </p:spPr>
-      </p:sp>
-      <p:sp>
-        <p:nvSpPr>
-          <p:cNvPr id="97" name="Shape 97"/>
-          <p:cNvSpPr txBox="1">
-            <a:spLocks noGrp="1"/>
-          </p:cNvSpPr>
-          <p:nvPr>
-            <p:ph type="body" idx="1"/>
-          </p:nvPr>
-        </p:nvSpPr>
-        <p:spPr>
-          <a:xfrm>
-            <a:off x="685800" y="4343400"/>
-            <a:ext cx="5486399" cy="4114800"/>
-          </a:xfrm>
-          <a:prstGeom prst="rect">
-            <a:avLst/>
-          </a:prstGeom>
-        </p:spPr>
-        <p:txBody>
-          <a:bodyPr lIns="91425" tIns="91425" rIns="91425" bIns="91425" anchor="t" anchorCtr="0">
-            <a:noAutofit/>
-          </a:bodyPr>
-          <a:lstStyle/>
-          <a:p>
-            <a:pPr lvl="0">
-              <a:spcBef>
-                <a:spcPts val="0"/>
-              </a:spcBef>
-              <a:buNone/>
-            </a:pPr>
-            <a:endParaRPr/>
-          </a:p>
-        </p:txBody>
-      </p:sp>
-    </p:spTree>
-    <p:extLst>
-      <p:ext uri="{BB962C8B-B14F-4D97-AF65-F5344CB8AC3E}">
-        <p14:creationId xmlns:p14="http://schemas.microsoft.com/office/powerpoint/2010/main" xmlns="" val="4279533323"/>
-      </p:ext>
-    </p:extLst>
-  </p:cSld>
-  <p:clrMapOvr>
-    <a:masterClrMapping/>
-  </p:clrMapOvr>
-</p:notes>
-</file>
-
-<file path=ppt/notesSlides/notesSlide28.xml><?xml version="1.0" encoding="utf-8"?>
-<p:notes xmlns:a="http://schemas.openxmlformats.org/drawingml/2006/main" xmlns:r="http://schemas.openxmlformats.org/officeDocument/2006/relationships" xmlns:p="http://schemas.openxmlformats.org/presentationml/2006/main" showMasterSp="0" showMasterPhAnim="0">
-  <p:cSld>
-    <p:spTree>
-      <p:nvGrpSpPr>
-        <p:cNvPr id="1" name="Shape 156"/>
-        <p:cNvGrpSpPr/>
-        <p:nvPr/>
-      </p:nvGrpSpPr>
-      <p:grpSpPr>
-        <a:xfrm>
-          <a:off x="0" y="0"/>
-          <a:ext cx="0" cy="0"/>
-          <a:chOff x="0" y="0"/>
-          <a:chExt cx="0" cy="0"/>
-        </a:xfrm>
-      </p:grpSpPr>
-      <p:sp>
-        <p:nvSpPr>
-          <p:cNvPr id="157" name="Shape 157"/>
-          <p:cNvSpPr>
-            <a:spLocks noGrp="1" noRot="1" noChangeAspect="1"/>
-          </p:cNvSpPr>
-          <p:nvPr>
-            <p:ph type="sldImg" idx="2"/>
-          </p:nvPr>
-        </p:nvSpPr>
-        <p:spPr>
-          <a:xfrm>
-            <a:off x="381000" y="685800"/>
-            <a:ext cx="6096000" cy="3429000"/>
-          </a:xfrm>
-          <a:custGeom>
-            <a:avLst/>
-            <a:gdLst/>
-            <a:ahLst/>
-            <a:cxnLst/>
-            <a:rect l="0" t="0" r="0" b="0"/>
-            <a:pathLst>
-              <a:path w="120000" h="120000" extrusionOk="0">
-                <a:moveTo>
-                  <a:pt x="0" y="0"/>
-                </a:moveTo>
-                <a:lnTo>
-                  <a:pt x="120000" y="0"/>
-                </a:lnTo>
-                <a:lnTo>
-                  <a:pt x="120000" y="120000"/>
-                </a:lnTo>
-                <a:lnTo>
-                  <a:pt x="0" y="120000"/>
-                </a:lnTo>
-                <a:close/>
-              </a:path>
-            </a:pathLst>
-          </a:custGeom>
-        </p:spPr>
-      </p:sp>
-      <p:sp>
-        <p:nvSpPr>
-          <p:cNvPr id="158" name="Shape 158"/>
-          <p:cNvSpPr txBox="1">
-            <a:spLocks noGrp="1"/>
-          </p:cNvSpPr>
-          <p:nvPr>
-            <p:ph type="body" idx="1"/>
-          </p:nvPr>
-        </p:nvSpPr>
-        <p:spPr>
-          <a:xfrm>
-            <a:off x="685800" y="4343400"/>
-            <a:ext cx="5486399" cy="4114800"/>
-          </a:xfrm>
-          <a:prstGeom prst="rect">
-            <a:avLst/>
-          </a:prstGeom>
-        </p:spPr>
-        <p:txBody>
-          <a:bodyPr lIns="91425" tIns="91425" rIns="91425" bIns="91425" anchor="t" anchorCtr="0">
-            <a:noAutofit/>
-          </a:bodyPr>
-          <a:lstStyle/>
-          <a:p>
-            <a:pPr lvl="0">
-              <a:spcBef>
-                <a:spcPts val="0"/>
-              </a:spcBef>
-              <a:buNone/>
-            </a:pPr>
-            <a:endParaRPr/>
-          </a:p>
-        </p:txBody>
-      </p:sp>
-    </p:spTree>
-    <p:extLst>
-      <p:ext uri="{BB962C8B-B14F-4D97-AF65-F5344CB8AC3E}">
-        <p14:creationId xmlns:p14="http://schemas.microsoft.com/office/powerpoint/2010/main" xmlns="" val="4066122590"/>
-      </p:ext>
-    </p:extLst>
-  </p:cSld>
-  <p:clrMapOvr>
-    <a:masterClrMapping/>
-  </p:clrMapOvr>
-</p:notes>
-</file>
-
-<file path=ppt/notesSlides/notesSlide29.xml><?xml version="1.0" encoding="utf-8"?>
-<p:notes xmlns:a="http://schemas.openxmlformats.org/drawingml/2006/main" xmlns:r="http://schemas.openxmlformats.org/officeDocument/2006/relationships" xmlns:p="http://schemas.openxmlformats.org/presentationml/2006/main" showMasterSp="0" showMasterPhAnim="0">
-  <p:cSld>
-    <p:spTree>
-      <p:nvGrpSpPr>
-        <p:cNvPr id="1" name="Shape 150"/>
-        <p:cNvGrpSpPr/>
-        <p:nvPr/>
-      </p:nvGrpSpPr>
-      <p:grpSpPr>
-        <a:xfrm>
-          <a:off x="0" y="0"/>
-          <a:ext cx="0" cy="0"/>
-          <a:chOff x="0" y="0"/>
-          <a:chExt cx="0" cy="0"/>
-        </a:xfrm>
-      </p:grpSpPr>
-      <p:sp>
-        <p:nvSpPr>
-          <p:cNvPr id="151" name="Shape 151"/>
-          <p:cNvSpPr>
-            <a:spLocks noGrp="1" noRot="1" noChangeAspect="1"/>
-          </p:cNvSpPr>
-          <p:nvPr>
-            <p:ph type="sldImg" idx="2"/>
-          </p:nvPr>
-        </p:nvSpPr>
-        <p:spPr>
-          <a:xfrm>
-            <a:off x="381000" y="685800"/>
-            <a:ext cx="6096000" cy="3429000"/>
-          </a:xfrm>
-          <a:custGeom>
-            <a:avLst/>
-            <a:gdLst/>
-            <a:ahLst/>
-            <a:cxnLst/>
-            <a:rect l="0" t="0" r="0" b="0"/>
-            <a:pathLst>
-              <a:path w="120000" h="120000" extrusionOk="0">
-                <a:moveTo>
-                  <a:pt x="0" y="0"/>
-                </a:moveTo>
-                <a:lnTo>
-                  <a:pt x="120000" y="0"/>
-                </a:lnTo>
-                <a:lnTo>
-                  <a:pt x="120000" y="120000"/>
-                </a:lnTo>
-                <a:lnTo>
-                  <a:pt x="0" y="120000"/>
-                </a:lnTo>
-                <a:close/>
-              </a:path>
-            </a:pathLst>
-          </a:custGeom>
-        </p:spPr>
-      </p:sp>
-      <p:sp>
-        <p:nvSpPr>
-          <p:cNvPr id="152" name="Shape 152"/>
-          <p:cNvSpPr txBox="1">
-            <a:spLocks noGrp="1"/>
-          </p:cNvSpPr>
-          <p:nvPr>
-            <p:ph type="body" idx="1"/>
-          </p:nvPr>
-        </p:nvSpPr>
-        <p:spPr>
-          <a:xfrm>
-            <a:off x="685800" y="4343400"/>
-            <a:ext cx="5486399" cy="4114800"/>
-          </a:xfrm>
-          <a:prstGeom prst="rect">
-            <a:avLst/>
-          </a:prstGeom>
-        </p:spPr>
-        <p:txBody>
-          <a:bodyPr lIns="91425" tIns="91425" rIns="91425" bIns="91425" anchor="t" anchorCtr="0">
-            <a:noAutofit/>
-          </a:bodyPr>
-          <a:lstStyle/>
-          <a:p>
-            <a:pPr lvl="0">
-              <a:spcBef>
-                <a:spcPts val="0"/>
-              </a:spcBef>
-              <a:buNone/>
-            </a:pPr>
-            <a:endParaRPr dirty="0"/>
-          </a:p>
-        </p:txBody>
-      </p:sp>
-    </p:spTree>
-    <p:extLst>
-      <p:ext uri="{BB962C8B-B14F-4D97-AF65-F5344CB8AC3E}">
-        <p14:creationId xmlns:p14="http://schemas.microsoft.com/office/powerpoint/2010/main" xmlns="" val="3691485674"/>
+        <p14:creationId xmlns:p14="http://schemas.microsoft.com/office/powerpoint/2010/main" val="2046724879"/>
       </p:ext>
     </p:extLst>
   </p:cSld>
@@ -3121,7 +2997,7 @@
     </p:spTree>
     <p:extLst>
       <p:ext uri="{BB962C8B-B14F-4D97-AF65-F5344CB8AC3E}">
-        <p14:creationId xmlns:p14="http://schemas.microsoft.com/office/powerpoint/2010/main" xmlns="" val="2138475801"/>
+        <p14:creationId xmlns:p14="http://schemas.microsoft.com/office/powerpoint/2010/main" val="2138475801"/>
       </p:ext>
     </p:extLst>
   </p:cSld>
@@ -3132,6 +3008,324 @@
 </file>
 
 <file path=ppt/notesSlides/notesSlide30.xml><?xml version="1.0" encoding="utf-8"?>
+<p:notes xmlns:a="http://schemas.openxmlformats.org/drawingml/2006/main" xmlns:r="http://schemas.openxmlformats.org/officeDocument/2006/relationships" xmlns:p="http://schemas.openxmlformats.org/presentationml/2006/main" showMasterSp="0" showMasterPhAnim="0">
+  <p:cSld>
+    <p:spTree>
+      <p:nvGrpSpPr>
+        <p:cNvPr id="1" name="Shape 95"/>
+        <p:cNvGrpSpPr/>
+        <p:nvPr/>
+      </p:nvGrpSpPr>
+      <p:grpSpPr>
+        <a:xfrm>
+          <a:off x="0" y="0"/>
+          <a:ext cx="0" cy="0"/>
+          <a:chOff x="0" y="0"/>
+          <a:chExt cx="0" cy="0"/>
+        </a:xfrm>
+      </p:grpSpPr>
+      <p:sp>
+        <p:nvSpPr>
+          <p:cNvPr id="96" name="Shape 96"/>
+          <p:cNvSpPr>
+            <a:spLocks noGrp="1" noRot="1" noChangeAspect="1"/>
+          </p:cNvSpPr>
+          <p:nvPr>
+            <p:ph type="sldImg" idx="2"/>
+          </p:nvPr>
+        </p:nvSpPr>
+        <p:spPr>
+          <a:xfrm>
+            <a:off x="381000" y="685800"/>
+            <a:ext cx="6096000" cy="3429000"/>
+          </a:xfrm>
+          <a:custGeom>
+            <a:avLst/>
+            <a:gdLst/>
+            <a:ahLst/>
+            <a:cxnLst/>
+            <a:rect l="0" t="0" r="0" b="0"/>
+            <a:pathLst>
+              <a:path w="120000" h="120000" extrusionOk="0">
+                <a:moveTo>
+                  <a:pt x="0" y="0"/>
+                </a:moveTo>
+                <a:lnTo>
+                  <a:pt x="120000" y="0"/>
+                </a:lnTo>
+                <a:lnTo>
+                  <a:pt x="120000" y="120000"/>
+                </a:lnTo>
+                <a:lnTo>
+                  <a:pt x="0" y="120000"/>
+                </a:lnTo>
+                <a:close/>
+              </a:path>
+            </a:pathLst>
+          </a:custGeom>
+        </p:spPr>
+      </p:sp>
+      <p:sp>
+        <p:nvSpPr>
+          <p:cNvPr id="97" name="Shape 97"/>
+          <p:cNvSpPr txBox="1">
+            <a:spLocks noGrp="1"/>
+          </p:cNvSpPr>
+          <p:nvPr>
+            <p:ph type="body" idx="1"/>
+          </p:nvPr>
+        </p:nvSpPr>
+        <p:spPr>
+          <a:xfrm>
+            <a:off x="685800" y="4343400"/>
+            <a:ext cx="5486399" cy="4114800"/>
+          </a:xfrm>
+          <a:prstGeom prst="rect">
+            <a:avLst/>
+          </a:prstGeom>
+        </p:spPr>
+        <p:txBody>
+          <a:bodyPr lIns="91425" tIns="91425" rIns="91425" bIns="91425" anchor="t" anchorCtr="0">
+            <a:noAutofit/>
+          </a:bodyPr>
+          <a:lstStyle/>
+          <a:p>
+            <a:pPr lvl="0">
+              <a:spcBef>
+                <a:spcPts val="0"/>
+              </a:spcBef>
+              <a:buNone/>
+            </a:pPr>
+            <a:endParaRPr/>
+          </a:p>
+        </p:txBody>
+      </p:sp>
+    </p:spTree>
+    <p:extLst>
+      <p:ext uri="{BB962C8B-B14F-4D97-AF65-F5344CB8AC3E}">
+        <p14:creationId xmlns:p14="http://schemas.microsoft.com/office/powerpoint/2010/main" val="4279533323"/>
+      </p:ext>
+    </p:extLst>
+  </p:cSld>
+  <p:clrMapOvr>
+    <a:masterClrMapping/>
+  </p:clrMapOvr>
+</p:notes>
+</file>
+
+<file path=ppt/notesSlides/notesSlide31.xml><?xml version="1.0" encoding="utf-8"?>
+<p:notes xmlns:a="http://schemas.openxmlformats.org/drawingml/2006/main" xmlns:r="http://schemas.openxmlformats.org/officeDocument/2006/relationships" xmlns:p="http://schemas.openxmlformats.org/presentationml/2006/main" showMasterSp="0" showMasterPhAnim="0">
+  <p:cSld>
+    <p:spTree>
+      <p:nvGrpSpPr>
+        <p:cNvPr id="1" name="Shape 156"/>
+        <p:cNvGrpSpPr/>
+        <p:nvPr/>
+      </p:nvGrpSpPr>
+      <p:grpSpPr>
+        <a:xfrm>
+          <a:off x="0" y="0"/>
+          <a:ext cx="0" cy="0"/>
+          <a:chOff x="0" y="0"/>
+          <a:chExt cx="0" cy="0"/>
+        </a:xfrm>
+      </p:grpSpPr>
+      <p:sp>
+        <p:nvSpPr>
+          <p:cNvPr id="157" name="Shape 157"/>
+          <p:cNvSpPr>
+            <a:spLocks noGrp="1" noRot="1" noChangeAspect="1"/>
+          </p:cNvSpPr>
+          <p:nvPr>
+            <p:ph type="sldImg" idx="2"/>
+          </p:nvPr>
+        </p:nvSpPr>
+        <p:spPr>
+          <a:xfrm>
+            <a:off x="381000" y="685800"/>
+            <a:ext cx="6096000" cy="3429000"/>
+          </a:xfrm>
+          <a:custGeom>
+            <a:avLst/>
+            <a:gdLst/>
+            <a:ahLst/>
+            <a:cxnLst/>
+            <a:rect l="0" t="0" r="0" b="0"/>
+            <a:pathLst>
+              <a:path w="120000" h="120000" extrusionOk="0">
+                <a:moveTo>
+                  <a:pt x="0" y="0"/>
+                </a:moveTo>
+                <a:lnTo>
+                  <a:pt x="120000" y="0"/>
+                </a:lnTo>
+                <a:lnTo>
+                  <a:pt x="120000" y="120000"/>
+                </a:lnTo>
+                <a:lnTo>
+                  <a:pt x="0" y="120000"/>
+                </a:lnTo>
+                <a:close/>
+              </a:path>
+            </a:pathLst>
+          </a:custGeom>
+        </p:spPr>
+      </p:sp>
+      <p:sp>
+        <p:nvSpPr>
+          <p:cNvPr id="158" name="Shape 158"/>
+          <p:cNvSpPr txBox="1">
+            <a:spLocks noGrp="1"/>
+          </p:cNvSpPr>
+          <p:nvPr>
+            <p:ph type="body" idx="1"/>
+          </p:nvPr>
+        </p:nvSpPr>
+        <p:spPr>
+          <a:xfrm>
+            <a:off x="685800" y="4343400"/>
+            <a:ext cx="5486399" cy="4114800"/>
+          </a:xfrm>
+          <a:prstGeom prst="rect">
+            <a:avLst/>
+          </a:prstGeom>
+        </p:spPr>
+        <p:txBody>
+          <a:bodyPr lIns="91425" tIns="91425" rIns="91425" bIns="91425" anchor="t" anchorCtr="0">
+            <a:noAutofit/>
+          </a:bodyPr>
+          <a:lstStyle/>
+          <a:p>
+            <a:pPr lvl="0">
+              <a:spcBef>
+                <a:spcPts val="0"/>
+              </a:spcBef>
+              <a:buNone/>
+            </a:pPr>
+            <a:endParaRPr/>
+          </a:p>
+        </p:txBody>
+      </p:sp>
+    </p:spTree>
+    <p:extLst>
+      <p:ext uri="{BB962C8B-B14F-4D97-AF65-F5344CB8AC3E}">
+        <p14:creationId xmlns:p14="http://schemas.microsoft.com/office/powerpoint/2010/main" val="4066122590"/>
+      </p:ext>
+    </p:extLst>
+  </p:cSld>
+  <p:clrMapOvr>
+    <a:masterClrMapping/>
+  </p:clrMapOvr>
+</p:notes>
+</file>
+
+<file path=ppt/notesSlides/notesSlide32.xml><?xml version="1.0" encoding="utf-8"?>
+<p:notes xmlns:a="http://schemas.openxmlformats.org/drawingml/2006/main" xmlns:r="http://schemas.openxmlformats.org/officeDocument/2006/relationships" xmlns:p="http://schemas.openxmlformats.org/presentationml/2006/main" showMasterSp="0" showMasterPhAnim="0">
+  <p:cSld>
+    <p:spTree>
+      <p:nvGrpSpPr>
+        <p:cNvPr id="1" name="Shape 150"/>
+        <p:cNvGrpSpPr/>
+        <p:nvPr/>
+      </p:nvGrpSpPr>
+      <p:grpSpPr>
+        <a:xfrm>
+          <a:off x="0" y="0"/>
+          <a:ext cx="0" cy="0"/>
+          <a:chOff x="0" y="0"/>
+          <a:chExt cx="0" cy="0"/>
+        </a:xfrm>
+      </p:grpSpPr>
+      <p:sp>
+        <p:nvSpPr>
+          <p:cNvPr id="151" name="Shape 151"/>
+          <p:cNvSpPr>
+            <a:spLocks noGrp="1" noRot="1" noChangeAspect="1"/>
+          </p:cNvSpPr>
+          <p:nvPr>
+            <p:ph type="sldImg" idx="2"/>
+          </p:nvPr>
+        </p:nvSpPr>
+        <p:spPr>
+          <a:xfrm>
+            <a:off x="381000" y="685800"/>
+            <a:ext cx="6096000" cy="3429000"/>
+          </a:xfrm>
+          <a:custGeom>
+            <a:avLst/>
+            <a:gdLst/>
+            <a:ahLst/>
+            <a:cxnLst/>
+            <a:rect l="0" t="0" r="0" b="0"/>
+            <a:pathLst>
+              <a:path w="120000" h="120000" extrusionOk="0">
+                <a:moveTo>
+                  <a:pt x="0" y="0"/>
+                </a:moveTo>
+                <a:lnTo>
+                  <a:pt x="120000" y="0"/>
+                </a:lnTo>
+                <a:lnTo>
+                  <a:pt x="120000" y="120000"/>
+                </a:lnTo>
+                <a:lnTo>
+                  <a:pt x="0" y="120000"/>
+                </a:lnTo>
+                <a:close/>
+              </a:path>
+            </a:pathLst>
+          </a:custGeom>
+        </p:spPr>
+      </p:sp>
+      <p:sp>
+        <p:nvSpPr>
+          <p:cNvPr id="152" name="Shape 152"/>
+          <p:cNvSpPr txBox="1">
+            <a:spLocks noGrp="1"/>
+          </p:cNvSpPr>
+          <p:nvPr>
+            <p:ph type="body" idx="1"/>
+          </p:nvPr>
+        </p:nvSpPr>
+        <p:spPr>
+          <a:xfrm>
+            <a:off x="685800" y="4343400"/>
+            <a:ext cx="5486399" cy="4114800"/>
+          </a:xfrm>
+          <a:prstGeom prst="rect">
+            <a:avLst/>
+          </a:prstGeom>
+        </p:spPr>
+        <p:txBody>
+          <a:bodyPr lIns="91425" tIns="91425" rIns="91425" bIns="91425" anchor="t" anchorCtr="0">
+            <a:noAutofit/>
+          </a:bodyPr>
+          <a:lstStyle/>
+          <a:p>
+            <a:pPr lvl="0">
+              <a:spcBef>
+                <a:spcPts val="0"/>
+              </a:spcBef>
+              <a:buNone/>
+            </a:pPr>
+            <a:endParaRPr dirty="0"/>
+          </a:p>
+        </p:txBody>
+      </p:sp>
+    </p:spTree>
+    <p:extLst>
+      <p:ext uri="{BB962C8B-B14F-4D97-AF65-F5344CB8AC3E}">
+        <p14:creationId xmlns:p14="http://schemas.microsoft.com/office/powerpoint/2010/main" val="3691485674"/>
+      </p:ext>
+    </p:extLst>
+  </p:cSld>
+  <p:clrMapOvr>
+    <a:masterClrMapping/>
+  </p:clrMapOvr>
+</p:notes>
+</file>
+
+<file path=ppt/notesSlides/notesSlide33.xml><?xml version="1.0" encoding="utf-8"?>
 <p:notes xmlns:a="http://schemas.openxmlformats.org/drawingml/2006/main" xmlns:r="http://schemas.openxmlformats.org/officeDocument/2006/relationships" xmlns:p="http://schemas.openxmlformats.org/presentationml/2006/main" showMasterSp="0" showMasterPhAnim="0">
   <p:cSld>
     <p:spTree>
@@ -3227,7 +3421,7 @@
     </p:spTree>
     <p:extLst>
       <p:ext uri="{BB962C8B-B14F-4D97-AF65-F5344CB8AC3E}">
-        <p14:creationId xmlns:p14="http://schemas.microsoft.com/office/powerpoint/2010/main" xmlns="" val="325484558"/>
+        <p14:creationId xmlns:p14="http://schemas.microsoft.com/office/powerpoint/2010/main" val="325484558"/>
       </p:ext>
     </p:extLst>
   </p:cSld>
@@ -3237,12 +3431,12 @@
 </p:notes>
 </file>
 
-<file path=ppt/notesSlides/notesSlide31.xml><?xml version="1.0" encoding="utf-8"?>
-<p:notes xmlns:a="http://schemas.openxmlformats.org/drawingml/2006/main" xmlns:r="http://schemas.openxmlformats.org/officeDocument/2006/relationships" xmlns:p="http://schemas.openxmlformats.org/presentationml/2006/main" showMasterSp="0" showMasterPhAnim="0">
+<file path=ppt/notesSlides/notesSlide34.xml><?xml version="1.0" encoding="utf-8"?>
+<p:notes xmlns:a="http://schemas.openxmlformats.org/drawingml/2006/main" xmlns:r="http://schemas.openxmlformats.org/officeDocument/2006/relationships" xmlns:p="http://schemas.openxmlformats.org/presentationml/2006/main">
   <p:cSld>
     <p:spTree>
       <p:nvGrpSpPr>
-        <p:cNvPr id="1" name="Shape 122"/>
+        <p:cNvPr id="1" name=""/>
         <p:cNvGrpSpPr/>
         <p:nvPr/>
       </p:nvGrpSpPr>
@@ -3256,402 +3450,39 @@
       </p:grpSpPr>
       <p:sp>
         <p:nvSpPr>
-          <p:cNvPr id="123" name="Shape 123"/>
+          <p:cNvPr id="2" name="Espaço Reservado para Imagem de Slide 1"/>
           <p:cNvSpPr>
             <a:spLocks noGrp="1" noRot="1" noChangeAspect="1"/>
           </p:cNvSpPr>
           <p:nvPr>
-            <p:ph type="sldImg" idx="2"/>
+            <p:ph type="sldImg"/>
           </p:nvPr>
         </p:nvSpPr>
-        <p:spPr>
-          <a:xfrm>
-            <a:off x="381000" y="685800"/>
-            <a:ext cx="6096000" cy="3429000"/>
-          </a:xfrm>
-          <a:custGeom>
-            <a:avLst/>
-            <a:gdLst/>
-            <a:ahLst/>
-            <a:cxnLst/>
-            <a:rect l="0" t="0" r="0" b="0"/>
-            <a:pathLst>
-              <a:path w="120000" h="120000" extrusionOk="0">
-                <a:moveTo>
-                  <a:pt x="0" y="0"/>
-                </a:moveTo>
-                <a:lnTo>
-                  <a:pt x="120000" y="0"/>
-                </a:lnTo>
-                <a:lnTo>
-                  <a:pt x="120000" y="120000"/>
-                </a:lnTo>
-                <a:lnTo>
-                  <a:pt x="0" y="120000"/>
-                </a:lnTo>
-                <a:close/>
-              </a:path>
-            </a:pathLst>
-          </a:custGeom>
-        </p:spPr>
+        <p:spPr/>
       </p:sp>
       <p:sp>
         <p:nvSpPr>
-          <p:cNvPr id="124" name="Shape 124"/>
-          <p:cNvSpPr txBox="1">
+          <p:cNvPr id="3" name="Espaço Reservado para Anotações 2"/>
+          <p:cNvSpPr>
             <a:spLocks noGrp="1"/>
           </p:cNvSpPr>
           <p:nvPr>
             <p:ph type="body" idx="1"/>
           </p:nvPr>
         </p:nvSpPr>
-        <p:spPr>
-          <a:xfrm>
-            <a:off x="685800" y="4343400"/>
-            <a:ext cx="5486399" cy="4114800"/>
-          </a:xfrm>
-          <a:prstGeom prst="rect">
-            <a:avLst/>
-          </a:prstGeom>
-        </p:spPr>
+        <p:spPr/>
         <p:txBody>
-          <a:bodyPr lIns="91425" tIns="91425" rIns="91425" bIns="91425" anchor="t" anchorCtr="0">
-            <a:noAutofit/>
-          </a:bodyPr>
+          <a:bodyPr/>
           <a:lstStyle/>
           <a:p>
-            <a:pPr lvl="0">
-              <a:spcBef>
-                <a:spcPts val="0"/>
-              </a:spcBef>
-              <a:buNone/>
-            </a:pPr>
-            <a:endParaRPr/>
+            <a:endParaRPr lang="pt-BR"/>
           </a:p>
         </p:txBody>
       </p:sp>
     </p:spTree>
     <p:extLst>
       <p:ext uri="{BB962C8B-B14F-4D97-AF65-F5344CB8AC3E}">
-        <p14:creationId xmlns:p14="http://schemas.microsoft.com/office/powerpoint/2010/main" xmlns="" val="2046015954"/>
-      </p:ext>
-    </p:extLst>
-  </p:cSld>
-  <p:clrMapOvr>
-    <a:masterClrMapping/>
-  </p:clrMapOvr>
-</p:notes>
-</file>
-
-<file path=ppt/notesSlides/notesSlide32.xml><?xml version="1.0" encoding="utf-8"?>
-<p:notes xmlns:a="http://schemas.openxmlformats.org/drawingml/2006/main" xmlns:r="http://schemas.openxmlformats.org/officeDocument/2006/relationships" xmlns:p="http://schemas.openxmlformats.org/presentationml/2006/main" showMasterSp="0" showMasterPhAnim="0">
-  <p:cSld>
-    <p:spTree>
-      <p:nvGrpSpPr>
-        <p:cNvPr id="1" name="Shape 78"/>
-        <p:cNvGrpSpPr/>
-        <p:nvPr/>
-      </p:nvGrpSpPr>
-      <p:grpSpPr>
-        <a:xfrm>
-          <a:off x="0" y="0"/>
-          <a:ext cx="0" cy="0"/>
-          <a:chOff x="0" y="0"/>
-          <a:chExt cx="0" cy="0"/>
-        </a:xfrm>
-      </p:grpSpPr>
-      <p:sp>
-        <p:nvSpPr>
-          <p:cNvPr id="79" name="Shape 79"/>
-          <p:cNvSpPr>
-            <a:spLocks noGrp="1" noRot="1" noChangeAspect="1"/>
-          </p:cNvSpPr>
-          <p:nvPr>
-            <p:ph type="sldImg" idx="2"/>
-          </p:nvPr>
-        </p:nvSpPr>
-        <p:spPr>
-          <a:xfrm>
-            <a:off x="381000" y="685800"/>
-            <a:ext cx="6096000" cy="3429000"/>
-          </a:xfrm>
-          <a:custGeom>
-            <a:avLst/>
-            <a:gdLst/>
-            <a:ahLst/>
-            <a:cxnLst/>
-            <a:rect l="0" t="0" r="0" b="0"/>
-            <a:pathLst>
-              <a:path w="120000" h="120000" extrusionOk="0">
-                <a:moveTo>
-                  <a:pt x="0" y="0"/>
-                </a:moveTo>
-                <a:lnTo>
-                  <a:pt x="120000" y="0"/>
-                </a:lnTo>
-                <a:lnTo>
-                  <a:pt x="120000" y="120000"/>
-                </a:lnTo>
-                <a:lnTo>
-                  <a:pt x="0" y="120000"/>
-                </a:lnTo>
-                <a:close/>
-              </a:path>
-            </a:pathLst>
-          </a:custGeom>
-        </p:spPr>
-      </p:sp>
-      <p:sp>
-        <p:nvSpPr>
-          <p:cNvPr id="80" name="Shape 80"/>
-          <p:cNvSpPr txBox="1">
-            <a:spLocks noGrp="1"/>
-          </p:cNvSpPr>
-          <p:nvPr>
-            <p:ph type="body" idx="1"/>
-          </p:nvPr>
-        </p:nvSpPr>
-        <p:spPr>
-          <a:xfrm>
-            <a:off x="685800" y="4343400"/>
-            <a:ext cx="5486399" cy="4114800"/>
-          </a:xfrm>
-          <a:prstGeom prst="rect">
-            <a:avLst/>
-          </a:prstGeom>
-        </p:spPr>
-        <p:txBody>
-          <a:bodyPr lIns="91425" tIns="91425" rIns="91425" bIns="91425" anchor="t" anchorCtr="0">
-            <a:noAutofit/>
-          </a:bodyPr>
-          <a:lstStyle/>
-          <a:p>
-            <a:pPr lvl="0">
-              <a:spcBef>
-                <a:spcPts val="0"/>
-              </a:spcBef>
-              <a:buNone/>
-            </a:pPr>
-            <a:endParaRPr/>
-          </a:p>
-        </p:txBody>
-      </p:sp>
-    </p:spTree>
-    <p:extLst>
-      <p:ext uri="{BB962C8B-B14F-4D97-AF65-F5344CB8AC3E}">
-        <p14:creationId xmlns:p14="http://schemas.microsoft.com/office/powerpoint/2010/main" xmlns="" val="2836070132"/>
-      </p:ext>
-    </p:extLst>
-  </p:cSld>
-  <p:clrMapOvr>
-    <a:masterClrMapping/>
-  </p:clrMapOvr>
-</p:notes>
-</file>
-
-<file path=ppt/notesSlides/notesSlide33.xml><?xml version="1.0" encoding="utf-8"?>
-<p:notes xmlns:a="http://schemas.openxmlformats.org/drawingml/2006/main" xmlns:r="http://schemas.openxmlformats.org/officeDocument/2006/relationships" xmlns:p="http://schemas.openxmlformats.org/presentationml/2006/main" showMasterSp="0" showMasterPhAnim="0">
-  <p:cSld>
-    <p:spTree>
-      <p:nvGrpSpPr>
-        <p:cNvPr id="1" name="Shape 235"/>
-        <p:cNvGrpSpPr/>
-        <p:nvPr/>
-      </p:nvGrpSpPr>
-      <p:grpSpPr>
-        <a:xfrm>
-          <a:off x="0" y="0"/>
-          <a:ext cx="0" cy="0"/>
-          <a:chOff x="0" y="0"/>
-          <a:chExt cx="0" cy="0"/>
-        </a:xfrm>
-      </p:grpSpPr>
-      <p:sp>
-        <p:nvSpPr>
-          <p:cNvPr id="236" name="Shape 236"/>
-          <p:cNvSpPr>
-            <a:spLocks noGrp="1" noRot="1" noChangeAspect="1"/>
-          </p:cNvSpPr>
-          <p:nvPr>
-            <p:ph type="sldImg" idx="2"/>
-          </p:nvPr>
-        </p:nvSpPr>
-        <p:spPr>
-          <a:xfrm>
-            <a:off x="381000" y="685800"/>
-            <a:ext cx="6096000" cy="3429000"/>
-          </a:xfrm>
-          <a:custGeom>
-            <a:avLst/>
-            <a:gdLst/>
-            <a:ahLst/>
-            <a:cxnLst/>
-            <a:rect l="0" t="0" r="0" b="0"/>
-            <a:pathLst>
-              <a:path w="120000" h="120000" extrusionOk="0">
-                <a:moveTo>
-                  <a:pt x="0" y="0"/>
-                </a:moveTo>
-                <a:lnTo>
-                  <a:pt x="120000" y="0"/>
-                </a:lnTo>
-                <a:lnTo>
-                  <a:pt x="120000" y="120000"/>
-                </a:lnTo>
-                <a:lnTo>
-                  <a:pt x="0" y="120000"/>
-                </a:lnTo>
-                <a:close/>
-              </a:path>
-            </a:pathLst>
-          </a:custGeom>
-        </p:spPr>
-      </p:sp>
-      <p:sp>
-        <p:nvSpPr>
-          <p:cNvPr id="237" name="Shape 237"/>
-          <p:cNvSpPr txBox="1">
-            <a:spLocks noGrp="1"/>
-          </p:cNvSpPr>
-          <p:nvPr>
-            <p:ph type="body" idx="1"/>
-          </p:nvPr>
-        </p:nvSpPr>
-        <p:spPr>
-          <a:xfrm>
-            <a:off x="685800" y="4343400"/>
-            <a:ext cx="5486399" cy="4114800"/>
-          </a:xfrm>
-          <a:prstGeom prst="rect">
-            <a:avLst/>
-          </a:prstGeom>
-        </p:spPr>
-        <p:txBody>
-          <a:bodyPr lIns="91425" tIns="91425" rIns="91425" bIns="91425" anchor="t" anchorCtr="0">
-            <a:noAutofit/>
-          </a:bodyPr>
-          <a:lstStyle/>
-          <a:p>
-            <a:pPr lvl="0" rtl="0">
-              <a:spcBef>
-                <a:spcPts val="0"/>
-              </a:spcBef>
-              <a:buNone/>
-            </a:pPr>
-            <a:endParaRPr/>
-          </a:p>
-        </p:txBody>
-      </p:sp>
-    </p:spTree>
-    <p:extLst>
-      <p:ext uri="{BB962C8B-B14F-4D97-AF65-F5344CB8AC3E}">
-        <p14:creationId xmlns:p14="http://schemas.microsoft.com/office/powerpoint/2010/main" xmlns="" val="1076512938"/>
-      </p:ext>
-    </p:extLst>
-  </p:cSld>
-  <p:clrMapOvr>
-    <a:masterClrMapping/>
-  </p:clrMapOvr>
-</p:notes>
-</file>
-
-<file path=ppt/notesSlides/notesSlide34.xml><?xml version="1.0" encoding="utf-8"?>
-<p:notes xmlns:a="http://schemas.openxmlformats.org/drawingml/2006/main" xmlns:r="http://schemas.openxmlformats.org/officeDocument/2006/relationships" xmlns:p="http://schemas.openxmlformats.org/presentationml/2006/main" showMasterSp="0" showMasterPhAnim="0">
-  <p:cSld>
-    <p:spTree>
-      <p:nvGrpSpPr>
-        <p:cNvPr id="1" name="Shape 242"/>
-        <p:cNvGrpSpPr/>
-        <p:nvPr/>
-      </p:nvGrpSpPr>
-      <p:grpSpPr>
-        <a:xfrm>
-          <a:off x="0" y="0"/>
-          <a:ext cx="0" cy="0"/>
-          <a:chOff x="0" y="0"/>
-          <a:chExt cx="0" cy="0"/>
-        </a:xfrm>
-      </p:grpSpPr>
-      <p:sp>
-        <p:nvSpPr>
-          <p:cNvPr id="243" name="Shape 243"/>
-          <p:cNvSpPr>
-            <a:spLocks noGrp="1" noRot="1" noChangeAspect="1"/>
-          </p:cNvSpPr>
-          <p:nvPr>
-            <p:ph type="sldImg" idx="2"/>
-          </p:nvPr>
-        </p:nvSpPr>
-        <p:spPr>
-          <a:xfrm>
-            <a:off x="381000" y="685800"/>
-            <a:ext cx="6096000" cy="3429000"/>
-          </a:xfrm>
-          <a:custGeom>
-            <a:avLst/>
-            <a:gdLst/>
-            <a:ahLst/>
-            <a:cxnLst/>
-            <a:rect l="0" t="0" r="0" b="0"/>
-            <a:pathLst>
-              <a:path w="120000" h="120000" extrusionOk="0">
-                <a:moveTo>
-                  <a:pt x="0" y="0"/>
-                </a:moveTo>
-                <a:lnTo>
-                  <a:pt x="120000" y="0"/>
-                </a:lnTo>
-                <a:lnTo>
-                  <a:pt x="120000" y="120000"/>
-                </a:lnTo>
-                <a:lnTo>
-                  <a:pt x="0" y="120000"/>
-                </a:lnTo>
-                <a:close/>
-              </a:path>
-            </a:pathLst>
-          </a:custGeom>
-        </p:spPr>
-      </p:sp>
-      <p:sp>
-        <p:nvSpPr>
-          <p:cNvPr id="244" name="Shape 244"/>
-          <p:cNvSpPr txBox="1">
-            <a:spLocks noGrp="1"/>
-          </p:cNvSpPr>
-          <p:nvPr>
-            <p:ph type="body" idx="1"/>
-          </p:nvPr>
-        </p:nvSpPr>
-        <p:spPr>
-          <a:xfrm>
-            <a:off x="685800" y="4343400"/>
-            <a:ext cx="5486399" cy="4114800"/>
-          </a:xfrm>
-          <a:prstGeom prst="rect">
-            <a:avLst/>
-          </a:prstGeom>
-        </p:spPr>
-        <p:txBody>
-          <a:bodyPr lIns="91425" tIns="91425" rIns="91425" bIns="91425" anchor="t" anchorCtr="0">
-            <a:noAutofit/>
-          </a:bodyPr>
-          <a:lstStyle/>
-          <a:p>
-            <a:pPr lvl="0">
-              <a:spcBef>
-                <a:spcPts val="0"/>
-              </a:spcBef>
-              <a:buNone/>
-            </a:pPr>
-            <a:endParaRPr/>
-          </a:p>
-        </p:txBody>
-      </p:sp>
-    </p:spTree>
-    <p:extLst>
-      <p:ext uri="{BB962C8B-B14F-4D97-AF65-F5344CB8AC3E}">
-        <p14:creationId xmlns:p14="http://schemas.microsoft.com/office/powerpoint/2010/main" xmlns="" val="4180436366"/>
+        <p14:creationId xmlns:p14="http://schemas.microsoft.com/office/powerpoint/2010/main" val="325299333"/>
       </p:ext>
     </p:extLst>
   </p:cSld>
@@ -3757,7 +3588,7 @@
     </p:spTree>
     <p:extLst>
       <p:ext uri="{BB962C8B-B14F-4D97-AF65-F5344CB8AC3E}">
-        <p14:creationId xmlns:p14="http://schemas.microsoft.com/office/powerpoint/2010/main" xmlns="" val="2046015954"/>
+        <p14:creationId xmlns:p14="http://schemas.microsoft.com/office/powerpoint/2010/main" val="2046015954"/>
       </p:ext>
     </p:extLst>
   </p:cSld>
@@ -3768,11 +3599,11 @@
 </file>
 
 <file path=ppt/notesSlides/notesSlide36.xml><?xml version="1.0" encoding="utf-8"?>
-<p:notes xmlns:a="http://schemas.openxmlformats.org/drawingml/2006/main" xmlns:r="http://schemas.openxmlformats.org/officeDocument/2006/relationships" xmlns:p="http://schemas.openxmlformats.org/presentationml/2006/main" showMasterSp="0" showMasterPhAnim="0">
+<p:notes xmlns:a="http://schemas.openxmlformats.org/drawingml/2006/main" xmlns:r="http://schemas.openxmlformats.org/officeDocument/2006/relationships" xmlns:p="http://schemas.openxmlformats.org/presentationml/2006/main">
   <p:cSld>
     <p:spTree>
       <p:nvGrpSpPr>
-        <p:cNvPr id="1" name="Shape 156"/>
+        <p:cNvPr id="1" name=""/>
         <p:cNvGrpSpPr/>
         <p:nvPr/>
       </p:nvGrpSpPr>
@@ -3786,7 +3617,68 @@
       </p:grpSpPr>
       <p:sp>
         <p:nvSpPr>
-          <p:cNvPr id="157" name="Shape 157"/>
+          <p:cNvPr id="2" name="Espaço Reservado para Imagem de Slide 1"/>
+          <p:cNvSpPr>
+            <a:spLocks noGrp="1" noRot="1" noChangeAspect="1"/>
+          </p:cNvSpPr>
+          <p:nvPr>
+            <p:ph type="sldImg"/>
+          </p:nvPr>
+        </p:nvSpPr>
+        <p:spPr/>
+      </p:sp>
+      <p:sp>
+        <p:nvSpPr>
+          <p:cNvPr id="3" name="Espaço Reservado para Anotações 2"/>
+          <p:cNvSpPr>
+            <a:spLocks noGrp="1"/>
+          </p:cNvSpPr>
+          <p:nvPr>
+            <p:ph type="body" idx="1"/>
+          </p:nvPr>
+        </p:nvSpPr>
+        <p:spPr/>
+        <p:txBody>
+          <a:bodyPr/>
+          <a:lstStyle/>
+          <a:p>
+            <a:endParaRPr lang="pt-BR"/>
+          </a:p>
+        </p:txBody>
+      </p:sp>
+    </p:spTree>
+    <p:extLst>
+      <p:ext uri="{BB962C8B-B14F-4D97-AF65-F5344CB8AC3E}">
+        <p14:creationId xmlns:p14="http://schemas.microsoft.com/office/powerpoint/2010/main" val="1655869360"/>
+      </p:ext>
+    </p:extLst>
+  </p:cSld>
+  <p:clrMapOvr>
+    <a:masterClrMapping/>
+  </p:clrMapOvr>
+</p:notes>
+</file>
+
+<file path=ppt/notesSlides/notesSlide37.xml><?xml version="1.0" encoding="utf-8"?>
+<p:notes xmlns:a="http://schemas.openxmlformats.org/drawingml/2006/main" xmlns:r="http://schemas.openxmlformats.org/officeDocument/2006/relationships" xmlns:p="http://schemas.openxmlformats.org/presentationml/2006/main" showMasterSp="0" showMasterPhAnim="0">
+  <p:cSld>
+    <p:spTree>
+      <p:nvGrpSpPr>
+        <p:cNvPr id="1" name="Shape 78"/>
+        <p:cNvGrpSpPr/>
+        <p:nvPr/>
+      </p:nvGrpSpPr>
+      <p:grpSpPr>
+        <a:xfrm>
+          <a:off x="0" y="0"/>
+          <a:ext cx="0" cy="0"/>
+          <a:chOff x="0" y="0"/>
+          <a:chExt cx="0" cy="0"/>
+        </a:xfrm>
+      </p:grpSpPr>
+      <p:sp>
+        <p:nvSpPr>
+          <p:cNvPr id="79" name="Shape 79"/>
           <p:cNvSpPr>
             <a:spLocks noGrp="1" noRot="1" noChangeAspect="1"/>
           </p:cNvSpPr>
@@ -3827,7 +3719,7 @@
       </p:sp>
       <p:sp>
         <p:nvSpPr>
-          <p:cNvPr id="158" name="Shape 158"/>
+          <p:cNvPr id="80" name="Shape 80"/>
           <p:cNvSpPr txBox="1">
             <a:spLocks noGrp="1"/>
           </p:cNvSpPr>
@@ -3863,7 +3755,7 @@
     </p:spTree>
     <p:extLst>
       <p:ext uri="{BB962C8B-B14F-4D97-AF65-F5344CB8AC3E}">
-        <p14:creationId xmlns:p14="http://schemas.microsoft.com/office/powerpoint/2010/main" xmlns="" val="4066122590"/>
+        <p14:creationId xmlns:p14="http://schemas.microsoft.com/office/powerpoint/2010/main" val="2836070132"/>
       </p:ext>
     </p:extLst>
   </p:cSld>
@@ -3873,7 +3765,113 @@
 </p:notes>
 </file>
 
-<file path=ppt/notesSlides/notesSlide37.xml><?xml version="1.0" encoding="utf-8"?>
+<file path=ppt/notesSlides/notesSlide38.xml><?xml version="1.0" encoding="utf-8"?>
+<p:notes xmlns:a="http://schemas.openxmlformats.org/drawingml/2006/main" xmlns:r="http://schemas.openxmlformats.org/officeDocument/2006/relationships" xmlns:p="http://schemas.openxmlformats.org/presentationml/2006/main" showMasterSp="0" showMasterPhAnim="0">
+  <p:cSld>
+    <p:spTree>
+      <p:nvGrpSpPr>
+        <p:cNvPr id="1" name="Shape 235"/>
+        <p:cNvGrpSpPr/>
+        <p:nvPr/>
+      </p:nvGrpSpPr>
+      <p:grpSpPr>
+        <a:xfrm>
+          <a:off x="0" y="0"/>
+          <a:ext cx="0" cy="0"/>
+          <a:chOff x="0" y="0"/>
+          <a:chExt cx="0" cy="0"/>
+        </a:xfrm>
+      </p:grpSpPr>
+      <p:sp>
+        <p:nvSpPr>
+          <p:cNvPr id="236" name="Shape 236"/>
+          <p:cNvSpPr>
+            <a:spLocks noGrp="1" noRot="1" noChangeAspect="1"/>
+          </p:cNvSpPr>
+          <p:nvPr>
+            <p:ph type="sldImg" idx="2"/>
+          </p:nvPr>
+        </p:nvSpPr>
+        <p:spPr>
+          <a:xfrm>
+            <a:off x="381000" y="685800"/>
+            <a:ext cx="6096000" cy="3429000"/>
+          </a:xfrm>
+          <a:custGeom>
+            <a:avLst/>
+            <a:gdLst/>
+            <a:ahLst/>
+            <a:cxnLst/>
+            <a:rect l="0" t="0" r="0" b="0"/>
+            <a:pathLst>
+              <a:path w="120000" h="120000" extrusionOk="0">
+                <a:moveTo>
+                  <a:pt x="0" y="0"/>
+                </a:moveTo>
+                <a:lnTo>
+                  <a:pt x="120000" y="0"/>
+                </a:lnTo>
+                <a:lnTo>
+                  <a:pt x="120000" y="120000"/>
+                </a:lnTo>
+                <a:lnTo>
+                  <a:pt x="0" y="120000"/>
+                </a:lnTo>
+                <a:close/>
+              </a:path>
+            </a:pathLst>
+          </a:custGeom>
+        </p:spPr>
+      </p:sp>
+      <p:sp>
+        <p:nvSpPr>
+          <p:cNvPr id="237" name="Shape 237"/>
+          <p:cNvSpPr txBox="1">
+            <a:spLocks noGrp="1"/>
+          </p:cNvSpPr>
+          <p:nvPr>
+            <p:ph type="body" idx="1"/>
+          </p:nvPr>
+        </p:nvSpPr>
+        <p:spPr>
+          <a:xfrm>
+            <a:off x="685800" y="4343400"/>
+            <a:ext cx="5486399" cy="4114800"/>
+          </a:xfrm>
+          <a:prstGeom prst="rect">
+            <a:avLst/>
+          </a:prstGeom>
+        </p:spPr>
+        <p:txBody>
+          <a:bodyPr lIns="91425" tIns="91425" rIns="91425" bIns="91425" anchor="t" anchorCtr="0">
+            <a:noAutofit/>
+          </a:bodyPr>
+          <a:lstStyle/>
+          <a:p>
+            <a:pPr lvl="0" rtl="0">
+              <a:spcBef>
+                <a:spcPts val="0"/>
+              </a:spcBef>
+              <a:buNone/>
+            </a:pPr>
+            <a:endParaRPr/>
+          </a:p>
+        </p:txBody>
+      </p:sp>
+    </p:spTree>
+    <p:extLst>
+      <p:ext uri="{BB962C8B-B14F-4D97-AF65-F5344CB8AC3E}">
+        <p14:creationId xmlns:p14="http://schemas.microsoft.com/office/powerpoint/2010/main" val="1076512938"/>
+      </p:ext>
+    </p:extLst>
+  </p:cSld>
+  <p:clrMapOvr>
+    <a:masterClrMapping/>
+  </p:clrMapOvr>
+</p:notes>
+</file>
+
+<file path=ppt/notesSlides/notesSlide39.xml><?xml version="1.0" encoding="utf-8"?>
 <p:notes xmlns:a="http://schemas.openxmlformats.org/drawingml/2006/main" xmlns:r="http://schemas.openxmlformats.org/officeDocument/2006/relationships" xmlns:p="http://schemas.openxmlformats.org/presentationml/2006/main" showMasterSp="0" showMasterPhAnim="0">
   <p:cSld>
     <p:spTree>
@@ -3969,219 +3967,7 @@
     </p:spTree>
     <p:extLst>
       <p:ext uri="{BB962C8B-B14F-4D97-AF65-F5344CB8AC3E}">
-        <p14:creationId xmlns:p14="http://schemas.microsoft.com/office/powerpoint/2010/main" xmlns="" val="4180436366"/>
-      </p:ext>
-    </p:extLst>
-  </p:cSld>
-  <p:clrMapOvr>
-    <a:masterClrMapping/>
-  </p:clrMapOvr>
-</p:notes>
-</file>
-
-<file path=ppt/notesSlides/notesSlide38.xml><?xml version="1.0" encoding="utf-8"?>
-<p:notes xmlns:a="http://schemas.openxmlformats.org/drawingml/2006/main" xmlns:r="http://schemas.openxmlformats.org/officeDocument/2006/relationships" xmlns:p="http://schemas.openxmlformats.org/presentationml/2006/main" showMasterSp="0" showMasterPhAnim="0">
-  <p:cSld>
-    <p:spTree>
-      <p:nvGrpSpPr>
-        <p:cNvPr id="1" name="Shape 169"/>
-        <p:cNvGrpSpPr/>
-        <p:nvPr/>
-      </p:nvGrpSpPr>
-      <p:grpSpPr>
-        <a:xfrm>
-          <a:off x="0" y="0"/>
-          <a:ext cx="0" cy="0"/>
-          <a:chOff x="0" y="0"/>
-          <a:chExt cx="0" cy="0"/>
-        </a:xfrm>
-      </p:grpSpPr>
-      <p:sp>
-        <p:nvSpPr>
-          <p:cNvPr id="170" name="Shape 170"/>
-          <p:cNvSpPr>
-            <a:spLocks noGrp="1" noRot="1" noChangeAspect="1"/>
-          </p:cNvSpPr>
-          <p:nvPr>
-            <p:ph type="sldImg" idx="2"/>
-          </p:nvPr>
-        </p:nvSpPr>
-        <p:spPr>
-          <a:xfrm>
-            <a:off x="381000" y="685800"/>
-            <a:ext cx="6096000" cy="3429000"/>
-          </a:xfrm>
-          <a:custGeom>
-            <a:avLst/>
-            <a:gdLst/>
-            <a:ahLst/>
-            <a:cxnLst/>
-            <a:rect l="0" t="0" r="0" b="0"/>
-            <a:pathLst>
-              <a:path w="120000" h="120000" extrusionOk="0">
-                <a:moveTo>
-                  <a:pt x="0" y="0"/>
-                </a:moveTo>
-                <a:lnTo>
-                  <a:pt x="120000" y="0"/>
-                </a:lnTo>
-                <a:lnTo>
-                  <a:pt x="120000" y="120000"/>
-                </a:lnTo>
-                <a:lnTo>
-                  <a:pt x="0" y="120000"/>
-                </a:lnTo>
-                <a:close/>
-              </a:path>
-            </a:pathLst>
-          </a:custGeom>
-        </p:spPr>
-      </p:sp>
-      <p:sp>
-        <p:nvSpPr>
-          <p:cNvPr id="171" name="Shape 171"/>
-          <p:cNvSpPr txBox="1">
-            <a:spLocks noGrp="1"/>
-          </p:cNvSpPr>
-          <p:nvPr>
-            <p:ph type="body" idx="1"/>
-          </p:nvPr>
-        </p:nvSpPr>
-        <p:spPr>
-          <a:xfrm>
-            <a:off x="685800" y="4343400"/>
-            <a:ext cx="5486399" cy="4114800"/>
-          </a:xfrm>
-          <a:prstGeom prst="rect">
-            <a:avLst/>
-          </a:prstGeom>
-        </p:spPr>
-        <p:txBody>
-          <a:bodyPr lIns="91425" tIns="91425" rIns="91425" bIns="91425" anchor="t" anchorCtr="0">
-            <a:noAutofit/>
-          </a:bodyPr>
-          <a:lstStyle/>
-          <a:p>
-            <a:pPr lvl="0">
-              <a:spcBef>
-                <a:spcPts val="0"/>
-              </a:spcBef>
-              <a:buNone/>
-            </a:pPr>
-            <a:endParaRPr/>
-          </a:p>
-        </p:txBody>
-      </p:sp>
-    </p:spTree>
-    <p:extLst>
-      <p:ext uri="{BB962C8B-B14F-4D97-AF65-F5344CB8AC3E}">
-        <p14:creationId xmlns:p14="http://schemas.microsoft.com/office/powerpoint/2010/main" xmlns="" val="1280202019"/>
-      </p:ext>
-    </p:extLst>
-  </p:cSld>
-  <p:clrMapOvr>
-    <a:masterClrMapping/>
-  </p:clrMapOvr>
-</p:notes>
-</file>
-
-<file path=ppt/notesSlides/notesSlide39.xml><?xml version="1.0" encoding="utf-8"?>
-<p:notes xmlns:a="http://schemas.openxmlformats.org/drawingml/2006/main" xmlns:r="http://schemas.openxmlformats.org/officeDocument/2006/relationships" xmlns:p="http://schemas.openxmlformats.org/presentationml/2006/main" showMasterSp="0" showMasterPhAnim="0">
-  <p:cSld>
-    <p:spTree>
-      <p:nvGrpSpPr>
-        <p:cNvPr id="1" name="Shape 189"/>
-        <p:cNvGrpSpPr/>
-        <p:nvPr/>
-      </p:nvGrpSpPr>
-      <p:grpSpPr>
-        <a:xfrm>
-          <a:off x="0" y="0"/>
-          <a:ext cx="0" cy="0"/>
-          <a:chOff x="0" y="0"/>
-          <a:chExt cx="0" cy="0"/>
-        </a:xfrm>
-      </p:grpSpPr>
-      <p:sp>
-        <p:nvSpPr>
-          <p:cNvPr id="190" name="Shape 190"/>
-          <p:cNvSpPr>
-            <a:spLocks noGrp="1" noRot="1" noChangeAspect="1"/>
-          </p:cNvSpPr>
-          <p:nvPr>
-            <p:ph type="sldImg" idx="2"/>
-          </p:nvPr>
-        </p:nvSpPr>
-        <p:spPr>
-          <a:xfrm>
-            <a:off x="381000" y="685800"/>
-            <a:ext cx="6096000" cy="3429000"/>
-          </a:xfrm>
-          <a:custGeom>
-            <a:avLst/>
-            <a:gdLst/>
-            <a:ahLst/>
-            <a:cxnLst/>
-            <a:rect l="0" t="0" r="0" b="0"/>
-            <a:pathLst>
-              <a:path w="120000" h="120000" extrusionOk="0">
-                <a:moveTo>
-                  <a:pt x="0" y="0"/>
-                </a:moveTo>
-                <a:lnTo>
-                  <a:pt x="120000" y="0"/>
-                </a:lnTo>
-                <a:lnTo>
-                  <a:pt x="120000" y="120000"/>
-                </a:lnTo>
-                <a:lnTo>
-                  <a:pt x="0" y="120000"/>
-                </a:lnTo>
-                <a:close/>
-              </a:path>
-            </a:pathLst>
-          </a:custGeom>
-        </p:spPr>
-      </p:sp>
-      <p:sp>
-        <p:nvSpPr>
-          <p:cNvPr id="191" name="Shape 191"/>
-          <p:cNvSpPr txBox="1">
-            <a:spLocks noGrp="1"/>
-          </p:cNvSpPr>
-          <p:nvPr>
-            <p:ph type="body" idx="1"/>
-          </p:nvPr>
-        </p:nvSpPr>
-        <p:spPr>
-          <a:xfrm>
-            <a:off x="685800" y="4343400"/>
-            <a:ext cx="5486399" cy="4114800"/>
-          </a:xfrm>
-          <a:prstGeom prst="rect">
-            <a:avLst/>
-          </a:prstGeom>
-        </p:spPr>
-        <p:txBody>
-          <a:bodyPr lIns="91425" tIns="91425" rIns="91425" bIns="91425" anchor="t" anchorCtr="0">
-            <a:noAutofit/>
-          </a:bodyPr>
-          <a:lstStyle/>
-          <a:p>
-            <a:pPr lvl="0">
-              <a:spcBef>
-                <a:spcPts val="0"/>
-              </a:spcBef>
-              <a:buNone/>
-            </a:pPr>
-            <a:endParaRPr/>
-          </a:p>
-        </p:txBody>
-      </p:sp>
-    </p:spTree>
-    <p:extLst>
-      <p:ext uri="{BB962C8B-B14F-4D97-AF65-F5344CB8AC3E}">
-        <p14:creationId xmlns:p14="http://schemas.microsoft.com/office/powerpoint/2010/main" xmlns="" val="325484558"/>
+        <p14:creationId xmlns:p14="http://schemas.microsoft.com/office/powerpoint/2010/main" val="4180436366"/>
       </p:ext>
     </p:extLst>
   </p:cSld>
@@ -4287,7 +4073,7 @@
     </p:spTree>
     <p:extLst>
       <p:ext uri="{BB962C8B-B14F-4D97-AF65-F5344CB8AC3E}">
-        <p14:creationId xmlns:p14="http://schemas.microsoft.com/office/powerpoint/2010/main" xmlns="" val="3862892665"/>
+        <p14:creationId xmlns:p14="http://schemas.microsoft.com/office/powerpoint/2010/main" val="3862892665"/>
       </p:ext>
     </p:extLst>
   </p:cSld>
@@ -4298,6 +4084,780 @@
 </file>
 
 <file path=ppt/notesSlides/notesSlide40.xml><?xml version="1.0" encoding="utf-8"?>
+<p:notes xmlns:a="http://schemas.openxmlformats.org/drawingml/2006/main" xmlns:r="http://schemas.openxmlformats.org/officeDocument/2006/relationships" xmlns:p="http://schemas.openxmlformats.org/presentationml/2006/main" showMasterSp="0" showMasterPhAnim="0">
+  <p:cSld>
+    <p:spTree>
+      <p:nvGrpSpPr>
+        <p:cNvPr id="1" name="Shape 122"/>
+        <p:cNvGrpSpPr/>
+        <p:nvPr/>
+      </p:nvGrpSpPr>
+      <p:grpSpPr>
+        <a:xfrm>
+          <a:off x="0" y="0"/>
+          <a:ext cx="0" cy="0"/>
+          <a:chOff x="0" y="0"/>
+          <a:chExt cx="0" cy="0"/>
+        </a:xfrm>
+      </p:grpSpPr>
+      <p:sp>
+        <p:nvSpPr>
+          <p:cNvPr id="123" name="Shape 123"/>
+          <p:cNvSpPr>
+            <a:spLocks noGrp="1" noRot="1" noChangeAspect="1"/>
+          </p:cNvSpPr>
+          <p:nvPr>
+            <p:ph type="sldImg" idx="2"/>
+          </p:nvPr>
+        </p:nvSpPr>
+        <p:spPr>
+          <a:xfrm>
+            <a:off x="381000" y="685800"/>
+            <a:ext cx="6096000" cy="3429000"/>
+          </a:xfrm>
+          <a:custGeom>
+            <a:avLst/>
+            <a:gdLst/>
+            <a:ahLst/>
+            <a:cxnLst/>
+            <a:rect l="0" t="0" r="0" b="0"/>
+            <a:pathLst>
+              <a:path w="120000" h="120000" extrusionOk="0">
+                <a:moveTo>
+                  <a:pt x="0" y="0"/>
+                </a:moveTo>
+                <a:lnTo>
+                  <a:pt x="120000" y="0"/>
+                </a:lnTo>
+                <a:lnTo>
+                  <a:pt x="120000" y="120000"/>
+                </a:lnTo>
+                <a:lnTo>
+                  <a:pt x="0" y="120000"/>
+                </a:lnTo>
+                <a:close/>
+              </a:path>
+            </a:pathLst>
+          </a:custGeom>
+        </p:spPr>
+      </p:sp>
+      <p:sp>
+        <p:nvSpPr>
+          <p:cNvPr id="124" name="Shape 124"/>
+          <p:cNvSpPr txBox="1">
+            <a:spLocks noGrp="1"/>
+          </p:cNvSpPr>
+          <p:nvPr>
+            <p:ph type="body" idx="1"/>
+          </p:nvPr>
+        </p:nvSpPr>
+        <p:spPr>
+          <a:xfrm>
+            <a:off x="685800" y="4343400"/>
+            <a:ext cx="5486399" cy="4114800"/>
+          </a:xfrm>
+          <a:prstGeom prst="rect">
+            <a:avLst/>
+          </a:prstGeom>
+        </p:spPr>
+        <p:txBody>
+          <a:bodyPr lIns="91425" tIns="91425" rIns="91425" bIns="91425" anchor="t" anchorCtr="0">
+            <a:noAutofit/>
+          </a:bodyPr>
+          <a:lstStyle/>
+          <a:p>
+            <a:pPr lvl="0">
+              <a:spcBef>
+                <a:spcPts val="0"/>
+              </a:spcBef>
+              <a:buNone/>
+            </a:pPr>
+            <a:endParaRPr/>
+          </a:p>
+        </p:txBody>
+      </p:sp>
+    </p:spTree>
+    <p:extLst>
+      <p:ext uri="{BB962C8B-B14F-4D97-AF65-F5344CB8AC3E}">
+        <p14:creationId xmlns:p14="http://schemas.microsoft.com/office/powerpoint/2010/main" val="2046015954"/>
+      </p:ext>
+    </p:extLst>
+  </p:cSld>
+  <p:clrMapOvr>
+    <a:masterClrMapping/>
+  </p:clrMapOvr>
+</p:notes>
+</file>
+
+<file path=ppt/notesSlides/notesSlide41.xml><?xml version="1.0" encoding="utf-8"?>
+<p:notes xmlns:a="http://schemas.openxmlformats.org/drawingml/2006/main" xmlns:r="http://schemas.openxmlformats.org/officeDocument/2006/relationships" xmlns:p="http://schemas.openxmlformats.org/presentationml/2006/main">
+  <p:cSld>
+    <p:spTree>
+      <p:nvGrpSpPr>
+        <p:cNvPr id="1" name=""/>
+        <p:cNvGrpSpPr/>
+        <p:nvPr/>
+      </p:nvGrpSpPr>
+      <p:grpSpPr>
+        <a:xfrm>
+          <a:off x="0" y="0"/>
+          <a:ext cx="0" cy="0"/>
+          <a:chOff x="0" y="0"/>
+          <a:chExt cx="0" cy="0"/>
+        </a:xfrm>
+      </p:grpSpPr>
+      <p:sp>
+        <p:nvSpPr>
+          <p:cNvPr id="2" name="Espaço Reservado para Imagem de Slide 1"/>
+          <p:cNvSpPr>
+            <a:spLocks noGrp="1" noRot="1" noChangeAspect="1"/>
+          </p:cNvSpPr>
+          <p:nvPr>
+            <p:ph type="sldImg"/>
+          </p:nvPr>
+        </p:nvSpPr>
+        <p:spPr/>
+      </p:sp>
+      <p:sp>
+        <p:nvSpPr>
+          <p:cNvPr id="3" name="Espaço Reservado para Anotações 2"/>
+          <p:cNvSpPr>
+            <a:spLocks noGrp="1"/>
+          </p:cNvSpPr>
+          <p:nvPr>
+            <p:ph type="body" idx="1"/>
+          </p:nvPr>
+        </p:nvSpPr>
+        <p:spPr/>
+        <p:txBody>
+          <a:bodyPr/>
+          <a:lstStyle/>
+          <a:p>
+            <a:endParaRPr lang="pt-BR"/>
+          </a:p>
+        </p:txBody>
+      </p:sp>
+    </p:spTree>
+    <p:extLst>
+      <p:ext uri="{BB962C8B-B14F-4D97-AF65-F5344CB8AC3E}">
+        <p14:creationId xmlns:p14="http://schemas.microsoft.com/office/powerpoint/2010/main" val="546387584"/>
+      </p:ext>
+    </p:extLst>
+  </p:cSld>
+  <p:clrMapOvr>
+    <a:masterClrMapping/>
+  </p:clrMapOvr>
+</p:notes>
+</file>
+
+<file path=ppt/notesSlides/notesSlide42.xml><?xml version="1.0" encoding="utf-8"?>
+<p:notes xmlns:a="http://schemas.openxmlformats.org/drawingml/2006/main" xmlns:r="http://schemas.openxmlformats.org/officeDocument/2006/relationships" xmlns:p="http://schemas.openxmlformats.org/presentationml/2006/main" showMasterSp="0" showMasterPhAnim="0">
+  <p:cSld>
+    <p:spTree>
+      <p:nvGrpSpPr>
+        <p:cNvPr id="1" name="Shape 156"/>
+        <p:cNvGrpSpPr/>
+        <p:nvPr/>
+      </p:nvGrpSpPr>
+      <p:grpSpPr>
+        <a:xfrm>
+          <a:off x="0" y="0"/>
+          <a:ext cx="0" cy="0"/>
+          <a:chOff x="0" y="0"/>
+          <a:chExt cx="0" cy="0"/>
+        </a:xfrm>
+      </p:grpSpPr>
+      <p:sp>
+        <p:nvSpPr>
+          <p:cNvPr id="157" name="Shape 157"/>
+          <p:cNvSpPr>
+            <a:spLocks noGrp="1" noRot="1" noChangeAspect="1"/>
+          </p:cNvSpPr>
+          <p:nvPr>
+            <p:ph type="sldImg" idx="2"/>
+          </p:nvPr>
+        </p:nvSpPr>
+        <p:spPr>
+          <a:xfrm>
+            <a:off x="381000" y="685800"/>
+            <a:ext cx="6096000" cy="3429000"/>
+          </a:xfrm>
+          <a:custGeom>
+            <a:avLst/>
+            <a:gdLst/>
+            <a:ahLst/>
+            <a:cxnLst/>
+            <a:rect l="0" t="0" r="0" b="0"/>
+            <a:pathLst>
+              <a:path w="120000" h="120000" extrusionOk="0">
+                <a:moveTo>
+                  <a:pt x="0" y="0"/>
+                </a:moveTo>
+                <a:lnTo>
+                  <a:pt x="120000" y="0"/>
+                </a:lnTo>
+                <a:lnTo>
+                  <a:pt x="120000" y="120000"/>
+                </a:lnTo>
+                <a:lnTo>
+                  <a:pt x="0" y="120000"/>
+                </a:lnTo>
+                <a:close/>
+              </a:path>
+            </a:pathLst>
+          </a:custGeom>
+        </p:spPr>
+      </p:sp>
+      <p:sp>
+        <p:nvSpPr>
+          <p:cNvPr id="158" name="Shape 158"/>
+          <p:cNvSpPr txBox="1">
+            <a:spLocks noGrp="1"/>
+          </p:cNvSpPr>
+          <p:nvPr>
+            <p:ph type="body" idx="1"/>
+          </p:nvPr>
+        </p:nvSpPr>
+        <p:spPr>
+          <a:xfrm>
+            <a:off x="685800" y="4343400"/>
+            <a:ext cx="5486399" cy="4114800"/>
+          </a:xfrm>
+          <a:prstGeom prst="rect">
+            <a:avLst/>
+          </a:prstGeom>
+        </p:spPr>
+        <p:txBody>
+          <a:bodyPr lIns="91425" tIns="91425" rIns="91425" bIns="91425" anchor="t" anchorCtr="0">
+            <a:noAutofit/>
+          </a:bodyPr>
+          <a:lstStyle/>
+          <a:p>
+            <a:pPr lvl="0">
+              <a:spcBef>
+                <a:spcPts val="0"/>
+              </a:spcBef>
+              <a:buNone/>
+            </a:pPr>
+            <a:endParaRPr/>
+          </a:p>
+        </p:txBody>
+      </p:sp>
+    </p:spTree>
+    <p:extLst>
+      <p:ext uri="{BB962C8B-B14F-4D97-AF65-F5344CB8AC3E}">
+        <p14:creationId xmlns:p14="http://schemas.microsoft.com/office/powerpoint/2010/main" val="4066122590"/>
+      </p:ext>
+    </p:extLst>
+  </p:cSld>
+  <p:clrMapOvr>
+    <a:masterClrMapping/>
+  </p:clrMapOvr>
+</p:notes>
+</file>
+
+<file path=ppt/notesSlides/notesSlide43.xml><?xml version="1.0" encoding="utf-8"?>
+<p:notes xmlns:a="http://schemas.openxmlformats.org/drawingml/2006/main" xmlns:r="http://schemas.openxmlformats.org/officeDocument/2006/relationships" xmlns:p="http://schemas.openxmlformats.org/presentationml/2006/main" showMasterSp="0" showMasterPhAnim="0">
+  <p:cSld>
+    <p:spTree>
+      <p:nvGrpSpPr>
+        <p:cNvPr id="1" name="Shape 242"/>
+        <p:cNvGrpSpPr/>
+        <p:nvPr/>
+      </p:nvGrpSpPr>
+      <p:grpSpPr>
+        <a:xfrm>
+          <a:off x="0" y="0"/>
+          <a:ext cx="0" cy="0"/>
+          <a:chOff x="0" y="0"/>
+          <a:chExt cx="0" cy="0"/>
+        </a:xfrm>
+      </p:grpSpPr>
+      <p:sp>
+        <p:nvSpPr>
+          <p:cNvPr id="243" name="Shape 243"/>
+          <p:cNvSpPr>
+            <a:spLocks noGrp="1" noRot="1" noChangeAspect="1"/>
+          </p:cNvSpPr>
+          <p:nvPr>
+            <p:ph type="sldImg" idx="2"/>
+          </p:nvPr>
+        </p:nvSpPr>
+        <p:spPr>
+          <a:xfrm>
+            <a:off x="381000" y="685800"/>
+            <a:ext cx="6096000" cy="3429000"/>
+          </a:xfrm>
+          <a:custGeom>
+            <a:avLst/>
+            <a:gdLst/>
+            <a:ahLst/>
+            <a:cxnLst/>
+            <a:rect l="0" t="0" r="0" b="0"/>
+            <a:pathLst>
+              <a:path w="120000" h="120000" extrusionOk="0">
+                <a:moveTo>
+                  <a:pt x="0" y="0"/>
+                </a:moveTo>
+                <a:lnTo>
+                  <a:pt x="120000" y="0"/>
+                </a:lnTo>
+                <a:lnTo>
+                  <a:pt x="120000" y="120000"/>
+                </a:lnTo>
+                <a:lnTo>
+                  <a:pt x="0" y="120000"/>
+                </a:lnTo>
+                <a:close/>
+              </a:path>
+            </a:pathLst>
+          </a:custGeom>
+        </p:spPr>
+      </p:sp>
+      <p:sp>
+        <p:nvSpPr>
+          <p:cNvPr id="244" name="Shape 244"/>
+          <p:cNvSpPr txBox="1">
+            <a:spLocks noGrp="1"/>
+          </p:cNvSpPr>
+          <p:nvPr>
+            <p:ph type="body" idx="1"/>
+          </p:nvPr>
+        </p:nvSpPr>
+        <p:spPr>
+          <a:xfrm>
+            <a:off x="685800" y="4343400"/>
+            <a:ext cx="5486399" cy="4114800"/>
+          </a:xfrm>
+          <a:prstGeom prst="rect">
+            <a:avLst/>
+          </a:prstGeom>
+        </p:spPr>
+        <p:txBody>
+          <a:bodyPr lIns="91425" tIns="91425" rIns="91425" bIns="91425" anchor="t" anchorCtr="0">
+            <a:noAutofit/>
+          </a:bodyPr>
+          <a:lstStyle/>
+          <a:p>
+            <a:pPr lvl="0">
+              <a:spcBef>
+                <a:spcPts val="0"/>
+              </a:spcBef>
+              <a:buNone/>
+            </a:pPr>
+            <a:endParaRPr/>
+          </a:p>
+        </p:txBody>
+      </p:sp>
+    </p:spTree>
+    <p:extLst>
+      <p:ext uri="{BB962C8B-B14F-4D97-AF65-F5344CB8AC3E}">
+        <p14:creationId xmlns:p14="http://schemas.microsoft.com/office/powerpoint/2010/main" val="4180436366"/>
+      </p:ext>
+    </p:extLst>
+  </p:cSld>
+  <p:clrMapOvr>
+    <a:masterClrMapping/>
+  </p:clrMapOvr>
+</p:notes>
+</file>
+
+<file path=ppt/notesSlides/notesSlide44.xml><?xml version="1.0" encoding="utf-8"?>
+<p:notes xmlns:a="http://schemas.openxmlformats.org/drawingml/2006/main" xmlns:r="http://schemas.openxmlformats.org/officeDocument/2006/relationships" xmlns:p="http://schemas.openxmlformats.org/presentationml/2006/main" showMasterSp="0" showMasterPhAnim="0">
+  <p:cSld>
+    <p:spTree>
+      <p:nvGrpSpPr>
+        <p:cNvPr id="1" name="Shape 169"/>
+        <p:cNvGrpSpPr/>
+        <p:nvPr/>
+      </p:nvGrpSpPr>
+      <p:grpSpPr>
+        <a:xfrm>
+          <a:off x="0" y="0"/>
+          <a:ext cx="0" cy="0"/>
+          <a:chOff x="0" y="0"/>
+          <a:chExt cx="0" cy="0"/>
+        </a:xfrm>
+      </p:grpSpPr>
+      <p:sp>
+        <p:nvSpPr>
+          <p:cNvPr id="170" name="Shape 170"/>
+          <p:cNvSpPr>
+            <a:spLocks noGrp="1" noRot="1" noChangeAspect="1"/>
+          </p:cNvSpPr>
+          <p:nvPr>
+            <p:ph type="sldImg" idx="2"/>
+          </p:nvPr>
+        </p:nvSpPr>
+        <p:spPr>
+          <a:xfrm>
+            <a:off x="381000" y="685800"/>
+            <a:ext cx="6096000" cy="3429000"/>
+          </a:xfrm>
+          <a:custGeom>
+            <a:avLst/>
+            <a:gdLst/>
+            <a:ahLst/>
+            <a:cxnLst/>
+            <a:rect l="0" t="0" r="0" b="0"/>
+            <a:pathLst>
+              <a:path w="120000" h="120000" extrusionOk="0">
+                <a:moveTo>
+                  <a:pt x="0" y="0"/>
+                </a:moveTo>
+                <a:lnTo>
+                  <a:pt x="120000" y="0"/>
+                </a:lnTo>
+                <a:lnTo>
+                  <a:pt x="120000" y="120000"/>
+                </a:lnTo>
+                <a:lnTo>
+                  <a:pt x="0" y="120000"/>
+                </a:lnTo>
+                <a:close/>
+              </a:path>
+            </a:pathLst>
+          </a:custGeom>
+        </p:spPr>
+      </p:sp>
+      <p:sp>
+        <p:nvSpPr>
+          <p:cNvPr id="171" name="Shape 171"/>
+          <p:cNvSpPr txBox="1">
+            <a:spLocks noGrp="1"/>
+          </p:cNvSpPr>
+          <p:nvPr>
+            <p:ph type="body" idx="1"/>
+          </p:nvPr>
+        </p:nvSpPr>
+        <p:spPr>
+          <a:xfrm>
+            <a:off x="685800" y="4343400"/>
+            <a:ext cx="5486399" cy="4114800"/>
+          </a:xfrm>
+          <a:prstGeom prst="rect">
+            <a:avLst/>
+          </a:prstGeom>
+        </p:spPr>
+        <p:txBody>
+          <a:bodyPr lIns="91425" tIns="91425" rIns="91425" bIns="91425" anchor="t" anchorCtr="0">
+            <a:noAutofit/>
+          </a:bodyPr>
+          <a:lstStyle/>
+          <a:p>
+            <a:pPr lvl="0">
+              <a:spcBef>
+                <a:spcPts val="0"/>
+              </a:spcBef>
+              <a:buNone/>
+            </a:pPr>
+            <a:endParaRPr/>
+          </a:p>
+        </p:txBody>
+      </p:sp>
+    </p:spTree>
+    <p:extLst>
+      <p:ext uri="{BB962C8B-B14F-4D97-AF65-F5344CB8AC3E}">
+        <p14:creationId xmlns:p14="http://schemas.microsoft.com/office/powerpoint/2010/main" val="1280202019"/>
+      </p:ext>
+    </p:extLst>
+  </p:cSld>
+  <p:clrMapOvr>
+    <a:masterClrMapping/>
+  </p:clrMapOvr>
+</p:notes>
+</file>
+
+<file path=ppt/notesSlides/notesSlide45.xml><?xml version="1.0" encoding="utf-8"?>
+<p:notes xmlns:a="http://schemas.openxmlformats.org/drawingml/2006/main" xmlns:r="http://schemas.openxmlformats.org/officeDocument/2006/relationships" xmlns:p="http://schemas.openxmlformats.org/presentationml/2006/main">
+  <p:cSld>
+    <p:spTree>
+      <p:nvGrpSpPr>
+        <p:cNvPr id="1" name=""/>
+        <p:cNvGrpSpPr/>
+        <p:nvPr/>
+      </p:nvGrpSpPr>
+      <p:grpSpPr>
+        <a:xfrm>
+          <a:off x="0" y="0"/>
+          <a:ext cx="0" cy="0"/>
+          <a:chOff x="0" y="0"/>
+          <a:chExt cx="0" cy="0"/>
+        </a:xfrm>
+      </p:grpSpPr>
+      <p:sp>
+        <p:nvSpPr>
+          <p:cNvPr id="2" name="Espaço Reservado para Imagem de Slide 1"/>
+          <p:cNvSpPr>
+            <a:spLocks noGrp="1" noRot="1" noChangeAspect="1"/>
+          </p:cNvSpPr>
+          <p:nvPr>
+            <p:ph type="sldImg"/>
+          </p:nvPr>
+        </p:nvSpPr>
+        <p:spPr/>
+      </p:sp>
+      <p:sp>
+        <p:nvSpPr>
+          <p:cNvPr id="3" name="Espaço Reservado para Anotações 2"/>
+          <p:cNvSpPr>
+            <a:spLocks noGrp="1"/>
+          </p:cNvSpPr>
+          <p:nvPr>
+            <p:ph type="body" idx="1"/>
+          </p:nvPr>
+        </p:nvSpPr>
+        <p:spPr/>
+        <p:txBody>
+          <a:bodyPr/>
+          <a:lstStyle/>
+          <a:p>
+            <a:endParaRPr lang="pt-BR"/>
+          </a:p>
+        </p:txBody>
+      </p:sp>
+    </p:spTree>
+    <p:extLst>
+      <p:ext uri="{BB962C8B-B14F-4D97-AF65-F5344CB8AC3E}">
+        <p14:creationId xmlns:p14="http://schemas.microsoft.com/office/powerpoint/2010/main" val="1237754648"/>
+      </p:ext>
+    </p:extLst>
+  </p:cSld>
+  <p:clrMapOvr>
+    <a:masterClrMapping/>
+  </p:clrMapOvr>
+</p:notes>
+</file>
+
+<file path=ppt/notesSlides/notesSlide46.xml><?xml version="1.0" encoding="utf-8"?>
+<p:notes xmlns:a="http://schemas.openxmlformats.org/drawingml/2006/main" xmlns:r="http://schemas.openxmlformats.org/officeDocument/2006/relationships" xmlns:p="http://schemas.openxmlformats.org/presentationml/2006/main">
+  <p:cSld>
+    <p:spTree>
+      <p:nvGrpSpPr>
+        <p:cNvPr id="1" name=""/>
+        <p:cNvGrpSpPr/>
+        <p:nvPr/>
+      </p:nvGrpSpPr>
+      <p:grpSpPr>
+        <a:xfrm>
+          <a:off x="0" y="0"/>
+          <a:ext cx="0" cy="0"/>
+          <a:chOff x="0" y="0"/>
+          <a:chExt cx="0" cy="0"/>
+        </a:xfrm>
+      </p:grpSpPr>
+      <p:sp>
+        <p:nvSpPr>
+          <p:cNvPr id="2" name="Espaço Reservado para Imagem de Slide 1"/>
+          <p:cNvSpPr>
+            <a:spLocks noGrp="1" noRot="1" noChangeAspect="1"/>
+          </p:cNvSpPr>
+          <p:nvPr>
+            <p:ph type="sldImg"/>
+          </p:nvPr>
+        </p:nvSpPr>
+        <p:spPr/>
+      </p:sp>
+      <p:sp>
+        <p:nvSpPr>
+          <p:cNvPr id="3" name="Espaço Reservado para Anotações 2"/>
+          <p:cNvSpPr>
+            <a:spLocks noGrp="1"/>
+          </p:cNvSpPr>
+          <p:nvPr>
+            <p:ph type="body" idx="1"/>
+          </p:nvPr>
+        </p:nvSpPr>
+        <p:spPr/>
+        <p:txBody>
+          <a:bodyPr/>
+          <a:lstStyle/>
+          <a:p>
+            <a:endParaRPr lang="pt-BR"/>
+          </a:p>
+        </p:txBody>
+      </p:sp>
+    </p:spTree>
+    <p:extLst>
+      <p:ext uri="{BB962C8B-B14F-4D97-AF65-F5344CB8AC3E}">
+        <p14:creationId xmlns:p14="http://schemas.microsoft.com/office/powerpoint/2010/main" val="4256857241"/>
+      </p:ext>
+    </p:extLst>
+  </p:cSld>
+  <p:clrMapOvr>
+    <a:masterClrMapping/>
+  </p:clrMapOvr>
+</p:notes>
+</file>
+
+<file path=ppt/notesSlides/notesSlide47.xml><?xml version="1.0" encoding="utf-8"?>
+<p:notes xmlns:a="http://schemas.openxmlformats.org/drawingml/2006/main" xmlns:r="http://schemas.openxmlformats.org/officeDocument/2006/relationships" xmlns:p="http://schemas.openxmlformats.org/presentationml/2006/main" showMasterSp="0" showMasterPhAnim="0">
+  <p:cSld>
+    <p:spTree>
+      <p:nvGrpSpPr>
+        <p:cNvPr id="1" name="Shape 189"/>
+        <p:cNvGrpSpPr/>
+        <p:nvPr/>
+      </p:nvGrpSpPr>
+      <p:grpSpPr>
+        <a:xfrm>
+          <a:off x="0" y="0"/>
+          <a:ext cx="0" cy="0"/>
+          <a:chOff x="0" y="0"/>
+          <a:chExt cx="0" cy="0"/>
+        </a:xfrm>
+      </p:grpSpPr>
+      <p:sp>
+        <p:nvSpPr>
+          <p:cNvPr id="190" name="Shape 190"/>
+          <p:cNvSpPr>
+            <a:spLocks noGrp="1" noRot="1" noChangeAspect="1"/>
+          </p:cNvSpPr>
+          <p:nvPr>
+            <p:ph type="sldImg" idx="2"/>
+          </p:nvPr>
+        </p:nvSpPr>
+        <p:spPr>
+          <a:xfrm>
+            <a:off x="381000" y="685800"/>
+            <a:ext cx="6096000" cy="3429000"/>
+          </a:xfrm>
+          <a:custGeom>
+            <a:avLst/>
+            <a:gdLst/>
+            <a:ahLst/>
+            <a:cxnLst/>
+            <a:rect l="0" t="0" r="0" b="0"/>
+            <a:pathLst>
+              <a:path w="120000" h="120000" extrusionOk="0">
+                <a:moveTo>
+                  <a:pt x="0" y="0"/>
+                </a:moveTo>
+                <a:lnTo>
+                  <a:pt x="120000" y="0"/>
+                </a:lnTo>
+                <a:lnTo>
+                  <a:pt x="120000" y="120000"/>
+                </a:lnTo>
+                <a:lnTo>
+                  <a:pt x="0" y="120000"/>
+                </a:lnTo>
+                <a:close/>
+              </a:path>
+            </a:pathLst>
+          </a:custGeom>
+        </p:spPr>
+      </p:sp>
+      <p:sp>
+        <p:nvSpPr>
+          <p:cNvPr id="191" name="Shape 191"/>
+          <p:cNvSpPr txBox="1">
+            <a:spLocks noGrp="1"/>
+          </p:cNvSpPr>
+          <p:nvPr>
+            <p:ph type="body" idx="1"/>
+          </p:nvPr>
+        </p:nvSpPr>
+        <p:spPr>
+          <a:xfrm>
+            <a:off x="685800" y="4343400"/>
+            <a:ext cx="5486399" cy="4114800"/>
+          </a:xfrm>
+          <a:prstGeom prst="rect">
+            <a:avLst/>
+          </a:prstGeom>
+        </p:spPr>
+        <p:txBody>
+          <a:bodyPr lIns="91425" tIns="91425" rIns="91425" bIns="91425" anchor="t" anchorCtr="0">
+            <a:noAutofit/>
+          </a:bodyPr>
+          <a:lstStyle/>
+          <a:p>
+            <a:pPr lvl="0">
+              <a:spcBef>
+                <a:spcPts val="0"/>
+              </a:spcBef>
+              <a:buNone/>
+            </a:pPr>
+            <a:endParaRPr/>
+          </a:p>
+        </p:txBody>
+      </p:sp>
+    </p:spTree>
+    <p:extLst>
+      <p:ext uri="{BB962C8B-B14F-4D97-AF65-F5344CB8AC3E}">
+        <p14:creationId xmlns:p14="http://schemas.microsoft.com/office/powerpoint/2010/main" val="325484558"/>
+      </p:ext>
+    </p:extLst>
+  </p:cSld>
+  <p:clrMapOvr>
+    <a:masterClrMapping/>
+  </p:clrMapOvr>
+</p:notes>
+</file>
+
+<file path=ppt/notesSlides/notesSlide48.xml><?xml version="1.0" encoding="utf-8"?>
+<p:notes xmlns:a="http://schemas.openxmlformats.org/drawingml/2006/main" xmlns:r="http://schemas.openxmlformats.org/officeDocument/2006/relationships" xmlns:p="http://schemas.openxmlformats.org/presentationml/2006/main">
+  <p:cSld>
+    <p:spTree>
+      <p:nvGrpSpPr>
+        <p:cNvPr id="1" name=""/>
+        <p:cNvGrpSpPr/>
+        <p:nvPr/>
+      </p:nvGrpSpPr>
+      <p:grpSpPr>
+        <a:xfrm>
+          <a:off x="0" y="0"/>
+          <a:ext cx="0" cy="0"/>
+          <a:chOff x="0" y="0"/>
+          <a:chExt cx="0" cy="0"/>
+        </a:xfrm>
+      </p:grpSpPr>
+      <p:sp>
+        <p:nvSpPr>
+          <p:cNvPr id="2" name="Espaço Reservado para Imagem de Slide 1"/>
+          <p:cNvSpPr>
+            <a:spLocks noGrp="1" noRot="1" noChangeAspect="1"/>
+          </p:cNvSpPr>
+          <p:nvPr>
+            <p:ph type="sldImg"/>
+          </p:nvPr>
+        </p:nvSpPr>
+        <p:spPr/>
+      </p:sp>
+      <p:sp>
+        <p:nvSpPr>
+          <p:cNvPr id="3" name="Espaço Reservado para Anotações 2"/>
+          <p:cNvSpPr>
+            <a:spLocks noGrp="1"/>
+          </p:cNvSpPr>
+          <p:nvPr>
+            <p:ph type="body" idx="1"/>
+          </p:nvPr>
+        </p:nvSpPr>
+        <p:spPr/>
+        <p:txBody>
+          <a:bodyPr/>
+          <a:lstStyle/>
+          <a:p>
+            <a:endParaRPr lang="pt-BR"/>
+          </a:p>
+        </p:txBody>
+      </p:sp>
+    </p:spTree>
+    <p:extLst>
+      <p:ext uri="{BB962C8B-B14F-4D97-AF65-F5344CB8AC3E}">
+        <p14:creationId xmlns:p14="http://schemas.microsoft.com/office/powerpoint/2010/main" val="1086903478"/>
+      </p:ext>
+    </p:extLst>
+  </p:cSld>
+  <p:clrMapOvr>
+    <a:masterClrMapping/>
+  </p:clrMapOvr>
+</p:notes>
+</file>
+
+<file path=ppt/notesSlides/notesSlide49.xml><?xml version="1.0" encoding="utf-8"?>
 <p:notes xmlns:a="http://schemas.openxmlformats.org/drawingml/2006/main" xmlns:r="http://schemas.openxmlformats.org/officeDocument/2006/relationships" xmlns:p="http://schemas.openxmlformats.org/presentationml/2006/main" showMasterSp="0" showMasterPhAnim="0">
   <p:cSld>
     <p:spTree>
@@ -4393,113 +4953,7 @@
     </p:spTree>
     <p:extLst>
       <p:ext uri="{BB962C8B-B14F-4D97-AF65-F5344CB8AC3E}">
-        <p14:creationId xmlns:p14="http://schemas.microsoft.com/office/powerpoint/2010/main" xmlns="" val="1076512938"/>
-      </p:ext>
-    </p:extLst>
-  </p:cSld>
-  <p:clrMapOvr>
-    <a:masterClrMapping/>
-  </p:clrMapOvr>
-</p:notes>
-</file>
-
-<file path=ppt/notesSlides/notesSlide41.xml><?xml version="1.0" encoding="utf-8"?>
-<p:notes xmlns:a="http://schemas.openxmlformats.org/drawingml/2006/main" xmlns:r="http://schemas.openxmlformats.org/officeDocument/2006/relationships" xmlns:p="http://schemas.openxmlformats.org/presentationml/2006/main" showMasterSp="0" showMasterPhAnim="0">
-  <p:cSld>
-    <p:spTree>
-      <p:nvGrpSpPr>
-        <p:cNvPr id="1" name="Shape 242"/>
-        <p:cNvGrpSpPr/>
-        <p:nvPr/>
-      </p:nvGrpSpPr>
-      <p:grpSpPr>
-        <a:xfrm>
-          <a:off x="0" y="0"/>
-          <a:ext cx="0" cy="0"/>
-          <a:chOff x="0" y="0"/>
-          <a:chExt cx="0" cy="0"/>
-        </a:xfrm>
-      </p:grpSpPr>
-      <p:sp>
-        <p:nvSpPr>
-          <p:cNvPr id="243" name="Shape 243"/>
-          <p:cNvSpPr>
-            <a:spLocks noGrp="1" noRot="1" noChangeAspect="1"/>
-          </p:cNvSpPr>
-          <p:nvPr>
-            <p:ph type="sldImg" idx="2"/>
-          </p:nvPr>
-        </p:nvSpPr>
-        <p:spPr>
-          <a:xfrm>
-            <a:off x="381000" y="685800"/>
-            <a:ext cx="6096000" cy="3429000"/>
-          </a:xfrm>
-          <a:custGeom>
-            <a:avLst/>
-            <a:gdLst/>
-            <a:ahLst/>
-            <a:cxnLst/>
-            <a:rect l="0" t="0" r="0" b="0"/>
-            <a:pathLst>
-              <a:path w="120000" h="120000" extrusionOk="0">
-                <a:moveTo>
-                  <a:pt x="0" y="0"/>
-                </a:moveTo>
-                <a:lnTo>
-                  <a:pt x="120000" y="0"/>
-                </a:lnTo>
-                <a:lnTo>
-                  <a:pt x="120000" y="120000"/>
-                </a:lnTo>
-                <a:lnTo>
-                  <a:pt x="0" y="120000"/>
-                </a:lnTo>
-                <a:close/>
-              </a:path>
-            </a:pathLst>
-          </a:custGeom>
-        </p:spPr>
-      </p:sp>
-      <p:sp>
-        <p:nvSpPr>
-          <p:cNvPr id="244" name="Shape 244"/>
-          <p:cNvSpPr txBox="1">
-            <a:spLocks noGrp="1"/>
-          </p:cNvSpPr>
-          <p:nvPr>
-            <p:ph type="body" idx="1"/>
-          </p:nvPr>
-        </p:nvSpPr>
-        <p:spPr>
-          <a:xfrm>
-            <a:off x="685800" y="4343400"/>
-            <a:ext cx="5486399" cy="4114800"/>
-          </a:xfrm>
-          <a:prstGeom prst="rect">
-            <a:avLst/>
-          </a:prstGeom>
-        </p:spPr>
-        <p:txBody>
-          <a:bodyPr lIns="91425" tIns="91425" rIns="91425" bIns="91425" anchor="t" anchorCtr="0">
-            <a:noAutofit/>
-          </a:bodyPr>
-          <a:lstStyle/>
-          <a:p>
-            <a:pPr lvl="0">
-              <a:spcBef>
-                <a:spcPts val="0"/>
-              </a:spcBef>
-              <a:buNone/>
-            </a:pPr>
-            <a:endParaRPr/>
-          </a:p>
-        </p:txBody>
-      </p:sp>
-    </p:spTree>
-    <p:extLst>
-      <p:ext uri="{BB962C8B-B14F-4D97-AF65-F5344CB8AC3E}">
-        <p14:creationId xmlns:p14="http://schemas.microsoft.com/office/powerpoint/2010/main" xmlns="" val="4180436366"/>
+        <p14:creationId xmlns:p14="http://schemas.microsoft.com/office/powerpoint/2010/main" val="1076512938"/>
       </p:ext>
     </p:extLst>
   </p:cSld>
@@ -4598,14 +5052,128 @@
               </a:spcBef>
               <a:buNone/>
             </a:pPr>
-            <a:endParaRPr/>
+            <a:r>
+              <a:rPr lang="pt-BR" dirty="0" err="1" smtClean="0"/>
+              <a:t>NodeJS</a:t>
+            </a:r>
+            <a:r>
+              <a:rPr lang="pt-BR" dirty="0" smtClean="0"/>
+              <a:t> é uma plataforma de desenvolvimento</a:t>
+            </a:r>
+            <a:endParaRPr dirty="0"/>
           </a:p>
         </p:txBody>
       </p:sp>
     </p:spTree>
     <p:extLst>
       <p:ext uri="{BB962C8B-B14F-4D97-AF65-F5344CB8AC3E}">
-        <p14:creationId xmlns:p14="http://schemas.microsoft.com/office/powerpoint/2010/main" xmlns="" val="533510610"/>
+        <p14:creationId xmlns:p14="http://schemas.microsoft.com/office/powerpoint/2010/main" val="533510610"/>
+      </p:ext>
+    </p:extLst>
+  </p:cSld>
+  <p:clrMapOvr>
+    <a:masterClrMapping/>
+  </p:clrMapOvr>
+</p:notes>
+</file>
+
+<file path=ppt/notesSlides/notesSlide50.xml><?xml version="1.0" encoding="utf-8"?>
+<p:notes xmlns:a="http://schemas.openxmlformats.org/drawingml/2006/main" xmlns:r="http://schemas.openxmlformats.org/officeDocument/2006/relationships" xmlns:p="http://schemas.openxmlformats.org/presentationml/2006/main" showMasterSp="0" showMasterPhAnim="0">
+  <p:cSld>
+    <p:spTree>
+      <p:nvGrpSpPr>
+        <p:cNvPr id="1" name="Shape 242"/>
+        <p:cNvGrpSpPr/>
+        <p:nvPr/>
+      </p:nvGrpSpPr>
+      <p:grpSpPr>
+        <a:xfrm>
+          <a:off x="0" y="0"/>
+          <a:ext cx="0" cy="0"/>
+          <a:chOff x="0" y="0"/>
+          <a:chExt cx="0" cy="0"/>
+        </a:xfrm>
+      </p:grpSpPr>
+      <p:sp>
+        <p:nvSpPr>
+          <p:cNvPr id="243" name="Shape 243"/>
+          <p:cNvSpPr>
+            <a:spLocks noGrp="1" noRot="1" noChangeAspect="1"/>
+          </p:cNvSpPr>
+          <p:nvPr>
+            <p:ph type="sldImg" idx="2"/>
+          </p:nvPr>
+        </p:nvSpPr>
+        <p:spPr>
+          <a:xfrm>
+            <a:off x="381000" y="685800"/>
+            <a:ext cx="6096000" cy="3429000"/>
+          </a:xfrm>
+          <a:custGeom>
+            <a:avLst/>
+            <a:gdLst/>
+            <a:ahLst/>
+            <a:cxnLst/>
+            <a:rect l="0" t="0" r="0" b="0"/>
+            <a:pathLst>
+              <a:path w="120000" h="120000" extrusionOk="0">
+                <a:moveTo>
+                  <a:pt x="0" y="0"/>
+                </a:moveTo>
+                <a:lnTo>
+                  <a:pt x="120000" y="0"/>
+                </a:lnTo>
+                <a:lnTo>
+                  <a:pt x="120000" y="120000"/>
+                </a:lnTo>
+                <a:lnTo>
+                  <a:pt x="0" y="120000"/>
+                </a:lnTo>
+                <a:close/>
+              </a:path>
+            </a:pathLst>
+          </a:custGeom>
+        </p:spPr>
+      </p:sp>
+      <p:sp>
+        <p:nvSpPr>
+          <p:cNvPr id="244" name="Shape 244"/>
+          <p:cNvSpPr txBox="1">
+            <a:spLocks noGrp="1"/>
+          </p:cNvSpPr>
+          <p:nvPr>
+            <p:ph type="body" idx="1"/>
+          </p:nvPr>
+        </p:nvSpPr>
+        <p:spPr>
+          <a:xfrm>
+            <a:off x="685800" y="4343400"/>
+            <a:ext cx="5486399" cy="4114800"/>
+          </a:xfrm>
+          <a:prstGeom prst="rect">
+            <a:avLst/>
+          </a:prstGeom>
+        </p:spPr>
+        <p:txBody>
+          <a:bodyPr lIns="91425" tIns="91425" rIns="91425" bIns="91425" anchor="t" anchorCtr="0">
+            <a:noAutofit/>
+          </a:bodyPr>
+          <a:lstStyle/>
+          <a:p>
+            <a:pPr lvl="0">
+              <a:spcBef>
+                <a:spcPts val="0"/>
+              </a:spcBef>
+              <a:buNone/>
+            </a:pPr>
+            <a:endParaRPr/>
+          </a:p>
+        </p:txBody>
+      </p:sp>
+    </p:spTree>
+    <p:extLst>
+      <p:ext uri="{BB962C8B-B14F-4D97-AF65-F5344CB8AC3E}">
+        <p14:creationId xmlns:p14="http://schemas.microsoft.com/office/powerpoint/2010/main" val="4180436366"/>
       </p:ext>
     </p:extLst>
   </p:cSld>
@@ -4711,7 +5279,7 @@
     </p:spTree>
     <p:extLst>
       <p:ext uri="{BB962C8B-B14F-4D97-AF65-F5344CB8AC3E}">
-        <p14:creationId xmlns:p14="http://schemas.microsoft.com/office/powerpoint/2010/main" xmlns="" val="3959887818"/>
+        <p14:creationId xmlns:p14="http://schemas.microsoft.com/office/powerpoint/2010/main" val="3959887818"/>
       </p:ext>
     </p:extLst>
   </p:cSld>
@@ -4817,7 +5385,7 @@
     </p:spTree>
     <p:extLst>
       <p:ext uri="{BB962C8B-B14F-4D97-AF65-F5344CB8AC3E}">
-        <p14:creationId xmlns:p14="http://schemas.microsoft.com/office/powerpoint/2010/main" xmlns="" val="3749086367"/>
+        <p14:creationId xmlns:p14="http://schemas.microsoft.com/office/powerpoint/2010/main" val="3749086367"/>
       </p:ext>
     </p:extLst>
   </p:cSld>
@@ -4923,7 +5491,7 @@
     </p:spTree>
     <p:extLst>
       <p:ext uri="{BB962C8B-B14F-4D97-AF65-F5344CB8AC3E}">
-        <p14:creationId xmlns:p14="http://schemas.microsoft.com/office/powerpoint/2010/main" xmlns="" val="3862892665"/>
+        <p14:creationId xmlns:p14="http://schemas.microsoft.com/office/powerpoint/2010/main" val="3862892665"/>
       </p:ext>
     </p:extLst>
   </p:cSld>
@@ -5029,7 +5597,7 @@
     </p:spTree>
     <p:extLst>
       <p:ext uri="{BB962C8B-B14F-4D97-AF65-F5344CB8AC3E}">
-        <p14:creationId xmlns:p14="http://schemas.microsoft.com/office/powerpoint/2010/main" xmlns="" val="85359425"/>
+        <p14:creationId xmlns:p14="http://schemas.microsoft.com/office/powerpoint/2010/main" val="85359425"/>
       </p:ext>
     </p:extLst>
   </p:cSld>
@@ -7901,7 +8469,7 @@
     </p:spTree>
     <p:extLst>
       <p:ext uri="{BB962C8B-B14F-4D97-AF65-F5344CB8AC3E}">
-        <p14:creationId xmlns:p14="http://schemas.microsoft.com/office/powerpoint/2010/main" xmlns="" val="3032861546"/>
+        <p14:creationId xmlns:p14="http://schemas.microsoft.com/office/powerpoint/2010/main" val="3032861546"/>
       </p:ext>
     </p:extLst>
   </p:cSld>
@@ -8894,7 +9462,7 @@
           <a:blip r:embed="rId3">
             <a:extLst>
               <a:ext uri="{28A0092B-C50C-407E-A947-70E740481C1C}">
-                <a14:useLocalDpi xmlns:a14="http://schemas.microsoft.com/office/drawing/2010/main" xmlns="" val="0"/>
+                <a14:useLocalDpi xmlns:a14="http://schemas.microsoft.com/office/drawing/2010/main" val="0"/>
               </a:ext>
             </a:extLst>
           </a:blip>
@@ -8914,7 +9482,7 @@
           <a:noFill/>
           <a:extLst>
             <a:ext uri="{909E8E84-426E-40DD-AFC4-6F175D3DCCD1}">
-              <a14:hiddenFill xmlns:a14="http://schemas.microsoft.com/office/drawing/2010/main" xmlns="">
+              <a14:hiddenFill xmlns:a14="http://schemas.microsoft.com/office/drawing/2010/main">
                 <a:solidFill>
                   <a:srgbClr val="FFFFFF"/>
                 </a:solidFill>
@@ -9115,31 +9683,13 @@
               <a:t> </a:t>
             </a:r>
             <a:r>
-              <a:rPr lang="en-IN" altLang="en-US" sz="3200" dirty="0" err="1">
-                <a:latin typeface="Sniglet" panose="020B0604020202020204" charset="0"/>
-                <a:ea typeface="Bangers"/>
-                <a:cs typeface="Bangers"/>
-                <a:sym typeface="Bangers"/>
-              </a:rPr>
-              <a:t>em</a:t>
-            </a:r>
-            <a:r>
-              <a:rPr lang="en-IN" altLang="en-US" sz="3200" dirty="0">
-                <a:latin typeface="Sniglet" panose="020B0604020202020204" charset="0"/>
-                <a:ea typeface="Bangers"/>
-                <a:cs typeface="Bangers"/>
-                <a:sym typeface="Bangers"/>
-              </a:rPr>
-              <a:t> </a:t>
-            </a:r>
-            <a:r>
               <a:rPr lang="en-IN" altLang="en-US" sz="3200" dirty="0" err="1" smtClean="0">
                 <a:latin typeface="Sniglet" panose="020B0604020202020204" charset="0"/>
                 <a:ea typeface="Bangers"/>
                 <a:cs typeface="Bangers"/>
                 <a:sym typeface="Bangers"/>
               </a:rPr>
-              <a:t>rede</a:t>
+              <a:t>distribuídas</a:t>
             </a:r>
             <a:endParaRPr lang="en-IN" altLang="en-US" sz="3200" dirty="0" smtClean="0">
               <a:latin typeface="Sniglet" panose="020B0604020202020204" charset="0"/>
@@ -9192,7 +9742,7 @@
                 <a:cs typeface="Bangers"/>
                 <a:sym typeface="Bangers"/>
               </a:rPr>
-              <a:t>muitas</a:t>
+              <a:t>cenários</a:t>
             </a:r>
             <a:r>
               <a:rPr lang="en-IN" altLang="en-US" sz="3200" dirty="0" smtClean="0">
@@ -9201,7 +9751,7 @@
                 <a:cs typeface="Bangers"/>
                 <a:sym typeface="Bangers"/>
               </a:rPr>
-              <a:t> </a:t>
+              <a:t> com </a:t>
             </a:r>
             <a:r>
               <a:rPr lang="en-IN" altLang="en-US" sz="3200" dirty="0" err="1" smtClean="0">
@@ -9210,7 +9760,7 @@
                 <a:cs typeface="Bangers"/>
                 <a:sym typeface="Bangers"/>
               </a:rPr>
-              <a:t>conexões</a:t>
+              <a:t>muitas</a:t>
             </a:r>
             <a:r>
               <a:rPr lang="en-IN" altLang="en-US" sz="3200" dirty="0" smtClean="0">
@@ -9228,7 +9778,42 @@
                 <a:cs typeface="Bangers"/>
                 <a:sym typeface="Bangers"/>
               </a:rPr>
+              <a:t>conexões</a:t>
+            </a:r>
+            <a:r>
+              <a:rPr lang="en-IN" altLang="en-US" sz="3200" dirty="0" smtClean="0">
+                <a:latin typeface="Sniglet" panose="020B0604020202020204" charset="0"/>
+                <a:ea typeface="Bangers"/>
+                <a:cs typeface="Bangers"/>
+                <a:sym typeface="Bangers"/>
+              </a:rPr>
+              <a:t> </a:t>
+            </a:r>
+            <a:r>
+              <a:rPr lang="en-IN" altLang="en-US" sz="3200" dirty="0" err="1" smtClean="0">
+                <a:latin typeface="Sniglet" panose="020B0604020202020204" charset="0"/>
+                <a:ea typeface="Bangers"/>
+                <a:cs typeface="Bangers"/>
+                <a:sym typeface="Bangers"/>
+              </a:rPr>
               <a:t>simultâneas</a:t>
+            </a:r>
+            <a:r>
+              <a:rPr lang="en-IN" altLang="en-US" sz="3200" dirty="0" smtClean="0">
+                <a:latin typeface="Sniglet" panose="020B0604020202020204" charset="0"/>
+                <a:ea typeface="Bangers"/>
+                <a:cs typeface="Bangers"/>
+                <a:sym typeface="Bangers"/>
+              </a:rPr>
+              <a:t> </a:t>
+            </a:r>
+            <a:r>
+              <a:rPr lang="pt-BR" sz="3200" dirty="0" smtClean="0"/>
+              <a:t>e </a:t>
+            </a:r>
+            <a:r>
+              <a:rPr lang="pt-BR" sz="3200" dirty="0"/>
+              <a:t>grande volume de dados</a:t>
             </a:r>
             <a:endParaRPr lang="en-IN" altLang="en-US" sz="3200" dirty="0" smtClean="0">
               <a:latin typeface="Sniglet" panose="020B0604020202020204" charset="0"/>
@@ -9241,7 +9826,7 @@
             <a:pPr>
               <a:buNone/>
             </a:pPr>
-            <a:endParaRPr lang="en-IN" altLang="en-US" sz="3200" dirty="0">
+            <a:endParaRPr lang="en-IN" altLang="en-US" sz="3200" dirty="0" smtClean="0">
               <a:latin typeface="Sniglet" panose="020B0604020202020204" charset="0"/>
               <a:ea typeface="Bangers"/>
               <a:cs typeface="Bangers"/>
@@ -9253,10 +9838,50 @@
           </a:p>
         </p:txBody>
       </p:sp>
+      <p:sp>
+        <p:nvSpPr>
+          <p:cNvPr id="5" name="Elipse 4"/>
+          <p:cNvSpPr/>
+          <p:nvPr/>
+        </p:nvSpPr>
+        <p:spPr>
+          <a:xfrm>
+            <a:off x="8100392" y="915566"/>
+            <a:ext cx="216024" cy="144016"/>
+          </a:xfrm>
+          <a:prstGeom prst="ellipse">
+            <a:avLst/>
+          </a:prstGeom>
+        </p:spPr>
+        <p:style>
+          <a:lnRef idx="2">
+            <a:schemeClr val="accent1">
+              <a:shade val="50000"/>
+            </a:schemeClr>
+          </a:lnRef>
+          <a:fillRef idx="1">
+            <a:schemeClr val="accent1"/>
+          </a:fillRef>
+          <a:effectRef idx="0">
+            <a:schemeClr val="accent1"/>
+          </a:effectRef>
+          <a:fontRef idx="minor">
+            <a:schemeClr val="lt1"/>
+          </a:fontRef>
+        </p:style>
+        <p:txBody>
+          <a:bodyPr rtlCol="0" anchor="ctr"/>
+          <a:lstStyle/>
+          <a:p>
+            <a:pPr algn="ctr"/>
+            <a:endParaRPr lang="pt-BR"/>
+          </a:p>
+        </p:txBody>
+      </p:sp>
     </p:spTree>
     <p:extLst>
       <p:ext uri="{BB962C8B-B14F-4D97-AF65-F5344CB8AC3E}">
-        <p14:creationId xmlns:p14="http://schemas.microsoft.com/office/powerpoint/2010/main" xmlns="" val="3842037970"/>
+        <p14:creationId xmlns:p14="http://schemas.microsoft.com/office/powerpoint/2010/main" val="3842037970"/>
       </p:ext>
     </p:extLst>
   </p:cSld>
@@ -9820,7 +10445,7 @@
           <a:blip r:embed="rId3">
             <a:extLst>
               <a:ext uri="{28A0092B-C50C-407E-A947-70E740481C1C}">
-                <a14:useLocalDpi xmlns:a14="http://schemas.microsoft.com/office/drawing/2010/main" xmlns="" val="0"/>
+                <a14:useLocalDpi xmlns:a14="http://schemas.microsoft.com/office/drawing/2010/main" val="0"/>
               </a:ext>
             </a:extLst>
           </a:blip>
@@ -9840,7 +10465,7 @@
           <a:noFill/>
           <a:extLst>
             <a:ext uri="{909E8E84-426E-40DD-AFC4-6F175D3DCCD1}">
-              <a14:hiddenFill xmlns:a14="http://schemas.microsoft.com/office/drawing/2010/main" xmlns="">
+              <a14:hiddenFill xmlns:a14="http://schemas.microsoft.com/office/drawing/2010/main">
                 <a:solidFill>
                   <a:srgbClr val="FFFFFF"/>
                 </a:solidFill>
@@ -9861,7 +10486,7 @@
           <a:blip r:embed="rId4">
             <a:extLst>
               <a:ext uri="{28A0092B-C50C-407E-A947-70E740481C1C}">
-                <a14:useLocalDpi xmlns:a14="http://schemas.microsoft.com/office/drawing/2010/main" xmlns="" val="0"/>
+                <a14:useLocalDpi xmlns:a14="http://schemas.microsoft.com/office/drawing/2010/main" val="0"/>
               </a:ext>
             </a:extLst>
           </a:blip>
@@ -9881,7 +10506,7 @@
           <a:noFill/>
           <a:extLst>
             <a:ext uri="{909E8E84-426E-40DD-AFC4-6F175D3DCCD1}">
-              <a14:hiddenFill xmlns:a14="http://schemas.microsoft.com/office/drawing/2010/main" xmlns="">
+              <a14:hiddenFill xmlns:a14="http://schemas.microsoft.com/office/drawing/2010/main">
                 <a:solidFill>
                   <a:srgbClr val="FFFFFF"/>
                 </a:solidFill>
@@ -9902,7 +10527,7 @@
           <a:blip r:embed="rId5">
             <a:extLst>
               <a:ext uri="{28A0092B-C50C-407E-A947-70E740481C1C}">
-                <a14:useLocalDpi xmlns:a14="http://schemas.microsoft.com/office/drawing/2010/main" xmlns="" val="0"/>
+                <a14:useLocalDpi xmlns:a14="http://schemas.microsoft.com/office/drawing/2010/main" val="0"/>
               </a:ext>
             </a:extLst>
           </a:blip>
@@ -9922,7 +10547,7 @@
           <a:noFill/>
           <a:extLst>
             <a:ext uri="{909E8E84-426E-40DD-AFC4-6F175D3DCCD1}">
-              <a14:hiddenFill xmlns:a14="http://schemas.microsoft.com/office/drawing/2010/main" xmlns="">
+              <a14:hiddenFill xmlns:a14="http://schemas.microsoft.com/office/drawing/2010/main">
                 <a:solidFill>
                   <a:srgbClr val="FFFFFF"/>
                 </a:solidFill>
@@ -9943,7 +10568,7 @@
           <a:blip r:embed="rId6">
             <a:extLst>
               <a:ext uri="{28A0092B-C50C-407E-A947-70E740481C1C}">
-                <a14:useLocalDpi xmlns:a14="http://schemas.microsoft.com/office/drawing/2010/main" xmlns="" val="0"/>
+                <a14:useLocalDpi xmlns:a14="http://schemas.microsoft.com/office/drawing/2010/main" val="0"/>
               </a:ext>
             </a:extLst>
           </a:blip>
@@ -9963,7 +10588,7 @@
           <a:noFill/>
           <a:extLst>
             <a:ext uri="{909E8E84-426E-40DD-AFC4-6F175D3DCCD1}">
-              <a14:hiddenFill xmlns:a14="http://schemas.microsoft.com/office/drawing/2010/main" xmlns="">
+              <a14:hiddenFill xmlns:a14="http://schemas.microsoft.com/office/drawing/2010/main">
                 <a:solidFill>
                   <a:srgbClr val="FFFFFF"/>
                 </a:solidFill>
@@ -9984,7 +10609,7 @@
           <a:blip r:embed="rId7">
             <a:extLst>
               <a:ext uri="{28A0092B-C50C-407E-A947-70E740481C1C}">
-                <a14:useLocalDpi xmlns:a14="http://schemas.microsoft.com/office/drawing/2010/main" xmlns="" val="0"/>
+                <a14:useLocalDpi xmlns:a14="http://schemas.microsoft.com/office/drawing/2010/main" val="0"/>
               </a:ext>
             </a:extLst>
           </a:blip>
@@ -10004,7 +10629,7 @@
           <a:noFill/>
           <a:extLst>
             <a:ext uri="{909E8E84-426E-40DD-AFC4-6F175D3DCCD1}">
-              <a14:hiddenFill xmlns:a14="http://schemas.microsoft.com/office/drawing/2010/main" xmlns="">
+              <a14:hiddenFill xmlns:a14="http://schemas.microsoft.com/office/drawing/2010/main">
                 <a:solidFill>
                   <a:srgbClr val="FFFFFF"/>
                 </a:solidFill>
@@ -10016,7 +10641,7 @@
     </p:spTree>
     <p:extLst>
       <p:ext uri="{BB962C8B-B14F-4D97-AF65-F5344CB8AC3E}">
-        <p14:creationId xmlns:p14="http://schemas.microsoft.com/office/powerpoint/2010/main" xmlns="" val="2570298480"/>
+        <p14:creationId xmlns:p14="http://schemas.microsoft.com/office/powerpoint/2010/main" val="2570298480"/>
       </p:ext>
     </p:extLst>
   </p:cSld>
@@ -10091,7 +10716,7 @@
                   <a:srgbClr val="00B050"/>
                 </a:solidFill>
               </a:rPr>
-              <a:t>NodeJS = </a:t>
+              <a:t>Componentes= </a:t>
             </a:r>
             <a:endParaRPr lang="en" dirty="0">
               <a:solidFill>
@@ -10475,7 +11100,7 @@
     </p:spTree>
     <p:extLst>
       <p:ext uri="{BB962C8B-B14F-4D97-AF65-F5344CB8AC3E}">
-        <p14:creationId xmlns:p14="http://schemas.microsoft.com/office/powerpoint/2010/main" xmlns="" val="3441499724"/>
+        <p14:creationId xmlns:p14="http://schemas.microsoft.com/office/powerpoint/2010/main" val="3441499724"/>
       </p:ext>
     </p:extLst>
   </p:cSld>
@@ -11058,29 +11683,22 @@
             </a:r>
             <a:r>
               <a:rPr lang="pt-BR" dirty="0" smtClean="0"/>
-              <a:t> e Internet das Coisas</a:t>
+              <a:t> e Internet das </a:t>
+            </a:r>
+            <a:r>
+              <a:rPr lang="pt-BR" dirty="0" smtClean="0"/>
+              <a:t>Coisas</a:t>
             </a:r>
           </a:p>
           <a:p>
             <a:pPr fontAlgn="base"/>
             <a:r>
               <a:rPr lang="pt-BR" dirty="0" smtClean="0"/>
-              <a:t>Processos de build</a:t>
-            </a:r>
-          </a:p>
-          <a:p>
-            <a:pPr fontAlgn="base"/>
+              <a:t>Automações </a:t>
+            </a:r>
             <a:r>
               <a:rPr lang="pt-BR" dirty="0" smtClean="0"/>
-              <a:t>Automações de </a:t>
-            </a:r>
-            <a:r>
-              <a:rPr lang="pt-BR" dirty="0" err="1" smtClean="0"/>
-              <a:t>builds</a:t>
-            </a:r>
-            <a:r>
-              <a:rPr lang="pt-BR" dirty="0" smtClean="0"/>
-              <a:t>/</a:t>
+              <a:t>de builds/</a:t>
             </a:r>
             <a:r>
               <a:rPr lang="pt-BR" dirty="0" err="1" smtClean="0"/>
@@ -11720,37 +12338,6 @@
                                   </p:childTnLst>
                                 </p:cTn>
                               </p:par>
-                              <p:par>
-                                <p:cTn id="35" presetID="1" presetClass="entr" presetSubtype="0" fill="hold" grpId="0" nodeType="withEffect">
-                                  <p:stCondLst>
-                                    <p:cond delay="0"/>
-                                  </p:stCondLst>
-                                  <p:childTnLst>
-                                    <p:set>
-                                      <p:cBhvr>
-                                        <p:cTn id="36" dur="1" fill="hold">
-                                          <p:stCondLst>
-                                            <p:cond delay="0"/>
-                                          </p:stCondLst>
-                                        </p:cTn>
-                                        <p:tgtEl>
-                                          <p:spTgt spid="11">
-                                            <p:txEl>
-                                              <p:pRg st="6" end="6"/>
-                                            </p:txEl>
-                                          </p:spTgt>
-                                        </p:tgtEl>
-                                        <p:attrNameLst>
-                                          <p:attrName>style.visibility</p:attrName>
-                                        </p:attrNameLst>
-                                      </p:cBhvr>
-                                      <p:to>
-                                        <p:strVal val="visible"/>
-                                      </p:to>
-                                    </p:set>
-                                  </p:childTnLst>
-                                </p:cTn>
-                              </p:par>
                             </p:childTnLst>
                           </p:cTn>
                         </p:par>
@@ -12065,7 +12652,7 @@
     </p:spTree>
     <p:extLst>
       <p:ext uri="{BB962C8B-B14F-4D97-AF65-F5344CB8AC3E}">
-        <p14:creationId xmlns:p14="http://schemas.microsoft.com/office/powerpoint/2010/main" xmlns="" val="3441499724"/>
+        <p14:creationId xmlns:p14="http://schemas.microsoft.com/office/powerpoint/2010/main" val="3441499724"/>
       </p:ext>
     </p:extLst>
   </p:cSld>
@@ -12576,122 +13163,150 @@
               <a:rPr lang="en-IN" altLang="en-US" sz="2800" dirty="0" err="1" smtClean="0">
                 <a:latin typeface="Sniglet" charset="0"/>
               </a:rPr>
+              <a:t>Package.json</a:t>
+            </a:r>
+            <a:endParaRPr lang="en-IN" altLang="en-US" sz="2800" dirty="0" smtClean="0">
+              <a:latin typeface="Sniglet" charset="0"/>
+            </a:endParaRPr>
+          </a:p>
+          <a:p>
+            <a:r>
+              <a:rPr lang="en-IN" altLang="en-US" sz="2000" dirty="0" err="1" smtClean="0">
+                <a:latin typeface="Sniglet" charset="0"/>
+              </a:rPr>
               <a:t>var</a:t>
             </a:r>
             <a:r>
-              <a:rPr lang="en-IN" altLang="en-US" sz="2800" dirty="0" smtClean="0">
+              <a:rPr lang="en-IN" altLang="en-US" sz="2000" dirty="0" smtClean="0">
                 <a:latin typeface="Sniglet" charset="0"/>
               </a:rPr>
-              <a:t> http = require(‘http’);</a:t>
-            </a:r>
+              <a:t> </a:t>
+            </a:r>
+            <a:r>
+              <a:rPr lang="en-IN" altLang="en-US" sz="2000" dirty="0" smtClean="0">
+                <a:latin typeface="Sniglet" charset="0"/>
+              </a:rPr>
+              <a:t>http = require(‘http’);</a:t>
+            </a:r>
+          </a:p>
+          <a:p>
+            <a:r>
+              <a:rPr lang="en-IN" altLang="en-US" sz="2000" dirty="0" err="1" smtClean="0">
+                <a:latin typeface="Sniglet" charset="0"/>
+              </a:rPr>
+              <a:t>var</a:t>
+            </a:r>
+            <a:r>
+              <a:rPr lang="en-IN" altLang="en-US" sz="2000" dirty="0" smtClean="0">
+                <a:latin typeface="Sniglet" charset="0"/>
+              </a:rPr>
+              <a:t> </a:t>
+            </a:r>
+            <a:r>
+              <a:rPr lang="en-IN" altLang="en-US" sz="2000" dirty="0" err="1" smtClean="0">
+                <a:latin typeface="Sniglet" charset="0"/>
+              </a:rPr>
+              <a:t>fs</a:t>
+            </a:r>
+            <a:r>
+              <a:rPr lang="en-IN" altLang="en-US" sz="2000" dirty="0" smtClean="0">
+                <a:latin typeface="Sniglet" charset="0"/>
+              </a:rPr>
+              <a:t> = require(‘</a:t>
+            </a:r>
+            <a:r>
+              <a:rPr lang="en-IN" altLang="en-US" sz="2000" dirty="0" err="1" smtClean="0">
+                <a:latin typeface="Sniglet" charset="0"/>
+              </a:rPr>
+              <a:t>fs</a:t>
+            </a:r>
+            <a:r>
+              <a:rPr lang="en-IN" altLang="en-US" sz="2000" dirty="0" smtClean="0">
+                <a:latin typeface="Sniglet" charset="0"/>
+              </a:rPr>
+              <a:t>’);</a:t>
+            </a:r>
+          </a:p>
+          <a:p>
+            <a:r>
+              <a:rPr lang="en-IN" altLang="en-US" sz="2000" dirty="0" err="1" smtClean="0">
+                <a:latin typeface="Sniglet" charset="0"/>
+              </a:rPr>
+              <a:t>var</a:t>
+            </a:r>
+            <a:r>
+              <a:rPr lang="en-IN" altLang="en-US" sz="2000" dirty="0" smtClean="0">
+                <a:latin typeface="Sniglet" charset="0"/>
+              </a:rPr>
+              <a:t> express = require(‘express’);</a:t>
+            </a:r>
+          </a:p>
+          <a:p>
+            <a:endParaRPr lang="en-IN" altLang="en-US" sz="2800" dirty="0" smtClean="0">
+              <a:latin typeface="Sniglet" charset="0"/>
+            </a:endParaRPr>
           </a:p>
           <a:p>
             <a:r>
               <a:rPr lang="en-IN" altLang="en-US" sz="2800" dirty="0" err="1" smtClean="0">
                 <a:latin typeface="Sniglet" charset="0"/>
               </a:rPr>
-              <a:t>var</a:t>
-            </a:r>
-            <a:r>
-              <a:rPr lang="en-IN" altLang="en-US" sz="2800" dirty="0" smtClean="0">
-                <a:latin typeface="Sniglet" charset="0"/>
-              </a:rPr>
-              <a:t> </a:t>
-            </a:r>
-            <a:r>
-              <a:rPr lang="en-IN" altLang="en-US" sz="2800" dirty="0" err="1" smtClean="0">
-                <a:latin typeface="Sniglet" charset="0"/>
-              </a:rPr>
-              <a:t>fs</a:t>
-            </a:r>
-            <a:r>
-              <a:rPr lang="en-IN" altLang="en-US" sz="2800" dirty="0" smtClean="0">
-                <a:latin typeface="Sniglet" charset="0"/>
-              </a:rPr>
-              <a:t> = require(‘</a:t>
-            </a:r>
-            <a:r>
-              <a:rPr lang="en-IN" altLang="en-US" sz="2800" dirty="0" err="1" smtClean="0">
-                <a:latin typeface="Sniglet" charset="0"/>
-              </a:rPr>
-              <a:t>fs</a:t>
-            </a:r>
-            <a:r>
-              <a:rPr lang="en-IN" altLang="en-US" sz="2800" dirty="0" smtClean="0">
-                <a:latin typeface="Sniglet" charset="0"/>
-              </a:rPr>
-              <a:t>’);</a:t>
-            </a:r>
-          </a:p>
-          <a:p>
-            <a:r>
-              <a:rPr lang="en-IN" altLang="en-US" sz="2800" dirty="0" err="1" smtClean="0">
-                <a:latin typeface="Sniglet" charset="0"/>
-              </a:rPr>
-              <a:t>var</a:t>
-            </a:r>
-            <a:r>
-              <a:rPr lang="en-IN" altLang="en-US" sz="2800" dirty="0" smtClean="0">
-                <a:latin typeface="Sniglet" charset="0"/>
-              </a:rPr>
-              <a:t> express = require(‘express’);</a:t>
-            </a:r>
-          </a:p>
-          <a:p>
+              <a:t>Nativo</a:t>
+            </a:r>
             <a:endParaRPr lang="en-IN" altLang="en-US" sz="2800" dirty="0">
               <a:latin typeface="Sniglet" charset="0"/>
             </a:endParaRPr>
           </a:p>
           <a:p>
             <a:r>
-              <a:rPr lang="en-US" altLang="en-US" sz="2800" dirty="0" err="1">
+              <a:rPr lang="en-US" altLang="en-US" sz="2000" dirty="0" err="1">
                 <a:latin typeface="Sniglet" charset="0"/>
               </a:rPr>
               <a:t>var</a:t>
             </a:r>
             <a:r>
-              <a:rPr lang="en-US" altLang="en-US" sz="2800" dirty="0">
+              <a:rPr lang="en-US" altLang="en-US" sz="2000" dirty="0">
                 <a:latin typeface="Sniglet" charset="0"/>
               </a:rPr>
               <a:t> </a:t>
             </a:r>
             <a:r>
-              <a:rPr lang="en-US" altLang="en-US" sz="2800" dirty="0" err="1">
+              <a:rPr lang="en-US" altLang="en-US" sz="2000" dirty="0" err="1">
                 <a:latin typeface="Sniglet" charset="0"/>
               </a:rPr>
               <a:t>nomeDoModulo</a:t>
             </a:r>
             <a:r>
-              <a:rPr lang="en-US" altLang="en-US" sz="2800" dirty="0">
+              <a:rPr lang="en-US" altLang="en-US" sz="2000" dirty="0">
                 <a:latin typeface="Sniglet" charset="0"/>
               </a:rPr>
               <a:t> = require("./</a:t>
             </a:r>
             <a:r>
-              <a:rPr lang="en-US" altLang="en-US" sz="2800" dirty="0" err="1">
+              <a:rPr lang="en-US" altLang="en-US" sz="2000" dirty="0" err="1">
                 <a:latin typeface="Sniglet" charset="0"/>
               </a:rPr>
               <a:t>teste</a:t>
             </a:r>
             <a:r>
-              <a:rPr lang="en-US" altLang="en-US" sz="2800" dirty="0">
+              <a:rPr lang="en-US" altLang="en-US" sz="2000" dirty="0">
                 <a:latin typeface="Sniglet" charset="0"/>
               </a:rPr>
               <a:t>/teste2/</a:t>
             </a:r>
             <a:r>
-              <a:rPr lang="en-US" altLang="en-US" sz="2800" dirty="0" err="1">
+              <a:rPr lang="en-US" altLang="en-US" sz="2000" dirty="0" err="1">
                 <a:latin typeface="Sniglet" charset="0"/>
               </a:rPr>
               <a:t>nomeDoModulo</a:t>
             </a:r>
             <a:r>
-              <a:rPr lang="en-US" altLang="en-US" sz="2800" dirty="0">
+              <a:rPr lang="en-US" altLang="en-US" sz="2000" dirty="0">
                 <a:latin typeface="Sniglet" charset="0"/>
               </a:rPr>
               <a:t>");</a:t>
             </a:r>
-            <a:endParaRPr lang="en-US" altLang="en-US" sz="2800" dirty="0" smtClean="0">
+            <a:endParaRPr lang="en-US" altLang="en-US" sz="2000" dirty="0" smtClean="0">
               <a:latin typeface="Sniglet" charset="0"/>
             </a:endParaRPr>
           </a:p>
@@ -13354,7 +13969,7 @@
           <a:blip r:embed="rId3">
             <a:extLst>
               <a:ext uri="{28A0092B-C50C-407E-A947-70E740481C1C}">
-                <a14:useLocalDpi xmlns:a14="http://schemas.microsoft.com/office/drawing/2010/main" xmlns="" val="0"/>
+                <a14:useLocalDpi xmlns:a14="http://schemas.microsoft.com/office/drawing/2010/main" val="0"/>
               </a:ext>
             </a:extLst>
           </a:blip>
@@ -13397,7 +14012,7 @@
           <a:blip r:embed="rId4">
             <a:extLst>
               <a:ext uri="{28A0092B-C50C-407E-A947-70E740481C1C}">
-                <a14:useLocalDpi xmlns:a14="http://schemas.microsoft.com/office/drawing/2010/main" xmlns="" val="0"/>
+                <a14:useLocalDpi xmlns:a14="http://schemas.microsoft.com/office/drawing/2010/main" val="0"/>
               </a:ext>
             </a:extLst>
           </a:blip>
@@ -13417,7 +14032,7 @@
           <a:noFill/>
           <a:extLst>
             <a:ext uri="{909E8E84-426E-40DD-AFC4-6F175D3DCCD1}">
-              <a14:hiddenFill xmlns:a14="http://schemas.microsoft.com/office/drawing/2010/main" xmlns="">
+              <a14:hiddenFill xmlns:a14="http://schemas.microsoft.com/office/drawing/2010/main">
                 <a:solidFill>
                   <a:srgbClr val="FFFFFF"/>
                 </a:solidFill>
@@ -13438,7 +14053,7 @@
           <a:blip r:embed="rId5">
             <a:extLst>
               <a:ext uri="{28A0092B-C50C-407E-A947-70E740481C1C}">
-                <a14:useLocalDpi xmlns:a14="http://schemas.microsoft.com/office/drawing/2010/main" xmlns="" val="0"/>
+                <a14:useLocalDpi xmlns:a14="http://schemas.microsoft.com/office/drawing/2010/main" val="0"/>
               </a:ext>
             </a:extLst>
           </a:blip>
@@ -13458,7 +14073,7 @@
           <a:noFill/>
           <a:extLst>
             <a:ext uri="{909E8E84-426E-40DD-AFC4-6F175D3DCCD1}">
-              <a14:hiddenFill xmlns:a14="http://schemas.microsoft.com/office/drawing/2010/main" xmlns="">
+              <a14:hiddenFill xmlns:a14="http://schemas.microsoft.com/office/drawing/2010/main">
                 <a:solidFill>
                   <a:srgbClr val="FFFFFF"/>
                 </a:solidFill>
@@ -13470,7 +14085,7 @@
     </p:spTree>
     <p:extLst>
       <p:ext uri="{BB962C8B-B14F-4D97-AF65-F5344CB8AC3E}">
-        <p14:creationId xmlns:p14="http://schemas.microsoft.com/office/powerpoint/2010/main" xmlns="" val="3993797770"/>
+        <p14:creationId xmlns:p14="http://schemas.microsoft.com/office/powerpoint/2010/main" val="3993797770"/>
       </p:ext>
     </p:extLst>
   </p:cSld>
@@ -13742,7 +14357,7 @@
           <a:blip r:embed="rId3">
             <a:extLst>
               <a:ext uri="{28A0092B-C50C-407E-A947-70E740481C1C}">
-                <a14:useLocalDpi xmlns:a14="http://schemas.microsoft.com/office/drawing/2010/main" xmlns="" val="0"/>
+                <a14:useLocalDpi xmlns:a14="http://schemas.microsoft.com/office/drawing/2010/main" val="0"/>
               </a:ext>
             </a:extLst>
           </a:blip>
@@ -13762,7 +14377,7 @@
           <a:noFill/>
           <a:extLst>
             <a:ext uri="{909E8E84-426E-40DD-AFC4-6F175D3DCCD1}">
-              <a14:hiddenFill xmlns:a14="http://schemas.microsoft.com/office/drawing/2010/main" xmlns="">
+              <a14:hiddenFill xmlns:a14="http://schemas.microsoft.com/office/drawing/2010/main">
                 <a:solidFill>
                   <a:srgbClr val="FFFFFF"/>
                 </a:solidFill>
@@ -13905,111 +14520,12 @@
           </a:p>
         </p:txBody>
       </p:sp>
-      <p:sp>
-        <p:nvSpPr>
-          <p:cNvPr id="4" name="CaixaDeTexto 3"/>
-          <p:cNvSpPr txBox="1"/>
-          <p:nvPr/>
-        </p:nvSpPr>
-        <p:spPr>
-          <a:xfrm>
-            <a:off x="1115616" y="1784707"/>
-            <a:ext cx="6984776" cy="1477328"/>
-          </a:xfrm>
-          <a:prstGeom prst="rect">
-            <a:avLst/>
-          </a:prstGeom>
-          <a:noFill/>
-        </p:spPr>
-        <p:txBody>
-          <a:bodyPr wrap="square" rtlCol="0">
-            <a:spAutoFit/>
-          </a:bodyPr>
-          <a:lstStyle/>
-          <a:p>
-            <a:r>
-              <a:rPr lang="pt-BR" sz="1800" dirty="0" err="1" smtClean="0">
-                <a:latin typeface="Courier New" pitchFamily="49" charset="0"/>
-                <a:cs typeface="Courier New" pitchFamily="49" charset="0"/>
-              </a:rPr>
-              <a:t>setTimeout</a:t>
-            </a:r>
-            <a:r>
-              <a:rPr lang="pt-BR" sz="1800" dirty="0" smtClean="0">
-                <a:latin typeface="Courier New" pitchFamily="49" charset="0"/>
-                <a:cs typeface="Courier New" pitchFamily="49" charset="0"/>
-              </a:rPr>
-              <a:t>(</a:t>
-            </a:r>
-            <a:r>
-              <a:rPr lang="pt-BR" sz="1800" dirty="0" err="1" smtClean="0">
-                <a:latin typeface="Courier New" pitchFamily="49" charset="0"/>
-                <a:cs typeface="Courier New" pitchFamily="49" charset="0"/>
-              </a:rPr>
-              <a:t>function</a:t>
-            </a:r>
-            <a:r>
-              <a:rPr lang="pt-BR" sz="1800" dirty="0" smtClean="0">
-                <a:latin typeface="Courier New" pitchFamily="49" charset="0"/>
-                <a:cs typeface="Courier New" pitchFamily="49" charset="0"/>
-              </a:rPr>
-              <a:t>() {</a:t>
-            </a:r>
-          </a:p>
-          <a:p>
-            <a:r>
-              <a:rPr lang="pt-BR" sz="1800" dirty="0" smtClean="0">
-                <a:latin typeface="Courier New" pitchFamily="49" charset="0"/>
-                <a:cs typeface="Courier New" pitchFamily="49" charset="0"/>
-              </a:rPr>
-              <a:t>  console.log(“World”);</a:t>
-            </a:r>
-          </a:p>
-          <a:p>
-            <a:r>
-              <a:rPr lang="pt-BR" sz="1800" dirty="0" smtClean="0">
-                <a:latin typeface="Courier New" pitchFamily="49" charset="0"/>
-                <a:cs typeface="Courier New" pitchFamily="49" charset="0"/>
-              </a:rPr>
-              <a:t>},1000);</a:t>
-            </a:r>
-          </a:p>
-          <a:p>
-            <a:endParaRPr lang="pt-BR" sz="1800" dirty="0" smtClean="0">
-              <a:latin typeface="Courier New" pitchFamily="49" charset="0"/>
-              <a:cs typeface="Courier New" pitchFamily="49" charset="0"/>
-            </a:endParaRPr>
-          </a:p>
-          <a:p>
-            <a:r>
-              <a:rPr lang="pt-BR" sz="1800" dirty="0" smtClean="0">
-                <a:latin typeface="Courier New" pitchFamily="49" charset="0"/>
-                <a:cs typeface="Courier New" pitchFamily="49" charset="0"/>
-              </a:rPr>
-              <a:t>console.log(“</a:t>
-            </a:r>
-            <a:r>
-              <a:rPr lang="pt-BR" sz="1800" dirty="0" err="1" smtClean="0">
-                <a:latin typeface="Courier New" pitchFamily="49" charset="0"/>
-                <a:cs typeface="Courier New" pitchFamily="49" charset="0"/>
-              </a:rPr>
-              <a:t>Hello</a:t>
-            </a:r>
-            <a:r>
-              <a:rPr lang="pt-BR" sz="1800" dirty="0" smtClean="0">
-                <a:latin typeface="Courier New" pitchFamily="49" charset="0"/>
-                <a:cs typeface="Courier New" pitchFamily="49" charset="0"/>
-              </a:rPr>
-              <a:t>”);</a:t>
-            </a:r>
-            <a:endParaRPr lang="pt-BR" sz="1800" dirty="0">
-              <a:latin typeface="Courier New" pitchFamily="49" charset="0"/>
-              <a:cs typeface="Courier New" pitchFamily="49" charset="0"/>
-            </a:endParaRPr>
-          </a:p>
-        </p:txBody>
-      </p:sp>
     </p:spTree>
+    <p:extLst>
+      <p:ext uri="{BB962C8B-B14F-4D97-AF65-F5344CB8AC3E}">
+        <p14:creationId xmlns:p14="http://schemas.microsoft.com/office/powerpoint/2010/main" val="839892674"/>
+      </p:ext>
+    </p:extLst>
   </p:cSld>
   <p:clrMapOvr>
     <a:masterClrMapping/>
@@ -14035,7 +14551,7 @@
                             </p:stCondLst>
                             <p:childTnLst>
                               <p:par>
-                                <p:cTn id="5" presetID="1" presetClass="exit" presetSubtype="0" fill="hold" grpId="1" nodeType="clickEffect">
+                                <p:cTn id="5" presetID="1" presetClass="exit" presetSubtype="0" fill="hold" grpId="0" nodeType="clickEffect">
                                   <p:stCondLst>
                                     <p:cond delay="0"/>
                                   </p:stCondLst>
@@ -14061,15 +14577,268 @@
                                   </p:childTnLst>
                                 </p:cTn>
                               </p:par>
+                            </p:childTnLst>
+                          </p:cTn>
+                        </p:par>
+                      </p:childTnLst>
+                    </p:cTn>
+                  </p:par>
+                </p:childTnLst>
+              </p:cTn>
+              <p:prevCondLst>
+                <p:cond evt="onPrev" delay="0">
+                  <p:tgtEl>
+                    <p:sldTgt/>
+                  </p:tgtEl>
+                </p:cond>
+              </p:prevCondLst>
+              <p:nextCondLst>
+                <p:cond evt="onNext" delay="0">
+                  <p:tgtEl>
+                    <p:sldTgt/>
+                  </p:tgtEl>
+                </p:cond>
+              </p:nextCondLst>
+            </p:seq>
+          </p:childTnLst>
+        </p:cTn>
+      </p:par>
+    </p:tnLst>
+    <p:bldLst>
+      <p:bldP spid="3" grpId="0"/>
+    </p:bldLst>
+  </p:timing>
+</p:sld>
+</file>
+
+<file path=ppt/slides/slide23.xml><?xml version="1.0" encoding="utf-8"?>
+<p:sld xmlns:a="http://schemas.openxmlformats.org/drawingml/2006/main" xmlns:r="http://schemas.openxmlformats.org/officeDocument/2006/relationships" xmlns:p="http://schemas.openxmlformats.org/presentationml/2006/main">
+  <p:cSld>
+    <p:spTree>
+      <p:nvGrpSpPr>
+        <p:cNvPr id="1" name=""/>
+        <p:cNvGrpSpPr/>
+        <p:nvPr/>
+      </p:nvGrpSpPr>
+      <p:grpSpPr>
+        <a:xfrm>
+          <a:off x="0" y="0"/>
+          <a:ext cx="0" cy="0"/>
+          <a:chOff x="0" y="0"/>
+          <a:chExt cx="0" cy="0"/>
+        </a:xfrm>
+      </p:grpSpPr>
+      <p:sp>
+        <p:nvSpPr>
+          <p:cNvPr id="2" name="Título 1"/>
+          <p:cNvSpPr>
+            <a:spLocks noGrp="1"/>
+          </p:cNvSpPr>
+          <p:nvPr>
+            <p:ph type="title"/>
+          </p:nvPr>
+        </p:nvSpPr>
+        <p:spPr>
+          <a:xfrm rot="161729">
+            <a:off x="3436709" y="887194"/>
+            <a:ext cx="1873633" cy="760138"/>
+          </a:xfrm>
+        </p:spPr>
+        <p:txBody>
+          <a:bodyPr/>
+          <a:lstStyle/>
+          <a:p>
+            <a:r>
+              <a:rPr lang="pt-BR" dirty="0" err="1" smtClean="0">
+                <a:solidFill>
+                  <a:srgbClr val="00B050"/>
+                </a:solidFill>
+              </a:rPr>
+              <a:t>Hello</a:t>
+            </a:r>
+            <a:r>
+              <a:rPr lang="pt-BR" dirty="0" smtClean="0">
+                <a:solidFill>
+                  <a:srgbClr val="00B050"/>
+                </a:solidFill>
+              </a:rPr>
+              <a:t> </a:t>
+            </a:r>
+            <a:r>
+              <a:rPr lang="pt-BR" dirty="0" err="1" smtClean="0">
+                <a:solidFill>
+                  <a:srgbClr val="00B050"/>
+                </a:solidFill>
+              </a:rPr>
+              <a:t>WOrld</a:t>
+            </a:r>
+            <a:endParaRPr lang="pt-BR" dirty="0">
+              <a:solidFill>
+                <a:srgbClr val="00B050"/>
+              </a:solidFill>
+            </a:endParaRPr>
+          </a:p>
+        </p:txBody>
+      </p:sp>
+      <p:sp>
+        <p:nvSpPr>
+          <p:cNvPr id="4" name="CaixaDeTexto 3"/>
+          <p:cNvSpPr txBox="1"/>
+          <p:nvPr/>
+        </p:nvSpPr>
+        <p:spPr>
+          <a:xfrm>
+            <a:off x="1331640" y="1977102"/>
+            <a:ext cx="6984776" cy="1477328"/>
+          </a:xfrm>
+          <a:prstGeom prst="rect">
+            <a:avLst/>
+          </a:prstGeom>
+          <a:noFill/>
+        </p:spPr>
+        <p:txBody>
+          <a:bodyPr wrap="square" rtlCol="0">
+            <a:spAutoFit/>
+          </a:bodyPr>
+          <a:lstStyle/>
+          <a:p>
+            <a:r>
+              <a:rPr lang="pt-BR" sz="1800" dirty="0" err="1" smtClean="0">
+                <a:latin typeface="Courier New" pitchFamily="49" charset="0"/>
+                <a:cs typeface="Courier New" pitchFamily="49" charset="0"/>
+              </a:rPr>
+              <a:t>setTimeout</a:t>
+            </a:r>
+            <a:r>
+              <a:rPr lang="pt-BR" sz="1800" dirty="0" smtClean="0">
+                <a:latin typeface="Courier New" pitchFamily="49" charset="0"/>
+                <a:cs typeface="Courier New" pitchFamily="49" charset="0"/>
+              </a:rPr>
+              <a:t>(</a:t>
+            </a:r>
+            <a:r>
+              <a:rPr lang="pt-BR" sz="1800" dirty="0" err="1" smtClean="0">
+                <a:latin typeface="Courier New" pitchFamily="49" charset="0"/>
+                <a:cs typeface="Courier New" pitchFamily="49" charset="0"/>
+              </a:rPr>
+              <a:t>function</a:t>
+            </a:r>
+            <a:r>
+              <a:rPr lang="pt-BR" sz="1800" dirty="0" smtClean="0">
+                <a:latin typeface="Courier New" pitchFamily="49" charset="0"/>
+                <a:cs typeface="Courier New" pitchFamily="49" charset="0"/>
+              </a:rPr>
+              <a:t>() {</a:t>
+            </a:r>
+          </a:p>
+          <a:p>
+            <a:r>
+              <a:rPr lang="pt-BR" sz="1800" dirty="0" smtClean="0">
+                <a:latin typeface="Courier New" pitchFamily="49" charset="0"/>
+                <a:cs typeface="Courier New" pitchFamily="49" charset="0"/>
+              </a:rPr>
+              <a:t>  console.log</a:t>
+            </a:r>
+            <a:r>
+              <a:rPr lang="pt-BR" sz="1800" dirty="0" smtClean="0">
+                <a:latin typeface="Courier New" pitchFamily="49" charset="0"/>
+                <a:cs typeface="Courier New" pitchFamily="49" charset="0"/>
+              </a:rPr>
+              <a:t>(“</a:t>
+            </a:r>
+            <a:r>
+              <a:rPr lang="pt-BR" sz="1800" dirty="0" err="1" smtClean="0">
+                <a:latin typeface="Courier New" pitchFamily="49" charset="0"/>
+                <a:cs typeface="Courier New" pitchFamily="49" charset="0"/>
+              </a:rPr>
+              <a:t>Hello</a:t>
+            </a:r>
+            <a:r>
+              <a:rPr lang="pt-BR" sz="1800" dirty="0" smtClean="0">
+                <a:latin typeface="Courier New" pitchFamily="49" charset="0"/>
+                <a:cs typeface="Courier New" pitchFamily="49" charset="0"/>
+              </a:rPr>
+              <a:t>”);</a:t>
+            </a:r>
+            <a:endParaRPr lang="pt-BR" sz="1800" dirty="0" smtClean="0">
+              <a:latin typeface="Courier New" pitchFamily="49" charset="0"/>
+              <a:cs typeface="Courier New" pitchFamily="49" charset="0"/>
+            </a:endParaRPr>
+          </a:p>
+          <a:p>
+            <a:r>
+              <a:rPr lang="pt-BR" sz="1800" dirty="0" smtClean="0">
+                <a:latin typeface="Courier New" pitchFamily="49" charset="0"/>
+                <a:cs typeface="Courier New" pitchFamily="49" charset="0"/>
+              </a:rPr>
+              <a:t>},1000);</a:t>
+            </a:r>
+          </a:p>
+          <a:p>
+            <a:endParaRPr lang="pt-BR" sz="1800" dirty="0" smtClean="0">
+              <a:latin typeface="Courier New" pitchFamily="49" charset="0"/>
+              <a:cs typeface="Courier New" pitchFamily="49" charset="0"/>
+            </a:endParaRPr>
+          </a:p>
+          <a:p>
+            <a:r>
+              <a:rPr lang="pt-BR" sz="1800" dirty="0" smtClean="0">
+                <a:latin typeface="Courier New" pitchFamily="49" charset="0"/>
+                <a:cs typeface="Courier New" pitchFamily="49" charset="0"/>
+              </a:rPr>
+              <a:t>console.log</a:t>
+            </a:r>
+            <a:r>
+              <a:rPr lang="pt-BR" sz="1800" dirty="0" smtClean="0">
+                <a:latin typeface="Courier New" pitchFamily="49" charset="0"/>
+                <a:cs typeface="Courier New" pitchFamily="49" charset="0"/>
+              </a:rPr>
+              <a:t>(“World”);</a:t>
+            </a:r>
+            <a:endParaRPr lang="pt-BR" sz="1800" dirty="0">
+              <a:latin typeface="Courier New" pitchFamily="49" charset="0"/>
+              <a:cs typeface="Courier New" pitchFamily="49" charset="0"/>
+            </a:endParaRPr>
+          </a:p>
+        </p:txBody>
+      </p:sp>
+    </p:spTree>
+  </p:cSld>
+  <p:clrMapOvr>
+    <a:masterClrMapping/>
+  </p:clrMapOvr>
+  <p:timing>
+    <p:tnLst>
+      <p:par>
+        <p:cTn id="1" dur="indefinite" restart="never" nodeType="tmRoot">
+          <p:childTnLst>
+            <p:seq concurrent="1" nextAc="seek">
+              <p:cTn id="2" dur="indefinite" nodeType="mainSeq">
+                <p:childTnLst>
+                  <p:par>
+                    <p:cTn id="3" fill="hold">
+                      <p:stCondLst>
+                        <p:cond delay="indefinite"/>
+                        <p:cond evt="onBegin" delay="0">
+                          <p:tn val="2"/>
+                        </p:cond>
+                      </p:stCondLst>
+                      <p:childTnLst>
+                        <p:par>
+                          <p:cTn id="4" fill="hold">
+                            <p:stCondLst>
+                              <p:cond delay="0"/>
+                            </p:stCondLst>
+                            <p:childTnLst>
                               <p:par>
-                                <p:cTn id="7" presetID="1" presetClass="entr" presetSubtype="0" fill="hold" grpId="0" nodeType="withEffect">
+                                <p:cTn id="5" presetID="1" presetClass="entr" presetSubtype="0" fill="hold" grpId="0" nodeType="withEffect">
                                   <p:stCondLst>
                                     <p:cond delay="0"/>
                                   </p:stCondLst>
                                   <p:childTnLst>
                                     <p:set>
                                       <p:cBhvr>
-                                        <p:cTn id="8" dur="1" fill="hold">
+                                        <p:cTn id="6" dur="1" fill="hold">
                                           <p:stCondLst>
                                             <p:cond delay="0"/>
                                           </p:stCondLst>
@@ -14116,14 +14885,13 @@
       </p:par>
     </p:tnLst>
     <p:bldLst>
-      <p:bldP spid="3" grpId="1"/>
       <p:bldP spid="4" grpId="0"/>
     </p:bldLst>
   </p:timing>
 </p:sld>
 </file>
 
-<file path=ppt/slides/slide23.xml><?xml version="1.0" encoding="utf-8"?>
+<file path=ppt/slides/slide24.xml><?xml version="1.0" encoding="utf-8"?>
 <p:sld xmlns:a="http://schemas.openxmlformats.org/drawingml/2006/main" xmlns:r="http://schemas.openxmlformats.org/officeDocument/2006/relationships" xmlns:p="http://schemas.openxmlformats.org/presentationml/2006/main">
   <p:cSld>
     <p:bg>
@@ -14195,7 +14963,7 @@
 </p:sld>
 </file>
 
-<file path=ppt/slides/slide24.xml><?xml version="1.0" encoding="utf-8"?>
+<file path=ppt/slides/slide25.xml><?xml version="1.0" encoding="utf-8"?>
 <p:sld xmlns:a="http://schemas.openxmlformats.org/drawingml/2006/main" xmlns:r="http://schemas.openxmlformats.org/officeDocument/2006/relationships" xmlns:p="http://schemas.openxmlformats.org/presentationml/2006/main">
   <p:cSld>
     <p:bg>
@@ -14291,7 +15059,7 @@
 </p:sld>
 </file>
 
-<file path=ppt/slides/slide25.xml><?xml version="1.0" encoding="utf-8"?>
+<file path=ppt/slides/slide26.xml><?xml version="1.0" encoding="utf-8"?>
 <p:sld xmlns:a="http://schemas.openxmlformats.org/drawingml/2006/main" xmlns:r="http://schemas.openxmlformats.org/officeDocument/2006/relationships" xmlns:p="http://schemas.openxmlformats.org/presentationml/2006/main">
   <p:cSld>
     <p:bg>
@@ -14366,7 +15134,7 @@
 </p:sld>
 </file>
 
-<file path=ppt/slides/slide26.xml><?xml version="1.0" encoding="utf-8"?>
+<file path=ppt/slides/slide27.xml><?xml version="1.0" encoding="utf-8"?>
 <p:sld xmlns:a="http://schemas.openxmlformats.org/drawingml/2006/main" xmlns:r="http://schemas.openxmlformats.org/officeDocument/2006/relationships" xmlns:p="http://schemas.openxmlformats.org/presentationml/2006/main">
   <p:cSld>
     <p:bg>
@@ -14682,7 +15450,7 @@
     </p:spTree>
     <p:extLst>
       <p:ext uri="{BB962C8B-B14F-4D97-AF65-F5344CB8AC3E}">
-        <p14:creationId xmlns:p14="http://schemas.microsoft.com/office/powerpoint/2010/main" xmlns="" val="373779667"/>
+        <p14:creationId xmlns:p14="http://schemas.microsoft.com/office/powerpoint/2010/main" val="373779667"/>
       </p:ext>
     </p:extLst>
   </p:cSld>
@@ -14699,7 +15467,7 @@
 </p:sld>
 </file>
 
-<file path=ppt/slides/slide27.xml><?xml version="1.0" encoding="utf-8"?>
+<file path=ppt/slides/slide28.xml><?xml version="1.0" encoding="utf-8"?>
 <p:sld xmlns:a="http://schemas.openxmlformats.org/drawingml/2006/main" xmlns:r="http://schemas.openxmlformats.org/officeDocument/2006/relationships" xmlns:p="http://schemas.openxmlformats.org/presentationml/2006/main">
   <p:cSld>
     <p:bg>
@@ -14809,7 +15577,7 @@
     </p:spTree>
     <p:extLst>
       <p:ext uri="{BB962C8B-B14F-4D97-AF65-F5344CB8AC3E}">
-        <p14:creationId xmlns:p14="http://schemas.microsoft.com/office/powerpoint/2010/main" xmlns="" val="3007378860"/>
+        <p14:creationId xmlns:p14="http://schemas.microsoft.com/office/powerpoint/2010/main" val="3007378860"/>
       </p:ext>
     </p:extLst>
   </p:cSld>
@@ -14826,7 +15594,7 @@
 </p:sld>
 </file>
 
-<file path=ppt/slides/slide28.xml><?xml version="1.0" encoding="utf-8"?>
+<file path=ppt/slides/slide29.xml><?xml version="1.0" encoding="utf-8"?>
 <p:sld xmlns:a="http://schemas.openxmlformats.org/drawingml/2006/main" xmlns:r="http://schemas.openxmlformats.org/officeDocument/2006/relationships" xmlns:p="http://schemas.openxmlformats.org/presentationml/2006/main">
   <p:cSld>
     <p:bg>
@@ -15639,253 +16407,6 @@
               <a:solidFill>
                 <a:srgbClr val="00B050"/>
               </a:solidFill>
-            </a:endParaRPr>
-          </a:p>
-        </p:txBody>
-      </p:sp>
-    </p:spTree>
-  </p:cSld>
-  <p:clrMapOvr>
-    <a:masterClrMapping/>
-  </p:clrMapOvr>
-  <p:timing>
-    <p:tnLst>
-      <p:par>
-        <p:cTn id="1" dur="indefinite" restart="never" nodeType="tmRoot"/>
-      </p:par>
-    </p:tnLst>
-  </p:timing>
-</p:sld>
-</file>
-
-<file path=ppt/slides/slide29.xml><?xml version="1.0" encoding="utf-8"?>
-<p:sld xmlns:a="http://schemas.openxmlformats.org/drawingml/2006/main" xmlns:r="http://schemas.openxmlformats.org/officeDocument/2006/relationships" xmlns:p="http://schemas.openxmlformats.org/presentationml/2006/main">
-  <p:cSld>
-    <p:bg>
-      <p:bgPr>
-        <a:solidFill>
-          <a:srgbClr val="824BB0"/>
-        </a:solidFill>
-        <a:effectLst/>
-      </p:bgPr>
-    </p:bg>
-    <p:spTree>
-      <p:nvGrpSpPr>
-        <p:cNvPr id="1" name="Shape 98"/>
-        <p:cNvGrpSpPr/>
-        <p:nvPr/>
-      </p:nvGrpSpPr>
-      <p:grpSpPr>
-        <a:xfrm>
-          <a:off x="0" y="0"/>
-          <a:ext cx="0" cy="0"/>
-          <a:chOff x="0" y="0"/>
-          <a:chExt cx="0" cy="0"/>
-        </a:xfrm>
-      </p:grpSpPr>
-      <p:sp>
-        <p:nvSpPr>
-          <p:cNvPr id="5" name="Título 4"/>
-          <p:cNvSpPr>
-            <a:spLocks noGrp="1"/>
-          </p:cNvSpPr>
-          <p:nvPr>
-            <p:ph type="title"/>
-          </p:nvPr>
-        </p:nvSpPr>
-        <p:spPr/>
-        <p:txBody>
-          <a:bodyPr/>
-          <a:lstStyle/>
-          <a:p>
-            <a:r>
-              <a:rPr lang="pt-BR" dirty="0" err="1" smtClean="0"/>
-              <a:t>Codigo</a:t>
-            </a:r>
-            <a:r>
-              <a:rPr lang="pt-BR" dirty="0" smtClean="0"/>
-              <a:t> </a:t>
-            </a:r>
-            <a:r>
-              <a:rPr lang="pt-BR" dirty="0" err="1" smtClean="0"/>
-              <a:t>blocking</a:t>
-            </a:r>
-            <a:endParaRPr lang="pt-BR" dirty="0"/>
-          </a:p>
-        </p:txBody>
-      </p:sp>
-      <p:sp>
-        <p:nvSpPr>
-          <p:cNvPr id="6" name="Espaço Reservado para Texto 5"/>
-          <p:cNvSpPr>
-            <a:spLocks noGrp="1"/>
-          </p:cNvSpPr>
-          <p:nvPr>
-            <p:ph type="body" idx="1"/>
-          </p:nvPr>
-        </p:nvSpPr>
-        <p:spPr/>
-        <p:txBody>
-          <a:bodyPr/>
-          <a:lstStyle/>
-          <a:p>
-            <a:pPr>
-              <a:buNone/>
-            </a:pPr>
-            <a:r>
-              <a:rPr lang="pt-BR" dirty="0" smtClean="0">
-                <a:latin typeface="Courier New" pitchFamily="49" charset="0"/>
-                <a:cs typeface="Courier New" pitchFamily="49" charset="0"/>
-              </a:rPr>
-              <a:t>var </a:t>
-            </a:r>
-            <a:r>
-              <a:rPr lang="pt-BR" dirty="0" err="1" smtClean="0">
-                <a:latin typeface="Courier New" pitchFamily="49" charset="0"/>
-                <a:cs typeface="Courier New" pitchFamily="49" charset="0"/>
-              </a:rPr>
-              <a:t>fs</a:t>
-            </a:r>
-            <a:r>
-              <a:rPr lang="pt-BR" dirty="0" smtClean="0">
-                <a:latin typeface="Courier New" pitchFamily="49" charset="0"/>
-                <a:cs typeface="Courier New" pitchFamily="49" charset="0"/>
-              </a:rPr>
-              <a:t> = </a:t>
-            </a:r>
-            <a:r>
-              <a:rPr lang="pt-BR" dirty="0" err="1" smtClean="0">
-                <a:latin typeface="Courier New" pitchFamily="49" charset="0"/>
-                <a:cs typeface="Courier New" pitchFamily="49" charset="0"/>
-              </a:rPr>
-              <a:t>require</a:t>
-            </a:r>
-            <a:r>
-              <a:rPr lang="pt-BR" dirty="0" smtClean="0">
-                <a:latin typeface="Courier New" pitchFamily="49" charset="0"/>
-                <a:cs typeface="Courier New" pitchFamily="49" charset="0"/>
-              </a:rPr>
-              <a:t>("</a:t>
-            </a:r>
-            <a:r>
-              <a:rPr lang="pt-BR" dirty="0" err="1" smtClean="0">
-                <a:latin typeface="Courier New" pitchFamily="49" charset="0"/>
-                <a:cs typeface="Courier New" pitchFamily="49" charset="0"/>
-              </a:rPr>
-              <a:t>fs</a:t>
-            </a:r>
-            <a:r>
-              <a:rPr lang="pt-BR" dirty="0" smtClean="0">
-                <a:latin typeface="Courier New" pitchFamily="49" charset="0"/>
-                <a:cs typeface="Courier New" pitchFamily="49" charset="0"/>
-              </a:rPr>
-              <a:t>"); </a:t>
-            </a:r>
-          </a:p>
-          <a:p>
-            <a:pPr>
-              <a:buNone/>
-            </a:pPr>
-            <a:r>
-              <a:rPr lang="pt-BR" dirty="0" smtClean="0">
-                <a:latin typeface="Courier New" pitchFamily="49" charset="0"/>
-                <a:cs typeface="Courier New" pitchFamily="49" charset="0"/>
-              </a:rPr>
-              <a:t>var data = </a:t>
-            </a:r>
-            <a:r>
-              <a:rPr lang="pt-BR" dirty="0" err="1" smtClean="0">
-                <a:latin typeface="Courier New" pitchFamily="49" charset="0"/>
-                <a:cs typeface="Courier New" pitchFamily="49" charset="0"/>
-              </a:rPr>
-              <a:t>fs.readFileSync</a:t>
-            </a:r>
-            <a:r>
-              <a:rPr lang="pt-BR" dirty="0" smtClean="0">
-                <a:latin typeface="Courier New" pitchFamily="49" charset="0"/>
-                <a:cs typeface="Courier New" pitchFamily="49" charset="0"/>
-              </a:rPr>
-              <a:t>('input.txt'); console.</a:t>
-            </a:r>
-            <a:r>
-              <a:rPr lang="pt-BR" dirty="0" err="1" smtClean="0">
-                <a:latin typeface="Courier New" pitchFamily="49" charset="0"/>
-                <a:cs typeface="Courier New" pitchFamily="49" charset="0"/>
-              </a:rPr>
-              <a:t>log</a:t>
-            </a:r>
-            <a:r>
-              <a:rPr lang="pt-BR" dirty="0" smtClean="0">
-                <a:latin typeface="Courier New" pitchFamily="49" charset="0"/>
-                <a:cs typeface="Courier New" pitchFamily="49" charset="0"/>
-              </a:rPr>
-              <a:t>(data.</a:t>
-            </a:r>
-            <a:r>
-              <a:rPr lang="pt-BR" dirty="0" err="1" smtClean="0">
-                <a:latin typeface="Courier New" pitchFamily="49" charset="0"/>
-                <a:cs typeface="Courier New" pitchFamily="49" charset="0"/>
-              </a:rPr>
-              <a:t>toString</a:t>
-            </a:r>
-            <a:r>
-              <a:rPr lang="pt-BR" dirty="0" smtClean="0">
-                <a:latin typeface="Courier New" pitchFamily="49" charset="0"/>
-                <a:cs typeface="Courier New" pitchFamily="49" charset="0"/>
-              </a:rPr>
-              <a:t>()); console.</a:t>
-            </a:r>
-            <a:r>
-              <a:rPr lang="pt-BR" dirty="0" err="1" smtClean="0">
-                <a:latin typeface="Courier New" pitchFamily="49" charset="0"/>
-                <a:cs typeface="Courier New" pitchFamily="49" charset="0"/>
-              </a:rPr>
-              <a:t>log</a:t>
-            </a:r>
-            <a:r>
-              <a:rPr lang="pt-BR" dirty="0" smtClean="0">
-                <a:latin typeface="Courier New" pitchFamily="49" charset="0"/>
-                <a:cs typeface="Courier New" pitchFamily="49" charset="0"/>
-              </a:rPr>
-              <a:t>(“Fim do Programa");</a:t>
-            </a:r>
-            <a:endParaRPr lang="pt-BR" dirty="0">
-              <a:latin typeface="Courier New" pitchFamily="49" charset="0"/>
-              <a:cs typeface="Courier New" pitchFamily="49" charset="0"/>
-            </a:endParaRPr>
-          </a:p>
-        </p:txBody>
-      </p:sp>
-      <p:sp>
-        <p:nvSpPr>
-          <p:cNvPr id="7" name="CaixaDeTexto 6"/>
-          <p:cNvSpPr txBox="1"/>
-          <p:nvPr/>
-        </p:nvSpPr>
-        <p:spPr>
-          <a:xfrm>
-            <a:off x="1259632" y="824394"/>
-            <a:ext cx="288032" cy="523220"/>
-          </a:xfrm>
-          <a:prstGeom prst="rect">
-            <a:avLst/>
-          </a:prstGeom>
-          <a:noFill/>
-        </p:spPr>
-        <p:txBody>
-          <a:bodyPr wrap="square" rtlCol="0">
-            <a:spAutoFit/>
-          </a:bodyPr>
-          <a:lstStyle/>
-          <a:p>
-            <a:r>
-              <a:rPr lang="pt-BR" sz="2800" dirty="0" smtClean="0">
-                <a:latin typeface="Bangers" charset="0"/>
-              </a:rPr>
-              <a:t>´</a:t>
-            </a:r>
-            <a:endParaRPr lang="pt-BR" sz="2800" dirty="0">
-              <a:latin typeface="Bangers" charset="0"/>
             </a:endParaRPr>
           </a:p>
         </p:txBody>
@@ -16160,7 +16681,7 @@
           <a:blip r:embed="rId4">
             <a:extLst>
               <a:ext uri="{28A0092B-C50C-407E-A947-70E740481C1C}">
-                <a14:useLocalDpi xmlns:a14="http://schemas.microsoft.com/office/drawing/2010/main" xmlns="" val="0"/>
+                <a14:useLocalDpi xmlns:a14="http://schemas.microsoft.com/office/drawing/2010/main" val="0"/>
               </a:ext>
             </a:extLst>
           </a:blip>
@@ -16180,7 +16701,7 @@
           <a:noFill/>
           <a:extLst>
             <a:ext uri="{909E8E84-426E-40DD-AFC4-6F175D3DCCD1}">
-              <a14:hiddenFill xmlns:a14="http://schemas.microsoft.com/office/drawing/2010/main" xmlns="">
+              <a14:hiddenFill xmlns:a14="http://schemas.microsoft.com/office/drawing/2010/main">
                 <a:solidFill>
                   <a:srgbClr val="FFFFFF"/>
                 </a:solidFill>
@@ -16201,7 +16722,7 @@
           <a:blip r:embed="rId5">
             <a:extLst>
               <a:ext uri="{28A0092B-C50C-407E-A947-70E740481C1C}">
-                <a14:useLocalDpi xmlns:a14="http://schemas.microsoft.com/office/drawing/2010/main" xmlns="" val="0"/>
+                <a14:useLocalDpi xmlns:a14="http://schemas.microsoft.com/office/drawing/2010/main" val="0"/>
               </a:ext>
             </a:extLst>
           </a:blip>
@@ -16221,7 +16742,7 @@
           <a:noFill/>
           <a:extLst>
             <a:ext uri="{909E8E84-426E-40DD-AFC4-6F175D3DCCD1}">
-              <a14:hiddenFill xmlns:a14="http://schemas.microsoft.com/office/drawing/2010/main" xmlns="">
+              <a14:hiddenFill xmlns:a14="http://schemas.microsoft.com/office/drawing/2010/main">
                 <a:solidFill>
                   <a:srgbClr val="FFFFFF"/>
                 </a:solidFill>
@@ -16246,6 +16767,253 @@
 </file>
 
 <file path=ppt/slides/slide30.xml><?xml version="1.0" encoding="utf-8"?>
+<p:sld xmlns:a="http://schemas.openxmlformats.org/drawingml/2006/main" xmlns:r="http://schemas.openxmlformats.org/officeDocument/2006/relationships" xmlns:p="http://schemas.openxmlformats.org/presentationml/2006/main">
+  <p:cSld>
+    <p:bg>
+      <p:bgPr>
+        <a:solidFill>
+          <a:srgbClr val="824BB0"/>
+        </a:solidFill>
+        <a:effectLst/>
+      </p:bgPr>
+    </p:bg>
+    <p:spTree>
+      <p:nvGrpSpPr>
+        <p:cNvPr id="1" name="Shape 98"/>
+        <p:cNvGrpSpPr/>
+        <p:nvPr/>
+      </p:nvGrpSpPr>
+      <p:grpSpPr>
+        <a:xfrm>
+          <a:off x="0" y="0"/>
+          <a:ext cx="0" cy="0"/>
+          <a:chOff x="0" y="0"/>
+          <a:chExt cx="0" cy="0"/>
+        </a:xfrm>
+      </p:grpSpPr>
+      <p:sp>
+        <p:nvSpPr>
+          <p:cNvPr id="5" name="Título 4"/>
+          <p:cNvSpPr>
+            <a:spLocks noGrp="1"/>
+          </p:cNvSpPr>
+          <p:nvPr>
+            <p:ph type="title"/>
+          </p:nvPr>
+        </p:nvSpPr>
+        <p:spPr/>
+        <p:txBody>
+          <a:bodyPr/>
+          <a:lstStyle/>
+          <a:p>
+            <a:r>
+              <a:rPr lang="pt-BR" dirty="0" err="1" smtClean="0"/>
+              <a:t>Codigo</a:t>
+            </a:r>
+            <a:r>
+              <a:rPr lang="pt-BR" dirty="0" smtClean="0"/>
+              <a:t> </a:t>
+            </a:r>
+            <a:r>
+              <a:rPr lang="pt-BR" dirty="0" err="1" smtClean="0"/>
+              <a:t>blocking</a:t>
+            </a:r>
+            <a:endParaRPr lang="pt-BR" dirty="0"/>
+          </a:p>
+        </p:txBody>
+      </p:sp>
+      <p:sp>
+        <p:nvSpPr>
+          <p:cNvPr id="6" name="Espaço Reservado para Texto 5"/>
+          <p:cNvSpPr>
+            <a:spLocks noGrp="1"/>
+          </p:cNvSpPr>
+          <p:nvPr>
+            <p:ph type="body" idx="1"/>
+          </p:nvPr>
+        </p:nvSpPr>
+        <p:spPr/>
+        <p:txBody>
+          <a:bodyPr/>
+          <a:lstStyle/>
+          <a:p>
+            <a:pPr>
+              <a:buNone/>
+            </a:pPr>
+            <a:r>
+              <a:rPr lang="pt-BR" dirty="0" smtClean="0">
+                <a:latin typeface="Courier New" pitchFamily="49" charset="0"/>
+                <a:cs typeface="Courier New" pitchFamily="49" charset="0"/>
+              </a:rPr>
+              <a:t>var </a:t>
+            </a:r>
+            <a:r>
+              <a:rPr lang="pt-BR" dirty="0" err="1" smtClean="0">
+                <a:latin typeface="Courier New" pitchFamily="49" charset="0"/>
+                <a:cs typeface="Courier New" pitchFamily="49" charset="0"/>
+              </a:rPr>
+              <a:t>fs</a:t>
+            </a:r>
+            <a:r>
+              <a:rPr lang="pt-BR" dirty="0" smtClean="0">
+                <a:latin typeface="Courier New" pitchFamily="49" charset="0"/>
+                <a:cs typeface="Courier New" pitchFamily="49" charset="0"/>
+              </a:rPr>
+              <a:t> = </a:t>
+            </a:r>
+            <a:r>
+              <a:rPr lang="pt-BR" dirty="0" err="1" smtClean="0">
+                <a:latin typeface="Courier New" pitchFamily="49" charset="0"/>
+                <a:cs typeface="Courier New" pitchFamily="49" charset="0"/>
+              </a:rPr>
+              <a:t>require</a:t>
+            </a:r>
+            <a:r>
+              <a:rPr lang="pt-BR" dirty="0" smtClean="0">
+                <a:latin typeface="Courier New" pitchFamily="49" charset="0"/>
+                <a:cs typeface="Courier New" pitchFamily="49" charset="0"/>
+              </a:rPr>
+              <a:t>("</a:t>
+            </a:r>
+            <a:r>
+              <a:rPr lang="pt-BR" dirty="0" err="1" smtClean="0">
+                <a:latin typeface="Courier New" pitchFamily="49" charset="0"/>
+                <a:cs typeface="Courier New" pitchFamily="49" charset="0"/>
+              </a:rPr>
+              <a:t>fs</a:t>
+            </a:r>
+            <a:r>
+              <a:rPr lang="pt-BR" dirty="0" smtClean="0">
+                <a:latin typeface="Courier New" pitchFamily="49" charset="0"/>
+                <a:cs typeface="Courier New" pitchFamily="49" charset="0"/>
+              </a:rPr>
+              <a:t>"); </a:t>
+            </a:r>
+          </a:p>
+          <a:p>
+            <a:pPr>
+              <a:buNone/>
+            </a:pPr>
+            <a:r>
+              <a:rPr lang="pt-BR" dirty="0" smtClean="0">
+                <a:latin typeface="Courier New" pitchFamily="49" charset="0"/>
+                <a:cs typeface="Courier New" pitchFamily="49" charset="0"/>
+              </a:rPr>
+              <a:t>var data = </a:t>
+            </a:r>
+            <a:r>
+              <a:rPr lang="pt-BR" dirty="0" err="1" smtClean="0">
+                <a:latin typeface="Courier New" pitchFamily="49" charset="0"/>
+                <a:cs typeface="Courier New" pitchFamily="49" charset="0"/>
+              </a:rPr>
+              <a:t>fs.readFileSync</a:t>
+            </a:r>
+            <a:r>
+              <a:rPr lang="pt-BR" dirty="0" smtClean="0">
+                <a:latin typeface="Courier New" pitchFamily="49" charset="0"/>
+                <a:cs typeface="Courier New" pitchFamily="49" charset="0"/>
+              </a:rPr>
+              <a:t>('input.txt'); console.</a:t>
+            </a:r>
+            <a:r>
+              <a:rPr lang="pt-BR" dirty="0" err="1" smtClean="0">
+                <a:latin typeface="Courier New" pitchFamily="49" charset="0"/>
+                <a:cs typeface="Courier New" pitchFamily="49" charset="0"/>
+              </a:rPr>
+              <a:t>log</a:t>
+            </a:r>
+            <a:r>
+              <a:rPr lang="pt-BR" dirty="0" smtClean="0">
+                <a:latin typeface="Courier New" pitchFamily="49" charset="0"/>
+                <a:cs typeface="Courier New" pitchFamily="49" charset="0"/>
+              </a:rPr>
+              <a:t>(data.</a:t>
+            </a:r>
+            <a:r>
+              <a:rPr lang="pt-BR" dirty="0" err="1" smtClean="0">
+                <a:latin typeface="Courier New" pitchFamily="49" charset="0"/>
+                <a:cs typeface="Courier New" pitchFamily="49" charset="0"/>
+              </a:rPr>
+              <a:t>toString</a:t>
+            </a:r>
+            <a:r>
+              <a:rPr lang="pt-BR" dirty="0" smtClean="0">
+                <a:latin typeface="Courier New" pitchFamily="49" charset="0"/>
+                <a:cs typeface="Courier New" pitchFamily="49" charset="0"/>
+              </a:rPr>
+              <a:t>()); console.</a:t>
+            </a:r>
+            <a:r>
+              <a:rPr lang="pt-BR" dirty="0" err="1" smtClean="0">
+                <a:latin typeface="Courier New" pitchFamily="49" charset="0"/>
+                <a:cs typeface="Courier New" pitchFamily="49" charset="0"/>
+              </a:rPr>
+              <a:t>log</a:t>
+            </a:r>
+            <a:r>
+              <a:rPr lang="pt-BR" dirty="0" smtClean="0">
+                <a:latin typeface="Courier New" pitchFamily="49" charset="0"/>
+                <a:cs typeface="Courier New" pitchFamily="49" charset="0"/>
+              </a:rPr>
+              <a:t>(“Fim do Programa");</a:t>
+            </a:r>
+            <a:endParaRPr lang="pt-BR" dirty="0">
+              <a:latin typeface="Courier New" pitchFamily="49" charset="0"/>
+              <a:cs typeface="Courier New" pitchFamily="49" charset="0"/>
+            </a:endParaRPr>
+          </a:p>
+        </p:txBody>
+      </p:sp>
+      <p:sp>
+        <p:nvSpPr>
+          <p:cNvPr id="7" name="CaixaDeTexto 6"/>
+          <p:cNvSpPr txBox="1"/>
+          <p:nvPr/>
+        </p:nvSpPr>
+        <p:spPr>
+          <a:xfrm>
+            <a:off x="1259632" y="824394"/>
+            <a:ext cx="288032" cy="523220"/>
+          </a:xfrm>
+          <a:prstGeom prst="rect">
+            <a:avLst/>
+          </a:prstGeom>
+          <a:noFill/>
+        </p:spPr>
+        <p:txBody>
+          <a:bodyPr wrap="square" rtlCol="0">
+            <a:spAutoFit/>
+          </a:bodyPr>
+          <a:lstStyle/>
+          <a:p>
+            <a:r>
+              <a:rPr lang="pt-BR" sz="2800" dirty="0" smtClean="0">
+                <a:latin typeface="Bangers" charset="0"/>
+              </a:rPr>
+              <a:t>´</a:t>
+            </a:r>
+            <a:endParaRPr lang="pt-BR" sz="2800" dirty="0">
+              <a:latin typeface="Bangers" charset="0"/>
+            </a:endParaRPr>
+          </a:p>
+        </p:txBody>
+      </p:sp>
+    </p:spTree>
+  </p:cSld>
+  <p:clrMapOvr>
+    <a:masterClrMapping/>
+  </p:clrMapOvr>
+  <p:timing>
+    <p:tnLst>
+      <p:par>
+        <p:cTn id="1" dur="indefinite" restart="never" nodeType="tmRoot"/>
+      </p:par>
+    </p:tnLst>
+  </p:timing>
+</p:sld>
+</file>
+
+<file path=ppt/slides/slide31.xml><?xml version="1.0" encoding="utf-8"?>
 <p:sld xmlns:a="http://schemas.openxmlformats.org/drawingml/2006/main" xmlns:r="http://schemas.openxmlformats.org/officeDocument/2006/relationships" xmlns:p="http://schemas.openxmlformats.org/presentationml/2006/main">
   <p:cSld>
     <p:bg>
@@ -16618,7 +17386,7 @@
 </p:sld>
 </file>
 
-<file path=ppt/slides/slide31.xml><?xml version="1.0" encoding="utf-8"?>
+<file path=ppt/slides/slide32.xml><?xml version="1.0" encoding="utf-8"?>
 <p:sld xmlns:a="http://schemas.openxmlformats.org/drawingml/2006/main" xmlns:r="http://schemas.openxmlformats.org/officeDocument/2006/relationships" xmlns:p="http://schemas.openxmlformats.org/presentationml/2006/main">
   <p:cSld>
     <p:bg>
@@ -17301,85 +18069,14 @@
   <p:timing>
     <p:tnLst>
       <p:par>
-        <p:cTn id="1" dur="indefinite" restart="never" nodeType="tmRoot">
-          <p:childTnLst>
-            <p:seq concurrent="1" nextAc="seek">
-              <p:cTn id="2" dur="indefinite" nodeType="mainSeq">
-                <p:childTnLst>
-                  <p:par>
-                    <p:cTn id="3" fill="hold">
-                      <p:stCondLst>
-                        <p:cond delay="indefinite"/>
-                      </p:stCondLst>
-                      <p:childTnLst>
-                        <p:par>
-                          <p:cTn id="4" fill="hold">
-                            <p:stCondLst>
-                              <p:cond delay="0"/>
-                            </p:stCondLst>
-                            <p:childTnLst>
-                              <p:par>
-                                <p:cTn id="5" presetID="1" presetClass="exit" presetSubtype="0" fill="hold" grpId="0" nodeType="clickEffect">
-                                  <p:stCondLst>
-                                    <p:cond delay="0"/>
-                                  </p:stCondLst>
-                                  <p:childTnLst>
-                                    <p:set>
-                                      <p:cBhvr>
-                                        <p:cTn id="6" dur="1" fill="hold">
-                                          <p:stCondLst>
-                                            <p:cond delay="0"/>
-                                          </p:stCondLst>
-                                        </p:cTn>
-                                        <p:tgtEl>
-                                          <p:spTgt spid="5"/>
-                                        </p:tgtEl>
-                                        <p:attrNameLst>
-                                          <p:attrName>style.visibility</p:attrName>
-                                        </p:attrNameLst>
-                                      </p:cBhvr>
-                                      <p:to>
-                                        <p:strVal val="hidden"/>
-                                      </p:to>
-                                    </p:set>
-                                  </p:childTnLst>
-                                </p:cTn>
-                              </p:par>
-                            </p:childTnLst>
-                          </p:cTn>
-                        </p:par>
-                      </p:childTnLst>
-                    </p:cTn>
-                  </p:par>
-                </p:childTnLst>
-              </p:cTn>
-              <p:prevCondLst>
-                <p:cond evt="onPrev" delay="0">
-                  <p:tgtEl>
-                    <p:sldTgt/>
-                  </p:tgtEl>
-                </p:cond>
-              </p:prevCondLst>
-              <p:nextCondLst>
-                <p:cond evt="onNext" delay="0">
-                  <p:tgtEl>
-                    <p:sldTgt/>
-                  </p:tgtEl>
-                </p:cond>
-              </p:nextCondLst>
-            </p:seq>
-          </p:childTnLst>
-        </p:cTn>
+        <p:cTn id="1" dur="indefinite" restart="never" nodeType="tmRoot"/>
       </p:par>
     </p:tnLst>
-    <p:bldLst>
-      <p:bldP spid="5" grpId="0"/>
-    </p:bldLst>
   </p:timing>
 </p:sld>
 </file>
 
-<file path=ppt/slides/slide32.xml><?xml version="1.0" encoding="utf-8"?>
+<file path=ppt/slides/slide33.xml><?xml version="1.0" encoding="utf-8"?>
 <p:sld xmlns:a="http://schemas.openxmlformats.org/drawingml/2006/main" xmlns:r="http://schemas.openxmlformats.org/officeDocument/2006/relationships" xmlns:p="http://schemas.openxmlformats.org/presentationml/2006/main">
   <p:cSld>
     <p:bg>
@@ -17446,7 +18143,7 @@
     </p:spTree>
     <p:extLst>
       <p:ext uri="{BB962C8B-B14F-4D97-AF65-F5344CB8AC3E}">
-        <p14:creationId xmlns:p14="http://schemas.microsoft.com/office/powerpoint/2010/main" xmlns="" val="937290710"/>
+        <p14:creationId xmlns:p14="http://schemas.microsoft.com/office/powerpoint/2010/main" val="937290710"/>
       </p:ext>
     </p:extLst>
   </p:cSld>
@@ -17463,7 +18160,7 @@
 </p:sld>
 </file>
 
-<file path=ppt/slides/slide33.xml><?xml version="1.0" encoding="utf-8"?>
+<file path=ppt/slides/slide34.xml><?xml version="1.0" encoding="utf-8"?>
 <p:sld xmlns:a="http://schemas.openxmlformats.org/drawingml/2006/main" xmlns:r="http://schemas.openxmlformats.org/officeDocument/2006/relationships" xmlns:p="http://schemas.openxmlformats.org/presentationml/2006/main">
   <p:cSld>
     <p:spTree>
@@ -17776,7 +18473,7 @@
 </p:sld>
 </file>
 
-<file path=ppt/slides/slide34.xml><?xml version="1.0" encoding="utf-8"?>
+<file path=ppt/slides/slide35.xml><?xml version="1.0" encoding="utf-8"?>
 <p:sld xmlns:a="http://schemas.openxmlformats.org/drawingml/2006/main" xmlns:r="http://schemas.openxmlformats.org/officeDocument/2006/relationships" xmlns:p="http://schemas.openxmlformats.org/presentationml/2006/main">
   <p:cSld>
     <p:bg>
@@ -17939,7 +18636,7 @@
 </p:sld>
 </file>
 
-<file path=ppt/slides/slide35.xml><?xml version="1.0" encoding="utf-8"?>
+<file path=ppt/slides/slide36.xml><?xml version="1.0" encoding="utf-8"?>
 <p:sld xmlns:a="http://schemas.openxmlformats.org/drawingml/2006/main" xmlns:r="http://schemas.openxmlformats.org/officeDocument/2006/relationships" xmlns:p="http://schemas.openxmlformats.org/presentationml/2006/main">
   <p:cSld>
     <p:spTree>
@@ -17965,10 +18662,10 @@
           <p:nvPr/>
         </p:nvPicPr>
         <p:blipFill>
-          <a:blip r:embed="rId2">
+          <a:blip r:embed="rId3">
             <a:extLst>
               <a:ext uri="{28A0092B-C50C-407E-A947-70E740481C1C}">
-                <a14:useLocalDpi xmlns:a14="http://schemas.microsoft.com/office/drawing/2010/main" xmlns="" val="0"/>
+                <a14:useLocalDpi xmlns:a14="http://schemas.microsoft.com/office/drawing/2010/main" val="0"/>
               </a:ext>
             </a:extLst>
           </a:blip>
@@ -17988,7 +18685,7 @@
           <a:noFill/>
           <a:extLst>
             <a:ext uri="{909E8E84-426E-40DD-AFC4-6F175D3DCCD1}">
-              <a14:hiddenFill xmlns:a14="http://schemas.microsoft.com/office/drawing/2010/main" xmlns="">
+              <a14:hiddenFill xmlns:a14="http://schemas.microsoft.com/office/drawing/2010/main">
                 <a:solidFill>
                   <a:srgbClr val="FFFFFF"/>
                 </a:solidFill>
@@ -18058,7 +18755,7 @@
 </p:sld>
 </file>
 
-<file path=ppt/slides/slide36.xml><?xml version="1.0" encoding="utf-8"?>
+<file path=ppt/slides/slide37.xml><?xml version="1.0" encoding="utf-8"?>
 <p:sld xmlns:a="http://schemas.openxmlformats.org/drawingml/2006/main" xmlns:r="http://schemas.openxmlformats.org/officeDocument/2006/relationships" xmlns:p="http://schemas.openxmlformats.org/presentationml/2006/main">
   <p:cSld>
     <p:bg>
@@ -18133,7 +18830,7 @@
 </p:sld>
 </file>
 
-<file path=ppt/slides/slide37.xml><?xml version="1.0" encoding="utf-8"?>
+<file path=ppt/slides/slide38.xml><?xml version="1.0" encoding="utf-8"?>
 <p:sld xmlns:a="http://schemas.openxmlformats.org/drawingml/2006/main" xmlns:r="http://schemas.openxmlformats.org/officeDocument/2006/relationships" xmlns:p="http://schemas.openxmlformats.org/presentationml/2006/main">
   <p:cSld>
     <p:bg>
@@ -18428,7 +19125,7 @@
 </p:sld>
 </file>
 
-<file path=ppt/slides/slide38.xml><?xml version="1.0" encoding="utf-8"?>
+<file path=ppt/slides/slide39.xml><?xml version="1.0" encoding="utf-8"?>
 <p:sld xmlns:a="http://schemas.openxmlformats.org/drawingml/2006/main" xmlns:r="http://schemas.openxmlformats.org/officeDocument/2006/relationships" xmlns:p="http://schemas.openxmlformats.org/presentationml/2006/main">
   <p:cSld>
     <p:bg>
@@ -18594,391 +19291,9 @@
     </p:spTree>
     <p:extLst>
       <p:ext uri="{BB962C8B-B14F-4D97-AF65-F5344CB8AC3E}">
-        <p14:creationId xmlns:p14="http://schemas.microsoft.com/office/powerpoint/2010/main" xmlns="" val="3253353910"/>
+        <p14:creationId xmlns:p14="http://schemas.microsoft.com/office/powerpoint/2010/main" val="3253353910"/>
       </p:ext>
     </p:extLst>
-  </p:cSld>
-  <p:clrMapOvr>
-    <a:masterClrMapping/>
-  </p:clrMapOvr>
-  <p:timing>
-    <p:tnLst>
-      <p:par>
-        <p:cTn id="1" dur="indefinite" restart="never" nodeType="tmRoot"/>
-      </p:par>
-    </p:tnLst>
-  </p:timing>
-</p:sld>
-</file>
-
-<file path=ppt/slides/slide39.xml><?xml version="1.0" encoding="utf-8"?>
-<p:sld xmlns:a="http://schemas.openxmlformats.org/drawingml/2006/main" xmlns:r="http://schemas.openxmlformats.org/officeDocument/2006/relationships" xmlns:p="http://schemas.openxmlformats.org/presentationml/2006/main">
-  <p:cSld>
-    <p:bg>
-      <p:bgPr>
-        <a:solidFill>
-          <a:srgbClr val="35C4CA"/>
-        </a:solidFill>
-        <a:effectLst/>
-      </p:bgPr>
-    </p:bg>
-    <p:spTree>
-      <p:nvGrpSpPr>
-        <p:cNvPr id="1" name="Shape 125"/>
-        <p:cNvGrpSpPr/>
-        <p:nvPr/>
-      </p:nvGrpSpPr>
-      <p:grpSpPr>
-        <a:xfrm>
-          <a:off x="0" y="0"/>
-          <a:ext cx="0" cy="0"/>
-          <a:chOff x="0" y="0"/>
-          <a:chExt cx="0" cy="0"/>
-        </a:xfrm>
-      </p:grpSpPr>
-      <p:sp>
-        <p:nvSpPr>
-          <p:cNvPr id="126" name="Shape 126"/>
-          <p:cNvSpPr txBox="1">
-            <a:spLocks noGrp="1"/>
-          </p:cNvSpPr>
-          <p:nvPr>
-            <p:ph type="title"/>
-          </p:nvPr>
-        </p:nvSpPr>
-        <p:spPr>
-          <a:prstGeom prst="rect">
-            <a:avLst/>
-          </a:prstGeom>
-        </p:spPr>
-        <p:txBody>
-          <a:bodyPr lIns="91425" tIns="91425" rIns="91425" bIns="91425" anchor="b" anchorCtr="0">
-            <a:noAutofit/>
-          </a:bodyPr>
-          <a:lstStyle/>
-          <a:p>
-            <a:pPr lvl="0"/>
-            <a:r>
-              <a:rPr lang="en" dirty="0" smtClean="0"/>
-              <a:t>Hello world web</a:t>
-            </a:r>
-            <a:endParaRPr lang="en" dirty="0"/>
-          </a:p>
-        </p:txBody>
-      </p:sp>
-      <p:sp>
-        <p:nvSpPr>
-          <p:cNvPr id="129" name="Shape 129"/>
-          <p:cNvSpPr txBox="1">
-            <a:spLocks noGrp="1"/>
-          </p:cNvSpPr>
-          <p:nvPr>
-            <p:ph type="body" idx="3"/>
-          </p:nvPr>
-        </p:nvSpPr>
-        <p:spPr>
-          <a:xfrm>
-            <a:off x="1187624" y="1563638"/>
-            <a:ext cx="7560840" cy="2822700"/>
-          </a:xfrm>
-          <a:prstGeom prst="rect">
-            <a:avLst/>
-          </a:prstGeom>
-        </p:spPr>
-        <p:txBody>
-          <a:bodyPr lIns="91425" tIns="91425" rIns="91425" bIns="91425" anchor="t" anchorCtr="0">
-            <a:noAutofit/>
-          </a:bodyPr>
-          <a:lstStyle/>
-          <a:p>
-            <a:pPr>
-              <a:buNone/>
-            </a:pPr>
-            <a:r>
-              <a:rPr lang="pt-BR" sz="2000" dirty="0">
-                <a:latin typeface="Courier New" pitchFamily="49" charset="0"/>
-                <a:cs typeface="Courier New" pitchFamily="49" charset="0"/>
-              </a:rPr>
-              <a:t>var </a:t>
-            </a:r>
-            <a:r>
-              <a:rPr lang="pt-BR" sz="2000" dirty="0" err="1">
-                <a:latin typeface="Courier New" pitchFamily="49" charset="0"/>
-                <a:cs typeface="Courier New" pitchFamily="49" charset="0"/>
-              </a:rPr>
-              <a:t>http</a:t>
-            </a:r>
-            <a:r>
-              <a:rPr lang="pt-BR" sz="2000" dirty="0">
-                <a:latin typeface="Courier New" pitchFamily="49" charset="0"/>
-                <a:cs typeface="Courier New" pitchFamily="49" charset="0"/>
-              </a:rPr>
-              <a:t> = </a:t>
-            </a:r>
-            <a:r>
-              <a:rPr lang="pt-BR" sz="2000" dirty="0" err="1">
-                <a:latin typeface="Courier New" pitchFamily="49" charset="0"/>
-                <a:cs typeface="Courier New" pitchFamily="49" charset="0"/>
-              </a:rPr>
-              <a:t>require</a:t>
-            </a:r>
-            <a:r>
-              <a:rPr lang="pt-BR" sz="2000" dirty="0">
-                <a:latin typeface="Courier New" pitchFamily="49" charset="0"/>
-                <a:cs typeface="Courier New" pitchFamily="49" charset="0"/>
-              </a:rPr>
-              <a:t>('</a:t>
-            </a:r>
-            <a:r>
-              <a:rPr lang="pt-BR" sz="2000" dirty="0" err="1">
-                <a:latin typeface="Courier New" pitchFamily="49" charset="0"/>
-                <a:cs typeface="Courier New" pitchFamily="49" charset="0"/>
-              </a:rPr>
-              <a:t>http</a:t>
-            </a:r>
-            <a:r>
-              <a:rPr lang="pt-BR" sz="2000" dirty="0">
-                <a:latin typeface="Courier New" pitchFamily="49" charset="0"/>
-                <a:cs typeface="Courier New" pitchFamily="49" charset="0"/>
-              </a:rPr>
-              <a:t>');</a:t>
-            </a:r>
-          </a:p>
-          <a:p>
-            <a:pPr>
-              <a:buNone/>
-            </a:pPr>
-            <a:r>
-              <a:rPr lang="pt-BR" sz="2000" dirty="0" err="1">
-                <a:latin typeface="Courier New" pitchFamily="49" charset="0"/>
-                <a:cs typeface="Courier New" pitchFamily="49" charset="0"/>
-              </a:rPr>
-              <a:t>http.createServer</a:t>
-            </a:r>
-            <a:r>
-              <a:rPr lang="pt-BR" sz="2000" dirty="0">
-                <a:latin typeface="Courier New" pitchFamily="49" charset="0"/>
-                <a:cs typeface="Courier New" pitchFamily="49" charset="0"/>
-              </a:rPr>
-              <a:t>(</a:t>
-            </a:r>
-            <a:r>
-              <a:rPr lang="pt-BR" sz="2000" dirty="0" err="1">
-                <a:latin typeface="Courier New" pitchFamily="49" charset="0"/>
-                <a:cs typeface="Courier New" pitchFamily="49" charset="0"/>
-              </a:rPr>
-              <a:t>function</a:t>
-            </a:r>
-            <a:r>
-              <a:rPr lang="pt-BR" sz="2000" dirty="0">
-                <a:latin typeface="Courier New" pitchFamily="49" charset="0"/>
-                <a:cs typeface="Courier New" pitchFamily="49" charset="0"/>
-              </a:rPr>
-              <a:t>(</a:t>
-            </a:r>
-            <a:r>
-              <a:rPr lang="pt-BR" sz="2000" dirty="0" err="1">
-                <a:latin typeface="Courier New" pitchFamily="49" charset="0"/>
-                <a:cs typeface="Courier New" pitchFamily="49" charset="0"/>
-              </a:rPr>
-              <a:t>req</a:t>
-            </a:r>
-            <a:r>
-              <a:rPr lang="pt-BR" sz="2000" dirty="0">
-                <a:latin typeface="Courier New" pitchFamily="49" charset="0"/>
-                <a:cs typeface="Courier New" pitchFamily="49" charset="0"/>
-              </a:rPr>
-              <a:t>, res){</a:t>
-            </a:r>
-          </a:p>
-          <a:p>
-            <a:pPr>
-              <a:buNone/>
-            </a:pPr>
-            <a:r>
-              <a:rPr lang="pt-BR" sz="2000" dirty="0">
-                <a:latin typeface="Courier New" pitchFamily="49" charset="0"/>
-                <a:cs typeface="Courier New" pitchFamily="49" charset="0"/>
-              </a:rPr>
-              <a:t>   </a:t>
-            </a:r>
-            <a:r>
-              <a:rPr lang="pt-BR" sz="2000" dirty="0" err="1">
-                <a:latin typeface="Courier New" pitchFamily="49" charset="0"/>
-                <a:cs typeface="Courier New" pitchFamily="49" charset="0"/>
-              </a:rPr>
-              <a:t>res.writeHead</a:t>
-            </a:r>
-            <a:r>
-              <a:rPr lang="pt-BR" sz="2000" dirty="0">
-                <a:latin typeface="Courier New" pitchFamily="49" charset="0"/>
-                <a:cs typeface="Courier New" pitchFamily="49" charset="0"/>
-              </a:rPr>
-              <a:t>(200, {</a:t>
-            </a:r>
-            <a:r>
-              <a:rPr lang="pt-BR" sz="2000" dirty="0" smtClean="0">
-                <a:latin typeface="Courier New" pitchFamily="49" charset="0"/>
-                <a:cs typeface="Courier New" pitchFamily="49" charset="0"/>
-              </a:rPr>
-              <a:t>'</a:t>
-            </a:r>
-            <a:r>
-              <a:rPr lang="pt-BR" sz="2000" dirty="0" err="1" smtClean="0">
-                <a:latin typeface="Courier New" pitchFamily="49" charset="0"/>
-                <a:cs typeface="Courier New" pitchFamily="49" charset="0"/>
-              </a:rPr>
-              <a:t>Content</a:t>
-            </a:r>
-            <a:r>
-              <a:rPr lang="pt-BR" sz="2000" dirty="0" smtClean="0">
-                <a:latin typeface="Courier New" pitchFamily="49" charset="0"/>
-                <a:cs typeface="Courier New" pitchFamily="49" charset="0"/>
-              </a:rPr>
-              <a:t> </a:t>
-            </a:r>
-            <a:r>
-              <a:rPr lang="pt-BR" sz="2000" dirty="0" err="1" smtClean="0">
-                <a:latin typeface="Courier New" pitchFamily="49" charset="0"/>
-                <a:cs typeface="Courier New" pitchFamily="49" charset="0"/>
-              </a:rPr>
-              <a:t>Type</a:t>
-            </a:r>
-            <a:r>
-              <a:rPr lang="pt-BR" sz="2000" dirty="0">
-                <a:latin typeface="Courier New" pitchFamily="49" charset="0"/>
-                <a:cs typeface="Courier New" pitchFamily="49" charset="0"/>
-              </a:rPr>
-              <a:t>':'</a:t>
-            </a:r>
-            <a:r>
-              <a:rPr lang="pt-BR" sz="2000" dirty="0" err="1">
-                <a:latin typeface="Courier New" pitchFamily="49" charset="0"/>
-                <a:cs typeface="Courier New" pitchFamily="49" charset="0"/>
-              </a:rPr>
-              <a:t>text</a:t>
-            </a:r>
-            <a:r>
-              <a:rPr lang="pt-BR" sz="2000" dirty="0">
-                <a:latin typeface="Courier New" pitchFamily="49" charset="0"/>
-                <a:cs typeface="Courier New" pitchFamily="49" charset="0"/>
-              </a:rPr>
-              <a:t>/</a:t>
-            </a:r>
-            <a:r>
-              <a:rPr lang="pt-BR" sz="2000" dirty="0" err="1">
-                <a:latin typeface="Courier New" pitchFamily="49" charset="0"/>
-                <a:cs typeface="Courier New" pitchFamily="49" charset="0"/>
-              </a:rPr>
-              <a:t>plain</a:t>
-            </a:r>
-            <a:r>
-              <a:rPr lang="pt-BR" sz="2000" dirty="0">
-                <a:latin typeface="Courier New" pitchFamily="49" charset="0"/>
-                <a:cs typeface="Courier New" pitchFamily="49" charset="0"/>
-              </a:rPr>
-              <a:t>'});</a:t>
-            </a:r>
-          </a:p>
-          <a:p>
-            <a:pPr>
-              <a:buNone/>
-            </a:pPr>
-            <a:r>
-              <a:rPr lang="pt-BR" sz="2000" dirty="0">
-                <a:latin typeface="Courier New" pitchFamily="49" charset="0"/>
-                <a:cs typeface="Courier New" pitchFamily="49" charset="0"/>
-              </a:rPr>
-              <a:t>   </a:t>
-            </a:r>
-            <a:r>
-              <a:rPr lang="pt-BR" sz="2000" dirty="0" err="1">
-                <a:latin typeface="Courier New" pitchFamily="49" charset="0"/>
-                <a:cs typeface="Courier New" pitchFamily="49" charset="0"/>
-              </a:rPr>
-              <a:t>res.end</a:t>
-            </a:r>
-            <a:r>
-              <a:rPr lang="pt-BR" sz="2000" dirty="0">
-                <a:latin typeface="Courier New" pitchFamily="49" charset="0"/>
-                <a:cs typeface="Courier New" pitchFamily="49" charset="0"/>
-              </a:rPr>
-              <a:t>('</a:t>
-            </a:r>
-            <a:r>
-              <a:rPr lang="pt-BR" sz="2000" dirty="0" err="1">
-                <a:latin typeface="Courier New" pitchFamily="49" charset="0"/>
-                <a:cs typeface="Courier New" pitchFamily="49" charset="0"/>
-              </a:rPr>
-              <a:t>Hello</a:t>
-            </a:r>
-            <a:r>
-              <a:rPr lang="pt-BR" sz="2000" dirty="0">
-                <a:latin typeface="Courier New" pitchFamily="49" charset="0"/>
-                <a:cs typeface="Courier New" pitchFamily="49" charset="0"/>
-              </a:rPr>
-              <a:t> World\n');</a:t>
-            </a:r>
-          </a:p>
-          <a:p>
-            <a:pPr>
-              <a:buNone/>
-            </a:pPr>
-            <a:r>
-              <a:rPr lang="pt-BR" sz="2000" dirty="0">
-                <a:latin typeface="Courier New" pitchFamily="49" charset="0"/>
-                <a:cs typeface="Courier New" pitchFamily="49" charset="0"/>
-              </a:rPr>
-              <a:t>}).</a:t>
-            </a:r>
-            <a:r>
-              <a:rPr lang="pt-BR" sz="2000" dirty="0" err="1">
-                <a:latin typeface="Courier New" pitchFamily="49" charset="0"/>
-                <a:cs typeface="Courier New" pitchFamily="49" charset="0"/>
-              </a:rPr>
-              <a:t>listen</a:t>
-            </a:r>
-            <a:r>
-              <a:rPr lang="pt-BR" sz="2000" dirty="0">
-                <a:latin typeface="Courier New" pitchFamily="49" charset="0"/>
-                <a:cs typeface="Courier New" pitchFamily="49" charset="0"/>
-              </a:rPr>
-              <a:t>(1337, '127.0.0.1');</a:t>
-            </a:r>
-          </a:p>
-          <a:p>
-            <a:pPr>
-              <a:buNone/>
-            </a:pPr>
-            <a:r>
-              <a:rPr lang="pt-BR" sz="2000" dirty="0">
-                <a:latin typeface="Courier New" pitchFamily="49" charset="0"/>
-                <a:cs typeface="Courier New" pitchFamily="49" charset="0"/>
-              </a:rPr>
-              <a:t>console.log("Server </a:t>
-            </a:r>
-            <a:r>
-              <a:rPr lang="pt-BR" sz="2000" dirty="0" err="1">
-                <a:latin typeface="Courier New" pitchFamily="49" charset="0"/>
-                <a:cs typeface="Courier New" pitchFamily="49" charset="0"/>
-              </a:rPr>
-              <a:t>Running</a:t>
-            </a:r>
-            <a:r>
-              <a:rPr lang="pt-BR" sz="2000" dirty="0">
-                <a:latin typeface="Courier New" pitchFamily="49" charset="0"/>
-                <a:cs typeface="Courier New" pitchFamily="49" charset="0"/>
-              </a:rPr>
-              <a:t>!");</a:t>
-            </a:r>
-            <a:endParaRPr sz="2000" dirty="0">
-              <a:latin typeface="Courier New" pitchFamily="49" charset="0"/>
-              <a:cs typeface="Courier New" pitchFamily="49" charset="0"/>
-            </a:endParaRPr>
-          </a:p>
-        </p:txBody>
-      </p:sp>
-    </p:spTree>
   </p:cSld>
   <p:clrMapOvr>
     <a:masterClrMapping/>
@@ -19051,7 +19366,7 @@
     </p:spTree>
     <p:extLst>
       <p:ext uri="{BB962C8B-B14F-4D97-AF65-F5344CB8AC3E}">
-        <p14:creationId xmlns:p14="http://schemas.microsoft.com/office/powerpoint/2010/main" xmlns="" val="2420849089"/>
+        <p14:creationId xmlns:p14="http://schemas.microsoft.com/office/powerpoint/2010/main" val="2420849089"/>
       </p:ext>
     </p:extLst>
   </p:cSld>
@@ -19069,6 +19384,388 @@
 </file>
 
 <file path=ppt/slides/slide40.xml><?xml version="1.0" encoding="utf-8"?>
+<p:sld xmlns:a="http://schemas.openxmlformats.org/drawingml/2006/main" xmlns:r="http://schemas.openxmlformats.org/officeDocument/2006/relationships" xmlns:p="http://schemas.openxmlformats.org/presentationml/2006/main">
+  <p:cSld>
+    <p:bg>
+      <p:bgPr>
+        <a:solidFill>
+          <a:srgbClr val="35C4CA"/>
+        </a:solidFill>
+        <a:effectLst/>
+      </p:bgPr>
+    </p:bg>
+    <p:spTree>
+      <p:nvGrpSpPr>
+        <p:cNvPr id="1" name="Shape 125"/>
+        <p:cNvGrpSpPr/>
+        <p:nvPr/>
+      </p:nvGrpSpPr>
+      <p:grpSpPr>
+        <a:xfrm>
+          <a:off x="0" y="0"/>
+          <a:ext cx="0" cy="0"/>
+          <a:chOff x="0" y="0"/>
+          <a:chExt cx="0" cy="0"/>
+        </a:xfrm>
+      </p:grpSpPr>
+      <p:sp>
+        <p:nvSpPr>
+          <p:cNvPr id="126" name="Shape 126"/>
+          <p:cNvSpPr txBox="1">
+            <a:spLocks noGrp="1"/>
+          </p:cNvSpPr>
+          <p:nvPr>
+            <p:ph type="title"/>
+          </p:nvPr>
+        </p:nvSpPr>
+        <p:spPr>
+          <a:prstGeom prst="rect">
+            <a:avLst/>
+          </a:prstGeom>
+        </p:spPr>
+        <p:txBody>
+          <a:bodyPr lIns="91425" tIns="91425" rIns="91425" bIns="91425" anchor="b" anchorCtr="0">
+            <a:noAutofit/>
+          </a:bodyPr>
+          <a:lstStyle/>
+          <a:p>
+            <a:pPr lvl="0"/>
+            <a:r>
+              <a:rPr lang="en" dirty="0" smtClean="0"/>
+              <a:t>Hello world web</a:t>
+            </a:r>
+            <a:endParaRPr lang="en" dirty="0"/>
+          </a:p>
+        </p:txBody>
+      </p:sp>
+      <p:sp>
+        <p:nvSpPr>
+          <p:cNvPr id="129" name="Shape 129"/>
+          <p:cNvSpPr txBox="1">
+            <a:spLocks noGrp="1"/>
+          </p:cNvSpPr>
+          <p:nvPr>
+            <p:ph type="body" idx="3"/>
+          </p:nvPr>
+        </p:nvSpPr>
+        <p:spPr>
+          <a:xfrm>
+            <a:off x="1187624" y="1563638"/>
+            <a:ext cx="7560840" cy="2822700"/>
+          </a:xfrm>
+          <a:prstGeom prst="rect">
+            <a:avLst/>
+          </a:prstGeom>
+        </p:spPr>
+        <p:txBody>
+          <a:bodyPr lIns="91425" tIns="91425" rIns="91425" bIns="91425" anchor="t" anchorCtr="0">
+            <a:noAutofit/>
+          </a:bodyPr>
+          <a:lstStyle/>
+          <a:p>
+            <a:pPr>
+              <a:buNone/>
+            </a:pPr>
+            <a:r>
+              <a:rPr lang="pt-BR" sz="2000" dirty="0">
+                <a:latin typeface="Courier New" pitchFamily="49" charset="0"/>
+                <a:cs typeface="Courier New" pitchFamily="49" charset="0"/>
+              </a:rPr>
+              <a:t>var </a:t>
+            </a:r>
+            <a:r>
+              <a:rPr lang="pt-BR" sz="2000" dirty="0" err="1">
+                <a:latin typeface="Courier New" pitchFamily="49" charset="0"/>
+                <a:cs typeface="Courier New" pitchFamily="49" charset="0"/>
+              </a:rPr>
+              <a:t>http</a:t>
+            </a:r>
+            <a:r>
+              <a:rPr lang="pt-BR" sz="2000" dirty="0">
+                <a:latin typeface="Courier New" pitchFamily="49" charset="0"/>
+                <a:cs typeface="Courier New" pitchFamily="49" charset="0"/>
+              </a:rPr>
+              <a:t> = </a:t>
+            </a:r>
+            <a:r>
+              <a:rPr lang="pt-BR" sz="2000" dirty="0" err="1">
+                <a:latin typeface="Courier New" pitchFamily="49" charset="0"/>
+                <a:cs typeface="Courier New" pitchFamily="49" charset="0"/>
+              </a:rPr>
+              <a:t>require</a:t>
+            </a:r>
+            <a:r>
+              <a:rPr lang="pt-BR" sz="2000" dirty="0">
+                <a:latin typeface="Courier New" pitchFamily="49" charset="0"/>
+                <a:cs typeface="Courier New" pitchFamily="49" charset="0"/>
+              </a:rPr>
+              <a:t>('</a:t>
+            </a:r>
+            <a:r>
+              <a:rPr lang="pt-BR" sz="2000" dirty="0" err="1">
+                <a:latin typeface="Courier New" pitchFamily="49" charset="0"/>
+                <a:cs typeface="Courier New" pitchFamily="49" charset="0"/>
+              </a:rPr>
+              <a:t>http</a:t>
+            </a:r>
+            <a:r>
+              <a:rPr lang="pt-BR" sz="2000" dirty="0">
+                <a:latin typeface="Courier New" pitchFamily="49" charset="0"/>
+                <a:cs typeface="Courier New" pitchFamily="49" charset="0"/>
+              </a:rPr>
+              <a:t>');</a:t>
+            </a:r>
+          </a:p>
+          <a:p>
+            <a:pPr>
+              <a:buNone/>
+            </a:pPr>
+            <a:r>
+              <a:rPr lang="pt-BR" sz="2000" dirty="0" err="1">
+                <a:latin typeface="Courier New" pitchFamily="49" charset="0"/>
+                <a:cs typeface="Courier New" pitchFamily="49" charset="0"/>
+              </a:rPr>
+              <a:t>http.createServer</a:t>
+            </a:r>
+            <a:r>
+              <a:rPr lang="pt-BR" sz="2000" dirty="0">
+                <a:latin typeface="Courier New" pitchFamily="49" charset="0"/>
+                <a:cs typeface="Courier New" pitchFamily="49" charset="0"/>
+              </a:rPr>
+              <a:t>(</a:t>
+            </a:r>
+            <a:r>
+              <a:rPr lang="pt-BR" sz="2000" dirty="0" err="1">
+                <a:latin typeface="Courier New" pitchFamily="49" charset="0"/>
+                <a:cs typeface="Courier New" pitchFamily="49" charset="0"/>
+              </a:rPr>
+              <a:t>function</a:t>
+            </a:r>
+            <a:r>
+              <a:rPr lang="pt-BR" sz="2000" dirty="0">
+                <a:latin typeface="Courier New" pitchFamily="49" charset="0"/>
+                <a:cs typeface="Courier New" pitchFamily="49" charset="0"/>
+              </a:rPr>
+              <a:t>(</a:t>
+            </a:r>
+            <a:r>
+              <a:rPr lang="pt-BR" sz="2000" dirty="0" err="1">
+                <a:latin typeface="Courier New" pitchFamily="49" charset="0"/>
+                <a:cs typeface="Courier New" pitchFamily="49" charset="0"/>
+              </a:rPr>
+              <a:t>req</a:t>
+            </a:r>
+            <a:r>
+              <a:rPr lang="pt-BR" sz="2000" dirty="0">
+                <a:latin typeface="Courier New" pitchFamily="49" charset="0"/>
+                <a:cs typeface="Courier New" pitchFamily="49" charset="0"/>
+              </a:rPr>
+              <a:t>, res){</a:t>
+            </a:r>
+          </a:p>
+          <a:p>
+            <a:pPr>
+              <a:buNone/>
+            </a:pPr>
+            <a:r>
+              <a:rPr lang="pt-BR" sz="2000" dirty="0">
+                <a:latin typeface="Courier New" pitchFamily="49" charset="0"/>
+                <a:cs typeface="Courier New" pitchFamily="49" charset="0"/>
+              </a:rPr>
+              <a:t>   </a:t>
+            </a:r>
+            <a:r>
+              <a:rPr lang="pt-BR" sz="2000" dirty="0" err="1">
+                <a:latin typeface="Courier New" pitchFamily="49" charset="0"/>
+                <a:cs typeface="Courier New" pitchFamily="49" charset="0"/>
+              </a:rPr>
+              <a:t>res.writeHead</a:t>
+            </a:r>
+            <a:r>
+              <a:rPr lang="pt-BR" sz="2000" dirty="0">
+                <a:latin typeface="Courier New" pitchFamily="49" charset="0"/>
+                <a:cs typeface="Courier New" pitchFamily="49" charset="0"/>
+              </a:rPr>
+              <a:t>(200, {</a:t>
+            </a:r>
+            <a:r>
+              <a:rPr lang="pt-BR" sz="2000" dirty="0" smtClean="0">
+                <a:latin typeface="Courier New" pitchFamily="49" charset="0"/>
+                <a:cs typeface="Courier New" pitchFamily="49" charset="0"/>
+              </a:rPr>
+              <a:t>'</a:t>
+            </a:r>
+            <a:r>
+              <a:rPr lang="pt-BR" sz="2000" dirty="0" err="1" smtClean="0">
+                <a:latin typeface="Courier New" pitchFamily="49" charset="0"/>
+                <a:cs typeface="Courier New" pitchFamily="49" charset="0"/>
+              </a:rPr>
+              <a:t>Content</a:t>
+            </a:r>
+            <a:r>
+              <a:rPr lang="pt-BR" sz="2000" dirty="0" smtClean="0">
+                <a:latin typeface="Courier New" pitchFamily="49" charset="0"/>
+                <a:cs typeface="Courier New" pitchFamily="49" charset="0"/>
+              </a:rPr>
+              <a:t> </a:t>
+            </a:r>
+            <a:r>
+              <a:rPr lang="pt-BR" sz="2000" dirty="0" err="1" smtClean="0">
+                <a:latin typeface="Courier New" pitchFamily="49" charset="0"/>
+                <a:cs typeface="Courier New" pitchFamily="49" charset="0"/>
+              </a:rPr>
+              <a:t>Type</a:t>
+            </a:r>
+            <a:r>
+              <a:rPr lang="pt-BR" sz="2000" dirty="0">
+                <a:latin typeface="Courier New" pitchFamily="49" charset="0"/>
+                <a:cs typeface="Courier New" pitchFamily="49" charset="0"/>
+              </a:rPr>
+              <a:t>':'</a:t>
+            </a:r>
+            <a:r>
+              <a:rPr lang="pt-BR" sz="2000" dirty="0" err="1">
+                <a:latin typeface="Courier New" pitchFamily="49" charset="0"/>
+                <a:cs typeface="Courier New" pitchFamily="49" charset="0"/>
+              </a:rPr>
+              <a:t>text</a:t>
+            </a:r>
+            <a:r>
+              <a:rPr lang="pt-BR" sz="2000" dirty="0">
+                <a:latin typeface="Courier New" pitchFamily="49" charset="0"/>
+                <a:cs typeface="Courier New" pitchFamily="49" charset="0"/>
+              </a:rPr>
+              <a:t>/</a:t>
+            </a:r>
+            <a:r>
+              <a:rPr lang="pt-BR" sz="2000" dirty="0" err="1">
+                <a:latin typeface="Courier New" pitchFamily="49" charset="0"/>
+                <a:cs typeface="Courier New" pitchFamily="49" charset="0"/>
+              </a:rPr>
+              <a:t>plain</a:t>
+            </a:r>
+            <a:r>
+              <a:rPr lang="pt-BR" sz="2000" dirty="0">
+                <a:latin typeface="Courier New" pitchFamily="49" charset="0"/>
+                <a:cs typeface="Courier New" pitchFamily="49" charset="0"/>
+              </a:rPr>
+              <a:t>'});</a:t>
+            </a:r>
+          </a:p>
+          <a:p>
+            <a:pPr>
+              <a:buNone/>
+            </a:pPr>
+            <a:r>
+              <a:rPr lang="pt-BR" sz="2000" dirty="0">
+                <a:latin typeface="Courier New" pitchFamily="49" charset="0"/>
+                <a:cs typeface="Courier New" pitchFamily="49" charset="0"/>
+              </a:rPr>
+              <a:t>   </a:t>
+            </a:r>
+            <a:r>
+              <a:rPr lang="pt-BR" sz="2000" dirty="0" err="1">
+                <a:latin typeface="Courier New" pitchFamily="49" charset="0"/>
+                <a:cs typeface="Courier New" pitchFamily="49" charset="0"/>
+              </a:rPr>
+              <a:t>res.end</a:t>
+            </a:r>
+            <a:r>
+              <a:rPr lang="pt-BR" sz="2000" dirty="0">
+                <a:latin typeface="Courier New" pitchFamily="49" charset="0"/>
+                <a:cs typeface="Courier New" pitchFamily="49" charset="0"/>
+              </a:rPr>
+              <a:t>('</a:t>
+            </a:r>
+            <a:r>
+              <a:rPr lang="pt-BR" sz="2000" dirty="0" err="1">
+                <a:latin typeface="Courier New" pitchFamily="49" charset="0"/>
+                <a:cs typeface="Courier New" pitchFamily="49" charset="0"/>
+              </a:rPr>
+              <a:t>Hello</a:t>
+            </a:r>
+            <a:r>
+              <a:rPr lang="pt-BR" sz="2000" dirty="0">
+                <a:latin typeface="Courier New" pitchFamily="49" charset="0"/>
+                <a:cs typeface="Courier New" pitchFamily="49" charset="0"/>
+              </a:rPr>
+              <a:t> World\n');</a:t>
+            </a:r>
+          </a:p>
+          <a:p>
+            <a:pPr>
+              <a:buNone/>
+            </a:pPr>
+            <a:r>
+              <a:rPr lang="pt-BR" sz="2000" dirty="0">
+                <a:latin typeface="Courier New" pitchFamily="49" charset="0"/>
+                <a:cs typeface="Courier New" pitchFamily="49" charset="0"/>
+              </a:rPr>
+              <a:t>}).</a:t>
+            </a:r>
+            <a:r>
+              <a:rPr lang="pt-BR" sz="2000" dirty="0" err="1">
+                <a:latin typeface="Courier New" pitchFamily="49" charset="0"/>
+                <a:cs typeface="Courier New" pitchFamily="49" charset="0"/>
+              </a:rPr>
+              <a:t>listen</a:t>
+            </a:r>
+            <a:r>
+              <a:rPr lang="pt-BR" sz="2000" dirty="0">
+                <a:latin typeface="Courier New" pitchFamily="49" charset="0"/>
+                <a:cs typeface="Courier New" pitchFamily="49" charset="0"/>
+              </a:rPr>
+              <a:t>(1337, '127.0.0.1');</a:t>
+            </a:r>
+          </a:p>
+          <a:p>
+            <a:pPr>
+              <a:buNone/>
+            </a:pPr>
+            <a:r>
+              <a:rPr lang="pt-BR" sz="2000" dirty="0">
+                <a:latin typeface="Courier New" pitchFamily="49" charset="0"/>
+                <a:cs typeface="Courier New" pitchFamily="49" charset="0"/>
+              </a:rPr>
+              <a:t>console.log("Server </a:t>
+            </a:r>
+            <a:r>
+              <a:rPr lang="pt-BR" sz="2000" dirty="0" err="1">
+                <a:latin typeface="Courier New" pitchFamily="49" charset="0"/>
+                <a:cs typeface="Courier New" pitchFamily="49" charset="0"/>
+              </a:rPr>
+              <a:t>Running</a:t>
+            </a:r>
+            <a:r>
+              <a:rPr lang="pt-BR" sz="2000" dirty="0">
+                <a:latin typeface="Courier New" pitchFamily="49" charset="0"/>
+                <a:cs typeface="Courier New" pitchFamily="49" charset="0"/>
+              </a:rPr>
+              <a:t>!");</a:t>
+            </a:r>
+            <a:endParaRPr sz="2000" dirty="0">
+              <a:latin typeface="Courier New" pitchFamily="49" charset="0"/>
+              <a:cs typeface="Courier New" pitchFamily="49" charset="0"/>
+            </a:endParaRPr>
+          </a:p>
+        </p:txBody>
+      </p:sp>
+    </p:spTree>
+  </p:cSld>
+  <p:clrMapOvr>
+    <a:masterClrMapping/>
+  </p:clrMapOvr>
+  <p:timing>
+    <p:tnLst>
+      <p:par>
+        <p:cTn id="1" dur="indefinite" restart="never" nodeType="tmRoot"/>
+      </p:par>
+    </p:tnLst>
+  </p:timing>
+</p:sld>
+</file>
+
+<file path=ppt/slides/slide41.xml><?xml version="1.0" encoding="utf-8"?>
 <p:sld xmlns:a="http://schemas.openxmlformats.org/drawingml/2006/main" xmlns:r="http://schemas.openxmlformats.org/officeDocument/2006/relationships" xmlns:p="http://schemas.openxmlformats.org/presentationml/2006/main">
   <p:cSld>
     <p:spTree>
@@ -19216,7 +19913,7 @@
     </p:spTree>
     <p:extLst>
       <p:ext uri="{BB962C8B-B14F-4D97-AF65-F5344CB8AC3E}">
-        <p14:creationId xmlns:p14="http://schemas.microsoft.com/office/powerpoint/2010/main" xmlns="" val="3454188566"/>
+        <p14:creationId xmlns:p14="http://schemas.microsoft.com/office/powerpoint/2010/main" val="3454188566"/>
       </p:ext>
     </p:extLst>
   </p:cSld>
@@ -19233,7 +19930,7 @@
 </p:sld>
 </file>
 
-<file path=ppt/slides/slide41.xml><?xml version="1.0" encoding="utf-8"?>
+<file path=ppt/slides/slide42.xml><?xml version="1.0" encoding="utf-8"?>
 <p:sld xmlns:a="http://schemas.openxmlformats.org/drawingml/2006/main" xmlns:r="http://schemas.openxmlformats.org/officeDocument/2006/relationships" xmlns:p="http://schemas.openxmlformats.org/presentationml/2006/main">
   <p:cSld>
     <p:bg>
@@ -19588,7 +20285,7 @@
     </p:spTree>
     <p:extLst>
       <p:ext uri="{BB962C8B-B14F-4D97-AF65-F5344CB8AC3E}">
-        <p14:creationId xmlns:p14="http://schemas.microsoft.com/office/powerpoint/2010/main" xmlns="" val="111335435"/>
+        <p14:creationId xmlns:p14="http://schemas.microsoft.com/office/powerpoint/2010/main" val="111335435"/>
       </p:ext>
     </p:extLst>
   </p:cSld>
@@ -19605,7 +20302,7 @@
 </p:sld>
 </file>
 
-<file path=ppt/slides/slide42.xml><?xml version="1.0" encoding="utf-8"?>
+<file path=ppt/slides/slide43.xml><?xml version="1.0" encoding="utf-8"?>
 <p:sld xmlns:a="http://schemas.openxmlformats.org/drawingml/2006/main" xmlns:r="http://schemas.openxmlformats.org/officeDocument/2006/relationships" xmlns:p="http://schemas.openxmlformats.org/presentationml/2006/main">
   <p:cSld>
     <p:bg>
@@ -19768,7 +20465,7 @@
     </p:spTree>
     <p:extLst>
       <p:ext uri="{BB962C8B-B14F-4D97-AF65-F5344CB8AC3E}">
-        <p14:creationId xmlns:p14="http://schemas.microsoft.com/office/powerpoint/2010/main" xmlns="" val="2241416555"/>
+        <p14:creationId xmlns:p14="http://schemas.microsoft.com/office/powerpoint/2010/main" val="2241416555"/>
       </p:ext>
     </p:extLst>
   </p:cSld>
@@ -19785,7 +20482,7 @@
 </p:sld>
 </file>
 
-<file path=ppt/slides/slide43.xml><?xml version="1.0" encoding="utf-8"?>
+<file path=ppt/slides/slide44.xml><?xml version="1.0" encoding="utf-8"?>
 <p:sld xmlns:a="http://schemas.openxmlformats.org/drawingml/2006/main" xmlns:r="http://schemas.openxmlformats.org/officeDocument/2006/relationships" xmlns:p="http://schemas.openxmlformats.org/presentationml/2006/main">
   <p:cSld>
     <p:bg>
@@ -19917,7 +20614,7 @@
 </p:sld>
 </file>
 
-<file path=ppt/slides/slide44.xml><?xml version="1.0" encoding="utf-8"?>
+<file path=ppt/slides/slide45.xml><?xml version="1.0" encoding="utf-8"?>
 <p:sld xmlns:a="http://schemas.openxmlformats.org/drawingml/2006/main" xmlns:r="http://schemas.openxmlformats.org/officeDocument/2006/relationships" xmlns:p="http://schemas.openxmlformats.org/presentationml/2006/main">
   <p:cSld>
     <p:spTree>
@@ -20225,7 +20922,7 @@
     </p:spTree>
     <p:extLst>
       <p:ext uri="{BB962C8B-B14F-4D97-AF65-F5344CB8AC3E}">
-        <p14:creationId xmlns:p14="http://schemas.microsoft.com/office/powerpoint/2010/main" xmlns="" val="513543015"/>
+        <p14:creationId xmlns:p14="http://schemas.microsoft.com/office/powerpoint/2010/main" val="513543015"/>
       </p:ext>
     </p:extLst>
   </p:cSld>
@@ -20242,7 +20939,7 @@
 </p:sld>
 </file>
 
-<file path=ppt/slides/slide45.xml><?xml version="1.0" encoding="utf-8"?>
+<file path=ppt/slides/slide46.xml><?xml version="1.0" encoding="utf-8"?>
 <p:sld xmlns:a="http://schemas.openxmlformats.org/drawingml/2006/main" xmlns:r="http://schemas.openxmlformats.org/officeDocument/2006/relationships" xmlns:p="http://schemas.openxmlformats.org/presentationml/2006/main">
   <p:cSld>
     <p:spTree>
@@ -20381,7 +21078,7 @@
 </p:sld>
 </file>
 
-<file path=ppt/slides/slide46.xml><?xml version="1.0" encoding="utf-8"?>
+<file path=ppt/slides/slide47.xml><?xml version="1.0" encoding="utf-8"?>
 <p:sld xmlns:a="http://schemas.openxmlformats.org/drawingml/2006/main" xmlns:r="http://schemas.openxmlformats.org/officeDocument/2006/relationships" xmlns:p="http://schemas.openxmlformats.org/presentationml/2006/main">
   <p:cSld>
     <p:bg>
@@ -20596,7 +21293,7 @@
 </p:sld>
 </file>
 
-<file path=ppt/slides/slide47.xml><?xml version="1.0" encoding="utf-8"?>
+<file path=ppt/slides/slide48.xml><?xml version="1.0" encoding="utf-8"?>
 <p:sld xmlns:a="http://schemas.openxmlformats.org/drawingml/2006/main" xmlns:r="http://schemas.openxmlformats.org/officeDocument/2006/relationships" xmlns:p="http://schemas.openxmlformats.org/presentationml/2006/main">
   <p:cSld>
     <p:spTree>
@@ -20752,7 +21449,7 @@
     </p:spTree>
     <p:extLst>
       <p:ext uri="{BB962C8B-B14F-4D97-AF65-F5344CB8AC3E}">
-        <p14:creationId xmlns:p14="http://schemas.microsoft.com/office/powerpoint/2010/main" xmlns="" val="307076932"/>
+        <p14:creationId xmlns:p14="http://schemas.microsoft.com/office/powerpoint/2010/main" val="307076932"/>
       </p:ext>
     </p:extLst>
   </p:cSld>
@@ -20769,7 +21466,7 @@
 </p:sld>
 </file>
 
-<file path=ppt/slides/slide48.xml><?xml version="1.0" encoding="utf-8"?>
+<file path=ppt/slides/slide49.xml><?xml version="1.0" encoding="utf-8"?>
 <p:sld xmlns:a="http://schemas.openxmlformats.org/drawingml/2006/main" xmlns:r="http://schemas.openxmlformats.org/officeDocument/2006/relationships" xmlns:p="http://schemas.openxmlformats.org/presentationml/2006/main">
   <p:cSld>
     <p:bg>
@@ -20896,1477 +21593,7 @@
     </p:spTree>
     <p:extLst>
       <p:ext uri="{BB962C8B-B14F-4D97-AF65-F5344CB8AC3E}">
-        <p14:creationId xmlns:p14="http://schemas.microsoft.com/office/powerpoint/2010/main" xmlns="" val="3015482286"/>
-      </p:ext>
-    </p:extLst>
-  </p:cSld>
-  <p:clrMapOvr>
-    <a:masterClrMapping/>
-  </p:clrMapOvr>
-  <p:timing>
-    <p:tnLst>
-      <p:par>
-        <p:cTn id="1" dur="indefinite" restart="never" nodeType="tmRoot"/>
-      </p:par>
-    </p:tnLst>
-  </p:timing>
-</p:sld>
-</file>
-
-<file path=ppt/slides/slide49.xml><?xml version="1.0" encoding="utf-8"?>
-<p:sld xmlns:a="http://schemas.openxmlformats.org/drawingml/2006/main" xmlns:r="http://schemas.openxmlformats.org/officeDocument/2006/relationships" xmlns:p="http://schemas.openxmlformats.org/presentationml/2006/main">
-  <p:cSld>
-    <p:bg>
-      <p:bgPr>
-        <a:solidFill>
-          <a:srgbClr val="824BB0"/>
-        </a:solidFill>
-        <a:effectLst/>
-      </p:bgPr>
-    </p:bg>
-    <p:spTree>
-      <p:nvGrpSpPr>
-        <p:cNvPr id="1" name="Shape 245"/>
-        <p:cNvGrpSpPr/>
-        <p:nvPr/>
-      </p:nvGrpSpPr>
-      <p:grpSpPr>
-        <a:xfrm>
-          <a:off x="0" y="0"/>
-          <a:ext cx="0" cy="0"/>
-          <a:chOff x="0" y="0"/>
-          <a:chExt cx="0" cy="0"/>
-        </a:xfrm>
-      </p:grpSpPr>
-      <p:sp>
-        <p:nvSpPr>
-          <p:cNvPr id="6" name="Shape 246"/>
-          <p:cNvSpPr txBox="1">
-            <a:spLocks/>
-          </p:cNvSpPr>
-          <p:nvPr/>
-        </p:nvSpPr>
-        <p:spPr>
-          <a:xfrm>
-            <a:off x="0" y="2471738"/>
-            <a:ext cx="4776788" cy="1158875"/>
-          </a:xfrm>
-          <a:prstGeom prst="rect">
-            <a:avLst/>
-          </a:prstGeom>
-          <a:noFill/>
-          <a:ln>
-            <a:noFill/>
-          </a:ln>
-        </p:spPr>
-        <p:txBody>
-          <a:bodyPr lIns="91425" tIns="91425" rIns="91425" bIns="91425" anchor="b" anchorCtr="0">
-            <a:noAutofit/>
-          </a:bodyPr>
-          <a:lstStyle>
-            <a:defPPr marR="0" lvl="0" algn="l" rtl="0">
-              <a:lnSpc>
-                <a:spcPct val="100000"/>
-              </a:lnSpc>
-              <a:spcBef>
-                <a:spcPts val="0"/>
-              </a:spcBef>
-              <a:spcAft>
-                <a:spcPts val="0"/>
-              </a:spcAft>
-            </a:defPPr>
-            <a:lvl1pPr marR="0" lvl="0" algn="l" rtl="0">
-              <a:lnSpc>
-                <a:spcPct val="100000"/>
-              </a:lnSpc>
-              <a:spcBef>
-                <a:spcPts val="0"/>
-              </a:spcBef>
-              <a:spcAft>
-                <a:spcPts val="0"/>
-              </a:spcAft>
-              <a:buClr>
-                <a:schemeClr val="dk1"/>
-              </a:buClr>
-              <a:buSzPct val="100000"/>
-              <a:buFont typeface="Bangers"/>
-              <a:buNone/>
-              <a:defRPr sz="3000" b="0" i="0" u="none" strike="noStrike" cap="none">
-                <a:solidFill>
-                  <a:schemeClr val="dk1"/>
-                </a:solidFill>
-                <a:latin typeface="Bangers"/>
-                <a:ea typeface="Bangers"/>
-                <a:cs typeface="Bangers"/>
-                <a:sym typeface="Bangers"/>
-              </a:defRPr>
-            </a:lvl1pPr>
-            <a:lvl2pPr lvl="1">
-              <a:spcBef>
-                <a:spcPts val="0"/>
-              </a:spcBef>
-              <a:buClr>
-                <a:schemeClr val="dk1"/>
-              </a:buClr>
-              <a:buSzPct val="100000"/>
-              <a:buFont typeface="Bangers"/>
-              <a:buNone/>
-              <a:defRPr sz="3000">
-                <a:solidFill>
-                  <a:schemeClr val="dk1"/>
-                </a:solidFill>
-                <a:latin typeface="Bangers"/>
-                <a:ea typeface="Bangers"/>
-                <a:cs typeface="Bangers"/>
-                <a:sym typeface="Bangers"/>
-              </a:defRPr>
-            </a:lvl2pPr>
-            <a:lvl3pPr lvl="2">
-              <a:spcBef>
-                <a:spcPts val="0"/>
-              </a:spcBef>
-              <a:buClr>
-                <a:schemeClr val="dk1"/>
-              </a:buClr>
-              <a:buSzPct val="100000"/>
-              <a:buFont typeface="Bangers"/>
-              <a:buNone/>
-              <a:defRPr sz="3000">
-                <a:solidFill>
-                  <a:schemeClr val="dk1"/>
-                </a:solidFill>
-                <a:latin typeface="Bangers"/>
-                <a:ea typeface="Bangers"/>
-                <a:cs typeface="Bangers"/>
-                <a:sym typeface="Bangers"/>
-              </a:defRPr>
-            </a:lvl3pPr>
-            <a:lvl4pPr lvl="3">
-              <a:spcBef>
-                <a:spcPts val="0"/>
-              </a:spcBef>
-              <a:buClr>
-                <a:schemeClr val="dk1"/>
-              </a:buClr>
-              <a:buSzPct val="100000"/>
-              <a:buFont typeface="Bangers"/>
-              <a:buNone/>
-              <a:defRPr sz="3000">
-                <a:solidFill>
-                  <a:schemeClr val="dk1"/>
-                </a:solidFill>
-                <a:latin typeface="Bangers"/>
-                <a:ea typeface="Bangers"/>
-                <a:cs typeface="Bangers"/>
-                <a:sym typeface="Bangers"/>
-              </a:defRPr>
-            </a:lvl4pPr>
-            <a:lvl5pPr lvl="4">
-              <a:spcBef>
-                <a:spcPts val="0"/>
-              </a:spcBef>
-              <a:buClr>
-                <a:schemeClr val="dk1"/>
-              </a:buClr>
-              <a:buSzPct val="100000"/>
-              <a:buFont typeface="Bangers"/>
-              <a:buNone/>
-              <a:defRPr sz="3000">
-                <a:solidFill>
-                  <a:schemeClr val="dk1"/>
-                </a:solidFill>
-                <a:latin typeface="Bangers"/>
-                <a:ea typeface="Bangers"/>
-                <a:cs typeface="Bangers"/>
-                <a:sym typeface="Bangers"/>
-              </a:defRPr>
-            </a:lvl5pPr>
-            <a:lvl6pPr lvl="5">
-              <a:spcBef>
-                <a:spcPts val="0"/>
-              </a:spcBef>
-              <a:buClr>
-                <a:schemeClr val="dk1"/>
-              </a:buClr>
-              <a:buSzPct val="100000"/>
-              <a:buFont typeface="Bangers"/>
-              <a:buNone/>
-              <a:defRPr sz="3000">
-                <a:solidFill>
-                  <a:schemeClr val="dk1"/>
-                </a:solidFill>
-                <a:latin typeface="Bangers"/>
-                <a:ea typeface="Bangers"/>
-                <a:cs typeface="Bangers"/>
-                <a:sym typeface="Bangers"/>
-              </a:defRPr>
-            </a:lvl6pPr>
-            <a:lvl7pPr lvl="6">
-              <a:spcBef>
-                <a:spcPts val="0"/>
-              </a:spcBef>
-              <a:buClr>
-                <a:schemeClr val="dk1"/>
-              </a:buClr>
-              <a:buSzPct val="100000"/>
-              <a:buFont typeface="Bangers"/>
-              <a:buNone/>
-              <a:defRPr sz="3000">
-                <a:solidFill>
-                  <a:schemeClr val="dk1"/>
-                </a:solidFill>
-                <a:latin typeface="Bangers"/>
-                <a:ea typeface="Bangers"/>
-                <a:cs typeface="Bangers"/>
-                <a:sym typeface="Bangers"/>
-              </a:defRPr>
-            </a:lvl7pPr>
-            <a:lvl8pPr lvl="7">
-              <a:spcBef>
-                <a:spcPts val="0"/>
-              </a:spcBef>
-              <a:buClr>
-                <a:schemeClr val="dk1"/>
-              </a:buClr>
-              <a:buSzPct val="100000"/>
-              <a:buFont typeface="Bangers"/>
-              <a:buNone/>
-              <a:defRPr sz="3000">
-                <a:solidFill>
-                  <a:schemeClr val="dk1"/>
-                </a:solidFill>
-                <a:latin typeface="Bangers"/>
-                <a:ea typeface="Bangers"/>
-                <a:cs typeface="Bangers"/>
-                <a:sym typeface="Bangers"/>
-              </a:defRPr>
-            </a:lvl8pPr>
-            <a:lvl9pPr lvl="8">
-              <a:spcBef>
-                <a:spcPts val="0"/>
-              </a:spcBef>
-              <a:buClr>
-                <a:schemeClr val="dk1"/>
-              </a:buClr>
-              <a:buSzPct val="100000"/>
-              <a:buFont typeface="Bangers"/>
-              <a:buNone/>
-              <a:defRPr sz="3000">
-                <a:solidFill>
-                  <a:schemeClr val="dk1"/>
-                </a:solidFill>
-                <a:latin typeface="Bangers"/>
-                <a:ea typeface="Bangers"/>
-                <a:cs typeface="Bangers"/>
-                <a:sym typeface="Bangers"/>
-              </a:defRPr>
-            </a:lvl9pPr>
-          </a:lstStyle>
-          <a:p>
-            <a:r>
-              <a:rPr lang="en" sz="12000" smtClean="0">
-                <a:solidFill>
-                  <a:srgbClr val="FFFFFF"/>
-                </a:solidFill>
-              </a:rPr>
-              <a:t>THANKS!</a:t>
-            </a:r>
-            <a:endParaRPr lang="en" sz="12000">
-              <a:solidFill>
-                <a:srgbClr val="FFFFFF"/>
-              </a:solidFill>
-            </a:endParaRPr>
-          </a:p>
-        </p:txBody>
-      </p:sp>
-      <p:sp>
-        <p:nvSpPr>
-          <p:cNvPr id="7" name="Shape 247"/>
-          <p:cNvSpPr txBox="1">
-            <a:spLocks/>
-          </p:cNvSpPr>
-          <p:nvPr/>
-        </p:nvSpPr>
-        <p:spPr>
-          <a:xfrm>
-            <a:off x="0" y="3297238"/>
-            <a:ext cx="6594475" cy="1460500"/>
-          </a:xfrm>
-          <a:prstGeom prst="rect">
-            <a:avLst/>
-          </a:prstGeom>
-          <a:noFill/>
-          <a:ln>
-            <a:noFill/>
-          </a:ln>
-        </p:spPr>
-        <p:txBody>
-          <a:bodyPr lIns="91425" tIns="91425" rIns="91425" bIns="91425" anchor="t" anchorCtr="0">
-            <a:noAutofit/>
-          </a:bodyPr>
-          <a:lstStyle>
-            <a:defPPr marR="0" lvl="0" algn="l" rtl="0">
-              <a:lnSpc>
-                <a:spcPct val="100000"/>
-              </a:lnSpc>
-              <a:spcBef>
-                <a:spcPts val="0"/>
-              </a:spcBef>
-              <a:spcAft>
-                <a:spcPts val="0"/>
-              </a:spcAft>
-            </a:defPPr>
-            <a:lvl1pPr marR="0" lvl="0" algn="l" rtl="0">
-              <a:lnSpc>
-                <a:spcPct val="100000"/>
-              </a:lnSpc>
-              <a:spcBef>
-                <a:spcPts val="600"/>
-              </a:spcBef>
-              <a:spcAft>
-                <a:spcPts val="0"/>
-              </a:spcAft>
-              <a:buClr>
-                <a:schemeClr val="dk1"/>
-              </a:buClr>
-              <a:buSzPct val="100000"/>
-              <a:buFont typeface="Sniglet"/>
-              <a:buChar char="×"/>
-              <a:defRPr sz="3000" b="0" i="0" u="none" strike="noStrike" cap="none">
-                <a:solidFill>
-                  <a:schemeClr val="dk1"/>
-                </a:solidFill>
-                <a:latin typeface="Sniglet"/>
-                <a:ea typeface="Sniglet"/>
-                <a:cs typeface="Sniglet"/>
-                <a:sym typeface="Sniglet"/>
-              </a:defRPr>
-            </a:lvl1pPr>
-            <a:lvl2pPr marR="0" lvl="1" algn="l" rtl="0">
-              <a:lnSpc>
-                <a:spcPct val="100000"/>
-              </a:lnSpc>
-              <a:spcBef>
-                <a:spcPts val="480"/>
-              </a:spcBef>
-              <a:spcAft>
-                <a:spcPts val="0"/>
-              </a:spcAft>
-              <a:buClr>
-                <a:schemeClr val="dk1"/>
-              </a:buClr>
-              <a:buSzPct val="100000"/>
-              <a:buFont typeface="Sniglet"/>
-              <a:buChar char="×"/>
-              <a:defRPr sz="2400" b="0" i="0" u="none" strike="noStrike" cap="none">
-                <a:solidFill>
-                  <a:schemeClr val="dk1"/>
-                </a:solidFill>
-                <a:latin typeface="Sniglet"/>
-                <a:ea typeface="Sniglet"/>
-                <a:cs typeface="Sniglet"/>
-                <a:sym typeface="Sniglet"/>
-              </a:defRPr>
-            </a:lvl2pPr>
-            <a:lvl3pPr marR="0" lvl="2" algn="l" rtl="0">
-              <a:lnSpc>
-                <a:spcPct val="100000"/>
-              </a:lnSpc>
-              <a:spcBef>
-                <a:spcPts val="480"/>
-              </a:spcBef>
-              <a:spcAft>
-                <a:spcPts val="0"/>
-              </a:spcAft>
-              <a:buClr>
-                <a:schemeClr val="dk1"/>
-              </a:buClr>
-              <a:buSzPct val="100000"/>
-              <a:buFont typeface="Sniglet"/>
-              <a:buChar char="×"/>
-              <a:defRPr sz="2400" b="0" i="0" u="none" strike="noStrike" cap="none">
-                <a:solidFill>
-                  <a:schemeClr val="dk1"/>
-                </a:solidFill>
-                <a:latin typeface="Sniglet"/>
-                <a:ea typeface="Sniglet"/>
-                <a:cs typeface="Sniglet"/>
-                <a:sym typeface="Sniglet"/>
-              </a:defRPr>
-            </a:lvl3pPr>
-            <a:lvl4pPr marR="0" lvl="3" algn="l" rtl="0">
-              <a:lnSpc>
-                <a:spcPct val="100000"/>
-              </a:lnSpc>
-              <a:spcBef>
-                <a:spcPts val="360"/>
-              </a:spcBef>
-              <a:spcAft>
-                <a:spcPts val="0"/>
-              </a:spcAft>
-              <a:buClr>
-                <a:schemeClr val="dk1"/>
-              </a:buClr>
-              <a:buSzPct val="100000"/>
-              <a:buFont typeface="Sniglet"/>
-              <a:buChar char="×"/>
-              <a:defRPr sz="1800" b="0" i="0" u="none" strike="noStrike" cap="none">
-                <a:solidFill>
-                  <a:schemeClr val="dk1"/>
-                </a:solidFill>
-                <a:latin typeface="Sniglet"/>
-                <a:ea typeface="Sniglet"/>
-                <a:cs typeface="Sniglet"/>
-                <a:sym typeface="Sniglet"/>
-              </a:defRPr>
-            </a:lvl4pPr>
-            <a:lvl5pPr marR="0" lvl="4" algn="l" rtl="0">
-              <a:lnSpc>
-                <a:spcPct val="100000"/>
-              </a:lnSpc>
-              <a:spcBef>
-                <a:spcPts val="360"/>
-              </a:spcBef>
-              <a:spcAft>
-                <a:spcPts val="0"/>
-              </a:spcAft>
-              <a:buClr>
-                <a:schemeClr val="dk1"/>
-              </a:buClr>
-              <a:buSzPct val="100000"/>
-              <a:buFont typeface="Sniglet"/>
-              <a:buChar char="×"/>
-              <a:defRPr sz="1800" b="0" i="0" u="none" strike="noStrike" cap="none">
-                <a:solidFill>
-                  <a:schemeClr val="dk1"/>
-                </a:solidFill>
-                <a:latin typeface="Sniglet"/>
-                <a:ea typeface="Sniglet"/>
-                <a:cs typeface="Sniglet"/>
-                <a:sym typeface="Sniglet"/>
-              </a:defRPr>
-            </a:lvl5pPr>
-            <a:lvl6pPr marR="0" lvl="5" algn="l" rtl="0">
-              <a:lnSpc>
-                <a:spcPct val="100000"/>
-              </a:lnSpc>
-              <a:spcBef>
-                <a:spcPts val="360"/>
-              </a:spcBef>
-              <a:spcAft>
-                <a:spcPts val="0"/>
-              </a:spcAft>
-              <a:buClr>
-                <a:schemeClr val="dk1"/>
-              </a:buClr>
-              <a:buSzPct val="100000"/>
-              <a:buFont typeface="Sniglet"/>
-              <a:buChar char="×"/>
-              <a:defRPr sz="1800" b="0" i="0" u="none" strike="noStrike" cap="none">
-                <a:solidFill>
-                  <a:schemeClr val="dk1"/>
-                </a:solidFill>
-                <a:latin typeface="Sniglet"/>
-                <a:ea typeface="Sniglet"/>
-                <a:cs typeface="Sniglet"/>
-                <a:sym typeface="Sniglet"/>
-              </a:defRPr>
-            </a:lvl6pPr>
-            <a:lvl7pPr marR="0" lvl="6" algn="l" rtl="0">
-              <a:lnSpc>
-                <a:spcPct val="100000"/>
-              </a:lnSpc>
-              <a:spcBef>
-                <a:spcPts val="360"/>
-              </a:spcBef>
-              <a:spcAft>
-                <a:spcPts val="0"/>
-              </a:spcAft>
-              <a:buClr>
-                <a:schemeClr val="dk1"/>
-              </a:buClr>
-              <a:buSzPct val="100000"/>
-              <a:buFont typeface="Sniglet"/>
-              <a:buChar char="×"/>
-              <a:defRPr sz="1800" b="0" i="0" u="none" strike="noStrike" cap="none">
-                <a:solidFill>
-                  <a:schemeClr val="dk1"/>
-                </a:solidFill>
-                <a:latin typeface="Sniglet"/>
-                <a:ea typeface="Sniglet"/>
-                <a:cs typeface="Sniglet"/>
-                <a:sym typeface="Sniglet"/>
-              </a:defRPr>
-            </a:lvl7pPr>
-            <a:lvl8pPr marR="0" lvl="7" algn="l" rtl="0">
-              <a:lnSpc>
-                <a:spcPct val="100000"/>
-              </a:lnSpc>
-              <a:spcBef>
-                <a:spcPts val="360"/>
-              </a:spcBef>
-              <a:spcAft>
-                <a:spcPts val="0"/>
-              </a:spcAft>
-              <a:buClr>
-                <a:schemeClr val="dk1"/>
-              </a:buClr>
-              <a:buSzPct val="100000"/>
-              <a:buFont typeface="Sniglet"/>
-              <a:buChar char="×"/>
-              <a:defRPr sz="1800" b="0" i="0" u="none" strike="noStrike" cap="none">
-                <a:solidFill>
-                  <a:schemeClr val="dk1"/>
-                </a:solidFill>
-                <a:latin typeface="Sniglet"/>
-                <a:ea typeface="Sniglet"/>
-                <a:cs typeface="Sniglet"/>
-                <a:sym typeface="Sniglet"/>
-              </a:defRPr>
-            </a:lvl8pPr>
-            <a:lvl9pPr marR="0" lvl="8" algn="l" rtl="0">
-              <a:lnSpc>
-                <a:spcPct val="100000"/>
-              </a:lnSpc>
-              <a:spcBef>
-                <a:spcPts val="360"/>
-              </a:spcBef>
-              <a:spcAft>
-                <a:spcPts val="0"/>
-              </a:spcAft>
-              <a:buClr>
-                <a:schemeClr val="dk1"/>
-              </a:buClr>
-              <a:buSzPct val="100000"/>
-              <a:buFont typeface="Sniglet"/>
-              <a:buChar char="×"/>
-              <a:defRPr sz="1800" b="0" i="0" u="none" strike="noStrike" cap="none">
-                <a:solidFill>
-                  <a:schemeClr val="dk1"/>
-                </a:solidFill>
-                <a:latin typeface="Sniglet"/>
-                <a:ea typeface="Sniglet"/>
-                <a:cs typeface="Sniglet"/>
-                <a:sym typeface="Sniglet"/>
-              </a:defRPr>
-            </a:lvl9pPr>
-          </a:lstStyle>
-          <a:p>
-            <a:pPr>
-              <a:spcBef>
-                <a:spcPts val="0"/>
-              </a:spcBef>
-              <a:buFont typeface="Sniglet"/>
-              <a:buNone/>
-            </a:pPr>
-            <a:r>
-              <a:rPr lang="en" sz="1800" b="1" smtClean="0">
-                <a:solidFill>
-                  <a:srgbClr val="FFFFFF"/>
-                </a:solidFill>
-              </a:rPr>
-              <a:t>Dúvidas?</a:t>
-            </a:r>
-          </a:p>
-          <a:p>
-            <a:pPr>
-              <a:spcBef>
-                <a:spcPts val="0"/>
-              </a:spcBef>
-              <a:buSzPct val="61111"/>
-              <a:buFont typeface="Arial"/>
-              <a:buNone/>
-            </a:pPr>
-            <a:r>
-              <a:rPr lang="en" sz="1800" smtClean="0">
-                <a:solidFill>
-                  <a:srgbClr val="FFFFFF"/>
-                </a:solidFill>
-              </a:rPr>
-              <a:t>Mande para adrianlemess@gmail.com ou renanbastos@gmail.com</a:t>
-            </a:r>
-            <a:endParaRPr lang="en" sz="1800" dirty="0">
-              <a:solidFill>
-                <a:srgbClr val="FFFFFF"/>
-              </a:solidFill>
-            </a:endParaRPr>
-          </a:p>
-        </p:txBody>
-      </p:sp>
-      <p:sp>
-        <p:nvSpPr>
-          <p:cNvPr id="8" name="Shape 248"/>
-          <p:cNvSpPr/>
-          <p:nvPr/>
-        </p:nvSpPr>
-        <p:spPr>
-          <a:xfrm>
-            <a:off x="5608400" y="449600"/>
-            <a:ext cx="2818200" cy="2653800"/>
-          </a:xfrm>
-          <a:prstGeom prst="wedgeEllipseCallout">
-            <a:avLst>
-              <a:gd name="adj1" fmla="val -57425"/>
-              <a:gd name="adj2" fmla="val 37651"/>
-            </a:avLst>
-          </a:prstGeom>
-          <a:solidFill>
-            <a:srgbClr val="FFFFFF"/>
-          </a:solidFill>
-          <a:ln w="76200" cap="flat" cmpd="sng">
-            <a:solidFill>
-              <a:srgbClr val="000000"/>
-            </a:solidFill>
-            <a:prstDash val="solid"/>
-            <a:miter/>
-            <a:headEnd type="none" w="med" len="med"/>
-            <a:tailEnd type="none" w="med" len="med"/>
-          </a:ln>
-        </p:spPr>
-        <p:txBody>
-          <a:bodyPr lIns="91425" tIns="91425" rIns="91425" bIns="91425" anchor="ctr" anchorCtr="0">
-            <a:noAutofit/>
-          </a:bodyPr>
-          <a:lstStyle/>
-          <a:p>
-            <a:pPr lvl="0">
-              <a:spcBef>
-                <a:spcPts val="0"/>
-              </a:spcBef>
-              <a:buNone/>
-            </a:pPr>
-            <a:endParaRPr>
-              <a:solidFill>
-                <a:srgbClr val="FF0000"/>
-              </a:solidFill>
-            </a:endParaRPr>
-          </a:p>
-        </p:txBody>
-      </p:sp>
-      <p:sp>
-        <p:nvSpPr>
-          <p:cNvPr id="9" name="Shape 249"/>
-          <p:cNvSpPr/>
-          <p:nvPr/>
-        </p:nvSpPr>
-        <p:spPr>
-          <a:xfrm>
-            <a:off x="6156176" y="915566"/>
-            <a:ext cx="1648181" cy="1642247"/>
-          </a:xfrm>
-          <a:custGeom>
-            <a:avLst/>
-            <a:gdLst/>
-            <a:ahLst/>
-            <a:cxnLst/>
-            <a:rect l="0" t="0" r="0" b="0"/>
-            <a:pathLst>
-              <a:path w="15290" h="15290" extrusionOk="0">
-                <a:moveTo>
-                  <a:pt x="4519" y="6815"/>
-                </a:moveTo>
-                <a:lnTo>
-                  <a:pt x="4690" y="6839"/>
-                </a:lnTo>
-                <a:lnTo>
-                  <a:pt x="4861" y="6888"/>
-                </a:lnTo>
-                <a:lnTo>
-                  <a:pt x="5007" y="6986"/>
-                </a:lnTo>
-                <a:lnTo>
-                  <a:pt x="5154" y="7084"/>
-                </a:lnTo>
-                <a:lnTo>
-                  <a:pt x="5251" y="7230"/>
-                </a:lnTo>
-                <a:lnTo>
-                  <a:pt x="5325" y="7401"/>
-                </a:lnTo>
-                <a:lnTo>
-                  <a:pt x="5374" y="7572"/>
-                </a:lnTo>
-                <a:lnTo>
-                  <a:pt x="5398" y="7767"/>
-                </a:lnTo>
-                <a:lnTo>
-                  <a:pt x="5374" y="7963"/>
-                </a:lnTo>
-                <a:lnTo>
-                  <a:pt x="5325" y="8134"/>
-                </a:lnTo>
-                <a:lnTo>
-                  <a:pt x="5251" y="8305"/>
-                </a:lnTo>
-                <a:lnTo>
-                  <a:pt x="5154" y="8451"/>
-                </a:lnTo>
-                <a:lnTo>
-                  <a:pt x="5007" y="8549"/>
-                </a:lnTo>
-                <a:lnTo>
-                  <a:pt x="4861" y="8647"/>
-                </a:lnTo>
-                <a:lnTo>
-                  <a:pt x="4690" y="8696"/>
-                </a:lnTo>
-                <a:lnTo>
-                  <a:pt x="4519" y="8720"/>
-                </a:lnTo>
-                <a:lnTo>
-                  <a:pt x="4348" y="8696"/>
-                </a:lnTo>
-                <a:lnTo>
-                  <a:pt x="4177" y="8647"/>
-                </a:lnTo>
-                <a:lnTo>
-                  <a:pt x="4030" y="8549"/>
-                </a:lnTo>
-                <a:lnTo>
-                  <a:pt x="3884" y="8451"/>
-                </a:lnTo>
-                <a:lnTo>
-                  <a:pt x="3786" y="8305"/>
-                </a:lnTo>
-                <a:lnTo>
-                  <a:pt x="3713" y="8134"/>
-                </a:lnTo>
-                <a:lnTo>
-                  <a:pt x="3664" y="7963"/>
-                </a:lnTo>
-                <a:lnTo>
-                  <a:pt x="3640" y="7767"/>
-                </a:lnTo>
-                <a:lnTo>
-                  <a:pt x="3664" y="7572"/>
-                </a:lnTo>
-                <a:lnTo>
-                  <a:pt x="3713" y="7401"/>
-                </a:lnTo>
-                <a:lnTo>
-                  <a:pt x="3786" y="7230"/>
-                </a:lnTo>
-                <a:lnTo>
-                  <a:pt x="3884" y="7084"/>
-                </a:lnTo>
-                <a:lnTo>
-                  <a:pt x="4030" y="6986"/>
-                </a:lnTo>
-                <a:lnTo>
-                  <a:pt x="4177" y="6888"/>
-                </a:lnTo>
-                <a:lnTo>
-                  <a:pt x="4348" y="6839"/>
-                </a:lnTo>
-                <a:lnTo>
-                  <a:pt x="4519" y="6815"/>
-                </a:lnTo>
-                <a:close/>
-                <a:moveTo>
-                  <a:pt x="10771" y="6815"/>
-                </a:moveTo>
-                <a:lnTo>
-                  <a:pt x="10942" y="6839"/>
-                </a:lnTo>
-                <a:lnTo>
-                  <a:pt x="11113" y="6888"/>
-                </a:lnTo>
-                <a:lnTo>
-                  <a:pt x="11260" y="6986"/>
-                </a:lnTo>
-                <a:lnTo>
-                  <a:pt x="11406" y="7084"/>
-                </a:lnTo>
-                <a:lnTo>
-                  <a:pt x="11504" y="7230"/>
-                </a:lnTo>
-                <a:lnTo>
-                  <a:pt x="11577" y="7401"/>
-                </a:lnTo>
-                <a:lnTo>
-                  <a:pt x="11626" y="7572"/>
-                </a:lnTo>
-                <a:lnTo>
-                  <a:pt x="11650" y="7767"/>
-                </a:lnTo>
-                <a:lnTo>
-                  <a:pt x="11626" y="7963"/>
-                </a:lnTo>
-                <a:lnTo>
-                  <a:pt x="11577" y="8134"/>
-                </a:lnTo>
-                <a:lnTo>
-                  <a:pt x="11504" y="8305"/>
-                </a:lnTo>
-                <a:lnTo>
-                  <a:pt x="11406" y="8451"/>
-                </a:lnTo>
-                <a:lnTo>
-                  <a:pt x="11260" y="8549"/>
-                </a:lnTo>
-                <a:lnTo>
-                  <a:pt x="11113" y="8647"/>
-                </a:lnTo>
-                <a:lnTo>
-                  <a:pt x="10942" y="8696"/>
-                </a:lnTo>
-                <a:lnTo>
-                  <a:pt x="10771" y="8720"/>
-                </a:lnTo>
-                <a:lnTo>
-                  <a:pt x="10600" y="8696"/>
-                </a:lnTo>
-                <a:lnTo>
-                  <a:pt x="10429" y="8647"/>
-                </a:lnTo>
-                <a:lnTo>
-                  <a:pt x="10283" y="8549"/>
-                </a:lnTo>
-                <a:lnTo>
-                  <a:pt x="10136" y="8451"/>
-                </a:lnTo>
-                <a:lnTo>
-                  <a:pt x="10038" y="8305"/>
-                </a:lnTo>
-                <a:lnTo>
-                  <a:pt x="9965" y="8134"/>
-                </a:lnTo>
-                <a:lnTo>
-                  <a:pt x="9916" y="7963"/>
-                </a:lnTo>
-                <a:lnTo>
-                  <a:pt x="9892" y="7767"/>
-                </a:lnTo>
-                <a:lnTo>
-                  <a:pt x="9916" y="7572"/>
-                </a:lnTo>
-                <a:lnTo>
-                  <a:pt x="9965" y="7401"/>
-                </a:lnTo>
-                <a:lnTo>
-                  <a:pt x="10038" y="7230"/>
-                </a:lnTo>
-                <a:lnTo>
-                  <a:pt x="10136" y="7084"/>
-                </a:lnTo>
-                <a:lnTo>
-                  <a:pt x="10283" y="6986"/>
-                </a:lnTo>
-                <a:lnTo>
-                  <a:pt x="10429" y="6888"/>
-                </a:lnTo>
-                <a:lnTo>
-                  <a:pt x="10600" y="6839"/>
-                </a:lnTo>
-                <a:lnTo>
-                  <a:pt x="10771" y="6815"/>
-                </a:lnTo>
-                <a:close/>
-                <a:moveTo>
-                  <a:pt x="11308" y="10210"/>
-                </a:moveTo>
-                <a:lnTo>
-                  <a:pt x="11406" y="10234"/>
-                </a:lnTo>
-                <a:lnTo>
-                  <a:pt x="11479" y="10259"/>
-                </a:lnTo>
-                <a:lnTo>
-                  <a:pt x="11577" y="10307"/>
-                </a:lnTo>
-                <a:lnTo>
-                  <a:pt x="11650" y="10356"/>
-                </a:lnTo>
-                <a:lnTo>
-                  <a:pt x="11699" y="10430"/>
-                </a:lnTo>
-                <a:lnTo>
-                  <a:pt x="11748" y="10527"/>
-                </a:lnTo>
-                <a:lnTo>
-                  <a:pt x="11772" y="10625"/>
-                </a:lnTo>
-                <a:lnTo>
-                  <a:pt x="11797" y="10698"/>
-                </a:lnTo>
-                <a:lnTo>
-                  <a:pt x="11772" y="10796"/>
-                </a:lnTo>
-                <a:lnTo>
-                  <a:pt x="11748" y="10894"/>
-                </a:lnTo>
-                <a:lnTo>
-                  <a:pt x="11699" y="10967"/>
-                </a:lnTo>
-                <a:lnTo>
-                  <a:pt x="11650" y="11065"/>
-                </a:lnTo>
-                <a:lnTo>
-                  <a:pt x="11235" y="11431"/>
-                </a:lnTo>
-                <a:lnTo>
-                  <a:pt x="10795" y="11773"/>
-                </a:lnTo>
-                <a:lnTo>
-                  <a:pt x="10307" y="12041"/>
-                </a:lnTo>
-                <a:lnTo>
-                  <a:pt x="9819" y="12286"/>
-                </a:lnTo>
-                <a:lnTo>
-                  <a:pt x="9281" y="12457"/>
-                </a:lnTo>
-                <a:lnTo>
-                  <a:pt x="8768" y="12603"/>
-                </a:lnTo>
-                <a:lnTo>
-                  <a:pt x="8207" y="12676"/>
-                </a:lnTo>
-                <a:lnTo>
-                  <a:pt x="7645" y="12701"/>
-                </a:lnTo>
-                <a:lnTo>
-                  <a:pt x="7083" y="12676"/>
-                </a:lnTo>
-                <a:lnTo>
-                  <a:pt x="6521" y="12603"/>
-                </a:lnTo>
-                <a:lnTo>
-                  <a:pt x="6009" y="12457"/>
-                </a:lnTo>
-                <a:lnTo>
-                  <a:pt x="5471" y="12286"/>
-                </a:lnTo>
-                <a:lnTo>
-                  <a:pt x="4983" y="12041"/>
-                </a:lnTo>
-                <a:lnTo>
-                  <a:pt x="4494" y="11773"/>
-                </a:lnTo>
-                <a:lnTo>
-                  <a:pt x="4055" y="11431"/>
-                </a:lnTo>
-                <a:lnTo>
-                  <a:pt x="3640" y="11065"/>
-                </a:lnTo>
-                <a:lnTo>
-                  <a:pt x="3591" y="10967"/>
-                </a:lnTo>
-                <a:lnTo>
-                  <a:pt x="3542" y="10894"/>
-                </a:lnTo>
-                <a:lnTo>
-                  <a:pt x="3517" y="10796"/>
-                </a:lnTo>
-                <a:lnTo>
-                  <a:pt x="3493" y="10698"/>
-                </a:lnTo>
-                <a:lnTo>
-                  <a:pt x="3517" y="10625"/>
-                </a:lnTo>
-                <a:lnTo>
-                  <a:pt x="3542" y="10527"/>
-                </a:lnTo>
-                <a:lnTo>
-                  <a:pt x="3591" y="10430"/>
-                </a:lnTo>
-                <a:lnTo>
-                  <a:pt x="3640" y="10356"/>
-                </a:lnTo>
-                <a:lnTo>
-                  <a:pt x="3713" y="10307"/>
-                </a:lnTo>
-                <a:lnTo>
-                  <a:pt x="3811" y="10259"/>
-                </a:lnTo>
-                <a:lnTo>
-                  <a:pt x="3884" y="10234"/>
-                </a:lnTo>
-                <a:lnTo>
-                  <a:pt x="3981" y="10210"/>
-                </a:lnTo>
-                <a:lnTo>
-                  <a:pt x="4079" y="10234"/>
-                </a:lnTo>
-                <a:lnTo>
-                  <a:pt x="4177" y="10259"/>
-                </a:lnTo>
-                <a:lnTo>
-                  <a:pt x="4250" y="10307"/>
-                </a:lnTo>
-                <a:lnTo>
-                  <a:pt x="4323" y="10356"/>
-                </a:lnTo>
-                <a:lnTo>
-                  <a:pt x="4690" y="10674"/>
-                </a:lnTo>
-                <a:lnTo>
-                  <a:pt x="5056" y="10942"/>
-                </a:lnTo>
-                <a:lnTo>
-                  <a:pt x="5447" y="11187"/>
-                </a:lnTo>
-                <a:lnTo>
-                  <a:pt x="5862" y="11382"/>
-                </a:lnTo>
-                <a:lnTo>
-                  <a:pt x="6277" y="11529"/>
-                </a:lnTo>
-                <a:lnTo>
-                  <a:pt x="6717" y="11651"/>
-                </a:lnTo>
-                <a:lnTo>
-                  <a:pt x="7181" y="11700"/>
-                </a:lnTo>
-                <a:lnTo>
-                  <a:pt x="7645" y="11724"/>
-                </a:lnTo>
-                <a:lnTo>
-                  <a:pt x="8109" y="11700"/>
-                </a:lnTo>
-                <a:lnTo>
-                  <a:pt x="8573" y="11651"/>
-                </a:lnTo>
-                <a:lnTo>
-                  <a:pt x="9013" y="11529"/>
-                </a:lnTo>
-                <a:lnTo>
-                  <a:pt x="9428" y="11382"/>
-                </a:lnTo>
-                <a:lnTo>
-                  <a:pt x="9843" y="11187"/>
-                </a:lnTo>
-                <a:lnTo>
-                  <a:pt x="10234" y="10942"/>
-                </a:lnTo>
-                <a:lnTo>
-                  <a:pt x="10600" y="10674"/>
-                </a:lnTo>
-                <a:lnTo>
-                  <a:pt x="10966" y="10356"/>
-                </a:lnTo>
-                <a:lnTo>
-                  <a:pt x="11040" y="10307"/>
-                </a:lnTo>
-                <a:lnTo>
-                  <a:pt x="11113" y="10259"/>
-                </a:lnTo>
-                <a:lnTo>
-                  <a:pt x="11211" y="10234"/>
-                </a:lnTo>
-                <a:lnTo>
-                  <a:pt x="11308" y="10210"/>
-                </a:lnTo>
-                <a:close/>
-                <a:moveTo>
-                  <a:pt x="7254" y="1"/>
-                </a:moveTo>
-                <a:lnTo>
-                  <a:pt x="6863" y="50"/>
-                </a:lnTo>
-                <a:lnTo>
-                  <a:pt x="6473" y="99"/>
-                </a:lnTo>
-                <a:lnTo>
-                  <a:pt x="6106" y="147"/>
-                </a:lnTo>
-                <a:lnTo>
-                  <a:pt x="5740" y="245"/>
-                </a:lnTo>
-                <a:lnTo>
-                  <a:pt x="5374" y="343"/>
-                </a:lnTo>
-                <a:lnTo>
-                  <a:pt x="5007" y="465"/>
-                </a:lnTo>
-                <a:lnTo>
-                  <a:pt x="4665" y="611"/>
-                </a:lnTo>
-                <a:lnTo>
-                  <a:pt x="4323" y="758"/>
-                </a:lnTo>
-                <a:lnTo>
-                  <a:pt x="4006" y="929"/>
-                </a:lnTo>
-                <a:lnTo>
-                  <a:pt x="3688" y="1100"/>
-                </a:lnTo>
-                <a:lnTo>
-                  <a:pt x="3371" y="1295"/>
-                </a:lnTo>
-                <a:lnTo>
-                  <a:pt x="3078" y="1515"/>
-                </a:lnTo>
-                <a:lnTo>
-                  <a:pt x="2785" y="1735"/>
-                </a:lnTo>
-                <a:lnTo>
-                  <a:pt x="2516" y="1979"/>
-                </a:lnTo>
-                <a:lnTo>
-                  <a:pt x="2247" y="2248"/>
-                </a:lnTo>
-                <a:lnTo>
-                  <a:pt x="1979" y="2516"/>
-                </a:lnTo>
-                <a:lnTo>
-                  <a:pt x="1735" y="2785"/>
-                </a:lnTo>
-                <a:lnTo>
-                  <a:pt x="1515" y="3078"/>
-                </a:lnTo>
-                <a:lnTo>
-                  <a:pt x="1295" y="3371"/>
-                </a:lnTo>
-                <a:lnTo>
-                  <a:pt x="1100" y="3689"/>
-                </a:lnTo>
-                <a:lnTo>
-                  <a:pt x="929" y="4006"/>
-                </a:lnTo>
-                <a:lnTo>
-                  <a:pt x="758" y="4324"/>
-                </a:lnTo>
-                <a:lnTo>
-                  <a:pt x="611" y="4666"/>
-                </a:lnTo>
-                <a:lnTo>
-                  <a:pt x="465" y="5008"/>
-                </a:lnTo>
-                <a:lnTo>
-                  <a:pt x="342" y="5374"/>
-                </a:lnTo>
-                <a:lnTo>
-                  <a:pt x="245" y="5740"/>
-                </a:lnTo>
-                <a:lnTo>
-                  <a:pt x="147" y="6107"/>
-                </a:lnTo>
-                <a:lnTo>
-                  <a:pt x="98" y="6473"/>
-                </a:lnTo>
-                <a:lnTo>
-                  <a:pt x="49" y="6864"/>
-                </a:lnTo>
-                <a:lnTo>
-                  <a:pt x="1" y="7255"/>
-                </a:lnTo>
-                <a:lnTo>
-                  <a:pt x="1" y="7645"/>
-                </a:lnTo>
-                <a:lnTo>
-                  <a:pt x="1" y="8036"/>
-                </a:lnTo>
-                <a:lnTo>
-                  <a:pt x="49" y="8427"/>
-                </a:lnTo>
-                <a:lnTo>
-                  <a:pt x="98" y="8818"/>
-                </a:lnTo>
-                <a:lnTo>
-                  <a:pt x="147" y="9184"/>
-                </a:lnTo>
-                <a:lnTo>
-                  <a:pt x="245" y="9550"/>
-                </a:lnTo>
-                <a:lnTo>
-                  <a:pt x="342" y="9917"/>
-                </a:lnTo>
-                <a:lnTo>
-                  <a:pt x="465" y="10283"/>
-                </a:lnTo>
-                <a:lnTo>
-                  <a:pt x="611" y="10625"/>
-                </a:lnTo>
-                <a:lnTo>
-                  <a:pt x="758" y="10967"/>
-                </a:lnTo>
-                <a:lnTo>
-                  <a:pt x="929" y="11284"/>
-                </a:lnTo>
-                <a:lnTo>
-                  <a:pt x="1100" y="11602"/>
-                </a:lnTo>
-                <a:lnTo>
-                  <a:pt x="1295" y="11919"/>
-                </a:lnTo>
-                <a:lnTo>
-                  <a:pt x="1515" y="12212"/>
-                </a:lnTo>
-                <a:lnTo>
-                  <a:pt x="1735" y="12506"/>
-                </a:lnTo>
-                <a:lnTo>
-                  <a:pt x="1979" y="12774"/>
-                </a:lnTo>
-                <a:lnTo>
-                  <a:pt x="2247" y="13043"/>
-                </a:lnTo>
-                <a:lnTo>
-                  <a:pt x="2516" y="13311"/>
-                </a:lnTo>
-                <a:lnTo>
-                  <a:pt x="2785" y="13556"/>
-                </a:lnTo>
-                <a:lnTo>
-                  <a:pt x="3078" y="13776"/>
-                </a:lnTo>
-                <a:lnTo>
-                  <a:pt x="3371" y="13995"/>
-                </a:lnTo>
-                <a:lnTo>
-                  <a:pt x="3688" y="14191"/>
-                </a:lnTo>
-                <a:lnTo>
-                  <a:pt x="4006" y="14362"/>
-                </a:lnTo>
-                <a:lnTo>
-                  <a:pt x="4323" y="14533"/>
-                </a:lnTo>
-                <a:lnTo>
-                  <a:pt x="4665" y="14679"/>
-                </a:lnTo>
-                <a:lnTo>
-                  <a:pt x="5007" y="14826"/>
-                </a:lnTo>
-                <a:lnTo>
-                  <a:pt x="5374" y="14948"/>
-                </a:lnTo>
-                <a:lnTo>
-                  <a:pt x="5740" y="15046"/>
-                </a:lnTo>
-                <a:lnTo>
-                  <a:pt x="6106" y="15143"/>
-                </a:lnTo>
-                <a:lnTo>
-                  <a:pt x="6473" y="15192"/>
-                </a:lnTo>
-                <a:lnTo>
-                  <a:pt x="6863" y="15241"/>
-                </a:lnTo>
-                <a:lnTo>
-                  <a:pt x="7254" y="15290"/>
-                </a:lnTo>
-                <a:lnTo>
-                  <a:pt x="8036" y="15290"/>
-                </a:lnTo>
-                <a:lnTo>
-                  <a:pt x="8426" y="15241"/>
-                </a:lnTo>
-                <a:lnTo>
-                  <a:pt x="8817" y="15192"/>
-                </a:lnTo>
-                <a:lnTo>
-                  <a:pt x="9184" y="15143"/>
-                </a:lnTo>
-                <a:lnTo>
-                  <a:pt x="9550" y="15046"/>
-                </a:lnTo>
-                <a:lnTo>
-                  <a:pt x="9916" y="14948"/>
-                </a:lnTo>
-                <a:lnTo>
-                  <a:pt x="10283" y="14826"/>
-                </a:lnTo>
-                <a:lnTo>
-                  <a:pt x="10625" y="14679"/>
-                </a:lnTo>
-                <a:lnTo>
-                  <a:pt x="10966" y="14533"/>
-                </a:lnTo>
-                <a:lnTo>
-                  <a:pt x="11284" y="14362"/>
-                </a:lnTo>
-                <a:lnTo>
-                  <a:pt x="11601" y="14191"/>
-                </a:lnTo>
-                <a:lnTo>
-                  <a:pt x="11919" y="13995"/>
-                </a:lnTo>
-                <a:lnTo>
-                  <a:pt x="12212" y="13776"/>
-                </a:lnTo>
-                <a:lnTo>
-                  <a:pt x="12505" y="13556"/>
-                </a:lnTo>
-                <a:lnTo>
-                  <a:pt x="12774" y="13311"/>
-                </a:lnTo>
-                <a:lnTo>
-                  <a:pt x="13042" y="13043"/>
-                </a:lnTo>
-                <a:lnTo>
-                  <a:pt x="13311" y="12774"/>
-                </a:lnTo>
-                <a:lnTo>
-                  <a:pt x="13555" y="12506"/>
-                </a:lnTo>
-                <a:lnTo>
-                  <a:pt x="13775" y="12212"/>
-                </a:lnTo>
-                <a:lnTo>
-                  <a:pt x="13995" y="11919"/>
-                </a:lnTo>
-                <a:lnTo>
-                  <a:pt x="14190" y="11602"/>
-                </a:lnTo>
-                <a:lnTo>
-                  <a:pt x="14361" y="11284"/>
-                </a:lnTo>
-                <a:lnTo>
-                  <a:pt x="14532" y="10967"/>
-                </a:lnTo>
-                <a:lnTo>
-                  <a:pt x="14679" y="10625"/>
-                </a:lnTo>
-                <a:lnTo>
-                  <a:pt x="14825" y="10283"/>
-                </a:lnTo>
-                <a:lnTo>
-                  <a:pt x="14947" y="9917"/>
-                </a:lnTo>
-                <a:lnTo>
-                  <a:pt x="15045" y="9550"/>
-                </a:lnTo>
-                <a:lnTo>
-                  <a:pt x="15143" y="9184"/>
-                </a:lnTo>
-                <a:lnTo>
-                  <a:pt x="15192" y="8818"/>
-                </a:lnTo>
-                <a:lnTo>
-                  <a:pt x="15240" y="8427"/>
-                </a:lnTo>
-                <a:lnTo>
-                  <a:pt x="15289" y="8036"/>
-                </a:lnTo>
-                <a:lnTo>
-                  <a:pt x="15289" y="7645"/>
-                </a:lnTo>
-                <a:lnTo>
-                  <a:pt x="15289" y="7255"/>
-                </a:lnTo>
-                <a:lnTo>
-                  <a:pt x="15240" y="6864"/>
-                </a:lnTo>
-                <a:lnTo>
-                  <a:pt x="15192" y="6473"/>
-                </a:lnTo>
-                <a:lnTo>
-                  <a:pt x="15143" y="6107"/>
-                </a:lnTo>
-                <a:lnTo>
-                  <a:pt x="15045" y="5740"/>
-                </a:lnTo>
-                <a:lnTo>
-                  <a:pt x="14947" y="5374"/>
-                </a:lnTo>
-                <a:lnTo>
-                  <a:pt x="14825" y="5008"/>
-                </a:lnTo>
-                <a:lnTo>
-                  <a:pt x="14679" y="4666"/>
-                </a:lnTo>
-                <a:lnTo>
-                  <a:pt x="14532" y="4324"/>
-                </a:lnTo>
-                <a:lnTo>
-                  <a:pt x="14361" y="4006"/>
-                </a:lnTo>
-                <a:lnTo>
-                  <a:pt x="14190" y="3689"/>
-                </a:lnTo>
-                <a:lnTo>
-                  <a:pt x="13995" y="3371"/>
-                </a:lnTo>
-                <a:lnTo>
-                  <a:pt x="13775" y="3078"/>
-                </a:lnTo>
-                <a:lnTo>
-                  <a:pt x="13555" y="2785"/>
-                </a:lnTo>
-                <a:lnTo>
-                  <a:pt x="13311" y="2516"/>
-                </a:lnTo>
-                <a:lnTo>
-                  <a:pt x="13042" y="2248"/>
-                </a:lnTo>
-                <a:lnTo>
-                  <a:pt x="12774" y="1979"/>
-                </a:lnTo>
-                <a:lnTo>
-                  <a:pt x="12505" y="1735"/>
-                </a:lnTo>
-                <a:lnTo>
-                  <a:pt x="12212" y="1515"/>
-                </a:lnTo>
-                <a:lnTo>
-                  <a:pt x="11919" y="1295"/>
-                </a:lnTo>
-                <a:lnTo>
-                  <a:pt x="11601" y="1100"/>
-                </a:lnTo>
-                <a:lnTo>
-                  <a:pt x="11284" y="929"/>
-                </a:lnTo>
-                <a:lnTo>
-                  <a:pt x="10966" y="758"/>
-                </a:lnTo>
-                <a:lnTo>
-                  <a:pt x="10625" y="611"/>
-                </a:lnTo>
-                <a:lnTo>
-                  <a:pt x="10283" y="465"/>
-                </a:lnTo>
-                <a:lnTo>
-                  <a:pt x="9916" y="343"/>
-                </a:lnTo>
-                <a:lnTo>
-                  <a:pt x="9550" y="245"/>
-                </a:lnTo>
-                <a:lnTo>
-                  <a:pt x="9184" y="147"/>
-                </a:lnTo>
-                <a:lnTo>
-                  <a:pt x="8817" y="99"/>
-                </a:lnTo>
-                <a:lnTo>
-                  <a:pt x="8426" y="50"/>
-                </a:lnTo>
-                <a:lnTo>
-                  <a:pt x="8036" y="1"/>
-                </a:lnTo>
-                <a:close/>
-              </a:path>
-            </a:pathLst>
-          </a:custGeom>
-          <a:solidFill>
-            <a:srgbClr val="FFA300"/>
-          </a:solidFill>
-          <a:ln>
-            <a:noFill/>
-          </a:ln>
-        </p:spPr>
-        <p:txBody>
-          <a:bodyPr lIns="91425" tIns="91425" rIns="91425" bIns="91425" anchor="ctr" anchorCtr="0">
-            <a:noAutofit/>
-          </a:bodyPr>
-          <a:lstStyle/>
-          <a:p>
-            <a:pPr lvl="0">
-              <a:spcBef>
-                <a:spcPts val="0"/>
-              </a:spcBef>
-              <a:buNone/>
-            </a:pPr>
-            <a:endParaRPr/>
-          </a:p>
-        </p:txBody>
-      </p:sp>
-    </p:spTree>
-    <p:extLst>
-      <p:ext uri="{BB962C8B-B14F-4D97-AF65-F5344CB8AC3E}">
-        <p14:creationId xmlns:p14="http://schemas.microsoft.com/office/powerpoint/2010/main" xmlns="" val="1925826240"/>
+        <p14:creationId xmlns:p14="http://schemas.microsoft.com/office/powerpoint/2010/main" val="3015482286"/>
       </p:ext>
     </p:extLst>
   </p:cSld>
@@ -22450,7 +21677,7 @@
           <a:blip r:embed="rId3">
             <a:extLst>
               <a:ext uri="{28A0092B-C50C-407E-A947-70E740481C1C}">
-                <a14:useLocalDpi xmlns:a14="http://schemas.microsoft.com/office/drawing/2010/main" xmlns="" val="0"/>
+                <a14:useLocalDpi xmlns:a14="http://schemas.microsoft.com/office/drawing/2010/main" val="0"/>
               </a:ext>
             </a:extLst>
           </a:blip>
@@ -22468,10 +21695,1520 @@
           </a:prstGeom>
         </p:spPr>
       </p:pic>
+      <p:sp>
+        <p:nvSpPr>
+          <p:cNvPr id="4" name="Elipse 3"/>
+          <p:cNvSpPr/>
+          <p:nvPr/>
+        </p:nvSpPr>
+        <p:spPr>
+          <a:xfrm>
+            <a:off x="8532440" y="485259"/>
+            <a:ext cx="216024" cy="144016"/>
+          </a:xfrm>
+          <a:prstGeom prst="ellipse">
+            <a:avLst/>
+          </a:prstGeom>
+        </p:spPr>
+        <p:style>
+          <a:lnRef idx="2">
+            <a:schemeClr val="accent1">
+              <a:shade val="50000"/>
+            </a:schemeClr>
+          </a:lnRef>
+          <a:fillRef idx="1">
+            <a:schemeClr val="accent1"/>
+          </a:fillRef>
+          <a:effectRef idx="0">
+            <a:schemeClr val="accent1"/>
+          </a:effectRef>
+          <a:fontRef idx="minor">
+            <a:schemeClr val="lt1"/>
+          </a:fontRef>
+        </p:style>
+        <p:txBody>
+          <a:bodyPr rtlCol="0" anchor="ctr"/>
+          <a:lstStyle/>
+          <a:p>
+            <a:pPr algn="ctr"/>
+            <a:endParaRPr lang="pt-BR"/>
+          </a:p>
+        </p:txBody>
+      </p:sp>
     </p:spTree>
     <p:extLst>
       <p:ext uri="{BB962C8B-B14F-4D97-AF65-F5344CB8AC3E}">
-        <p14:creationId xmlns:p14="http://schemas.microsoft.com/office/powerpoint/2010/main" xmlns="" val="1276436569"/>
+        <p14:creationId xmlns:p14="http://schemas.microsoft.com/office/powerpoint/2010/main" val="1276436569"/>
+      </p:ext>
+    </p:extLst>
+  </p:cSld>
+  <p:clrMapOvr>
+    <a:masterClrMapping/>
+  </p:clrMapOvr>
+  <p:timing>
+    <p:tnLst>
+      <p:par>
+        <p:cTn id="1" dur="indefinite" restart="never" nodeType="tmRoot"/>
+      </p:par>
+    </p:tnLst>
+  </p:timing>
+</p:sld>
+</file>
+
+<file path=ppt/slides/slide50.xml><?xml version="1.0" encoding="utf-8"?>
+<p:sld xmlns:a="http://schemas.openxmlformats.org/drawingml/2006/main" xmlns:r="http://schemas.openxmlformats.org/officeDocument/2006/relationships" xmlns:p="http://schemas.openxmlformats.org/presentationml/2006/main">
+  <p:cSld>
+    <p:bg>
+      <p:bgPr>
+        <a:solidFill>
+          <a:srgbClr val="824BB0"/>
+        </a:solidFill>
+        <a:effectLst/>
+      </p:bgPr>
+    </p:bg>
+    <p:spTree>
+      <p:nvGrpSpPr>
+        <p:cNvPr id="1" name="Shape 245"/>
+        <p:cNvGrpSpPr/>
+        <p:nvPr/>
+      </p:nvGrpSpPr>
+      <p:grpSpPr>
+        <a:xfrm>
+          <a:off x="0" y="0"/>
+          <a:ext cx="0" cy="0"/>
+          <a:chOff x="0" y="0"/>
+          <a:chExt cx="0" cy="0"/>
+        </a:xfrm>
+      </p:grpSpPr>
+      <p:sp>
+        <p:nvSpPr>
+          <p:cNvPr id="6" name="Shape 246"/>
+          <p:cNvSpPr txBox="1">
+            <a:spLocks/>
+          </p:cNvSpPr>
+          <p:nvPr/>
+        </p:nvSpPr>
+        <p:spPr>
+          <a:xfrm>
+            <a:off x="0" y="2471738"/>
+            <a:ext cx="4776788" cy="1158875"/>
+          </a:xfrm>
+          <a:prstGeom prst="rect">
+            <a:avLst/>
+          </a:prstGeom>
+          <a:noFill/>
+          <a:ln>
+            <a:noFill/>
+          </a:ln>
+        </p:spPr>
+        <p:txBody>
+          <a:bodyPr lIns="91425" tIns="91425" rIns="91425" bIns="91425" anchor="b" anchorCtr="0">
+            <a:noAutofit/>
+          </a:bodyPr>
+          <a:lstStyle>
+            <a:defPPr marR="0" lvl="0" algn="l" rtl="0">
+              <a:lnSpc>
+                <a:spcPct val="100000"/>
+              </a:lnSpc>
+              <a:spcBef>
+                <a:spcPts val="0"/>
+              </a:spcBef>
+              <a:spcAft>
+                <a:spcPts val="0"/>
+              </a:spcAft>
+            </a:defPPr>
+            <a:lvl1pPr marR="0" lvl="0" algn="l" rtl="0">
+              <a:lnSpc>
+                <a:spcPct val="100000"/>
+              </a:lnSpc>
+              <a:spcBef>
+                <a:spcPts val="0"/>
+              </a:spcBef>
+              <a:spcAft>
+                <a:spcPts val="0"/>
+              </a:spcAft>
+              <a:buClr>
+                <a:schemeClr val="dk1"/>
+              </a:buClr>
+              <a:buSzPct val="100000"/>
+              <a:buFont typeface="Bangers"/>
+              <a:buNone/>
+              <a:defRPr sz="3000" b="0" i="0" u="none" strike="noStrike" cap="none">
+                <a:solidFill>
+                  <a:schemeClr val="dk1"/>
+                </a:solidFill>
+                <a:latin typeface="Bangers"/>
+                <a:ea typeface="Bangers"/>
+                <a:cs typeface="Bangers"/>
+                <a:sym typeface="Bangers"/>
+              </a:defRPr>
+            </a:lvl1pPr>
+            <a:lvl2pPr lvl="1">
+              <a:spcBef>
+                <a:spcPts val="0"/>
+              </a:spcBef>
+              <a:buClr>
+                <a:schemeClr val="dk1"/>
+              </a:buClr>
+              <a:buSzPct val="100000"/>
+              <a:buFont typeface="Bangers"/>
+              <a:buNone/>
+              <a:defRPr sz="3000">
+                <a:solidFill>
+                  <a:schemeClr val="dk1"/>
+                </a:solidFill>
+                <a:latin typeface="Bangers"/>
+                <a:ea typeface="Bangers"/>
+                <a:cs typeface="Bangers"/>
+                <a:sym typeface="Bangers"/>
+              </a:defRPr>
+            </a:lvl2pPr>
+            <a:lvl3pPr lvl="2">
+              <a:spcBef>
+                <a:spcPts val="0"/>
+              </a:spcBef>
+              <a:buClr>
+                <a:schemeClr val="dk1"/>
+              </a:buClr>
+              <a:buSzPct val="100000"/>
+              <a:buFont typeface="Bangers"/>
+              <a:buNone/>
+              <a:defRPr sz="3000">
+                <a:solidFill>
+                  <a:schemeClr val="dk1"/>
+                </a:solidFill>
+                <a:latin typeface="Bangers"/>
+                <a:ea typeface="Bangers"/>
+                <a:cs typeface="Bangers"/>
+                <a:sym typeface="Bangers"/>
+              </a:defRPr>
+            </a:lvl3pPr>
+            <a:lvl4pPr lvl="3">
+              <a:spcBef>
+                <a:spcPts val="0"/>
+              </a:spcBef>
+              <a:buClr>
+                <a:schemeClr val="dk1"/>
+              </a:buClr>
+              <a:buSzPct val="100000"/>
+              <a:buFont typeface="Bangers"/>
+              <a:buNone/>
+              <a:defRPr sz="3000">
+                <a:solidFill>
+                  <a:schemeClr val="dk1"/>
+                </a:solidFill>
+                <a:latin typeface="Bangers"/>
+                <a:ea typeface="Bangers"/>
+                <a:cs typeface="Bangers"/>
+                <a:sym typeface="Bangers"/>
+              </a:defRPr>
+            </a:lvl4pPr>
+            <a:lvl5pPr lvl="4">
+              <a:spcBef>
+                <a:spcPts val="0"/>
+              </a:spcBef>
+              <a:buClr>
+                <a:schemeClr val="dk1"/>
+              </a:buClr>
+              <a:buSzPct val="100000"/>
+              <a:buFont typeface="Bangers"/>
+              <a:buNone/>
+              <a:defRPr sz="3000">
+                <a:solidFill>
+                  <a:schemeClr val="dk1"/>
+                </a:solidFill>
+                <a:latin typeface="Bangers"/>
+                <a:ea typeface="Bangers"/>
+                <a:cs typeface="Bangers"/>
+                <a:sym typeface="Bangers"/>
+              </a:defRPr>
+            </a:lvl5pPr>
+            <a:lvl6pPr lvl="5">
+              <a:spcBef>
+                <a:spcPts val="0"/>
+              </a:spcBef>
+              <a:buClr>
+                <a:schemeClr val="dk1"/>
+              </a:buClr>
+              <a:buSzPct val="100000"/>
+              <a:buFont typeface="Bangers"/>
+              <a:buNone/>
+              <a:defRPr sz="3000">
+                <a:solidFill>
+                  <a:schemeClr val="dk1"/>
+                </a:solidFill>
+                <a:latin typeface="Bangers"/>
+                <a:ea typeface="Bangers"/>
+                <a:cs typeface="Bangers"/>
+                <a:sym typeface="Bangers"/>
+              </a:defRPr>
+            </a:lvl6pPr>
+            <a:lvl7pPr lvl="6">
+              <a:spcBef>
+                <a:spcPts val="0"/>
+              </a:spcBef>
+              <a:buClr>
+                <a:schemeClr val="dk1"/>
+              </a:buClr>
+              <a:buSzPct val="100000"/>
+              <a:buFont typeface="Bangers"/>
+              <a:buNone/>
+              <a:defRPr sz="3000">
+                <a:solidFill>
+                  <a:schemeClr val="dk1"/>
+                </a:solidFill>
+                <a:latin typeface="Bangers"/>
+                <a:ea typeface="Bangers"/>
+                <a:cs typeface="Bangers"/>
+                <a:sym typeface="Bangers"/>
+              </a:defRPr>
+            </a:lvl7pPr>
+            <a:lvl8pPr lvl="7">
+              <a:spcBef>
+                <a:spcPts val="0"/>
+              </a:spcBef>
+              <a:buClr>
+                <a:schemeClr val="dk1"/>
+              </a:buClr>
+              <a:buSzPct val="100000"/>
+              <a:buFont typeface="Bangers"/>
+              <a:buNone/>
+              <a:defRPr sz="3000">
+                <a:solidFill>
+                  <a:schemeClr val="dk1"/>
+                </a:solidFill>
+                <a:latin typeface="Bangers"/>
+                <a:ea typeface="Bangers"/>
+                <a:cs typeface="Bangers"/>
+                <a:sym typeface="Bangers"/>
+              </a:defRPr>
+            </a:lvl8pPr>
+            <a:lvl9pPr lvl="8">
+              <a:spcBef>
+                <a:spcPts val="0"/>
+              </a:spcBef>
+              <a:buClr>
+                <a:schemeClr val="dk1"/>
+              </a:buClr>
+              <a:buSzPct val="100000"/>
+              <a:buFont typeface="Bangers"/>
+              <a:buNone/>
+              <a:defRPr sz="3000">
+                <a:solidFill>
+                  <a:schemeClr val="dk1"/>
+                </a:solidFill>
+                <a:latin typeface="Bangers"/>
+                <a:ea typeface="Bangers"/>
+                <a:cs typeface="Bangers"/>
+                <a:sym typeface="Bangers"/>
+              </a:defRPr>
+            </a:lvl9pPr>
+          </a:lstStyle>
+          <a:p>
+            <a:r>
+              <a:rPr lang="en" sz="12000" smtClean="0">
+                <a:solidFill>
+                  <a:srgbClr val="FFFFFF"/>
+                </a:solidFill>
+              </a:rPr>
+              <a:t>THANKS!</a:t>
+            </a:r>
+            <a:endParaRPr lang="en" sz="12000">
+              <a:solidFill>
+                <a:srgbClr val="FFFFFF"/>
+              </a:solidFill>
+            </a:endParaRPr>
+          </a:p>
+        </p:txBody>
+      </p:sp>
+      <p:sp>
+        <p:nvSpPr>
+          <p:cNvPr id="7" name="Shape 247"/>
+          <p:cNvSpPr txBox="1">
+            <a:spLocks/>
+          </p:cNvSpPr>
+          <p:nvPr/>
+        </p:nvSpPr>
+        <p:spPr>
+          <a:xfrm>
+            <a:off x="0" y="3297238"/>
+            <a:ext cx="6594475" cy="1460500"/>
+          </a:xfrm>
+          <a:prstGeom prst="rect">
+            <a:avLst/>
+          </a:prstGeom>
+          <a:noFill/>
+          <a:ln>
+            <a:noFill/>
+          </a:ln>
+        </p:spPr>
+        <p:txBody>
+          <a:bodyPr lIns="91425" tIns="91425" rIns="91425" bIns="91425" anchor="t" anchorCtr="0">
+            <a:noAutofit/>
+          </a:bodyPr>
+          <a:lstStyle>
+            <a:defPPr marR="0" lvl="0" algn="l" rtl="0">
+              <a:lnSpc>
+                <a:spcPct val="100000"/>
+              </a:lnSpc>
+              <a:spcBef>
+                <a:spcPts val="0"/>
+              </a:spcBef>
+              <a:spcAft>
+                <a:spcPts val="0"/>
+              </a:spcAft>
+            </a:defPPr>
+            <a:lvl1pPr marR="0" lvl="0" algn="l" rtl="0">
+              <a:lnSpc>
+                <a:spcPct val="100000"/>
+              </a:lnSpc>
+              <a:spcBef>
+                <a:spcPts val="600"/>
+              </a:spcBef>
+              <a:spcAft>
+                <a:spcPts val="0"/>
+              </a:spcAft>
+              <a:buClr>
+                <a:schemeClr val="dk1"/>
+              </a:buClr>
+              <a:buSzPct val="100000"/>
+              <a:buFont typeface="Sniglet"/>
+              <a:buChar char="×"/>
+              <a:defRPr sz="3000" b="0" i="0" u="none" strike="noStrike" cap="none">
+                <a:solidFill>
+                  <a:schemeClr val="dk1"/>
+                </a:solidFill>
+                <a:latin typeface="Sniglet"/>
+                <a:ea typeface="Sniglet"/>
+                <a:cs typeface="Sniglet"/>
+                <a:sym typeface="Sniglet"/>
+              </a:defRPr>
+            </a:lvl1pPr>
+            <a:lvl2pPr marR="0" lvl="1" algn="l" rtl="0">
+              <a:lnSpc>
+                <a:spcPct val="100000"/>
+              </a:lnSpc>
+              <a:spcBef>
+                <a:spcPts val="480"/>
+              </a:spcBef>
+              <a:spcAft>
+                <a:spcPts val="0"/>
+              </a:spcAft>
+              <a:buClr>
+                <a:schemeClr val="dk1"/>
+              </a:buClr>
+              <a:buSzPct val="100000"/>
+              <a:buFont typeface="Sniglet"/>
+              <a:buChar char="×"/>
+              <a:defRPr sz="2400" b="0" i="0" u="none" strike="noStrike" cap="none">
+                <a:solidFill>
+                  <a:schemeClr val="dk1"/>
+                </a:solidFill>
+                <a:latin typeface="Sniglet"/>
+                <a:ea typeface="Sniglet"/>
+                <a:cs typeface="Sniglet"/>
+                <a:sym typeface="Sniglet"/>
+              </a:defRPr>
+            </a:lvl2pPr>
+            <a:lvl3pPr marR="0" lvl="2" algn="l" rtl="0">
+              <a:lnSpc>
+                <a:spcPct val="100000"/>
+              </a:lnSpc>
+              <a:spcBef>
+                <a:spcPts val="480"/>
+              </a:spcBef>
+              <a:spcAft>
+                <a:spcPts val="0"/>
+              </a:spcAft>
+              <a:buClr>
+                <a:schemeClr val="dk1"/>
+              </a:buClr>
+              <a:buSzPct val="100000"/>
+              <a:buFont typeface="Sniglet"/>
+              <a:buChar char="×"/>
+              <a:defRPr sz="2400" b="0" i="0" u="none" strike="noStrike" cap="none">
+                <a:solidFill>
+                  <a:schemeClr val="dk1"/>
+                </a:solidFill>
+                <a:latin typeface="Sniglet"/>
+                <a:ea typeface="Sniglet"/>
+                <a:cs typeface="Sniglet"/>
+                <a:sym typeface="Sniglet"/>
+              </a:defRPr>
+            </a:lvl3pPr>
+            <a:lvl4pPr marR="0" lvl="3" algn="l" rtl="0">
+              <a:lnSpc>
+                <a:spcPct val="100000"/>
+              </a:lnSpc>
+              <a:spcBef>
+                <a:spcPts val="360"/>
+              </a:spcBef>
+              <a:spcAft>
+                <a:spcPts val="0"/>
+              </a:spcAft>
+              <a:buClr>
+                <a:schemeClr val="dk1"/>
+              </a:buClr>
+              <a:buSzPct val="100000"/>
+              <a:buFont typeface="Sniglet"/>
+              <a:buChar char="×"/>
+              <a:defRPr sz="1800" b="0" i="0" u="none" strike="noStrike" cap="none">
+                <a:solidFill>
+                  <a:schemeClr val="dk1"/>
+                </a:solidFill>
+                <a:latin typeface="Sniglet"/>
+                <a:ea typeface="Sniglet"/>
+                <a:cs typeface="Sniglet"/>
+                <a:sym typeface="Sniglet"/>
+              </a:defRPr>
+            </a:lvl4pPr>
+            <a:lvl5pPr marR="0" lvl="4" algn="l" rtl="0">
+              <a:lnSpc>
+                <a:spcPct val="100000"/>
+              </a:lnSpc>
+              <a:spcBef>
+                <a:spcPts val="360"/>
+              </a:spcBef>
+              <a:spcAft>
+                <a:spcPts val="0"/>
+              </a:spcAft>
+              <a:buClr>
+                <a:schemeClr val="dk1"/>
+              </a:buClr>
+              <a:buSzPct val="100000"/>
+              <a:buFont typeface="Sniglet"/>
+              <a:buChar char="×"/>
+              <a:defRPr sz="1800" b="0" i="0" u="none" strike="noStrike" cap="none">
+                <a:solidFill>
+                  <a:schemeClr val="dk1"/>
+                </a:solidFill>
+                <a:latin typeface="Sniglet"/>
+                <a:ea typeface="Sniglet"/>
+                <a:cs typeface="Sniglet"/>
+                <a:sym typeface="Sniglet"/>
+              </a:defRPr>
+            </a:lvl5pPr>
+            <a:lvl6pPr marR="0" lvl="5" algn="l" rtl="0">
+              <a:lnSpc>
+                <a:spcPct val="100000"/>
+              </a:lnSpc>
+              <a:spcBef>
+                <a:spcPts val="360"/>
+              </a:spcBef>
+              <a:spcAft>
+                <a:spcPts val="0"/>
+              </a:spcAft>
+              <a:buClr>
+                <a:schemeClr val="dk1"/>
+              </a:buClr>
+              <a:buSzPct val="100000"/>
+              <a:buFont typeface="Sniglet"/>
+              <a:buChar char="×"/>
+              <a:defRPr sz="1800" b="0" i="0" u="none" strike="noStrike" cap="none">
+                <a:solidFill>
+                  <a:schemeClr val="dk1"/>
+                </a:solidFill>
+                <a:latin typeface="Sniglet"/>
+                <a:ea typeface="Sniglet"/>
+                <a:cs typeface="Sniglet"/>
+                <a:sym typeface="Sniglet"/>
+              </a:defRPr>
+            </a:lvl6pPr>
+            <a:lvl7pPr marR="0" lvl="6" algn="l" rtl="0">
+              <a:lnSpc>
+                <a:spcPct val="100000"/>
+              </a:lnSpc>
+              <a:spcBef>
+                <a:spcPts val="360"/>
+              </a:spcBef>
+              <a:spcAft>
+                <a:spcPts val="0"/>
+              </a:spcAft>
+              <a:buClr>
+                <a:schemeClr val="dk1"/>
+              </a:buClr>
+              <a:buSzPct val="100000"/>
+              <a:buFont typeface="Sniglet"/>
+              <a:buChar char="×"/>
+              <a:defRPr sz="1800" b="0" i="0" u="none" strike="noStrike" cap="none">
+                <a:solidFill>
+                  <a:schemeClr val="dk1"/>
+                </a:solidFill>
+                <a:latin typeface="Sniglet"/>
+                <a:ea typeface="Sniglet"/>
+                <a:cs typeface="Sniglet"/>
+                <a:sym typeface="Sniglet"/>
+              </a:defRPr>
+            </a:lvl7pPr>
+            <a:lvl8pPr marR="0" lvl="7" algn="l" rtl="0">
+              <a:lnSpc>
+                <a:spcPct val="100000"/>
+              </a:lnSpc>
+              <a:spcBef>
+                <a:spcPts val="360"/>
+              </a:spcBef>
+              <a:spcAft>
+                <a:spcPts val="0"/>
+              </a:spcAft>
+              <a:buClr>
+                <a:schemeClr val="dk1"/>
+              </a:buClr>
+              <a:buSzPct val="100000"/>
+              <a:buFont typeface="Sniglet"/>
+              <a:buChar char="×"/>
+              <a:defRPr sz="1800" b="0" i="0" u="none" strike="noStrike" cap="none">
+                <a:solidFill>
+                  <a:schemeClr val="dk1"/>
+                </a:solidFill>
+                <a:latin typeface="Sniglet"/>
+                <a:ea typeface="Sniglet"/>
+                <a:cs typeface="Sniglet"/>
+                <a:sym typeface="Sniglet"/>
+              </a:defRPr>
+            </a:lvl8pPr>
+            <a:lvl9pPr marR="0" lvl="8" algn="l" rtl="0">
+              <a:lnSpc>
+                <a:spcPct val="100000"/>
+              </a:lnSpc>
+              <a:spcBef>
+                <a:spcPts val="360"/>
+              </a:spcBef>
+              <a:spcAft>
+                <a:spcPts val="0"/>
+              </a:spcAft>
+              <a:buClr>
+                <a:schemeClr val="dk1"/>
+              </a:buClr>
+              <a:buSzPct val="100000"/>
+              <a:buFont typeface="Sniglet"/>
+              <a:buChar char="×"/>
+              <a:defRPr sz="1800" b="0" i="0" u="none" strike="noStrike" cap="none">
+                <a:solidFill>
+                  <a:schemeClr val="dk1"/>
+                </a:solidFill>
+                <a:latin typeface="Sniglet"/>
+                <a:ea typeface="Sniglet"/>
+                <a:cs typeface="Sniglet"/>
+                <a:sym typeface="Sniglet"/>
+              </a:defRPr>
+            </a:lvl9pPr>
+          </a:lstStyle>
+          <a:p>
+            <a:pPr>
+              <a:spcBef>
+                <a:spcPts val="0"/>
+              </a:spcBef>
+              <a:buFont typeface="Sniglet"/>
+              <a:buNone/>
+            </a:pPr>
+            <a:r>
+              <a:rPr lang="en" sz="1800" b="1" smtClean="0">
+                <a:solidFill>
+                  <a:srgbClr val="FFFFFF"/>
+                </a:solidFill>
+              </a:rPr>
+              <a:t>Dúvidas?</a:t>
+            </a:r>
+          </a:p>
+          <a:p>
+            <a:pPr>
+              <a:spcBef>
+                <a:spcPts val="0"/>
+              </a:spcBef>
+              <a:buSzPct val="61111"/>
+              <a:buFont typeface="Arial"/>
+              <a:buNone/>
+            </a:pPr>
+            <a:r>
+              <a:rPr lang="en" sz="1800" smtClean="0">
+                <a:solidFill>
+                  <a:srgbClr val="FFFFFF"/>
+                </a:solidFill>
+              </a:rPr>
+              <a:t>Mande para adrianlemess@gmail.com ou renanbastos@gmail.com</a:t>
+            </a:r>
+            <a:endParaRPr lang="en" sz="1800" dirty="0">
+              <a:solidFill>
+                <a:srgbClr val="FFFFFF"/>
+              </a:solidFill>
+            </a:endParaRPr>
+          </a:p>
+        </p:txBody>
+      </p:sp>
+      <p:sp>
+        <p:nvSpPr>
+          <p:cNvPr id="8" name="Shape 248"/>
+          <p:cNvSpPr/>
+          <p:nvPr/>
+        </p:nvSpPr>
+        <p:spPr>
+          <a:xfrm>
+            <a:off x="5608400" y="449600"/>
+            <a:ext cx="2818200" cy="2653800"/>
+          </a:xfrm>
+          <a:prstGeom prst="wedgeEllipseCallout">
+            <a:avLst>
+              <a:gd name="adj1" fmla="val -57425"/>
+              <a:gd name="adj2" fmla="val 37651"/>
+            </a:avLst>
+          </a:prstGeom>
+          <a:solidFill>
+            <a:srgbClr val="FFFFFF"/>
+          </a:solidFill>
+          <a:ln w="76200" cap="flat" cmpd="sng">
+            <a:solidFill>
+              <a:srgbClr val="000000"/>
+            </a:solidFill>
+            <a:prstDash val="solid"/>
+            <a:miter/>
+            <a:headEnd type="none" w="med" len="med"/>
+            <a:tailEnd type="none" w="med" len="med"/>
+          </a:ln>
+        </p:spPr>
+        <p:txBody>
+          <a:bodyPr lIns="91425" tIns="91425" rIns="91425" bIns="91425" anchor="ctr" anchorCtr="0">
+            <a:noAutofit/>
+          </a:bodyPr>
+          <a:lstStyle/>
+          <a:p>
+            <a:pPr lvl="0">
+              <a:spcBef>
+                <a:spcPts val="0"/>
+              </a:spcBef>
+              <a:buNone/>
+            </a:pPr>
+            <a:endParaRPr>
+              <a:solidFill>
+                <a:srgbClr val="FF0000"/>
+              </a:solidFill>
+            </a:endParaRPr>
+          </a:p>
+        </p:txBody>
+      </p:sp>
+      <p:sp>
+        <p:nvSpPr>
+          <p:cNvPr id="9" name="Shape 249"/>
+          <p:cNvSpPr/>
+          <p:nvPr/>
+        </p:nvSpPr>
+        <p:spPr>
+          <a:xfrm>
+            <a:off x="6156176" y="915566"/>
+            <a:ext cx="1648181" cy="1642247"/>
+          </a:xfrm>
+          <a:custGeom>
+            <a:avLst/>
+            <a:gdLst/>
+            <a:ahLst/>
+            <a:cxnLst/>
+            <a:rect l="0" t="0" r="0" b="0"/>
+            <a:pathLst>
+              <a:path w="15290" h="15290" extrusionOk="0">
+                <a:moveTo>
+                  <a:pt x="4519" y="6815"/>
+                </a:moveTo>
+                <a:lnTo>
+                  <a:pt x="4690" y="6839"/>
+                </a:lnTo>
+                <a:lnTo>
+                  <a:pt x="4861" y="6888"/>
+                </a:lnTo>
+                <a:lnTo>
+                  <a:pt x="5007" y="6986"/>
+                </a:lnTo>
+                <a:lnTo>
+                  <a:pt x="5154" y="7084"/>
+                </a:lnTo>
+                <a:lnTo>
+                  <a:pt x="5251" y="7230"/>
+                </a:lnTo>
+                <a:lnTo>
+                  <a:pt x="5325" y="7401"/>
+                </a:lnTo>
+                <a:lnTo>
+                  <a:pt x="5374" y="7572"/>
+                </a:lnTo>
+                <a:lnTo>
+                  <a:pt x="5398" y="7767"/>
+                </a:lnTo>
+                <a:lnTo>
+                  <a:pt x="5374" y="7963"/>
+                </a:lnTo>
+                <a:lnTo>
+                  <a:pt x="5325" y="8134"/>
+                </a:lnTo>
+                <a:lnTo>
+                  <a:pt x="5251" y="8305"/>
+                </a:lnTo>
+                <a:lnTo>
+                  <a:pt x="5154" y="8451"/>
+                </a:lnTo>
+                <a:lnTo>
+                  <a:pt x="5007" y="8549"/>
+                </a:lnTo>
+                <a:lnTo>
+                  <a:pt x="4861" y="8647"/>
+                </a:lnTo>
+                <a:lnTo>
+                  <a:pt x="4690" y="8696"/>
+                </a:lnTo>
+                <a:lnTo>
+                  <a:pt x="4519" y="8720"/>
+                </a:lnTo>
+                <a:lnTo>
+                  <a:pt x="4348" y="8696"/>
+                </a:lnTo>
+                <a:lnTo>
+                  <a:pt x="4177" y="8647"/>
+                </a:lnTo>
+                <a:lnTo>
+                  <a:pt x="4030" y="8549"/>
+                </a:lnTo>
+                <a:lnTo>
+                  <a:pt x="3884" y="8451"/>
+                </a:lnTo>
+                <a:lnTo>
+                  <a:pt x="3786" y="8305"/>
+                </a:lnTo>
+                <a:lnTo>
+                  <a:pt x="3713" y="8134"/>
+                </a:lnTo>
+                <a:lnTo>
+                  <a:pt x="3664" y="7963"/>
+                </a:lnTo>
+                <a:lnTo>
+                  <a:pt x="3640" y="7767"/>
+                </a:lnTo>
+                <a:lnTo>
+                  <a:pt x="3664" y="7572"/>
+                </a:lnTo>
+                <a:lnTo>
+                  <a:pt x="3713" y="7401"/>
+                </a:lnTo>
+                <a:lnTo>
+                  <a:pt x="3786" y="7230"/>
+                </a:lnTo>
+                <a:lnTo>
+                  <a:pt x="3884" y="7084"/>
+                </a:lnTo>
+                <a:lnTo>
+                  <a:pt x="4030" y="6986"/>
+                </a:lnTo>
+                <a:lnTo>
+                  <a:pt x="4177" y="6888"/>
+                </a:lnTo>
+                <a:lnTo>
+                  <a:pt x="4348" y="6839"/>
+                </a:lnTo>
+                <a:lnTo>
+                  <a:pt x="4519" y="6815"/>
+                </a:lnTo>
+                <a:close/>
+                <a:moveTo>
+                  <a:pt x="10771" y="6815"/>
+                </a:moveTo>
+                <a:lnTo>
+                  <a:pt x="10942" y="6839"/>
+                </a:lnTo>
+                <a:lnTo>
+                  <a:pt x="11113" y="6888"/>
+                </a:lnTo>
+                <a:lnTo>
+                  <a:pt x="11260" y="6986"/>
+                </a:lnTo>
+                <a:lnTo>
+                  <a:pt x="11406" y="7084"/>
+                </a:lnTo>
+                <a:lnTo>
+                  <a:pt x="11504" y="7230"/>
+                </a:lnTo>
+                <a:lnTo>
+                  <a:pt x="11577" y="7401"/>
+                </a:lnTo>
+                <a:lnTo>
+                  <a:pt x="11626" y="7572"/>
+                </a:lnTo>
+                <a:lnTo>
+                  <a:pt x="11650" y="7767"/>
+                </a:lnTo>
+                <a:lnTo>
+                  <a:pt x="11626" y="7963"/>
+                </a:lnTo>
+                <a:lnTo>
+                  <a:pt x="11577" y="8134"/>
+                </a:lnTo>
+                <a:lnTo>
+                  <a:pt x="11504" y="8305"/>
+                </a:lnTo>
+                <a:lnTo>
+                  <a:pt x="11406" y="8451"/>
+                </a:lnTo>
+                <a:lnTo>
+                  <a:pt x="11260" y="8549"/>
+                </a:lnTo>
+                <a:lnTo>
+                  <a:pt x="11113" y="8647"/>
+                </a:lnTo>
+                <a:lnTo>
+                  <a:pt x="10942" y="8696"/>
+                </a:lnTo>
+                <a:lnTo>
+                  <a:pt x="10771" y="8720"/>
+                </a:lnTo>
+                <a:lnTo>
+                  <a:pt x="10600" y="8696"/>
+                </a:lnTo>
+                <a:lnTo>
+                  <a:pt x="10429" y="8647"/>
+                </a:lnTo>
+                <a:lnTo>
+                  <a:pt x="10283" y="8549"/>
+                </a:lnTo>
+                <a:lnTo>
+                  <a:pt x="10136" y="8451"/>
+                </a:lnTo>
+                <a:lnTo>
+                  <a:pt x="10038" y="8305"/>
+                </a:lnTo>
+                <a:lnTo>
+                  <a:pt x="9965" y="8134"/>
+                </a:lnTo>
+                <a:lnTo>
+                  <a:pt x="9916" y="7963"/>
+                </a:lnTo>
+                <a:lnTo>
+                  <a:pt x="9892" y="7767"/>
+                </a:lnTo>
+                <a:lnTo>
+                  <a:pt x="9916" y="7572"/>
+                </a:lnTo>
+                <a:lnTo>
+                  <a:pt x="9965" y="7401"/>
+                </a:lnTo>
+                <a:lnTo>
+                  <a:pt x="10038" y="7230"/>
+                </a:lnTo>
+                <a:lnTo>
+                  <a:pt x="10136" y="7084"/>
+                </a:lnTo>
+                <a:lnTo>
+                  <a:pt x="10283" y="6986"/>
+                </a:lnTo>
+                <a:lnTo>
+                  <a:pt x="10429" y="6888"/>
+                </a:lnTo>
+                <a:lnTo>
+                  <a:pt x="10600" y="6839"/>
+                </a:lnTo>
+                <a:lnTo>
+                  <a:pt x="10771" y="6815"/>
+                </a:lnTo>
+                <a:close/>
+                <a:moveTo>
+                  <a:pt x="11308" y="10210"/>
+                </a:moveTo>
+                <a:lnTo>
+                  <a:pt x="11406" y="10234"/>
+                </a:lnTo>
+                <a:lnTo>
+                  <a:pt x="11479" y="10259"/>
+                </a:lnTo>
+                <a:lnTo>
+                  <a:pt x="11577" y="10307"/>
+                </a:lnTo>
+                <a:lnTo>
+                  <a:pt x="11650" y="10356"/>
+                </a:lnTo>
+                <a:lnTo>
+                  <a:pt x="11699" y="10430"/>
+                </a:lnTo>
+                <a:lnTo>
+                  <a:pt x="11748" y="10527"/>
+                </a:lnTo>
+                <a:lnTo>
+                  <a:pt x="11772" y="10625"/>
+                </a:lnTo>
+                <a:lnTo>
+                  <a:pt x="11797" y="10698"/>
+                </a:lnTo>
+                <a:lnTo>
+                  <a:pt x="11772" y="10796"/>
+                </a:lnTo>
+                <a:lnTo>
+                  <a:pt x="11748" y="10894"/>
+                </a:lnTo>
+                <a:lnTo>
+                  <a:pt x="11699" y="10967"/>
+                </a:lnTo>
+                <a:lnTo>
+                  <a:pt x="11650" y="11065"/>
+                </a:lnTo>
+                <a:lnTo>
+                  <a:pt x="11235" y="11431"/>
+                </a:lnTo>
+                <a:lnTo>
+                  <a:pt x="10795" y="11773"/>
+                </a:lnTo>
+                <a:lnTo>
+                  <a:pt x="10307" y="12041"/>
+                </a:lnTo>
+                <a:lnTo>
+                  <a:pt x="9819" y="12286"/>
+                </a:lnTo>
+                <a:lnTo>
+                  <a:pt x="9281" y="12457"/>
+                </a:lnTo>
+                <a:lnTo>
+                  <a:pt x="8768" y="12603"/>
+                </a:lnTo>
+                <a:lnTo>
+                  <a:pt x="8207" y="12676"/>
+                </a:lnTo>
+                <a:lnTo>
+                  <a:pt x="7645" y="12701"/>
+                </a:lnTo>
+                <a:lnTo>
+                  <a:pt x="7083" y="12676"/>
+                </a:lnTo>
+                <a:lnTo>
+                  <a:pt x="6521" y="12603"/>
+                </a:lnTo>
+                <a:lnTo>
+                  <a:pt x="6009" y="12457"/>
+                </a:lnTo>
+                <a:lnTo>
+                  <a:pt x="5471" y="12286"/>
+                </a:lnTo>
+                <a:lnTo>
+                  <a:pt x="4983" y="12041"/>
+                </a:lnTo>
+                <a:lnTo>
+                  <a:pt x="4494" y="11773"/>
+                </a:lnTo>
+                <a:lnTo>
+                  <a:pt x="4055" y="11431"/>
+                </a:lnTo>
+                <a:lnTo>
+                  <a:pt x="3640" y="11065"/>
+                </a:lnTo>
+                <a:lnTo>
+                  <a:pt x="3591" y="10967"/>
+                </a:lnTo>
+                <a:lnTo>
+                  <a:pt x="3542" y="10894"/>
+                </a:lnTo>
+                <a:lnTo>
+                  <a:pt x="3517" y="10796"/>
+                </a:lnTo>
+                <a:lnTo>
+                  <a:pt x="3493" y="10698"/>
+                </a:lnTo>
+                <a:lnTo>
+                  <a:pt x="3517" y="10625"/>
+                </a:lnTo>
+                <a:lnTo>
+                  <a:pt x="3542" y="10527"/>
+                </a:lnTo>
+                <a:lnTo>
+                  <a:pt x="3591" y="10430"/>
+                </a:lnTo>
+                <a:lnTo>
+                  <a:pt x="3640" y="10356"/>
+                </a:lnTo>
+                <a:lnTo>
+                  <a:pt x="3713" y="10307"/>
+                </a:lnTo>
+                <a:lnTo>
+                  <a:pt x="3811" y="10259"/>
+                </a:lnTo>
+                <a:lnTo>
+                  <a:pt x="3884" y="10234"/>
+                </a:lnTo>
+                <a:lnTo>
+                  <a:pt x="3981" y="10210"/>
+                </a:lnTo>
+                <a:lnTo>
+                  <a:pt x="4079" y="10234"/>
+                </a:lnTo>
+                <a:lnTo>
+                  <a:pt x="4177" y="10259"/>
+                </a:lnTo>
+                <a:lnTo>
+                  <a:pt x="4250" y="10307"/>
+                </a:lnTo>
+                <a:lnTo>
+                  <a:pt x="4323" y="10356"/>
+                </a:lnTo>
+                <a:lnTo>
+                  <a:pt x="4690" y="10674"/>
+                </a:lnTo>
+                <a:lnTo>
+                  <a:pt x="5056" y="10942"/>
+                </a:lnTo>
+                <a:lnTo>
+                  <a:pt x="5447" y="11187"/>
+                </a:lnTo>
+                <a:lnTo>
+                  <a:pt x="5862" y="11382"/>
+                </a:lnTo>
+                <a:lnTo>
+                  <a:pt x="6277" y="11529"/>
+                </a:lnTo>
+                <a:lnTo>
+                  <a:pt x="6717" y="11651"/>
+                </a:lnTo>
+                <a:lnTo>
+                  <a:pt x="7181" y="11700"/>
+                </a:lnTo>
+                <a:lnTo>
+                  <a:pt x="7645" y="11724"/>
+                </a:lnTo>
+                <a:lnTo>
+                  <a:pt x="8109" y="11700"/>
+                </a:lnTo>
+                <a:lnTo>
+                  <a:pt x="8573" y="11651"/>
+                </a:lnTo>
+                <a:lnTo>
+                  <a:pt x="9013" y="11529"/>
+                </a:lnTo>
+                <a:lnTo>
+                  <a:pt x="9428" y="11382"/>
+                </a:lnTo>
+                <a:lnTo>
+                  <a:pt x="9843" y="11187"/>
+                </a:lnTo>
+                <a:lnTo>
+                  <a:pt x="10234" y="10942"/>
+                </a:lnTo>
+                <a:lnTo>
+                  <a:pt x="10600" y="10674"/>
+                </a:lnTo>
+                <a:lnTo>
+                  <a:pt x="10966" y="10356"/>
+                </a:lnTo>
+                <a:lnTo>
+                  <a:pt x="11040" y="10307"/>
+                </a:lnTo>
+                <a:lnTo>
+                  <a:pt x="11113" y="10259"/>
+                </a:lnTo>
+                <a:lnTo>
+                  <a:pt x="11211" y="10234"/>
+                </a:lnTo>
+                <a:lnTo>
+                  <a:pt x="11308" y="10210"/>
+                </a:lnTo>
+                <a:close/>
+                <a:moveTo>
+                  <a:pt x="7254" y="1"/>
+                </a:moveTo>
+                <a:lnTo>
+                  <a:pt x="6863" y="50"/>
+                </a:lnTo>
+                <a:lnTo>
+                  <a:pt x="6473" y="99"/>
+                </a:lnTo>
+                <a:lnTo>
+                  <a:pt x="6106" y="147"/>
+                </a:lnTo>
+                <a:lnTo>
+                  <a:pt x="5740" y="245"/>
+                </a:lnTo>
+                <a:lnTo>
+                  <a:pt x="5374" y="343"/>
+                </a:lnTo>
+                <a:lnTo>
+                  <a:pt x="5007" y="465"/>
+                </a:lnTo>
+                <a:lnTo>
+                  <a:pt x="4665" y="611"/>
+                </a:lnTo>
+                <a:lnTo>
+                  <a:pt x="4323" y="758"/>
+                </a:lnTo>
+                <a:lnTo>
+                  <a:pt x="4006" y="929"/>
+                </a:lnTo>
+                <a:lnTo>
+                  <a:pt x="3688" y="1100"/>
+                </a:lnTo>
+                <a:lnTo>
+                  <a:pt x="3371" y="1295"/>
+                </a:lnTo>
+                <a:lnTo>
+                  <a:pt x="3078" y="1515"/>
+                </a:lnTo>
+                <a:lnTo>
+                  <a:pt x="2785" y="1735"/>
+                </a:lnTo>
+                <a:lnTo>
+                  <a:pt x="2516" y="1979"/>
+                </a:lnTo>
+                <a:lnTo>
+                  <a:pt x="2247" y="2248"/>
+                </a:lnTo>
+                <a:lnTo>
+                  <a:pt x="1979" y="2516"/>
+                </a:lnTo>
+                <a:lnTo>
+                  <a:pt x="1735" y="2785"/>
+                </a:lnTo>
+                <a:lnTo>
+                  <a:pt x="1515" y="3078"/>
+                </a:lnTo>
+                <a:lnTo>
+                  <a:pt x="1295" y="3371"/>
+                </a:lnTo>
+                <a:lnTo>
+                  <a:pt x="1100" y="3689"/>
+                </a:lnTo>
+                <a:lnTo>
+                  <a:pt x="929" y="4006"/>
+                </a:lnTo>
+                <a:lnTo>
+                  <a:pt x="758" y="4324"/>
+                </a:lnTo>
+                <a:lnTo>
+                  <a:pt x="611" y="4666"/>
+                </a:lnTo>
+                <a:lnTo>
+                  <a:pt x="465" y="5008"/>
+                </a:lnTo>
+                <a:lnTo>
+                  <a:pt x="342" y="5374"/>
+                </a:lnTo>
+                <a:lnTo>
+                  <a:pt x="245" y="5740"/>
+                </a:lnTo>
+                <a:lnTo>
+                  <a:pt x="147" y="6107"/>
+                </a:lnTo>
+                <a:lnTo>
+                  <a:pt x="98" y="6473"/>
+                </a:lnTo>
+                <a:lnTo>
+                  <a:pt x="49" y="6864"/>
+                </a:lnTo>
+                <a:lnTo>
+                  <a:pt x="1" y="7255"/>
+                </a:lnTo>
+                <a:lnTo>
+                  <a:pt x="1" y="7645"/>
+                </a:lnTo>
+                <a:lnTo>
+                  <a:pt x="1" y="8036"/>
+                </a:lnTo>
+                <a:lnTo>
+                  <a:pt x="49" y="8427"/>
+                </a:lnTo>
+                <a:lnTo>
+                  <a:pt x="98" y="8818"/>
+                </a:lnTo>
+                <a:lnTo>
+                  <a:pt x="147" y="9184"/>
+                </a:lnTo>
+                <a:lnTo>
+                  <a:pt x="245" y="9550"/>
+                </a:lnTo>
+                <a:lnTo>
+                  <a:pt x="342" y="9917"/>
+                </a:lnTo>
+                <a:lnTo>
+                  <a:pt x="465" y="10283"/>
+                </a:lnTo>
+                <a:lnTo>
+                  <a:pt x="611" y="10625"/>
+                </a:lnTo>
+                <a:lnTo>
+                  <a:pt x="758" y="10967"/>
+                </a:lnTo>
+                <a:lnTo>
+                  <a:pt x="929" y="11284"/>
+                </a:lnTo>
+                <a:lnTo>
+                  <a:pt x="1100" y="11602"/>
+                </a:lnTo>
+                <a:lnTo>
+                  <a:pt x="1295" y="11919"/>
+                </a:lnTo>
+                <a:lnTo>
+                  <a:pt x="1515" y="12212"/>
+                </a:lnTo>
+                <a:lnTo>
+                  <a:pt x="1735" y="12506"/>
+                </a:lnTo>
+                <a:lnTo>
+                  <a:pt x="1979" y="12774"/>
+                </a:lnTo>
+                <a:lnTo>
+                  <a:pt x="2247" y="13043"/>
+                </a:lnTo>
+                <a:lnTo>
+                  <a:pt x="2516" y="13311"/>
+                </a:lnTo>
+                <a:lnTo>
+                  <a:pt x="2785" y="13556"/>
+                </a:lnTo>
+                <a:lnTo>
+                  <a:pt x="3078" y="13776"/>
+                </a:lnTo>
+                <a:lnTo>
+                  <a:pt x="3371" y="13995"/>
+                </a:lnTo>
+                <a:lnTo>
+                  <a:pt x="3688" y="14191"/>
+                </a:lnTo>
+                <a:lnTo>
+                  <a:pt x="4006" y="14362"/>
+                </a:lnTo>
+                <a:lnTo>
+                  <a:pt x="4323" y="14533"/>
+                </a:lnTo>
+                <a:lnTo>
+                  <a:pt x="4665" y="14679"/>
+                </a:lnTo>
+                <a:lnTo>
+                  <a:pt x="5007" y="14826"/>
+                </a:lnTo>
+                <a:lnTo>
+                  <a:pt x="5374" y="14948"/>
+                </a:lnTo>
+                <a:lnTo>
+                  <a:pt x="5740" y="15046"/>
+                </a:lnTo>
+                <a:lnTo>
+                  <a:pt x="6106" y="15143"/>
+                </a:lnTo>
+                <a:lnTo>
+                  <a:pt x="6473" y="15192"/>
+                </a:lnTo>
+                <a:lnTo>
+                  <a:pt x="6863" y="15241"/>
+                </a:lnTo>
+                <a:lnTo>
+                  <a:pt x="7254" y="15290"/>
+                </a:lnTo>
+                <a:lnTo>
+                  <a:pt x="8036" y="15290"/>
+                </a:lnTo>
+                <a:lnTo>
+                  <a:pt x="8426" y="15241"/>
+                </a:lnTo>
+                <a:lnTo>
+                  <a:pt x="8817" y="15192"/>
+                </a:lnTo>
+                <a:lnTo>
+                  <a:pt x="9184" y="15143"/>
+                </a:lnTo>
+                <a:lnTo>
+                  <a:pt x="9550" y="15046"/>
+                </a:lnTo>
+                <a:lnTo>
+                  <a:pt x="9916" y="14948"/>
+                </a:lnTo>
+                <a:lnTo>
+                  <a:pt x="10283" y="14826"/>
+                </a:lnTo>
+                <a:lnTo>
+                  <a:pt x="10625" y="14679"/>
+                </a:lnTo>
+                <a:lnTo>
+                  <a:pt x="10966" y="14533"/>
+                </a:lnTo>
+                <a:lnTo>
+                  <a:pt x="11284" y="14362"/>
+                </a:lnTo>
+                <a:lnTo>
+                  <a:pt x="11601" y="14191"/>
+                </a:lnTo>
+                <a:lnTo>
+                  <a:pt x="11919" y="13995"/>
+                </a:lnTo>
+                <a:lnTo>
+                  <a:pt x="12212" y="13776"/>
+                </a:lnTo>
+                <a:lnTo>
+                  <a:pt x="12505" y="13556"/>
+                </a:lnTo>
+                <a:lnTo>
+                  <a:pt x="12774" y="13311"/>
+                </a:lnTo>
+                <a:lnTo>
+                  <a:pt x="13042" y="13043"/>
+                </a:lnTo>
+                <a:lnTo>
+                  <a:pt x="13311" y="12774"/>
+                </a:lnTo>
+                <a:lnTo>
+                  <a:pt x="13555" y="12506"/>
+                </a:lnTo>
+                <a:lnTo>
+                  <a:pt x="13775" y="12212"/>
+                </a:lnTo>
+                <a:lnTo>
+                  <a:pt x="13995" y="11919"/>
+                </a:lnTo>
+                <a:lnTo>
+                  <a:pt x="14190" y="11602"/>
+                </a:lnTo>
+                <a:lnTo>
+                  <a:pt x="14361" y="11284"/>
+                </a:lnTo>
+                <a:lnTo>
+                  <a:pt x="14532" y="10967"/>
+                </a:lnTo>
+                <a:lnTo>
+                  <a:pt x="14679" y="10625"/>
+                </a:lnTo>
+                <a:lnTo>
+                  <a:pt x="14825" y="10283"/>
+                </a:lnTo>
+                <a:lnTo>
+                  <a:pt x="14947" y="9917"/>
+                </a:lnTo>
+                <a:lnTo>
+                  <a:pt x="15045" y="9550"/>
+                </a:lnTo>
+                <a:lnTo>
+                  <a:pt x="15143" y="9184"/>
+                </a:lnTo>
+                <a:lnTo>
+                  <a:pt x="15192" y="8818"/>
+                </a:lnTo>
+                <a:lnTo>
+                  <a:pt x="15240" y="8427"/>
+                </a:lnTo>
+                <a:lnTo>
+                  <a:pt x="15289" y="8036"/>
+                </a:lnTo>
+                <a:lnTo>
+                  <a:pt x="15289" y="7645"/>
+                </a:lnTo>
+                <a:lnTo>
+                  <a:pt x="15289" y="7255"/>
+                </a:lnTo>
+                <a:lnTo>
+                  <a:pt x="15240" y="6864"/>
+                </a:lnTo>
+                <a:lnTo>
+                  <a:pt x="15192" y="6473"/>
+                </a:lnTo>
+                <a:lnTo>
+                  <a:pt x="15143" y="6107"/>
+                </a:lnTo>
+                <a:lnTo>
+                  <a:pt x="15045" y="5740"/>
+                </a:lnTo>
+                <a:lnTo>
+                  <a:pt x="14947" y="5374"/>
+                </a:lnTo>
+                <a:lnTo>
+                  <a:pt x="14825" y="5008"/>
+                </a:lnTo>
+                <a:lnTo>
+                  <a:pt x="14679" y="4666"/>
+                </a:lnTo>
+                <a:lnTo>
+                  <a:pt x="14532" y="4324"/>
+                </a:lnTo>
+                <a:lnTo>
+                  <a:pt x="14361" y="4006"/>
+                </a:lnTo>
+                <a:lnTo>
+                  <a:pt x="14190" y="3689"/>
+                </a:lnTo>
+                <a:lnTo>
+                  <a:pt x="13995" y="3371"/>
+                </a:lnTo>
+                <a:lnTo>
+                  <a:pt x="13775" y="3078"/>
+                </a:lnTo>
+                <a:lnTo>
+                  <a:pt x="13555" y="2785"/>
+                </a:lnTo>
+                <a:lnTo>
+                  <a:pt x="13311" y="2516"/>
+                </a:lnTo>
+                <a:lnTo>
+                  <a:pt x="13042" y="2248"/>
+                </a:lnTo>
+                <a:lnTo>
+                  <a:pt x="12774" y="1979"/>
+                </a:lnTo>
+                <a:lnTo>
+                  <a:pt x="12505" y="1735"/>
+                </a:lnTo>
+                <a:lnTo>
+                  <a:pt x="12212" y="1515"/>
+                </a:lnTo>
+                <a:lnTo>
+                  <a:pt x="11919" y="1295"/>
+                </a:lnTo>
+                <a:lnTo>
+                  <a:pt x="11601" y="1100"/>
+                </a:lnTo>
+                <a:lnTo>
+                  <a:pt x="11284" y="929"/>
+                </a:lnTo>
+                <a:lnTo>
+                  <a:pt x="10966" y="758"/>
+                </a:lnTo>
+                <a:lnTo>
+                  <a:pt x="10625" y="611"/>
+                </a:lnTo>
+                <a:lnTo>
+                  <a:pt x="10283" y="465"/>
+                </a:lnTo>
+                <a:lnTo>
+                  <a:pt x="9916" y="343"/>
+                </a:lnTo>
+                <a:lnTo>
+                  <a:pt x="9550" y="245"/>
+                </a:lnTo>
+                <a:lnTo>
+                  <a:pt x="9184" y="147"/>
+                </a:lnTo>
+                <a:lnTo>
+                  <a:pt x="8817" y="99"/>
+                </a:lnTo>
+                <a:lnTo>
+                  <a:pt x="8426" y="50"/>
+                </a:lnTo>
+                <a:lnTo>
+                  <a:pt x="8036" y="1"/>
+                </a:lnTo>
+                <a:close/>
+              </a:path>
+            </a:pathLst>
+          </a:custGeom>
+          <a:solidFill>
+            <a:srgbClr val="FFA300"/>
+          </a:solidFill>
+          <a:ln>
+            <a:noFill/>
+          </a:ln>
+        </p:spPr>
+        <p:txBody>
+          <a:bodyPr lIns="91425" tIns="91425" rIns="91425" bIns="91425" anchor="ctr" anchorCtr="0">
+            <a:noAutofit/>
+          </a:bodyPr>
+          <a:lstStyle/>
+          <a:p>
+            <a:pPr lvl="0">
+              <a:spcBef>
+                <a:spcPts val="0"/>
+              </a:spcBef>
+              <a:buNone/>
+            </a:pPr>
+            <a:endParaRPr/>
+          </a:p>
+        </p:txBody>
+      </p:sp>
+    </p:spTree>
+    <p:extLst>
+      <p:ext uri="{BB962C8B-B14F-4D97-AF65-F5344CB8AC3E}">
+        <p14:creationId xmlns:p14="http://schemas.microsoft.com/office/powerpoint/2010/main" val="1925826240"/>
       </p:ext>
     </p:extLst>
   </p:cSld>
@@ -22580,7 +23317,7 @@
           <a:blip r:embed="rId3">
             <a:extLst>
               <a:ext uri="{28A0092B-C50C-407E-A947-70E740481C1C}">
-                <a14:useLocalDpi xmlns:a14="http://schemas.microsoft.com/office/drawing/2010/main" xmlns="" val="0"/>
+                <a14:useLocalDpi xmlns:a14="http://schemas.microsoft.com/office/drawing/2010/main" val="0"/>
               </a:ext>
             </a:extLst>
           </a:blip>
@@ -22641,7 +23378,7 @@
     </p:spTree>
     <p:extLst>
       <p:ext uri="{BB962C8B-B14F-4D97-AF65-F5344CB8AC3E}">
-        <p14:creationId xmlns:p14="http://schemas.microsoft.com/office/powerpoint/2010/main" xmlns="" val="2640682985"/>
+        <p14:creationId xmlns:p14="http://schemas.microsoft.com/office/powerpoint/2010/main" val="2640682985"/>
       </p:ext>
     </p:extLst>
   </p:cSld>
@@ -22695,7 +23432,7 @@
           <a:blip r:embed="rId3">
             <a:extLst>
               <a:ext uri="{28A0092B-C50C-407E-A947-70E740481C1C}">
-                <a14:useLocalDpi xmlns:a14="http://schemas.microsoft.com/office/drawing/2010/main" xmlns="" val="0"/>
+                <a14:useLocalDpi xmlns:a14="http://schemas.microsoft.com/office/drawing/2010/main" val="0"/>
               </a:ext>
             </a:extLst>
           </a:blip>
@@ -22719,7 +23456,7 @@
           <a:effectLst/>
           <a:extLst>
             <a:ext uri="{909E8E84-426E-40DD-AFC4-6F175D3DCCD1}">
-              <a14:hiddenFill xmlns:a14="http://schemas.microsoft.com/office/drawing/2010/main" xmlns="">
+              <a14:hiddenFill xmlns:a14="http://schemas.microsoft.com/office/drawing/2010/main">
                 <a:blipFill dpi="0" rotWithShape="0">
                   <a:blip/>
                   <a:srcRect/>
@@ -22730,7 +23467,7 @@
               </a14:hiddenFill>
             </a:ext>
             <a:ext uri="{91240B29-F687-4F45-9708-019B960494DF}">
-              <a14:hiddenLine xmlns:a14="http://schemas.microsoft.com/office/drawing/2010/main" xmlns="" w="9525">
+              <a14:hiddenLine xmlns:a14="http://schemas.microsoft.com/office/drawing/2010/main" w="9525">
                 <a:solidFill>
                   <a:srgbClr val="000000"/>
                 </a:solidFill>
@@ -22740,7 +23477,7 @@
               </a14:hiddenLine>
             </a:ext>
             <a:ext uri="{AF507438-7753-43E0-B8FC-AC1667EBCBE1}">
-              <a14:hiddenEffects xmlns:a14="http://schemas.microsoft.com/office/drawing/2010/main" xmlns="">
+              <a14:hiddenEffects xmlns:a14="http://schemas.microsoft.com/office/drawing/2010/main">
                 <a:effectLst>
                   <a:outerShdw dist="35921" dir="2700000" algn="ctr" rotWithShape="0">
                     <a:srgbClr val="808080"/>
@@ -22903,7 +23640,7 @@
           <a:blip r:embed="rId3">
             <a:extLst>
               <a:ext uri="{28A0092B-C50C-407E-A947-70E740481C1C}">
-                <a14:useLocalDpi xmlns:a14="http://schemas.microsoft.com/office/drawing/2010/main" xmlns="" val="0"/>
+                <a14:useLocalDpi xmlns:a14="http://schemas.microsoft.com/office/drawing/2010/main" val="0"/>
               </a:ext>
             </a:extLst>
           </a:blip>
@@ -22933,7 +23670,7 @@
           <a:blip r:embed="rId4">
             <a:extLst>
               <a:ext uri="{28A0092B-C50C-407E-A947-70E740481C1C}">
-                <a14:useLocalDpi xmlns:a14="http://schemas.microsoft.com/office/drawing/2010/main" xmlns="" val="0"/>
+                <a14:useLocalDpi xmlns:a14="http://schemas.microsoft.com/office/drawing/2010/main" val="0"/>
               </a:ext>
             </a:extLst>
           </a:blip>
@@ -22953,7 +23690,7 @@
           <a:noFill/>
           <a:extLst>
             <a:ext uri="{909E8E84-426E-40DD-AFC4-6F175D3DCCD1}">
-              <a14:hiddenFill xmlns:a14="http://schemas.microsoft.com/office/drawing/2010/main" xmlns="">
+              <a14:hiddenFill xmlns:a14="http://schemas.microsoft.com/office/drawing/2010/main">
                 <a:solidFill>
                   <a:srgbClr val="FFFFFF"/>
                 </a:solidFill>
@@ -23525,6 +24262,46 @@
               </a:rPr>
               <a:t>V8 </a:t>
             </a:r>
+          </a:p>
+        </p:txBody>
+      </p:sp>
+      <p:sp>
+        <p:nvSpPr>
+          <p:cNvPr id="4" name="Elipse 3"/>
+          <p:cNvSpPr/>
+          <p:nvPr/>
+        </p:nvSpPr>
+        <p:spPr>
+          <a:xfrm>
+            <a:off x="8460432" y="267494"/>
+            <a:ext cx="216024" cy="144016"/>
+          </a:xfrm>
+          <a:prstGeom prst="ellipse">
+            <a:avLst/>
+          </a:prstGeom>
+        </p:spPr>
+        <p:style>
+          <a:lnRef idx="2">
+            <a:schemeClr val="accent1">
+              <a:shade val="50000"/>
+            </a:schemeClr>
+          </a:lnRef>
+          <a:fillRef idx="1">
+            <a:schemeClr val="accent1"/>
+          </a:fillRef>
+          <a:effectRef idx="0">
+            <a:schemeClr val="accent1"/>
+          </a:effectRef>
+          <a:fontRef idx="minor">
+            <a:schemeClr val="lt1"/>
+          </a:fontRef>
+        </p:style>
+        <p:txBody>
+          <a:bodyPr rtlCol="0" anchor="ctr"/>
+          <a:lstStyle/>
+          <a:p>
+            <a:pPr algn="ctr"/>
+            <a:endParaRPr lang="pt-BR"/>
           </a:p>
         </p:txBody>
       </p:sp>
